--- a/final-project/report/img/img.pptx
+++ b/final-project/report/img/img.pptx
@@ -2,19 +2,379 @@
 <file path=ppt/presentation.xml><?xml version="1.0" encoding="utf-8"?>
 <p:presentation xmlns:a="http://schemas.openxmlformats.org/drawingml/2006/main" xmlns:r="http://schemas.openxmlformats.org/officeDocument/2006/relationships" xmlns:p="http://schemas.openxmlformats.org/presentationml/2006/main" saveSubsetFonts="1">
   <p:sldMasterIdLst>
-    <p:sldMasterId id="2147483648" r:id="rId1"/>
+    <p:sldMasterId id="2147483660" r:id="rId1"/>
   </p:sldMasterIdLst>
+  <p:notesMasterIdLst>
+    <p:notesMasterId r:id="rId5"/>
+  </p:notesMasterIdLst>
   <p:sldIdLst>
-    <p:sldId id="256" r:id="rId2"/>
+    <p:sldId id="349" r:id="rId2"/>
+    <p:sldId id="350" r:id="rId3"/>
+    <p:sldId id="351" r:id="rId4"/>
   </p:sldIdLst>
-  <p:sldSz cx="12192000" cy="6858000"/>
+  <p:sldSz cx="21599525" cy="21599525"/>
   <p:notesSz cx="6858000" cy="9144000"/>
   <p:defaultTextStyle>
     <a:defPPr>
       <a:defRPr lang="zh-TW"/>
     </a:defPPr>
+    <a:lvl1pPr marL="0" algn="l" defTabSz="2072600" rtl="0" eaLnBrk="1" latinLnBrk="0" hangingPunct="1">
+      <a:defRPr sz="4082" kern="1200">
+        <a:solidFill>
+          <a:schemeClr val="tx1"/>
+        </a:solidFill>
+        <a:latin typeface="+mn-lt"/>
+        <a:ea typeface="+mn-ea"/>
+        <a:cs typeface="+mn-cs"/>
+      </a:defRPr>
+    </a:lvl1pPr>
+    <a:lvl2pPr marL="1036300" algn="l" defTabSz="2072600" rtl="0" eaLnBrk="1" latinLnBrk="0" hangingPunct="1">
+      <a:defRPr sz="4082" kern="1200">
+        <a:solidFill>
+          <a:schemeClr val="tx1"/>
+        </a:solidFill>
+        <a:latin typeface="+mn-lt"/>
+        <a:ea typeface="+mn-ea"/>
+        <a:cs typeface="+mn-cs"/>
+      </a:defRPr>
+    </a:lvl2pPr>
+    <a:lvl3pPr marL="2072600" algn="l" defTabSz="2072600" rtl="0" eaLnBrk="1" latinLnBrk="0" hangingPunct="1">
+      <a:defRPr sz="4082" kern="1200">
+        <a:solidFill>
+          <a:schemeClr val="tx1"/>
+        </a:solidFill>
+        <a:latin typeface="+mn-lt"/>
+        <a:ea typeface="+mn-ea"/>
+        <a:cs typeface="+mn-cs"/>
+      </a:defRPr>
+    </a:lvl3pPr>
+    <a:lvl4pPr marL="3108902" algn="l" defTabSz="2072600" rtl="0" eaLnBrk="1" latinLnBrk="0" hangingPunct="1">
+      <a:defRPr sz="4082" kern="1200">
+        <a:solidFill>
+          <a:schemeClr val="tx1"/>
+        </a:solidFill>
+        <a:latin typeface="+mn-lt"/>
+        <a:ea typeface="+mn-ea"/>
+        <a:cs typeface="+mn-cs"/>
+      </a:defRPr>
+    </a:lvl4pPr>
+    <a:lvl5pPr marL="4145205" algn="l" defTabSz="2072600" rtl="0" eaLnBrk="1" latinLnBrk="0" hangingPunct="1">
+      <a:defRPr sz="4082" kern="1200">
+        <a:solidFill>
+          <a:schemeClr val="tx1"/>
+        </a:solidFill>
+        <a:latin typeface="+mn-lt"/>
+        <a:ea typeface="+mn-ea"/>
+        <a:cs typeface="+mn-cs"/>
+      </a:defRPr>
+    </a:lvl5pPr>
+    <a:lvl6pPr marL="5181502" algn="l" defTabSz="2072600" rtl="0" eaLnBrk="1" latinLnBrk="0" hangingPunct="1">
+      <a:defRPr sz="4082" kern="1200">
+        <a:solidFill>
+          <a:schemeClr val="tx1"/>
+        </a:solidFill>
+        <a:latin typeface="+mn-lt"/>
+        <a:ea typeface="+mn-ea"/>
+        <a:cs typeface="+mn-cs"/>
+      </a:defRPr>
+    </a:lvl6pPr>
+    <a:lvl7pPr marL="6217805" algn="l" defTabSz="2072600" rtl="0" eaLnBrk="1" latinLnBrk="0" hangingPunct="1">
+      <a:defRPr sz="4082" kern="1200">
+        <a:solidFill>
+          <a:schemeClr val="tx1"/>
+        </a:solidFill>
+        <a:latin typeface="+mn-lt"/>
+        <a:ea typeface="+mn-ea"/>
+        <a:cs typeface="+mn-cs"/>
+      </a:defRPr>
+    </a:lvl7pPr>
+    <a:lvl8pPr marL="7254105" algn="l" defTabSz="2072600" rtl="0" eaLnBrk="1" latinLnBrk="0" hangingPunct="1">
+      <a:defRPr sz="4082" kern="1200">
+        <a:solidFill>
+          <a:schemeClr val="tx1"/>
+        </a:solidFill>
+        <a:latin typeface="+mn-lt"/>
+        <a:ea typeface="+mn-ea"/>
+        <a:cs typeface="+mn-cs"/>
+      </a:defRPr>
+    </a:lvl8pPr>
+    <a:lvl9pPr marL="8290405" algn="l" defTabSz="2072600" rtl="0" eaLnBrk="1" latinLnBrk="0" hangingPunct="1">
+      <a:defRPr sz="4082" kern="1200">
+        <a:solidFill>
+          <a:schemeClr val="tx1"/>
+        </a:solidFill>
+        <a:latin typeface="+mn-lt"/>
+        <a:ea typeface="+mn-ea"/>
+        <a:cs typeface="+mn-cs"/>
+      </a:defRPr>
+    </a:lvl9pPr>
+  </p:defaultTextStyle>
+  <p:extLst>
+    <p:ext uri="{EFAFB233-063F-42B5-8137-9DF3F51BA10A}">
+      <p15:sldGuideLst xmlns:p15="http://schemas.microsoft.com/office/powerpoint/2012/main"/>
+    </p:ext>
+  </p:extLst>
+</p:presentation>
+</file>
+
+<file path=ppt/notesMasters/notesMaster1.xml><?xml version="1.0" encoding="utf-8"?>
+<p:notesMaster xmlns:a="http://schemas.openxmlformats.org/drawingml/2006/main" xmlns:r="http://schemas.openxmlformats.org/officeDocument/2006/relationships" xmlns:p="http://schemas.openxmlformats.org/presentationml/2006/main">
+  <p:cSld>
+    <p:bg>
+      <p:bgRef idx="1001">
+        <a:schemeClr val="bg1"/>
+      </p:bgRef>
+    </p:bg>
+    <p:spTree>
+      <p:nvGrpSpPr>
+        <p:cNvPr id="1" name=""/>
+        <p:cNvGrpSpPr/>
+        <p:nvPr/>
+      </p:nvGrpSpPr>
+      <p:grpSpPr>
+        <a:xfrm>
+          <a:off x="0" y="0"/>
+          <a:ext cx="0" cy="0"/>
+          <a:chOff x="0" y="0"/>
+          <a:chExt cx="0" cy="0"/>
+        </a:xfrm>
+      </p:grpSpPr>
+      <p:sp>
+        <p:nvSpPr>
+          <p:cNvPr id="2" name="頁首版面配置區 1"/>
+          <p:cNvSpPr>
+            <a:spLocks noGrp="1"/>
+          </p:cNvSpPr>
+          <p:nvPr>
+            <p:ph type="hdr" sz="quarter"/>
+          </p:nvPr>
+        </p:nvSpPr>
+        <p:spPr>
+          <a:xfrm>
+            <a:off x="0" y="0"/>
+            <a:ext cx="2971800" cy="458788"/>
+          </a:xfrm>
+          <a:prstGeom prst="rect">
+            <a:avLst/>
+          </a:prstGeom>
+        </p:spPr>
+        <p:txBody>
+          <a:bodyPr vert="horz" lIns="91440" tIns="45720" rIns="91440" bIns="45720" rtlCol="0"/>
+          <a:lstStyle>
+            <a:lvl1pPr algn="l">
+              <a:defRPr sz="1200"/>
+            </a:lvl1pPr>
+          </a:lstStyle>
+          <a:p>
+            <a:endParaRPr lang="zh-TW" altLang="en-US"/>
+          </a:p>
+        </p:txBody>
+      </p:sp>
+      <p:sp>
+        <p:nvSpPr>
+          <p:cNvPr id="3" name="日期版面配置區 2"/>
+          <p:cNvSpPr>
+            <a:spLocks noGrp="1"/>
+          </p:cNvSpPr>
+          <p:nvPr>
+            <p:ph type="dt" idx="1"/>
+          </p:nvPr>
+        </p:nvSpPr>
+        <p:spPr>
+          <a:xfrm>
+            <a:off x="3884613" y="0"/>
+            <a:ext cx="2971800" cy="458788"/>
+          </a:xfrm>
+          <a:prstGeom prst="rect">
+            <a:avLst/>
+          </a:prstGeom>
+        </p:spPr>
+        <p:txBody>
+          <a:bodyPr vert="horz" lIns="91440" tIns="45720" rIns="91440" bIns="45720" rtlCol="0"/>
+          <a:lstStyle>
+            <a:lvl1pPr algn="r">
+              <a:defRPr sz="1200"/>
+            </a:lvl1pPr>
+          </a:lstStyle>
+          <a:p>
+            <a:fld id="{5DF3E262-87A9-4FD0-801D-11C30F528353}" type="datetimeFigureOut">
+              <a:rPr lang="zh-TW" altLang="en-US" smtClean="0"/>
+              <a:t>2021/6/9</a:t>
+            </a:fld>
+            <a:endParaRPr lang="zh-TW" altLang="en-US"/>
+          </a:p>
+        </p:txBody>
+      </p:sp>
+      <p:sp>
+        <p:nvSpPr>
+          <p:cNvPr id="4" name="投影片圖像版面配置區 3"/>
+          <p:cNvSpPr>
+            <a:spLocks noGrp="1" noRot="1" noChangeAspect="1"/>
+          </p:cNvSpPr>
+          <p:nvPr>
+            <p:ph type="sldImg" idx="2"/>
+          </p:nvPr>
+        </p:nvSpPr>
+        <p:spPr>
+          <a:xfrm>
+            <a:off x="1885950" y="1143000"/>
+            <a:ext cx="3086100" cy="3086100"/>
+          </a:xfrm>
+          <a:prstGeom prst="rect">
+            <a:avLst/>
+          </a:prstGeom>
+          <a:noFill/>
+          <a:ln w="12700">
+            <a:solidFill>
+              <a:prstClr val="black"/>
+            </a:solidFill>
+          </a:ln>
+        </p:spPr>
+        <p:txBody>
+          <a:bodyPr vert="horz" lIns="91440" tIns="45720" rIns="91440" bIns="45720" rtlCol="0" anchor="ctr"/>
+          <a:lstStyle/>
+          <a:p>
+            <a:endParaRPr lang="zh-TW" altLang="en-US"/>
+          </a:p>
+        </p:txBody>
+      </p:sp>
+      <p:sp>
+        <p:nvSpPr>
+          <p:cNvPr id="5" name="備忘稿版面配置區 4"/>
+          <p:cNvSpPr>
+            <a:spLocks noGrp="1"/>
+          </p:cNvSpPr>
+          <p:nvPr>
+            <p:ph type="body" sz="quarter" idx="3"/>
+          </p:nvPr>
+        </p:nvSpPr>
+        <p:spPr>
+          <a:xfrm>
+            <a:off x="685800" y="4400550"/>
+            <a:ext cx="5486400" cy="3600450"/>
+          </a:xfrm>
+          <a:prstGeom prst="rect">
+            <a:avLst/>
+          </a:prstGeom>
+        </p:spPr>
+        <p:txBody>
+          <a:bodyPr vert="horz" lIns="91440" tIns="45720" rIns="91440" bIns="45720" rtlCol="0"/>
+          <a:lstStyle/>
+          <a:p>
+            <a:pPr lvl="0"/>
+            <a:r>
+              <a:rPr lang="zh-TW" altLang="en-US" smtClean="0"/>
+              <a:t>按一下以編輯母片文字樣式</a:t>
+            </a:r>
+          </a:p>
+          <a:p>
+            <a:pPr lvl="1"/>
+            <a:r>
+              <a:rPr lang="zh-TW" altLang="en-US" smtClean="0"/>
+              <a:t>第二層</a:t>
+            </a:r>
+          </a:p>
+          <a:p>
+            <a:pPr lvl="2"/>
+            <a:r>
+              <a:rPr lang="zh-TW" altLang="en-US" smtClean="0"/>
+              <a:t>第三層</a:t>
+            </a:r>
+          </a:p>
+          <a:p>
+            <a:pPr lvl="3"/>
+            <a:r>
+              <a:rPr lang="zh-TW" altLang="en-US" smtClean="0"/>
+              <a:t>第四層</a:t>
+            </a:r>
+          </a:p>
+          <a:p>
+            <a:pPr lvl="4"/>
+            <a:r>
+              <a:rPr lang="zh-TW" altLang="en-US" smtClean="0"/>
+              <a:t>第五層</a:t>
+            </a:r>
+            <a:endParaRPr lang="zh-TW" altLang="en-US"/>
+          </a:p>
+        </p:txBody>
+      </p:sp>
+      <p:sp>
+        <p:nvSpPr>
+          <p:cNvPr id="6" name="頁尾版面配置區 5"/>
+          <p:cNvSpPr>
+            <a:spLocks noGrp="1"/>
+          </p:cNvSpPr>
+          <p:nvPr>
+            <p:ph type="ftr" sz="quarter" idx="4"/>
+          </p:nvPr>
+        </p:nvSpPr>
+        <p:spPr>
+          <a:xfrm>
+            <a:off x="0" y="8685213"/>
+            <a:ext cx="2971800" cy="458787"/>
+          </a:xfrm>
+          <a:prstGeom prst="rect">
+            <a:avLst/>
+          </a:prstGeom>
+        </p:spPr>
+        <p:txBody>
+          <a:bodyPr vert="horz" lIns="91440" tIns="45720" rIns="91440" bIns="45720" rtlCol="0" anchor="b"/>
+          <a:lstStyle>
+            <a:lvl1pPr algn="l">
+              <a:defRPr sz="1200"/>
+            </a:lvl1pPr>
+          </a:lstStyle>
+          <a:p>
+            <a:endParaRPr lang="zh-TW" altLang="en-US"/>
+          </a:p>
+        </p:txBody>
+      </p:sp>
+      <p:sp>
+        <p:nvSpPr>
+          <p:cNvPr id="7" name="投影片編號版面配置區 6"/>
+          <p:cNvSpPr>
+            <a:spLocks noGrp="1"/>
+          </p:cNvSpPr>
+          <p:nvPr>
+            <p:ph type="sldNum" sz="quarter" idx="5"/>
+          </p:nvPr>
+        </p:nvSpPr>
+        <p:spPr>
+          <a:xfrm>
+            <a:off x="3884613" y="8685213"/>
+            <a:ext cx="2971800" cy="458787"/>
+          </a:xfrm>
+          <a:prstGeom prst="rect">
+            <a:avLst/>
+          </a:prstGeom>
+        </p:spPr>
+        <p:txBody>
+          <a:bodyPr vert="horz" lIns="91440" tIns="45720" rIns="91440" bIns="45720" rtlCol="0" anchor="b"/>
+          <a:lstStyle>
+            <a:lvl1pPr algn="r">
+              <a:defRPr sz="1200"/>
+            </a:lvl1pPr>
+          </a:lstStyle>
+          <a:p>
+            <a:fld id="{6E1C9CAC-9358-49DD-9977-4B7D28ACBE36}" type="slidenum">
+              <a:rPr lang="zh-TW" altLang="en-US" smtClean="0"/>
+              <a:t>‹#›</a:t>
+            </a:fld>
+            <a:endParaRPr lang="zh-TW" altLang="en-US"/>
+          </a:p>
+        </p:txBody>
+      </p:sp>
+    </p:spTree>
+    <p:extLst>
+      <p:ext uri="{BB962C8B-B14F-4D97-AF65-F5344CB8AC3E}">
+        <p14:creationId xmlns:p14="http://schemas.microsoft.com/office/powerpoint/2010/main" val="2689989090"/>
+      </p:ext>
+    </p:extLst>
+  </p:cSld>
+  <p:clrMap bg1="lt1" tx1="dk1" bg2="lt2" tx2="dk2" accent1="accent1" accent2="accent2" accent3="accent3" accent4="accent4" accent5="accent5" accent6="accent6" hlink="hlink" folHlink="folHlink"/>
+  <p:notesStyle>
     <a:lvl1pPr marL="0" algn="l" defTabSz="914400" rtl="0" eaLnBrk="1" latinLnBrk="0" hangingPunct="1">
-      <a:defRPr sz="1800" kern="1200">
+      <a:defRPr sz="1200" kern="1200">
         <a:solidFill>
           <a:schemeClr val="tx1"/>
         </a:solidFill>
@@ -24,7 +384,7 @@
       </a:defRPr>
     </a:lvl1pPr>
     <a:lvl2pPr marL="457200" algn="l" defTabSz="914400" rtl="0" eaLnBrk="1" latinLnBrk="0" hangingPunct="1">
-      <a:defRPr sz="1800" kern="1200">
+      <a:defRPr sz="1200" kern="1200">
         <a:solidFill>
           <a:schemeClr val="tx1"/>
         </a:solidFill>
@@ -34,7 +394,7 @@
       </a:defRPr>
     </a:lvl2pPr>
     <a:lvl3pPr marL="914400" algn="l" defTabSz="914400" rtl="0" eaLnBrk="1" latinLnBrk="0" hangingPunct="1">
-      <a:defRPr sz="1800" kern="1200">
+      <a:defRPr sz="1200" kern="1200">
         <a:solidFill>
           <a:schemeClr val="tx1"/>
         </a:solidFill>
@@ -44,7 +404,7 @@
       </a:defRPr>
     </a:lvl3pPr>
     <a:lvl4pPr marL="1371600" algn="l" defTabSz="914400" rtl="0" eaLnBrk="1" latinLnBrk="0" hangingPunct="1">
-      <a:defRPr sz="1800" kern="1200">
+      <a:defRPr sz="1200" kern="1200">
         <a:solidFill>
           <a:schemeClr val="tx1"/>
         </a:solidFill>
@@ -54,7 +414,7 @@
       </a:defRPr>
     </a:lvl4pPr>
     <a:lvl5pPr marL="1828800" algn="l" defTabSz="914400" rtl="0" eaLnBrk="1" latinLnBrk="0" hangingPunct="1">
-      <a:defRPr sz="1800" kern="1200">
+      <a:defRPr sz="1200" kern="1200">
         <a:solidFill>
           <a:schemeClr val="tx1"/>
         </a:solidFill>
@@ -64,7 +424,7 @@
       </a:defRPr>
     </a:lvl5pPr>
     <a:lvl6pPr marL="2286000" algn="l" defTabSz="914400" rtl="0" eaLnBrk="1" latinLnBrk="0" hangingPunct="1">
-      <a:defRPr sz="1800" kern="1200">
+      <a:defRPr sz="1200" kern="1200">
         <a:solidFill>
           <a:schemeClr val="tx1"/>
         </a:solidFill>
@@ -74,7 +434,7 @@
       </a:defRPr>
     </a:lvl6pPr>
     <a:lvl7pPr marL="2743200" algn="l" defTabSz="914400" rtl="0" eaLnBrk="1" latinLnBrk="0" hangingPunct="1">
-      <a:defRPr sz="1800" kern="1200">
+      <a:defRPr sz="1200" kern="1200">
         <a:solidFill>
           <a:schemeClr val="tx1"/>
         </a:solidFill>
@@ -84,7 +444,7 @@
       </a:defRPr>
     </a:lvl7pPr>
     <a:lvl8pPr marL="3200400" algn="l" defTabSz="914400" rtl="0" eaLnBrk="1" latinLnBrk="0" hangingPunct="1">
-      <a:defRPr sz="1800" kern="1200">
+      <a:defRPr sz="1200" kern="1200">
         <a:solidFill>
           <a:schemeClr val="tx1"/>
         </a:solidFill>
@@ -94,7 +454,7 @@
       </a:defRPr>
     </a:lvl8pPr>
     <a:lvl9pPr marL="3657600" algn="l" defTabSz="914400" rtl="0" eaLnBrk="1" latinLnBrk="0" hangingPunct="1">
-      <a:defRPr sz="1800" kern="1200">
+      <a:defRPr sz="1200" kern="1200">
         <a:solidFill>
           <a:schemeClr val="tx1"/>
         </a:solidFill>
@@ -103,8 +463,260 @@
         <a:cs typeface="+mn-cs"/>
       </a:defRPr>
     </a:lvl9pPr>
-  </p:defaultTextStyle>
-</p:presentation>
+  </p:notesStyle>
+</p:notesMaster>
+</file>
+
+<file path=ppt/notesSlides/notesSlide1.xml><?xml version="1.0" encoding="utf-8"?>
+<p:notes xmlns:a="http://schemas.openxmlformats.org/drawingml/2006/main" xmlns:r="http://schemas.openxmlformats.org/officeDocument/2006/relationships" xmlns:p="http://schemas.openxmlformats.org/presentationml/2006/main">
+  <p:cSld>
+    <p:spTree>
+      <p:nvGrpSpPr>
+        <p:cNvPr id="1" name=""/>
+        <p:cNvGrpSpPr/>
+        <p:nvPr/>
+      </p:nvGrpSpPr>
+      <p:grpSpPr>
+        <a:xfrm>
+          <a:off x="0" y="0"/>
+          <a:ext cx="0" cy="0"/>
+          <a:chOff x="0" y="0"/>
+          <a:chExt cx="0" cy="0"/>
+        </a:xfrm>
+      </p:grpSpPr>
+      <p:sp>
+        <p:nvSpPr>
+          <p:cNvPr id="2" name="投影片圖像版面配置區 1"/>
+          <p:cNvSpPr>
+            <a:spLocks noGrp="1" noRot="1" noChangeAspect="1"/>
+          </p:cNvSpPr>
+          <p:nvPr>
+            <p:ph type="sldImg"/>
+          </p:nvPr>
+        </p:nvSpPr>
+        <p:spPr/>
+      </p:sp>
+      <p:sp>
+        <p:nvSpPr>
+          <p:cNvPr id="3" name="備忘稿版面配置區 2"/>
+          <p:cNvSpPr>
+            <a:spLocks noGrp="1"/>
+          </p:cNvSpPr>
+          <p:nvPr>
+            <p:ph type="body" idx="1"/>
+          </p:nvPr>
+        </p:nvSpPr>
+        <p:spPr/>
+        <p:txBody>
+          <a:bodyPr/>
+          <a:lstStyle/>
+          <a:p>
+            <a:endParaRPr lang="zh-TW" altLang="en-US" dirty="0"/>
+          </a:p>
+        </p:txBody>
+      </p:sp>
+      <p:sp>
+        <p:nvSpPr>
+          <p:cNvPr id="4" name="投影片編號版面配置區 3"/>
+          <p:cNvSpPr>
+            <a:spLocks noGrp="1"/>
+          </p:cNvSpPr>
+          <p:nvPr>
+            <p:ph type="sldNum" sz="quarter" idx="10"/>
+          </p:nvPr>
+        </p:nvSpPr>
+        <p:spPr/>
+        <p:txBody>
+          <a:bodyPr/>
+          <a:lstStyle/>
+          <a:p>
+            <a:fld id="{6E1C9CAC-9358-49DD-9977-4B7D28ACBE36}" type="slidenum">
+              <a:rPr lang="zh-TW" altLang="en-US" smtClean="0"/>
+              <a:t>1</a:t>
+            </a:fld>
+            <a:endParaRPr lang="zh-TW" altLang="en-US"/>
+          </a:p>
+        </p:txBody>
+      </p:sp>
+    </p:spTree>
+    <p:extLst>
+      <p:ext uri="{BB962C8B-B14F-4D97-AF65-F5344CB8AC3E}">
+        <p14:creationId xmlns:p14="http://schemas.microsoft.com/office/powerpoint/2010/main" val="4132295602"/>
+      </p:ext>
+    </p:extLst>
+  </p:cSld>
+  <p:clrMapOvr>
+    <a:masterClrMapping/>
+  </p:clrMapOvr>
+</p:notes>
+</file>
+
+<file path=ppt/notesSlides/notesSlide2.xml><?xml version="1.0" encoding="utf-8"?>
+<p:notes xmlns:a="http://schemas.openxmlformats.org/drawingml/2006/main" xmlns:r="http://schemas.openxmlformats.org/officeDocument/2006/relationships" xmlns:p="http://schemas.openxmlformats.org/presentationml/2006/main">
+  <p:cSld>
+    <p:spTree>
+      <p:nvGrpSpPr>
+        <p:cNvPr id="1" name=""/>
+        <p:cNvGrpSpPr/>
+        <p:nvPr/>
+      </p:nvGrpSpPr>
+      <p:grpSpPr>
+        <a:xfrm>
+          <a:off x="0" y="0"/>
+          <a:ext cx="0" cy="0"/>
+          <a:chOff x="0" y="0"/>
+          <a:chExt cx="0" cy="0"/>
+        </a:xfrm>
+      </p:grpSpPr>
+      <p:sp>
+        <p:nvSpPr>
+          <p:cNvPr id="2" name="投影片圖像版面配置區 1"/>
+          <p:cNvSpPr>
+            <a:spLocks noGrp="1" noRot="1" noChangeAspect="1"/>
+          </p:cNvSpPr>
+          <p:nvPr>
+            <p:ph type="sldImg"/>
+          </p:nvPr>
+        </p:nvSpPr>
+        <p:spPr/>
+      </p:sp>
+      <p:sp>
+        <p:nvSpPr>
+          <p:cNvPr id="3" name="備忘稿版面配置區 2"/>
+          <p:cNvSpPr>
+            <a:spLocks noGrp="1"/>
+          </p:cNvSpPr>
+          <p:nvPr>
+            <p:ph type="body" idx="1"/>
+          </p:nvPr>
+        </p:nvSpPr>
+        <p:spPr/>
+        <p:txBody>
+          <a:bodyPr/>
+          <a:lstStyle/>
+          <a:p>
+            <a:endParaRPr lang="zh-TW" altLang="en-US" dirty="0"/>
+          </a:p>
+        </p:txBody>
+      </p:sp>
+      <p:sp>
+        <p:nvSpPr>
+          <p:cNvPr id="4" name="投影片編號版面配置區 3"/>
+          <p:cNvSpPr>
+            <a:spLocks noGrp="1"/>
+          </p:cNvSpPr>
+          <p:nvPr>
+            <p:ph type="sldNum" sz="quarter" idx="10"/>
+          </p:nvPr>
+        </p:nvSpPr>
+        <p:spPr/>
+        <p:txBody>
+          <a:bodyPr/>
+          <a:lstStyle/>
+          <a:p>
+            <a:fld id="{6E1C9CAC-9358-49DD-9977-4B7D28ACBE36}" type="slidenum">
+              <a:rPr lang="zh-TW" altLang="en-US" smtClean="0"/>
+              <a:t>2</a:t>
+            </a:fld>
+            <a:endParaRPr lang="zh-TW" altLang="en-US"/>
+          </a:p>
+        </p:txBody>
+      </p:sp>
+    </p:spTree>
+    <p:extLst>
+      <p:ext uri="{BB962C8B-B14F-4D97-AF65-F5344CB8AC3E}">
+        <p14:creationId xmlns:p14="http://schemas.microsoft.com/office/powerpoint/2010/main" val="1716296011"/>
+      </p:ext>
+    </p:extLst>
+  </p:cSld>
+  <p:clrMapOvr>
+    <a:masterClrMapping/>
+  </p:clrMapOvr>
+</p:notes>
+</file>
+
+<file path=ppt/notesSlides/notesSlide3.xml><?xml version="1.0" encoding="utf-8"?>
+<p:notes xmlns:a="http://schemas.openxmlformats.org/drawingml/2006/main" xmlns:r="http://schemas.openxmlformats.org/officeDocument/2006/relationships" xmlns:p="http://schemas.openxmlformats.org/presentationml/2006/main">
+  <p:cSld>
+    <p:spTree>
+      <p:nvGrpSpPr>
+        <p:cNvPr id="1" name=""/>
+        <p:cNvGrpSpPr/>
+        <p:nvPr/>
+      </p:nvGrpSpPr>
+      <p:grpSpPr>
+        <a:xfrm>
+          <a:off x="0" y="0"/>
+          <a:ext cx="0" cy="0"/>
+          <a:chOff x="0" y="0"/>
+          <a:chExt cx="0" cy="0"/>
+        </a:xfrm>
+      </p:grpSpPr>
+      <p:sp>
+        <p:nvSpPr>
+          <p:cNvPr id="2" name="投影片圖像版面配置區 1"/>
+          <p:cNvSpPr>
+            <a:spLocks noGrp="1" noRot="1" noChangeAspect="1"/>
+          </p:cNvSpPr>
+          <p:nvPr>
+            <p:ph type="sldImg"/>
+          </p:nvPr>
+        </p:nvSpPr>
+        <p:spPr/>
+      </p:sp>
+      <p:sp>
+        <p:nvSpPr>
+          <p:cNvPr id="3" name="備忘稿版面配置區 2"/>
+          <p:cNvSpPr>
+            <a:spLocks noGrp="1"/>
+          </p:cNvSpPr>
+          <p:nvPr>
+            <p:ph type="body" idx="1"/>
+          </p:nvPr>
+        </p:nvSpPr>
+        <p:spPr/>
+        <p:txBody>
+          <a:bodyPr/>
+          <a:lstStyle/>
+          <a:p>
+            <a:endParaRPr lang="zh-TW" altLang="en-US" dirty="0"/>
+          </a:p>
+        </p:txBody>
+      </p:sp>
+      <p:sp>
+        <p:nvSpPr>
+          <p:cNvPr id="4" name="投影片編號版面配置區 3"/>
+          <p:cNvSpPr>
+            <a:spLocks noGrp="1"/>
+          </p:cNvSpPr>
+          <p:nvPr>
+            <p:ph type="sldNum" sz="quarter" idx="10"/>
+          </p:nvPr>
+        </p:nvSpPr>
+        <p:spPr/>
+        <p:txBody>
+          <a:bodyPr/>
+          <a:lstStyle/>
+          <a:p>
+            <a:fld id="{6E1C9CAC-9358-49DD-9977-4B7D28ACBE36}" type="slidenum">
+              <a:rPr lang="zh-TW" altLang="en-US" smtClean="0"/>
+              <a:t>3</a:t>
+            </a:fld>
+            <a:endParaRPr lang="zh-TW" altLang="en-US"/>
+          </a:p>
+        </p:txBody>
+      </p:sp>
+    </p:spTree>
+    <p:extLst>
+      <p:ext uri="{BB962C8B-B14F-4D97-AF65-F5344CB8AC3E}">
+        <p14:creationId xmlns:p14="http://schemas.microsoft.com/office/powerpoint/2010/main" val="2996986406"/>
+      </p:ext>
+    </p:extLst>
+  </p:cSld>
+  <p:clrMapOvr>
+    <a:masterClrMapping/>
+  </p:clrMapOvr>
+</p:notes>
 </file>
 
 <file path=ppt/slideLayouts/slideLayout1.xml><?xml version="1.0" encoding="utf-8"?>
@@ -126,7 +738,7 @@
       </p:grpSpPr>
       <p:sp>
         <p:nvSpPr>
-          <p:cNvPr id="2" name="標題 1"/>
+          <p:cNvPr id="2" name="Title 1"/>
           <p:cNvSpPr>
             <a:spLocks noGrp="1"/>
           </p:cNvSpPr>
@@ -136,15 +748,15 @@
         </p:nvSpPr>
         <p:spPr>
           <a:xfrm>
-            <a:off x="1524000" y="1122363"/>
-            <a:ext cx="9144000" cy="2387600"/>
+            <a:off x="1619965" y="3534924"/>
+            <a:ext cx="18359596" cy="7519835"/>
           </a:xfrm>
         </p:spPr>
         <p:txBody>
           <a:bodyPr anchor="b"/>
           <a:lstStyle>
             <a:lvl1pPr algn="ctr">
-              <a:defRPr sz="6000"/>
+              <a:defRPr sz="14173"/>
             </a:lvl1pPr>
           </a:lstStyle>
           <a:p>
@@ -152,13 +764,13 @@
               <a:rPr lang="zh-TW" altLang="en-US" smtClean="0"/>
               <a:t>按一下以編輯母片標題樣式</a:t>
             </a:r>
-            <a:endParaRPr lang="zh-TW" altLang="en-US"/>
+            <a:endParaRPr lang="en-US" dirty="0"/>
           </a:p>
         </p:txBody>
       </p:sp>
       <p:sp>
         <p:nvSpPr>
-          <p:cNvPr id="3" name="副標題 2"/>
+          <p:cNvPr id="3" name="Subtitle 2"/>
           <p:cNvSpPr>
             <a:spLocks noGrp="1"/>
           </p:cNvSpPr>
@@ -168,8 +780,8 @@
         </p:nvSpPr>
         <p:spPr>
           <a:xfrm>
-            <a:off x="1524000" y="3602038"/>
-            <a:ext cx="9144000" cy="1655762"/>
+            <a:off x="2699941" y="11344752"/>
+            <a:ext cx="16199644" cy="5214884"/>
           </a:xfrm>
         </p:spPr>
         <p:txBody>
@@ -177,39 +789,39 @@
           <a:lstStyle>
             <a:lvl1pPr marL="0" indent="0" algn="ctr">
               <a:buNone/>
-              <a:defRPr sz="2400"/>
+              <a:defRPr sz="5669"/>
             </a:lvl1pPr>
-            <a:lvl2pPr marL="457200" indent="0" algn="ctr">
+            <a:lvl2pPr marL="1079998" indent="0" algn="ctr">
               <a:buNone/>
-              <a:defRPr sz="2000"/>
+              <a:defRPr sz="4724"/>
             </a:lvl2pPr>
-            <a:lvl3pPr marL="914400" indent="0" algn="ctr">
+            <a:lvl3pPr marL="2159996" indent="0" algn="ctr">
               <a:buNone/>
-              <a:defRPr sz="1800"/>
+              <a:defRPr sz="4252"/>
             </a:lvl3pPr>
-            <a:lvl4pPr marL="1371600" indent="0" algn="ctr">
+            <a:lvl4pPr marL="3239994" indent="0" algn="ctr">
               <a:buNone/>
-              <a:defRPr sz="1600"/>
+              <a:defRPr sz="3780"/>
             </a:lvl4pPr>
-            <a:lvl5pPr marL="1828800" indent="0" algn="ctr">
+            <a:lvl5pPr marL="4319991" indent="0" algn="ctr">
               <a:buNone/>
-              <a:defRPr sz="1600"/>
+              <a:defRPr sz="3780"/>
             </a:lvl5pPr>
-            <a:lvl6pPr marL="2286000" indent="0" algn="ctr">
+            <a:lvl6pPr marL="5399989" indent="0" algn="ctr">
               <a:buNone/>
-              <a:defRPr sz="1600"/>
+              <a:defRPr sz="3780"/>
             </a:lvl6pPr>
-            <a:lvl7pPr marL="2743200" indent="0" algn="ctr">
+            <a:lvl7pPr marL="6479987" indent="0" algn="ctr">
               <a:buNone/>
-              <a:defRPr sz="1600"/>
+              <a:defRPr sz="3780"/>
             </a:lvl7pPr>
-            <a:lvl8pPr marL="3200400" indent="0" algn="ctr">
+            <a:lvl8pPr marL="7559985" indent="0" algn="ctr">
               <a:buNone/>
-              <a:defRPr sz="1600"/>
+              <a:defRPr sz="3780"/>
             </a:lvl8pPr>
-            <a:lvl9pPr marL="3657600" indent="0" algn="ctr">
+            <a:lvl9pPr marL="8639983" indent="0" algn="ctr">
               <a:buNone/>
-              <a:defRPr sz="1600"/>
+              <a:defRPr sz="3780"/>
             </a:lvl9pPr>
           </a:lstStyle>
           <a:p>
@@ -217,13 +829,13 @@
               <a:rPr lang="zh-TW" altLang="en-US" smtClean="0"/>
               <a:t>按一下以編輯母片副標題樣式</a:t>
             </a:r>
-            <a:endParaRPr lang="zh-TW" altLang="en-US"/>
+            <a:endParaRPr lang="en-US" dirty="0"/>
           </a:p>
         </p:txBody>
       </p:sp>
       <p:sp>
         <p:nvSpPr>
-          <p:cNvPr id="4" name="日期版面配置區 3"/>
+          <p:cNvPr id="4" name="Date Placeholder 3"/>
           <p:cNvSpPr>
             <a:spLocks noGrp="1"/>
           </p:cNvSpPr>
@@ -236,9 +848,9 @@
           <a:bodyPr/>
           <a:lstStyle/>
           <a:p>
-            <a:fld id="{15DCBCA1-EE2B-47B9-B758-18B44C39ABAA}" type="datetimeFigureOut">
-              <a:rPr lang="zh-TW" altLang="en-US" smtClean="0"/>
-              <a:t>2021/6/6</a:t>
+            <a:fld id="{3E906AA8-AB23-40FA-BFDB-6A33FBF1CFF0}" type="datetimeFigureOut">
+              <a:rPr lang="zh-TW" altLang="en-US" smtClean="0"/>
+              <a:t>2021/6/9</a:t>
             </a:fld>
             <a:endParaRPr lang="zh-TW" altLang="en-US"/>
           </a:p>
@@ -246,7 +858,7 @@
       </p:sp>
       <p:sp>
         <p:nvSpPr>
-          <p:cNvPr id="5" name="頁尾版面配置區 4"/>
+          <p:cNvPr id="5" name="Footer Placeholder 4"/>
           <p:cNvSpPr>
             <a:spLocks noGrp="1"/>
           </p:cNvSpPr>
@@ -265,7 +877,7 @@
       </p:sp>
       <p:sp>
         <p:nvSpPr>
-          <p:cNvPr id="6" name="投影片編號版面配置區 5"/>
+          <p:cNvPr id="6" name="Slide Number Placeholder 5"/>
           <p:cNvSpPr>
             <a:spLocks noGrp="1"/>
           </p:cNvSpPr>
@@ -278,7 +890,7 @@
           <a:bodyPr/>
           <a:lstStyle/>
           <a:p>
-            <a:fld id="{D3041449-D0DA-438E-8E10-AA02D1ECBB63}" type="slidenum">
+            <a:fld id="{FB824F30-C39D-490B-89B7-4C3B4FC853A2}" type="slidenum">
               <a:rPr lang="zh-TW" altLang="en-US" smtClean="0"/>
               <a:t>‹#›</a:t>
             </a:fld>
@@ -289,7 +901,7 @@
     </p:spTree>
     <p:extLst>
       <p:ext uri="{BB962C8B-B14F-4D97-AF65-F5344CB8AC3E}">
-        <p14:creationId xmlns:p14="http://schemas.microsoft.com/office/powerpoint/2010/main" val="2015273232"/>
+        <p14:creationId xmlns:p14="http://schemas.microsoft.com/office/powerpoint/2010/main" val="1314998058"/>
       </p:ext>
     </p:extLst>
   </p:cSld>
@@ -318,7 +930,7 @@
       </p:grpSpPr>
       <p:sp>
         <p:nvSpPr>
-          <p:cNvPr id="2" name="標題 1"/>
+          <p:cNvPr id="2" name="Title 1"/>
           <p:cNvSpPr>
             <a:spLocks noGrp="1"/>
           </p:cNvSpPr>
@@ -335,13 +947,13 @@
               <a:rPr lang="zh-TW" altLang="en-US" smtClean="0"/>
               <a:t>按一下以編輯母片標題樣式</a:t>
             </a:r>
-            <a:endParaRPr lang="zh-TW" altLang="en-US"/>
+            <a:endParaRPr lang="en-US" dirty="0"/>
           </a:p>
         </p:txBody>
       </p:sp>
       <p:sp>
         <p:nvSpPr>
-          <p:cNvPr id="3" name="直排文字版面配置區 2"/>
+          <p:cNvPr id="3" name="Vertical Text Placeholder 2"/>
           <p:cNvSpPr>
             <a:spLocks noGrp="1"/>
           </p:cNvSpPr>
@@ -387,13 +999,13 @@
               <a:rPr lang="zh-TW" altLang="en-US" smtClean="0"/>
               <a:t>第五層</a:t>
             </a:r>
-            <a:endParaRPr lang="zh-TW" altLang="en-US"/>
+            <a:endParaRPr lang="en-US" dirty="0"/>
           </a:p>
         </p:txBody>
       </p:sp>
       <p:sp>
         <p:nvSpPr>
-          <p:cNvPr id="4" name="日期版面配置區 3"/>
+          <p:cNvPr id="4" name="Date Placeholder 3"/>
           <p:cNvSpPr>
             <a:spLocks noGrp="1"/>
           </p:cNvSpPr>
@@ -406,9 +1018,9 @@
           <a:bodyPr/>
           <a:lstStyle/>
           <a:p>
-            <a:fld id="{15DCBCA1-EE2B-47B9-B758-18B44C39ABAA}" type="datetimeFigureOut">
-              <a:rPr lang="zh-TW" altLang="en-US" smtClean="0"/>
-              <a:t>2021/6/6</a:t>
+            <a:fld id="{3E906AA8-AB23-40FA-BFDB-6A33FBF1CFF0}" type="datetimeFigureOut">
+              <a:rPr lang="zh-TW" altLang="en-US" smtClean="0"/>
+              <a:t>2021/6/9</a:t>
             </a:fld>
             <a:endParaRPr lang="zh-TW" altLang="en-US"/>
           </a:p>
@@ -416,7 +1028,7 @@
       </p:sp>
       <p:sp>
         <p:nvSpPr>
-          <p:cNvPr id="5" name="頁尾版面配置區 4"/>
+          <p:cNvPr id="5" name="Footer Placeholder 4"/>
           <p:cNvSpPr>
             <a:spLocks noGrp="1"/>
           </p:cNvSpPr>
@@ -435,7 +1047,7 @@
       </p:sp>
       <p:sp>
         <p:nvSpPr>
-          <p:cNvPr id="6" name="投影片編號版面配置區 5"/>
+          <p:cNvPr id="6" name="Slide Number Placeholder 5"/>
           <p:cNvSpPr>
             <a:spLocks noGrp="1"/>
           </p:cNvSpPr>
@@ -448,7 +1060,7 @@
           <a:bodyPr/>
           <a:lstStyle/>
           <a:p>
-            <a:fld id="{D3041449-D0DA-438E-8E10-AA02D1ECBB63}" type="slidenum">
+            <a:fld id="{FB824F30-C39D-490B-89B7-4C3B4FC853A2}" type="slidenum">
               <a:rPr lang="zh-TW" altLang="en-US" smtClean="0"/>
               <a:t>‹#›</a:t>
             </a:fld>
@@ -459,7 +1071,7 @@
     </p:spTree>
     <p:extLst>
       <p:ext uri="{BB962C8B-B14F-4D97-AF65-F5344CB8AC3E}">
-        <p14:creationId xmlns:p14="http://schemas.microsoft.com/office/powerpoint/2010/main" val="4090091345"/>
+        <p14:creationId xmlns:p14="http://schemas.microsoft.com/office/powerpoint/2010/main" val="201800486"/>
       </p:ext>
     </p:extLst>
   </p:cSld>
@@ -488,7 +1100,7 @@
       </p:grpSpPr>
       <p:sp>
         <p:nvSpPr>
-          <p:cNvPr id="2" name="直排標題 1"/>
+          <p:cNvPr id="2" name="Vertical Title 1"/>
           <p:cNvSpPr>
             <a:spLocks noGrp="1"/>
           </p:cNvSpPr>
@@ -498,8 +1110,8 @@
         </p:nvSpPr>
         <p:spPr>
           <a:xfrm>
-            <a:off x="8724900" y="365125"/>
-            <a:ext cx="2628900" cy="5811838"/>
+            <a:off x="15457161" y="1149975"/>
+            <a:ext cx="4657398" cy="18304599"/>
           </a:xfrm>
         </p:spPr>
         <p:txBody>
@@ -510,13 +1122,13 @@
               <a:rPr lang="zh-TW" altLang="en-US" smtClean="0"/>
               <a:t>按一下以編輯母片標題樣式</a:t>
             </a:r>
-            <a:endParaRPr lang="zh-TW" altLang="en-US"/>
+            <a:endParaRPr lang="en-US" dirty="0"/>
           </a:p>
         </p:txBody>
       </p:sp>
       <p:sp>
         <p:nvSpPr>
-          <p:cNvPr id="3" name="直排文字版面配置區 2"/>
+          <p:cNvPr id="3" name="Vertical Text Placeholder 2"/>
           <p:cNvSpPr>
             <a:spLocks noGrp="1"/>
           </p:cNvSpPr>
@@ -526,8 +1138,8 @@
         </p:nvSpPr>
         <p:spPr>
           <a:xfrm>
-            <a:off x="838200" y="365125"/>
-            <a:ext cx="7734300" cy="5811838"/>
+            <a:off x="1484968" y="1149975"/>
+            <a:ext cx="13702199" cy="18304599"/>
           </a:xfrm>
         </p:spPr>
         <p:txBody>
@@ -567,13 +1179,13 @@
               <a:rPr lang="zh-TW" altLang="en-US" smtClean="0"/>
               <a:t>第五層</a:t>
             </a:r>
-            <a:endParaRPr lang="zh-TW" altLang="en-US"/>
+            <a:endParaRPr lang="en-US" dirty="0"/>
           </a:p>
         </p:txBody>
       </p:sp>
       <p:sp>
         <p:nvSpPr>
-          <p:cNvPr id="4" name="日期版面配置區 3"/>
+          <p:cNvPr id="4" name="Date Placeholder 3"/>
           <p:cNvSpPr>
             <a:spLocks noGrp="1"/>
           </p:cNvSpPr>
@@ -586,9 +1198,9 @@
           <a:bodyPr/>
           <a:lstStyle/>
           <a:p>
-            <a:fld id="{15DCBCA1-EE2B-47B9-B758-18B44C39ABAA}" type="datetimeFigureOut">
-              <a:rPr lang="zh-TW" altLang="en-US" smtClean="0"/>
-              <a:t>2021/6/6</a:t>
+            <a:fld id="{3E906AA8-AB23-40FA-BFDB-6A33FBF1CFF0}" type="datetimeFigureOut">
+              <a:rPr lang="zh-TW" altLang="en-US" smtClean="0"/>
+              <a:t>2021/6/9</a:t>
             </a:fld>
             <a:endParaRPr lang="zh-TW" altLang="en-US"/>
           </a:p>
@@ -596,7 +1208,7 @@
       </p:sp>
       <p:sp>
         <p:nvSpPr>
-          <p:cNvPr id="5" name="頁尾版面配置區 4"/>
+          <p:cNvPr id="5" name="Footer Placeholder 4"/>
           <p:cNvSpPr>
             <a:spLocks noGrp="1"/>
           </p:cNvSpPr>
@@ -615,7 +1227,7 @@
       </p:sp>
       <p:sp>
         <p:nvSpPr>
-          <p:cNvPr id="6" name="投影片編號版面配置區 5"/>
+          <p:cNvPr id="6" name="Slide Number Placeholder 5"/>
           <p:cNvSpPr>
             <a:spLocks noGrp="1"/>
           </p:cNvSpPr>
@@ -628,7 +1240,7 @@
           <a:bodyPr/>
           <a:lstStyle/>
           <a:p>
-            <a:fld id="{D3041449-D0DA-438E-8E10-AA02D1ECBB63}" type="slidenum">
+            <a:fld id="{FB824F30-C39D-490B-89B7-4C3B4FC853A2}" type="slidenum">
               <a:rPr lang="zh-TW" altLang="en-US" smtClean="0"/>
               <a:t>‹#›</a:t>
             </a:fld>
@@ -639,7 +1251,7 @@
     </p:spTree>
     <p:extLst>
       <p:ext uri="{BB962C8B-B14F-4D97-AF65-F5344CB8AC3E}">
-        <p14:creationId xmlns:p14="http://schemas.microsoft.com/office/powerpoint/2010/main" val="298522407"/>
+        <p14:creationId xmlns:p14="http://schemas.microsoft.com/office/powerpoint/2010/main" val="3502829502"/>
       </p:ext>
     </p:extLst>
   </p:cSld>
@@ -668,7 +1280,7 @@
       </p:grpSpPr>
       <p:sp>
         <p:nvSpPr>
-          <p:cNvPr id="2" name="標題 1"/>
+          <p:cNvPr id="2" name="Title 1"/>
           <p:cNvSpPr>
             <a:spLocks noGrp="1"/>
           </p:cNvSpPr>
@@ -685,13 +1297,13 @@
               <a:rPr lang="zh-TW" altLang="en-US" smtClean="0"/>
               <a:t>按一下以編輯母片標題樣式</a:t>
             </a:r>
-            <a:endParaRPr lang="zh-TW" altLang="en-US"/>
+            <a:endParaRPr lang="en-US" dirty="0"/>
           </a:p>
         </p:txBody>
       </p:sp>
       <p:sp>
         <p:nvSpPr>
-          <p:cNvPr id="3" name="內容版面配置區 2"/>
+          <p:cNvPr id="3" name="Content Placeholder 2"/>
           <p:cNvSpPr>
             <a:spLocks noGrp="1"/>
           </p:cNvSpPr>
@@ -737,13 +1349,13 @@
               <a:rPr lang="zh-TW" altLang="en-US" smtClean="0"/>
               <a:t>第五層</a:t>
             </a:r>
-            <a:endParaRPr lang="zh-TW" altLang="en-US"/>
+            <a:endParaRPr lang="en-US" dirty="0"/>
           </a:p>
         </p:txBody>
       </p:sp>
       <p:sp>
         <p:nvSpPr>
-          <p:cNvPr id="4" name="日期版面配置區 3"/>
+          <p:cNvPr id="4" name="Date Placeholder 3"/>
           <p:cNvSpPr>
             <a:spLocks noGrp="1"/>
           </p:cNvSpPr>
@@ -756,9 +1368,9 @@
           <a:bodyPr/>
           <a:lstStyle/>
           <a:p>
-            <a:fld id="{15DCBCA1-EE2B-47B9-B758-18B44C39ABAA}" type="datetimeFigureOut">
-              <a:rPr lang="zh-TW" altLang="en-US" smtClean="0"/>
-              <a:t>2021/6/6</a:t>
+            <a:fld id="{3E906AA8-AB23-40FA-BFDB-6A33FBF1CFF0}" type="datetimeFigureOut">
+              <a:rPr lang="zh-TW" altLang="en-US" smtClean="0"/>
+              <a:t>2021/6/9</a:t>
             </a:fld>
             <a:endParaRPr lang="zh-TW" altLang="en-US"/>
           </a:p>
@@ -766,7 +1378,7 @@
       </p:sp>
       <p:sp>
         <p:nvSpPr>
-          <p:cNvPr id="5" name="頁尾版面配置區 4"/>
+          <p:cNvPr id="5" name="Footer Placeholder 4"/>
           <p:cNvSpPr>
             <a:spLocks noGrp="1"/>
           </p:cNvSpPr>
@@ -785,7 +1397,7 @@
       </p:sp>
       <p:sp>
         <p:nvSpPr>
-          <p:cNvPr id="6" name="投影片編號版面配置區 5"/>
+          <p:cNvPr id="6" name="Slide Number Placeholder 5"/>
           <p:cNvSpPr>
             <a:spLocks noGrp="1"/>
           </p:cNvSpPr>
@@ -798,7 +1410,7 @@
           <a:bodyPr/>
           <a:lstStyle/>
           <a:p>
-            <a:fld id="{D3041449-D0DA-438E-8E10-AA02D1ECBB63}" type="slidenum">
+            <a:fld id="{FB824F30-C39D-490B-89B7-4C3B4FC853A2}" type="slidenum">
               <a:rPr lang="zh-TW" altLang="en-US" smtClean="0"/>
               <a:t>‹#›</a:t>
             </a:fld>
@@ -809,7 +1421,7 @@
     </p:spTree>
     <p:extLst>
       <p:ext uri="{BB962C8B-B14F-4D97-AF65-F5344CB8AC3E}">
-        <p14:creationId xmlns:p14="http://schemas.microsoft.com/office/powerpoint/2010/main" val="360650894"/>
+        <p14:creationId xmlns:p14="http://schemas.microsoft.com/office/powerpoint/2010/main" val="3376114091"/>
       </p:ext>
     </p:extLst>
   </p:cSld>
@@ -838,7 +1450,7 @@
       </p:grpSpPr>
       <p:sp>
         <p:nvSpPr>
-          <p:cNvPr id="2" name="標題 1"/>
+          <p:cNvPr id="2" name="Title 1"/>
           <p:cNvSpPr>
             <a:spLocks noGrp="1"/>
           </p:cNvSpPr>
@@ -848,15 +1460,15 @@
         </p:nvSpPr>
         <p:spPr>
           <a:xfrm>
-            <a:off x="831850" y="1709738"/>
-            <a:ext cx="10515600" cy="2852737"/>
+            <a:off x="1473719" y="5384888"/>
+            <a:ext cx="18629590" cy="8984801"/>
           </a:xfrm>
         </p:spPr>
         <p:txBody>
           <a:bodyPr anchor="b"/>
           <a:lstStyle>
             <a:lvl1pPr>
-              <a:defRPr sz="6000"/>
+              <a:defRPr sz="14173"/>
             </a:lvl1pPr>
           </a:lstStyle>
           <a:p>
@@ -864,13 +1476,13 @@
               <a:rPr lang="zh-TW" altLang="en-US" smtClean="0"/>
               <a:t>按一下以編輯母片標題樣式</a:t>
             </a:r>
-            <a:endParaRPr lang="zh-TW" altLang="en-US"/>
+            <a:endParaRPr lang="en-US" dirty="0"/>
           </a:p>
         </p:txBody>
       </p:sp>
       <p:sp>
         <p:nvSpPr>
-          <p:cNvPr id="3" name="文字版面配置區 2"/>
+          <p:cNvPr id="3" name="Text Placeholder 2"/>
           <p:cNvSpPr>
             <a:spLocks noGrp="1"/>
           </p:cNvSpPr>
@@ -880,8 +1492,8 @@
         </p:nvSpPr>
         <p:spPr>
           <a:xfrm>
-            <a:off x="831850" y="4589463"/>
-            <a:ext cx="10515600" cy="1500187"/>
+            <a:off x="1473719" y="14454688"/>
+            <a:ext cx="18629590" cy="4724895"/>
           </a:xfrm>
         </p:spPr>
         <p:txBody>
@@ -889,17 +1501,15 @@
           <a:lstStyle>
             <a:lvl1pPr marL="0" indent="0">
               <a:buNone/>
-              <a:defRPr sz="2400">
+              <a:defRPr sz="5669">
                 <a:solidFill>
-                  <a:schemeClr val="tx1">
-                    <a:tint val="75000"/>
-                  </a:schemeClr>
+                  <a:schemeClr val="tx1"/>
                 </a:solidFill>
               </a:defRPr>
             </a:lvl1pPr>
-            <a:lvl2pPr marL="457200" indent="0">
+            <a:lvl2pPr marL="1079998" indent="0">
               <a:buNone/>
-              <a:defRPr sz="2000">
+              <a:defRPr sz="4724">
                 <a:solidFill>
                   <a:schemeClr val="tx1">
                     <a:tint val="75000"/>
@@ -907,9 +1517,9 @@
                 </a:solidFill>
               </a:defRPr>
             </a:lvl2pPr>
-            <a:lvl3pPr marL="914400" indent="0">
+            <a:lvl3pPr marL="2159996" indent="0">
               <a:buNone/>
-              <a:defRPr sz="1800">
+              <a:defRPr sz="4252">
                 <a:solidFill>
                   <a:schemeClr val="tx1">
                     <a:tint val="75000"/>
@@ -917,9 +1527,9 @@
                 </a:solidFill>
               </a:defRPr>
             </a:lvl3pPr>
-            <a:lvl4pPr marL="1371600" indent="0">
+            <a:lvl4pPr marL="3239994" indent="0">
               <a:buNone/>
-              <a:defRPr sz="1600">
+              <a:defRPr sz="3780">
                 <a:solidFill>
                   <a:schemeClr val="tx1">
                     <a:tint val="75000"/>
@@ -927,9 +1537,9 @@
                 </a:solidFill>
               </a:defRPr>
             </a:lvl4pPr>
-            <a:lvl5pPr marL="1828800" indent="0">
+            <a:lvl5pPr marL="4319991" indent="0">
               <a:buNone/>
-              <a:defRPr sz="1600">
+              <a:defRPr sz="3780">
                 <a:solidFill>
                   <a:schemeClr val="tx1">
                     <a:tint val="75000"/>
@@ -937,9 +1547,9 @@
                 </a:solidFill>
               </a:defRPr>
             </a:lvl5pPr>
-            <a:lvl6pPr marL="2286000" indent="0">
+            <a:lvl6pPr marL="5399989" indent="0">
               <a:buNone/>
-              <a:defRPr sz="1600">
+              <a:defRPr sz="3780">
                 <a:solidFill>
                   <a:schemeClr val="tx1">
                     <a:tint val="75000"/>
@@ -947,9 +1557,9 @@
                 </a:solidFill>
               </a:defRPr>
             </a:lvl6pPr>
-            <a:lvl7pPr marL="2743200" indent="0">
+            <a:lvl7pPr marL="6479987" indent="0">
               <a:buNone/>
-              <a:defRPr sz="1600">
+              <a:defRPr sz="3780">
                 <a:solidFill>
                   <a:schemeClr val="tx1">
                     <a:tint val="75000"/>
@@ -957,9 +1567,9 @@
                 </a:solidFill>
               </a:defRPr>
             </a:lvl7pPr>
-            <a:lvl8pPr marL="3200400" indent="0">
+            <a:lvl8pPr marL="7559985" indent="0">
               <a:buNone/>
-              <a:defRPr sz="1600">
+              <a:defRPr sz="3780">
                 <a:solidFill>
                   <a:schemeClr val="tx1">
                     <a:tint val="75000"/>
@@ -967,9 +1577,9 @@
                 </a:solidFill>
               </a:defRPr>
             </a:lvl8pPr>
-            <a:lvl9pPr marL="3657600" indent="0">
+            <a:lvl9pPr marL="8639983" indent="0">
               <a:buNone/>
-              <a:defRPr sz="1600">
+              <a:defRPr sz="3780">
                 <a:solidFill>
                   <a:schemeClr val="tx1">
                     <a:tint val="75000"/>
@@ -989,7 +1599,7 @@
       </p:sp>
       <p:sp>
         <p:nvSpPr>
-          <p:cNvPr id="4" name="日期版面配置區 3"/>
+          <p:cNvPr id="4" name="Date Placeholder 3"/>
           <p:cNvSpPr>
             <a:spLocks noGrp="1"/>
           </p:cNvSpPr>
@@ -1002,9 +1612,9 @@
           <a:bodyPr/>
           <a:lstStyle/>
           <a:p>
-            <a:fld id="{15DCBCA1-EE2B-47B9-B758-18B44C39ABAA}" type="datetimeFigureOut">
-              <a:rPr lang="zh-TW" altLang="en-US" smtClean="0"/>
-              <a:t>2021/6/6</a:t>
+            <a:fld id="{3E906AA8-AB23-40FA-BFDB-6A33FBF1CFF0}" type="datetimeFigureOut">
+              <a:rPr lang="zh-TW" altLang="en-US" smtClean="0"/>
+              <a:t>2021/6/9</a:t>
             </a:fld>
             <a:endParaRPr lang="zh-TW" altLang="en-US"/>
           </a:p>
@@ -1012,7 +1622,7 @@
       </p:sp>
       <p:sp>
         <p:nvSpPr>
-          <p:cNvPr id="5" name="頁尾版面配置區 4"/>
+          <p:cNvPr id="5" name="Footer Placeholder 4"/>
           <p:cNvSpPr>
             <a:spLocks noGrp="1"/>
           </p:cNvSpPr>
@@ -1031,7 +1641,7 @@
       </p:sp>
       <p:sp>
         <p:nvSpPr>
-          <p:cNvPr id="6" name="投影片編號版面配置區 5"/>
+          <p:cNvPr id="6" name="Slide Number Placeholder 5"/>
           <p:cNvSpPr>
             <a:spLocks noGrp="1"/>
           </p:cNvSpPr>
@@ -1044,7 +1654,7 @@
           <a:bodyPr/>
           <a:lstStyle/>
           <a:p>
-            <a:fld id="{D3041449-D0DA-438E-8E10-AA02D1ECBB63}" type="slidenum">
+            <a:fld id="{FB824F30-C39D-490B-89B7-4C3B4FC853A2}" type="slidenum">
               <a:rPr lang="zh-TW" altLang="en-US" smtClean="0"/>
               <a:t>‹#›</a:t>
             </a:fld>
@@ -1055,7 +1665,7 @@
     </p:spTree>
     <p:extLst>
       <p:ext uri="{BB962C8B-B14F-4D97-AF65-F5344CB8AC3E}">
-        <p14:creationId xmlns:p14="http://schemas.microsoft.com/office/powerpoint/2010/main" val="1460350461"/>
+        <p14:creationId xmlns:p14="http://schemas.microsoft.com/office/powerpoint/2010/main" val="3815420600"/>
       </p:ext>
     </p:extLst>
   </p:cSld>
@@ -1084,7 +1694,7 @@
       </p:grpSpPr>
       <p:sp>
         <p:nvSpPr>
-          <p:cNvPr id="2" name="標題 1"/>
+          <p:cNvPr id="2" name="Title 1"/>
           <p:cNvSpPr>
             <a:spLocks noGrp="1"/>
           </p:cNvSpPr>
@@ -1101,13 +1711,13 @@
               <a:rPr lang="zh-TW" altLang="en-US" smtClean="0"/>
               <a:t>按一下以編輯母片標題樣式</a:t>
             </a:r>
-            <a:endParaRPr lang="zh-TW" altLang="en-US"/>
+            <a:endParaRPr lang="en-US" dirty="0"/>
           </a:p>
         </p:txBody>
       </p:sp>
       <p:sp>
         <p:nvSpPr>
-          <p:cNvPr id="3" name="內容版面配置區 2"/>
+          <p:cNvPr id="3" name="Content Placeholder 2"/>
           <p:cNvSpPr>
             <a:spLocks noGrp="1"/>
           </p:cNvSpPr>
@@ -1117,8 +1727,8 @@
         </p:nvSpPr>
         <p:spPr>
           <a:xfrm>
-            <a:off x="838200" y="1825625"/>
-            <a:ext cx="5181600" cy="4351338"/>
+            <a:off x="1484967" y="5749874"/>
+            <a:ext cx="9179798" cy="13704700"/>
           </a:xfrm>
         </p:spPr>
         <p:txBody>
@@ -1158,13 +1768,13 @@
               <a:rPr lang="zh-TW" altLang="en-US" smtClean="0"/>
               <a:t>第五層</a:t>
             </a:r>
-            <a:endParaRPr lang="zh-TW" altLang="en-US"/>
+            <a:endParaRPr lang="en-US" dirty="0"/>
           </a:p>
         </p:txBody>
       </p:sp>
       <p:sp>
         <p:nvSpPr>
-          <p:cNvPr id="4" name="內容版面配置區 3"/>
+          <p:cNvPr id="4" name="Content Placeholder 3"/>
           <p:cNvSpPr>
             <a:spLocks noGrp="1"/>
           </p:cNvSpPr>
@@ -1174,8 +1784,8 @@
         </p:nvSpPr>
         <p:spPr>
           <a:xfrm>
-            <a:off x="6172200" y="1825625"/>
-            <a:ext cx="5181600" cy="4351338"/>
+            <a:off x="10934760" y="5749874"/>
+            <a:ext cx="9179798" cy="13704700"/>
           </a:xfrm>
         </p:spPr>
         <p:txBody>
@@ -1215,13 +1825,13 @@
               <a:rPr lang="zh-TW" altLang="en-US" smtClean="0"/>
               <a:t>第五層</a:t>
             </a:r>
-            <a:endParaRPr lang="zh-TW" altLang="en-US"/>
+            <a:endParaRPr lang="en-US" dirty="0"/>
           </a:p>
         </p:txBody>
       </p:sp>
       <p:sp>
         <p:nvSpPr>
-          <p:cNvPr id="5" name="日期版面配置區 4"/>
+          <p:cNvPr id="5" name="Date Placeholder 4"/>
           <p:cNvSpPr>
             <a:spLocks noGrp="1"/>
           </p:cNvSpPr>
@@ -1234,9 +1844,9 @@
           <a:bodyPr/>
           <a:lstStyle/>
           <a:p>
-            <a:fld id="{15DCBCA1-EE2B-47B9-B758-18B44C39ABAA}" type="datetimeFigureOut">
-              <a:rPr lang="zh-TW" altLang="en-US" smtClean="0"/>
-              <a:t>2021/6/6</a:t>
+            <a:fld id="{3E906AA8-AB23-40FA-BFDB-6A33FBF1CFF0}" type="datetimeFigureOut">
+              <a:rPr lang="zh-TW" altLang="en-US" smtClean="0"/>
+              <a:t>2021/6/9</a:t>
             </a:fld>
             <a:endParaRPr lang="zh-TW" altLang="en-US"/>
           </a:p>
@@ -1244,7 +1854,7 @@
       </p:sp>
       <p:sp>
         <p:nvSpPr>
-          <p:cNvPr id="6" name="頁尾版面配置區 5"/>
+          <p:cNvPr id="6" name="Footer Placeholder 5"/>
           <p:cNvSpPr>
             <a:spLocks noGrp="1"/>
           </p:cNvSpPr>
@@ -1263,7 +1873,7 @@
       </p:sp>
       <p:sp>
         <p:nvSpPr>
-          <p:cNvPr id="7" name="投影片編號版面配置區 6"/>
+          <p:cNvPr id="7" name="Slide Number Placeholder 6"/>
           <p:cNvSpPr>
             <a:spLocks noGrp="1"/>
           </p:cNvSpPr>
@@ -1276,7 +1886,7 @@
           <a:bodyPr/>
           <a:lstStyle/>
           <a:p>
-            <a:fld id="{D3041449-D0DA-438E-8E10-AA02D1ECBB63}" type="slidenum">
+            <a:fld id="{FB824F30-C39D-490B-89B7-4C3B4FC853A2}" type="slidenum">
               <a:rPr lang="zh-TW" altLang="en-US" smtClean="0"/>
               <a:t>‹#›</a:t>
             </a:fld>
@@ -1287,7 +1897,7 @@
     </p:spTree>
     <p:extLst>
       <p:ext uri="{BB962C8B-B14F-4D97-AF65-F5344CB8AC3E}">
-        <p14:creationId xmlns:p14="http://schemas.microsoft.com/office/powerpoint/2010/main" val="3848157257"/>
+        <p14:creationId xmlns:p14="http://schemas.microsoft.com/office/powerpoint/2010/main" val="1509056665"/>
       </p:ext>
     </p:extLst>
   </p:cSld>
@@ -1316,7 +1926,7 @@
       </p:grpSpPr>
       <p:sp>
         <p:nvSpPr>
-          <p:cNvPr id="2" name="標題 1"/>
+          <p:cNvPr id="2" name="Title 1"/>
           <p:cNvSpPr>
             <a:spLocks noGrp="1"/>
           </p:cNvSpPr>
@@ -1326,8 +1936,8 @@
         </p:nvSpPr>
         <p:spPr>
           <a:xfrm>
-            <a:off x="839788" y="365125"/>
-            <a:ext cx="10515600" cy="1325563"/>
+            <a:off x="1487781" y="1149979"/>
+            <a:ext cx="18629590" cy="4174910"/>
           </a:xfrm>
         </p:spPr>
         <p:txBody>
@@ -1338,13 +1948,13 @@
               <a:rPr lang="zh-TW" altLang="en-US" smtClean="0"/>
               <a:t>按一下以編輯母片標題樣式</a:t>
             </a:r>
-            <a:endParaRPr lang="zh-TW" altLang="en-US"/>
+            <a:endParaRPr lang="en-US" dirty="0"/>
           </a:p>
         </p:txBody>
       </p:sp>
       <p:sp>
         <p:nvSpPr>
-          <p:cNvPr id="3" name="文字版面配置區 2"/>
+          <p:cNvPr id="3" name="Text Placeholder 2"/>
           <p:cNvSpPr>
             <a:spLocks noGrp="1"/>
           </p:cNvSpPr>
@@ -1354,8 +1964,8 @@
         </p:nvSpPr>
         <p:spPr>
           <a:xfrm>
-            <a:off x="839788" y="1681163"/>
-            <a:ext cx="5157787" cy="823912"/>
+            <a:off x="1487783" y="5294885"/>
+            <a:ext cx="9137610" cy="2594941"/>
           </a:xfrm>
         </p:spPr>
         <p:txBody>
@@ -1363,39 +1973,39 @@
           <a:lstStyle>
             <a:lvl1pPr marL="0" indent="0">
               <a:buNone/>
-              <a:defRPr sz="2400" b="1"/>
+              <a:defRPr sz="5669" b="1"/>
             </a:lvl1pPr>
-            <a:lvl2pPr marL="457200" indent="0">
+            <a:lvl2pPr marL="1079998" indent="0">
               <a:buNone/>
-              <a:defRPr sz="2000" b="1"/>
+              <a:defRPr sz="4724" b="1"/>
             </a:lvl2pPr>
-            <a:lvl3pPr marL="914400" indent="0">
+            <a:lvl3pPr marL="2159996" indent="0">
               <a:buNone/>
-              <a:defRPr sz="1800" b="1"/>
+              <a:defRPr sz="4252" b="1"/>
             </a:lvl3pPr>
-            <a:lvl4pPr marL="1371600" indent="0">
+            <a:lvl4pPr marL="3239994" indent="0">
               <a:buNone/>
-              <a:defRPr sz="1600" b="1"/>
+              <a:defRPr sz="3780" b="1"/>
             </a:lvl4pPr>
-            <a:lvl5pPr marL="1828800" indent="0">
+            <a:lvl5pPr marL="4319991" indent="0">
               <a:buNone/>
-              <a:defRPr sz="1600" b="1"/>
+              <a:defRPr sz="3780" b="1"/>
             </a:lvl5pPr>
-            <a:lvl6pPr marL="2286000" indent="0">
+            <a:lvl6pPr marL="5399989" indent="0">
               <a:buNone/>
-              <a:defRPr sz="1600" b="1"/>
+              <a:defRPr sz="3780" b="1"/>
             </a:lvl6pPr>
-            <a:lvl7pPr marL="2743200" indent="0">
+            <a:lvl7pPr marL="6479987" indent="0">
               <a:buNone/>
-              <a:defRPr sz="1600" b="1"/>
+              <a:defRPr sz="3780" b="1"/>
             </a:lvl7pPr>
-            <a:lvl8pPr marL="3200400" indent="0">
+            <a:lvl8pPr marL="7559985" indent="0">
               <a:buNone/>
-              <a:defRPr sz="1600" b="1"/>
+              <a:defRPr sz="3780" b="1"/>
             </a:lvl8pPr>
-            <a:lvl9pPr marL="3657600" indent="0">
+            <a:lvl9pPr marL="8639983" indent="0">
               <a:buNone/>
-              <a:defRPr sz="1600" b="1"/>
+              <a:defRPr sz="3780" b="1"/>
             </a:lvl9pPr>
           </a:lstStyle>
           <a:p>
@@ -1409,7 +2019,7 @@
       </p:sp>
       <p:sp>
         <p:nvSpPr>
-          <p:cNvPr id="4" name="內容版面配置區 3"/>
+          <p:cNvPr id="4" name="Content Placeholder 3"/>
           <p:cNvSpPr>
             <a:spLocks noGrp="1"/>
           </p:cNvSpPr>
@@ -1419,8 +2029,8 @@
         </p:nvSpPr>
         <p:spPr>
           <a:xfrm>
-            <a:off x="839788" y="2505075"/>
-            <a:ext cx="5157787" cy="3684588"/>
+            <a:off x="1487783" y="7889827"/>
+            <a:ext cx="9137610" cy="11604746"/>
           </a:xfrm>
         </p:spPr>
         <p:txBody>
@@ -1460,13 +2070,13 @@
               <a:rPr lang="zh-TW" altLang="en-US" smtClean="0"/>
               <a:t>第五層</a:t>
             </a:r>
-            <a:endParaRPr lang="zh-TW" altLang="en-US"/>
+            <a:endParaRPr lang="en-US" dirty="0"/>
           </a:p>
         </p:txBody>
       </p:sp>
       <p:sp>
         <p:nvSpPr>
-          <p:cNvPr id="5" name="文字版面配置區 4"/>
+          <p:cNvPr id="5" name="Text Placeholder 4"/>
           <p:cNvSpPr>
             <a:spLocks noGrp="1"/>
           </p:cNvSpPr>
@@ -1476,8 +2086,8 @@
         </p:nvSpPr>
         <p:spPr>
           <a:xfrm>
-            <a:off x="6172200" y="1681163"/>
-            <a:ext cx="5183188" cy="823912"/>
+            <a:off x="10934761" y="5294885"/>
+            <a:ext cx="9182611" cy="2594941"/>
           </a:xfrm>
         </p:spPr>
         <p:txBody>
@@ -1485,39 +2095,39 @@
           <a:lstStyle>
             <a:lvl1pPr marL="0" indent="0">
               <a:buNone/>
-              <a:defRPr sz="2400" b="1"/>
+              <a:defRPr sz="5669" b="1"/>
             </a:lvl1pPr>
-            <a:lvl2pPr marL="457200" indent="0">
+            <a:lvl2pPr marL="1079998" indent="0">
               <a:buNone/>
-              <a:defRPr sz="2000" b="1"/>
+              <a:defRPr sz="4724" b="1"/>
             </a:lvl2pPr>
-            <a:lvl3pPr marL="914400" indent="0">
+            <a:lvl3pPr marL="2159996" indent="0">
               <a:buNone/>
-              <a:defRPr sz="1800" b="1"/>
+              <a:defRPr sz="4252" b="1"/>
             </a:lvl3pPr>
-            <a:lvl4pPr marL="1371600" indent="0">
+            <a:lvl4pPr marL="3239994" indent="0">
               <a:buNone/>
-              <a:defRPr sz="1600" b="1"/>
+              <a:defRPr sz="3780" b="1"/>
             </a:lvl4pPr>
-            <a:lvl5pPr marL="1828800" indent="0">
+            <a:lvl5pPr marL="4319991" indent="0">
               <a:buNone/>
-              <a:defRPr sz="1600" b="1"/>
+              <a:defRPr sz="3780" b="1"/>
             </a:lvl5pPr>
-            <a:lvl6pPr marL="2286000" indent="0">
+            <a:lvl6pPr marL="5399989" indent="0">
               <a:buNone/>
-              <a:defRPr sz="1600" b="1"/>
+              <a:defRPr sz="3780" b="1"/>
             </a:lvl6pPr>
-            <a:lvl7pPr marL="2743200" indent="0">
+            <a:lvl7pPr marL="6479987" indent="0">
               <a:buNone/>
-              <a:defRPr sz="1600" b="1"/>
+              <a:defRPr sz="3780" b="1"/>
             </a:lvl7pPr>
-            <a:lvl8pPr marL="3200400" indent="0">
+            <a:lvl8pPr marL="7559985" indent="0">
               <a:buNone/>
-              <a:defRPr sz="1600" b="1"/>
+              <a:defRPr sz="3780" b="1"/>
             </a:lvl8pPr>
-            <a:lvl9pPr marL="3657600" indent="0">
+            <a:lvl9pPr marL="8639983" indent="0">
               <a:buNone/>
-              <a:defRPr sz="1600" b="1"/>
+              <a:defRPr sz="3780" b="1"/>
             </a:lvl9pPr>
           </a:lstStyle>
           <a:p>
@@ -1531,7 +2141,7 @@
       </p:sp>
       <p:sp>
         <p:nvSpPr>
-          <p:cNvPr id="6" name="內容版面配置區 5"/>
+          <p:cNvPr id="6" name="Content Placeholder 5"/>
           <p:cNvSpPr>
             <a:spLocks noGrp="1"/>
           </p:cNvSpPr>
@@ -1541,8 +2151,8 @@
         </p:nvSpPr>
         <p:spPr>
           <a:xfrm>
-            <a:off x="6172200" y="2505075"/>
-            <a:ext cx="5183188" cy="3684588"/>
+            <a:off x="10934761" y="7889827"/>
+            <a:ext cx="9182611" cy="11604746"/>
           </a:xfrm>
         </p:spPr>
         <p:txBody>
@@ -1582,13 +2192,13 @@
               <a:rPr lang="zh-TW" altLang="en-US" smtClean="0"/>
               <a:t>第五層</a:t>
             </a:r>
-            <a:endParaRPr lang="zh-TW" altLang="en-US"/>
+            <a:endParaRPr lang="en-US" dirty="0"/>
           </a:p>
         </p:txBody>
       </p:sp>
       <p:sp>
         <p:nvSpPr>
-          <p:cNvPr id="7" name="日期版面配置區 6"/>
+          <p:cNvPr id="7" name="Date Placeholder 6"/>
           <p:cNvSpPr>
             <a:spLocks noGrp="1"/>
           </p:cNvSpPr>
@@ -1601,9 +2211,9 @@
           <a:bodyPr/>
           <a:lstStyle/>
           <a:p>
-            <a:fld id="{15DCBCA1-EE2B-47B9-B758-18B44C39ABAA}" type="datetimeFigureOut">
-              <a:rPr lang="zh-TW" altLang="en-US" smtClean="0"/>
-              <a:t>2021/6/6</a:t>
+            <a:fld id="{3E906AA8-AB23-40FA-BFDB-6A33FBF1CFF0}" type="datetimeFigureOut">
+              <a:rPr lang="zh-TW" altLang="en-US" smtClean="0"/>
+              <a:t>2021/6/9</a:t>
             </a:fld>
             <a:endParaRPr lang="zh-TW" altLang="en-US"/>
           </a:p>
@@ -1611,7 +2221,7 @@
       </p:sp>
       <p:sp>
         <p:nvSpPr>
-          <p:cNvPr id="8" name="頁尾版面配置區 7"/>
+          <p:cNvPr id="8" name="Footer Placeholder 7"/>
           <p:cNvSpPr>
             <a:spLocks noGrp="1"/>
           </p:cNvSpPr>
@@ -1630,7 +2240,7 @@
       </p:sp>
       <p:sp>
         <p:nvSpPr>
-          <p:cNvPr id="9" name="投影片編號版面配置區 8"/>
+          <p:cNvPr id="9" name="Slide Number Placeholder 8"/>
           <p:cNvSpPr>
             <a:spLocks noGrp="1"/>
           </p:cNvSpPr>
@@ -1643,7 +2253,7 @@
           <a:bodyPr/>
           <a:lstStyle/>
           <a:p>
-            <a:fld id="{D3041449-D0DA-438E-8E10-AA02D1ECBB63}" type="slidenum">
+            <a:fld id="{FB824F30-C39D-490B-89B7-4C3B4FC853A2}" type="slidenum">
               <a:rPr lang="zh-TW" altLang="en-US" smtClean="0"/>
               <a:t>‹#›</a:t>
             </a:fld>
@@ -1654,7 +2264,7 @@
     </p:spTree>
     <p:extLst>
       <p:ext uri="{BB962C8B-B14F-4D97-AF65-F5344CB8AC3E}">
-        <p14:creationId xmlns:p14="http://schemas.microsoft.com/office/powerpoint/2010/main" val="1721376517"/>
+        <p14:creationId xmlns:p14="http://schemas.microsoft.com/office/powerpoint/2010/main" val="914286401"/>
       </p:ext>
     </p:extLst>
   </p:cSld>
@@ -1683,7 +2293,7 @@
       </p:grpSpPr>
       <p:sp>
         <p:nvSpPr>
-          <p:cNvPr id="2" name="標題 1"/>
+          <p:cNvPr id="2" name="Title 1"/>
           <p:cNvSpPr>
             <a:spLocks noGrp="1"/>
           </p:cNvSpPr>
@@ -1700,13 +2310,13 @@
               <a:rPr lang="zh-TW" altLang="en-US" smtClean="0"/>
               <a:t>按一下以編輯母片標題樣式</a:t>
             </a:r>
-            <a:endParaRPr lang="zh-TW" altLang="en-US"/>
+            <a:endParaRPr lang="en-US" dirty="0"/>
           </a:p>
         </p:txBody>
       </p:sp>
       <p:sp>
         <p:nvSpPr>
-          <p:cNvPr id="3" name="日期版面配置區 2"/>
+          <p:cNvPr id="3" name="Date Placeholder 2"/>
           <p:cNvSpPr>
             <a:spLocks noGrp="1"/>
           </p:cNvSpPr>
@@ -1719,9 +2329,9 @@
           <a:bodyPr/>
           <a:lstStyle/>
           <a:p>
-            <a:fld id="{15DCBCA1-EE2B-47B9-B758-18B44C39ABAA}" type="datetimeFigureOut">
-              <a:rPr lang="zh-TW" altLang="en-US" smtClean="0"/>
-              <a:t>2021/6/6</a:t>
+            <a:fld id="{3E906AA8-AB23-40FA-BFDB-6A33FBF1CFF0}" type="datetimeFigureOut">
+              <a:rPr lang="zh-TW" altLang="en-US" smtClean="0"/>
+              <a:t>2021/6/9</a:t>
             </a:fld>
             <a:endParaRPr lang="zh-TW" altLang="en-US"/>
           </a:p>
@@ -1729,7 +2339,7 @@
       </p:sp>
       <p:sp>
         <p:nvSpPr>
-          <p:cNvPr id="4" name="頁尾版面配置區 3"/>
+          <p:cNvPr id="4" name="Footer Placeholder 3"/>
           <p:cNvSpPr>
             <a:spLocks noGrp="1"/>
           </p:cNvSpPr>
@@ -1748,7 +2358,7 @@
       </p:sp>
       <p:sp>
         <p:nvSpPr>
-          <p:cNvPr id="5" name="投影片編號版面配置區 4"/>
+          <p:cNvPr id="5" name="Slide Number Placeholder 4"/>
           <p:cNvSpPr>
             <a:spLocks noGrp="1"/>
           </p:cNvSpPr>
@@ -1761,7 +2371,7 @@
           <a:bodyPr/>
           <a:lstStyle/>
           <a:p>
-            <a:fld id="{D3041449-D0DA-438E-8E10-AA02D1ECBB63}" type="slidenum">
+            <a:fld id="{FB824F30-C39D-490B-89B7-4C3B4FC853A2}" type="slidenum">
               <a:rPr lang="zh-TW" altLang="en-US" smtClean="0"/>
               <a:t>‹#›</a:t>
             </a:fld>
@@ -1772,7 +2382,7 @@
     </p:spTree>
     <p:extLst>
       <p:ext uri="{BB962C8B-B14F-4D97-AF65-F5344CB8AC3E}">
-        <p14:creationId xmlns:p14="http://schemas.microsoft.com/office/powerpoint/2010/main" val="1629668049"/>
+        <p14:creationId xmlns:p14="http://schemas.microsoft.com/office/powerpoint/2010/main" val="4085621127"/>
       </p:ext>
     </p:extLst>
   </p:cSld>
@@ -1801,7 +2411,7 @@
       </p:grpSpPr>
       <p:sp>
         <p:nvSpPr>
-          <p:cNvPr id="2" name="日期版面配置區 1"/>
+          <p:cNvPr id="2" name="Date Placeholder 1"/>
           <p:cNvSpPr>
             <a:spLocks noGrp="1"/>
           </p:cNvSpPr>
@@ -1814,9 +2424,9 @@
           <a:bodyPr/>
           <a:lstStyle/>
           <a:p>
-            <a:fld id="{15DCBCA1-EE2B-47B9-B758-18B44C39ABAA}" type="datetimeFigureOut">
-              <a:rPr lang="zh-TW" altLang="en-US" smtClean="0"/>
-              <a:t>2021/6/6</a:t>
+            <a:fld id="{3E906AA8-AB23-40FA-BFDB-6A33FBF1CFF0}" type="datetimeFigureOut">
+              <a:rPr lang="zh-TW" altLang="en-US" smtClean="0"/>
+              <a:t>2021/6/9</a:t>
             </a:fld>
             <a:endParaRPr lang="zh-TW" altLang="en-US"/>
           </a:p>
@@ -1824,7 +2434,7 @@
       </p:sp>
       <p:sp>
         <p:nvSpPr>
-          <p:cNvPr id="3" name="頁尾版面配置區 2"/>
+          <p:cNvPr id="3" name="Footer Placeholder 2"/>
           <p:cNvSpPr>
             <a:spLocks noGrp="1"/>
           </p:cNvSpPr>
@@ -1843,7 +2453,7 @@
       </p:sp>
       <p:sp>
         <p:nvSpPr>
-          <p:cNvPr id="4" name="投影片編號版面配置區 3"/>
+          <p:cNvPr id="4" name="Slide Number Placeholder 3"/>
           <p:cNvSpPr>
             <a:spLocks noGrp="1"/>
           </p:cNvSpPr>
@@ -1856,7 +2466,7 @@
           <a:bodyPr/>
           <a:lstStyle/>
           <a:p>
-            <a:fld id="{D3041449-D0DA-438E-8E10-AA02D1ECBB63}" type="slidenum">
+            <a:fld id="{FB824F30-C39D-490B-89B7-4C3B4FC853A2}" type="slidenum">
               <a:rPr lang="zh-TW" altLang="en-US" smtClean="0"/>
               <a:t>‹#›</a:t>
             </a:fld>
@@ -1867,7 +2477,7 @@
     </p:spTree>
     <p:extLst>
       <p:ext uri="{BB962C8B-B14F-4D97-AF65-F5344CB8AC3E}">
-        <p14:creationId xmlns:p14="http://schemas.microsoft.com/office/powerpoint/2010/main" val="678189280"/>
+        <p14:creationId xmlns:p14="http://schemas.microsoft.com/office/powerpoint/2010/main" val="981289972"/>
       </p:ext>
     </p:extLst>
   </p:cSld>
@@ -1896,7 +2506,7 @@
       </p:grpSpPr>
       <p:sp>
         <p:nvSpPr>
-          <p:cNvPr id="2" name="標題 1"/>
+          <p:cNvPr id="2" name="Title 1"/>
           <p:cNvSpPr>
             <a:spLocks noGrp="1"/>
           </p:cNvSpPr>
@@ -1906,15 +2516,15 @@
         </p:nvSpPr>
         <p:spPr>
           <a:xfrm>
-            <a:off x="839788" y="457200"/>
-            <a:ext cx="3932237" cy="1600200"/>
+            <a:off x="1487781" y="1439968"/>
+            <a:ext cx="6966409" cy="5039889"/>
           </a:xfrm>
         </p:spPr>
         <p:txBody>
           <a:bodyPr anchor="b"/>
           <a:lstStyle>
             <a:lvl1pPr>
-              <a:defRPr sz="3200"/>
+              <a:defRPr sz="7559"/>
             </a:lvl1pPr>
           </a:lstStyle>
           <a:p>
@@ -1922,13 +2532,13 @@
               <a:rPr lang="zh-TW" altLang="en-US" smtClean="0"/>
               <a:t>按一下以編輯母片標題樣式</a:t>
             </a:r>
-            <a:endParaRPr lang="zh-TW" altLang="en-US"/>
+            <a:endParaRPr lang="en-US" dirty="0"/>
           </a:p>
         </p:txBody>
       </p:sp>
       <p:sp>
         <p:nvSpPr>
-          <p:cNvPr id="3" name="內容版面配置區 2"/>
+          <p:cNvPr id="3" name="Content Placeholder 2"/>
           <p:cNvSpPr>
             <a:spLocks noGrp="1"/>
           </p:cNvSpPr>
@@ -1938,39 +2548,39 @@
         </p:nvSpPr>
         <p:spPr>
           <a:xfrm>
-            <a:off x="5183188" y="987425"/>
-            <a:ext cx="6172200" cy="4873625"/>
+            <a:off x="9182611" y="3109937"/>
+            <a:ext cx="10934760" cy="15349662"/>
           </a:xfrm>
         </p:spPr>
         <p:txBody>
           <a:bodyPr/>
           <a:lstStyle>
             <a:lvl1pPr>
-              <a:defRPr sz="3200"/>
+              <a:defRPr sz="7559"/>
             </a:lvl1pPr>
             <a:lvl2pPr>
-              <a:defRPr sz="2800"/>
+              <a:defRPr sz="6614"/>
             </a:lvl2pPr>
             <a:lvl3pPr>
-              <a:defRPr sz="2400"/>
+              <a:defRPr sz="5669"/>
             </a:lvl3pPr>
             <a:lvl4pPr>
-              <a:defRPr sz="2000"/>
+              <a:defRPr sz="4724"/>
             </a:lvl4pPr>
             <a:lvl5pPr>
-              <a:defRPr sz="2000"/>
+              <a:defRPr sz="4724"/>
             </a:lvl5pPr>
             <a:lvl6pPr>
-              <a:defRPr sz="2000"/>
+              <a:defRPr sz="4724"/>
             </a:lvl6pPr>
             <a:lvl7pPr>
-              <a:defRPr sz="2000"/>
+              <a:defRPr sz="4724"/>
             </a:lvl7pPr>
             <a:lvl8pPr>
-              <a:defRPr sz="2000"/>
+              <a:defRPr sz="4724"/>
             </a:lvl8pPr>
             <a:lvl9pPr>
-              <a:defRPr sz="2000"/>
+              <a:defRPr sz="4724"/>
             </a:lvl9pPr>
           </a:lstStyle>
           <a:p>
@@ -2007,13 +2617,13 @@
               <a:rPr lang="zh-TW" altLang="en-US" smtClean="0"/>
               <a:t>第五層</a:t>
             </a:r>
-            <a:endParaRPr lang="zh-TW" altLang="en-US"/>
+            <a:endParaRPr lang="en-US" dirty="0"/>
           </a:p>
         </p:txBody>
       </p:sp>
       <p:sp>
         <p:nvSpPr>
-          <p:cNvPr id="4" name="文字版面配置區 3"/>
+          <p:cNvPr id="4" name="Text Placeholder 3"/>
           <p:cNvSpPr>
             <a:spLocks noGrp="1"/>
           </p:cNvSpPr>
@@ -2023,8 +2633,8 @@
         </p:nvSpPr>
         <p:spPr>
           <a:xfrm>
-            <a:off x="839788" y="2057400"/>
-            <a:ext cx="3932237" cy="3811588"/>
+            <a:off x="1487781" y="6479857"/>
+            <a:ext cx="6966409" cy="12004738"/>
           </a:xfrm>
         </p:spPr>
         <p:txBody>
@@ -2032,39 +2642,39 @@
           <a:lstStyle>
             <a:lvl1pPr marL="0" indent="0">
               <a:buNone/>
-              <a:defRPr sz="1600"/>
+              <a:defRPr sz="3780"/>
             </a:lvl1pPr>
-            <a:lvl2pPr marL="457200" indent="0">
+            <a:lvl2pPr marL="1079998" indent="0">
               <a:buNone/>
-              <a:defRPr sz="1400"/>
+              <a:defRPr sz="3307"/>
             </a:lvl2pPr>
-            <a:lvl3pPr marL="914400" indent="0">
+            <a:lvl3pPr marL="2159996" indent="0">
               <a:buNone/>
-              <a:defRPr sz="1200"/>
+              <a:defRPr sz="2835"/>
             </a:lvl3pPr>
-            <a:lvl4pPr marL="1371600" indent="0">
+            <a:lvl4pPr marL="3239994" indent="0">
               <a:buNone/>
-              <a:defRPr sz="1000"/>
+              <a:defRPr sz="2362"/>
             </a:lvl4pPr>
-            <a:lvl5pPr marL="1828800" indent="0">
+            <a:lvl5pPr marL="4319991" indent="0">
               <a:buNone/>
-              <a:defRPr sz="1000"/>
+              <a:defRPr sz="2362"/>
             </a:lvl5pPr>
-            <a:lvl6pPr marL="2286000" indent="0">
+            <a:lvl6pPr marL="5399989" indent="0">
               <a:buNone/>
-              <a:defRPr sz="1000"/>
+              <a:defRPr sz="2362"/>
             </a:lvl6pPr>
-            <a:lvl7pPr marL="2743200" indent="0">
+            <a:lvl7pPr marL="6479987" indent="0">
               <a:buNone/>
-              <a:defRPr sz="1000"/>
+              <a:defRPr sz="2362"/>
             </a:lvl7pPr>
-            <a:lvl8pPr marL="3200400" indent="0">
+            <a:lvl8pPr marL="7559985" indent="0">
               <a:buNone/>
-              <a:defRPr sz="1000"/>
+              <a:defRPr sz="2362"/>
             </a:lvl8pPr>
-            <a:lvl9pPr marL="3657600" indent="0">
+            <a:lvl9pPr marL="8639983" indent="0">
               <a:buNone/>
-              <a:defRPr sz="1000"/>
+              <a:defRPr sz="2362"/>
             </a:lvl9pPr>
           </a:lstStyle>
           <a:p>
@@ -2078,7 +2688,7 @@
       </p:sp>
       <p:sp>
         <p:nvSpPr>
-          <p:cNvPr id="5" name="日期版面配置區 4"/>
+          <p:cNvPr id="5" name="Date Placeholder 4"/>
           <p:cNvSpPr>
             <a:spLocks noGrp="1"/>
           </p:cNvSpPr>
@@ -2091,9 +2701,9 @@
           <a:bodyPr/>
           <a:lstStyle/>
           <a:p>
-            <a:fld id="{15DCBCA1-EE2B-47B9-B758-18B44C39ABAA}" type="datetimeFigureOut">
-              <a:rPr lang="zh-TW" altLang="en-US" smtClean="0"/>
-              <a:t>2021/6/6</a:t>
+            <a:fld id="{3E906AA8-AB23-40FA-BFDB-6A33FBF1CFF0}" type="datetimeFigureOut">
+              <a:rPr lang="zh-TW" altLang="en-US" smtClean="0"/>
+              <a:t>2021/6/9</a:t>
             </a:fld>
             <a:endParaRPr lang="zh-TW" altLang="en-US"/>
           </a:p>
@@ -2101,7 +2711,7 @@
       </p:sp>
       <p:sp>
         <p:nvSpPr>
-          <p:cNvPr id="6" name="頁尾版面配置區 5"/>
+          <p:cNvPr id="6" name="Footer Placeholder 5"/>
           <p:cNvSpPr>
             <a:spLocks noGrp="1"/>
           </p:cNvSpPr>
@@ -2120,7 +2730,7 @@
       </p:sp>
       <p:sp>
         <p:nvSpPr>
-          <p:cNvPr id="7" name="投影片編號版面配置區 6"/>
+          <p:cNvPr id="7" name="Slide Number Placeholder 6"/>
           <p:cNvSpPr>
             <a:spLocks noGrp="1"/>
           </p:cNvSpPr>
@@ -2133,7 +2743,7 @@
           <a:bodyPr/>
           <a:lstStyle/>
           <a:p>
-            <a:fld id="{D3041449-D0DA-438E-8E10-AA02D1ECBB63}" type="slidenum">
+            <a:fld id="{FB824F30-C39D-490B-89B7-4C3B4FC853A2}" type="slidenum">
               <a:rPr lang="zh-TW" altLang="en-US" smtClean="0"/>
               <a:t>‹#›</a:t>
             </a:fld>
@@ -2144,7 +2754,7 @@
     </p:spTree>
     <p:extLst>
       <p:ext uri="{BB962C8B-B14F-4D97-AF65-F5344CB8AC3E}">
-        <p14:creationId xmlns:p14="http://schemas.microsoft.com/office/powerpoint/2010/main" val="586071273"/>
+        <p14:creationId xmlns:p14="http://schemas.microsoft.com/office/powerpoint/2010/main" val="841637534"/>
       </p:ext>
     </p:extLst>
   </p:cSld>
@@ -2173,7 +2783,7 @@
       </p:grpSpPr>
       <p:sp>
         <p:nvSpPr>
-          <p:cNvPr id="2" name="標題 1"/>
+          <p:cNvPr id="2" name="Title 1"/>
           <p:cNvSpPr>
             <a:spLocks noGrp="1"/>
           </p:cNvSpPr>
@@ -2183,15 +2793,15 @@
         </p:nvSpPr>
         <p:spPr>
           <a:xfrm>
-            <a:off x="839788" y="457200"/>
-            <a:ext cx="3932237" cy="1600200"/>
+            <a:off x="1487781" y="1439968"/>
+            <a:ext cx="6966409" cy="5039889"/>
           </a:xfrm>
         </p:spPr>
         <p:txBody>
           <a:bodyPr anchor="b"/>
           <a:lstStyle>
             <a:lvl1pPr>
-              <a:defRPr sz="3200"/>
+              <a:defRPr sz="7559"/>
             </a:lvl1pPr>
           </a:lstStyle>
           <a:p>
@@ -2199,15 +2809,15 @@
               <a:rPr lang="zh-TW" altLang="en-US" smtClean="0"/>
               <a:t>按一下以編輯母片標題樣式</a:t>
             </a:r>
-            <a:endParaRPr lang="zh-TW" altLang="en-US"/>
+            <a:endParaRPr lang="en-US" dirty="0"/>
           </a:p>
         </p:txBody>
       </p:sp>
       <p:sp>
         <p:nvSpPr>
-          <p:cNvPr id="3" name="圖片版面配置區 2"/>
+          <p:cNvPr id="3" name="Picture Placeholder 2"/>
           <p:cNvSpPr>
-            <a:spLocks noGrp="1"/>
+            <a:spLocks noGrp="1" noChangeAspect="1"/>
           </p:cNvSpPr>
           <p:nvPr>
             <p:ph type="pic" idx="1"/>
@@ -2215,58 +2825,62 @@
         </p:nvSpPr>
         <p:spPr>
           <a:xfrm>
-            <a:off x="5183188" y="987425"/>
-            <a:ext cx="6172200" cy="4873625"/>
+            <a:off x="9182611" y="3109937"/>
+            <a:ext cx="10934760" cy="15349662"/>
           </a:xfrm>
         </p:spPr>
         <p:txBody>
-          <a:bodyPr/>
+          <a:bodyPr anchor="t"/>
           <a:lstStyle>
             <a:lvl1pPr marL="0" indent="0">
               <a:buNone/>
-              <a:defRPr sz="3200"/>
+              <a:defRPr sz="7559"/>
             </a:lvl1pPr>
-            <a:lvl2pPr marL="457200" indent="0">
+            <a:lvl2pPr marL="1079998" indent="0">
               <a:buNone/>
-              <a:defRPr sz="2800"/>
+              <a:defRPr sz="6614"/>
             </a:lvl2pPr>
-            <a:lvl3pPr marL="914400" indent="0">
+            <a:lvl3pPr marL="2159996" indent="0">
               <a:buNone/>
-              <a:defRPr sz="2400"/>
+              <a:defRPr sz="5669"/>
             </a:lvl3pPr>
-            <a:lvl4pPr marL="1371600" indent="0">
+            <a:lvl4pPr marL="3239994" indent="0">
               <a:buNone/>
-              <a:defRPr sz="2000"/>
+              <a:defRPr sz="4724"/>
             </a:lvl4pPr>
-            <a:lvl5pPr marL="1828800" indent="0">
+            <a:lvl5pPr marL="4319991" indent="0">
               <a:buNone/>
-              <a:defRPr sz="2000"/>
+              <a:defRPr sz="4724"/>
             </a:lvl5pPr>
-            <a:lvl6pPr marL="2286000" indent="0">
+            <a:lvl6pPr marL="5399989" indent="0">
               <a:buNone/>
-              <a:defRPr sz="2000"/>
+              <a:defRPr sz="4724"/>
             </a:lvl6pPr>
-            <a:lvl7pPr marL="2743200" indent="0">
+            <a:lvl7pPr marL="6479987" indent="0">
               <a:buNone/>
-              <a:defRPr sz="2000"/>
+              <a:defRPr sz="4724"/>
             </a:lvl7pPr>
-            <a:lvl8pPr marL="3200400" indent="0">
+            <a:lvl8pPr marL="7559985" indent="0">
               <a:buNone/>
-              <a:defRPr sz="2000"/>
+              <a:defRPr sz="4724"/>
             </a:lvl8pPr>
-            <a:lvl9pPr marL="3657600" indent="0">
+            <a:lvl9pPr marL="8639983" indent="0">
               <a:buNone/>
-              <a:defRPr sz="2000"/>
+              <a:defRPr sz="4724"/>
             </a:lvl9pPr>
           </a:lstStyle>
           <a:p>
-            <a:endParaRPr lang="zh-TW" altLang="en-US"/>
+            <a:r>
+              <a:rPr lang="zh-TW" altLang="en-US" smtClean="0"/>
+              <a:t>按一下圖示以新增圖片</a:t>
+            </a:r>
+            <a:endParaRPr lang="en-US" dirty="0"/>
           </a:p>
         </p:txBody>
       </p:sp>
       <p:sp>
         <p:nvSpPr>
-          <p:cNvPr id="4" name="文字版面配置區 3"/>
+          <p:cNvPr id="4" name="Text Placeholder 3"/>
           <p:cNvSpPr>
             <a:spLocks noGrp="1"/>
           </p:cNvSpPr>
@@ -2276,8 +2890,8 @@
         </p:nvSpPr>
         <p:spPr>
           <a:xfrm>
-            <a:off x="839788" y="2057400"/>
-            <a:ext cx="3932237" cy="3811588"/>
+            <a:off x="1487781" y="6479857"/>
+            <a:ext cx="6966409" cy="12004738"/>
           </a:xfrm>
         </p:spPr>
         <p:txBody>
@@ -2285,39 +2899,39 @@
           <a:lstStyle>
             <a:lvl1pPr marL="0" indent="0">
               <a:buNone/>
-              <a:defRPr sz="1600"/>
+              <a:defRPr sz="3780"/>
             </a:lvl1pPr>
-            <a:lvl2pPr marL="457200" indent="0">
+            <a:lvl2pPr marL="1079998" indent="0">
               <a:buNone/>
-              <a:defRPr sz="1400"/>
+              <a:defRPr sz="3307"/>
             </a:lvl2pPr>
-            <a:lvl3pPr marL="914400" indent="0">
+            <a:lvl3pPr marL="2159996" indent="0">
               <a:buNone/>
-              <a:defRPr sz="1200"/>
+              <a:defRPr sz="2835"/>
             </a:lvl3pPr>
-            <a:lvl4pPr marL="1371600" indent="0">
+            <a:lvl4pPr marL="3239994" indent="0">
               <a:buNone/>
-              <a:defRPr sz="1000"/>
+              <a:defRPr sz="2362"/>
             </a:lvl4pPr>
-            <a:lvl5pPr marL="1828800" indent="0">
+            <a:lvl5pPr marL="4319991" indent="0">
               <a:buNone/>
-              <a:defRPr sz="1000"/>
+              <a:defRPr sz="2362"/>
             </a:lvl5pPr>
-            <a:lvl6pPr marL="2286000" indent="0">
+            <a:lvl6pPr marL="5399989" indent="0">
               <a:buNone/>
-              <a:defRPr sz="1000"/>
+              <a:defRPr sz="2362"/>
             </a:lvl6pPr>
-            <a:lvl7pPr marL="2743200" indent="0">
+            <a:lvl7pPr marL="6479987" indent="0">
               <a:buNone/>
-              <a:defRPr sz="1000"/>
+              <a:defRPr sz="2362"/>
             </a:lvl7pPr>
-            <a:lvl8pPr marL="3200400" indent="0">
+            <a:lvl8pPr marL="7559985" indent="0">
               <a:buNone/>
-              <a:defRPr sz="1000"/>
+              <a:defRPr sz="2362"/>
             </a:lvl8pPr>
-            <a:lvl9pPr marL="3657600" indent="0">
+            <a:lvl9pPr marL="8639983" indent="0">
               <a:buNone/>
-              <a:defRPr sz="1000"/>
+              <a:defRPr sz="2362"/>
             </a:lvl9pPr>
           </a:lstStyle>
           <a:p>
@@ -2331,7 +2945,7 @@
       </p:sp>
       <p:sp>
         <p:nvSpPr>
-          <p:cNvPr id="5" name="日期版面配置區 4"/>
+          <p:cNvPr id="5" name="Date Placeholder 4"/>
           <p:cNvSpPr>
             <a:spLocks noGrp="1"/>
           </p:cNvSpPr>
@@ -2344,9 +2958,9 @@
           <a:bodyPr/>
           <a:lstStyle/>
           <a:p>
-            <a:fld id="{15DCBCA1-EE2B-47B9-B758-18B44C39ABAA}" type="datetimeFigureOut">
-              <a:rPr lang="zh-TW" altLang="en-US" smtClean="0"/>
-              <a:t>2021/6/6</a:t>
+            <a:fld id="{3E906AA8-AB23-40FA-BFDB-6A33FBF1CFF0}" type="datetimeFigureOut">
+              <a:rPr lang="zh-TW" altLang="en-US" smtClean="0"/>
+              <a:t>2021/6/9</a:t>
             </a:fld>
             <a:endParaRPr lang="zh-TW" altLang="en-US"/>
           </a:p>
@@ -2354,7 +2968,7 @@
       </p:sp>
       <p:sp>
         <p:nvSpPr>
-          <p:cNvPr id="6" name="頁尾版面配置區 5"/>
+          <p:cNvPr id="6" name="Footer Placeholder 5"/>
           <p:cNvSpPr>
             <a:spLocks noGrp="1"/>
           </p:cNvSpPr>
@@ -2373,7 +2987,7 @@
       </p:sp>
       <p:sp>
         <p:nvSpPr>
-          <p:cNvPr id="7" name="投影片編號版面配置區 6"/>
+          <p:cNvPr id="7" name="Slide Number Placeholder 6"/>
           <p:cNvSpPr>
             <a:spLocks noGrp="1"/>
           </p:cNvSpPr>
@@ -2386,7 +3000,7 @@
           <a:bodyPr/>
           <a:lstStyle/>
           <a:p>
-            <a:fld id="{D3041449-D0DA-438E-8E10-AA02D1ECBB63}" type="slidenum">
+            <a:fld id="{FB824F30-C39D-490B-89B7-4C3B4FC853A2}" type="slidenum">
               <a:rPr lang="zh-TW" altLang="en-US" smtClean="0"/>
               <a:t>‹#›</a:t>
             </a:fld>
@@ -2397,7 +3011,7 @@
     </p:spTree>
     <p:extLst>
       <p:ext uri="{BB962C8B-B14F-4D97-AF65-F5344CB8AC3E}">
-        <p14:creationId xmlns:p14="http://schemas.microsoft.com/office/powerpoint/2010/main" val="1408733018"/>
+        <p14:creationId xmlns:p14="http://schemas.microsoft.com/office/powerpoint/2010/main" val="3977350844"/>
       </p:ext>
     </p:extLst>
   </p:cSld>
@@ -2431,7 +3045,7 @@
       </p:grpSpPr>
       <p:sp>
         <p:nvSpPr>
-          <p:cNvPr id="2" name="標題版面配置區 1"/>
+          <p:cNvPr id="2" name="Title Placeholder 1"/>
           <p:cNvSpPr>
             <a:spLocks noGrp="1"/>
           </p:cNvSpPr>
@@ -2441,8 +3055,8 @@
         </p:nvSpPr>
         <p:spPr>
           <a:xfrm>
-            <a:off x="838200" y="365125"/>
-            <a:ext cx="10515600" cy="1325563"/>
+            <a:off x="1484968" y="1149979"/>
+            <a:ext cx="18629590" cy="4174910"/>
           </a:xfrm>
           <a:prstGeom prst="rect">
             <a:avLst/>
@@ -2458,13 +3072,13 @@
               <a:rPr lang="zh-TW" altLang="en-US" smtClean="0"/>
               <a:t>按一下以編輯母片標題樣式</a:t>
             </a:r>
-            <a:endParaRPr lang="zh-TW" altLang="en-US"/>
+            <a:endParaRPr lang="en-US" dirty="0"/>
           </a:p>
         </p:txBody>
       </p:sp>
       <p:sp>
         <p:nvSpPr>
-          <p:cNvPr id="3" name="文字版面配置區 2"/>
+          <p:cNvPr id="3" name="Text Placeholder 2"/>
           <p:cNvSpPr>
             <a:spLocks noGrp="1"/>
           </p:cNvSpPr>
@@ -2474,8 +3088,8 @@
         </p:nvSpPr>
         <p:spPr>
           <a:xfrm>
-            <a:off x="838200" y="1825625"/>
-            <a:ext cx="10515600" cy="4351338"/>
+            <a:off x="1484968" y="5749874"/>
+            <a:ext cx="18629590" cy="13704700"/>
           </a:xfrm>
           <a:prstGeom prst="rect">
             <a:avLst/>
@@ -2520,13 +3134,13 @@
               <a:rPr lang="zh-TW" altLang="en-US" smtClean="0"/>
               <a:t>第五層</a:t>
             </a:r>
-            <a:endParaRPr lang="zh-TW" altLang="en-US"/>
+            <a:endParaRPr lang="en-US" dirty="0"/>
           </a:p>
         </p:txBody>
       </p:sp>
       <p:sp>
         <p:nvSpPr>
-          <p:cNvPr id="4" name="日期版面配置區 3"/>
+          <p:cNvPr id="4" name="Date Placeholder 3"/>
           <p:cNvSpPr>
             <a:spLocks noGrp="1"/>
           </p:cNvSpPr>
@@ -2536,8 +3150,8 @@
         </p:nvSpPr>
         <p:spPr>
           <a:xfrm>
-            <a:off x="838200" y="6356350"/>
-            <a:ext cx="2743200" cy="365125"/>
+            <a:off x="1484967" y="20019564"/>
+            <a:ext cx="4859893" cy="1149975"/>
           </a:xfrm>
           <a:prstGeom prst="rect">
             <a:avLst/>
@@ -2547,7 +3161,7 @@
           <a:bodyPr vert="horz" lIns="91440" tIns="45720" rIns="91440" bIns="45720" rtlCol="0" anchor="ctr"/>
           <a:lstStyle>
             <a:lvl1pPr algn="l">
-              <a:defRPr sz="1200">
+              <a:defRPr sz="2835">
                 <a:solidFill>
                   <a:schemeClr val="tx1">
                     <a:tint val="75000"/>
@@ -2557,9 +3171,9 @@
             </a:lvl1pPr>
           </a:lstStyle>
           <a:p>
-            <a:fld id="{15DCBCA1-EE2B-47B9-B758-18B44C39ABAA}" type="datetimeFigureOut">
-              <a:rPr lang="zh-TW" altLang="en-US" smtClean="0"/>
-              <a:t>2021/6/6</a:t>
+            <a:fld id="{3E906AA8-AB23-40FA-BFDB-6A33FBF1CFF0}" type="datetimeFigureOut">
+              <a:rPr lang="zh-TW" altLang="en-US" smtClean="0"/>
+              <a:t>2021/6/9</a:t>
             </a:fld>
             <a:endParaRPr lang="zh-TW" altLang="en-US"/>
           </a:p>
@@ -2567,7 +3181,7 @@
       </p:sp>
       <p:sp>
         <p:nvSpPr>
-          <p:cNvPr id="5" name="頁尾版面配置區 4"/>
+          <p:cNvPr id="5" name="Footer Placeholder 4"/>
           <p:cNvSpPr>
             <a:spLocks noGrp="1"/>
           </p:cNvSpPr>
@@ -2577,8 +3191,8 @@
         </p:nvSpPr>
         <p:spPr>
           <a:xfrm>
-            <a:off x="4038600" y="6356350"/>
-            <a:ext cx="4114800" cy="365125"/>
+            <a:off x="7154843" y="20019564"/>
+            <a:ext cx="7289840" cy="1149975"/>
           </a:xfrm>
           <a:prstGeom prst="rect">
             <a:avLst/>
@@ -2588,7 +3202,7 @@
           <a:bodyPr vert="horz" lIns="91440" tIns="45720" rIns="91440" bIns="45720" rtlCol="0" anchor="ctr"/>
           <a:lstStyle>
             <a:lvl1pPr algn="ctr">
-              <a:defRPr sz="1200">
+              <a:defRPr sz="2835">
                 <a:solidFill>
                   <a:schemeClr val="tx1">
                     <a:tint val="75000"/>
@@ -2604,7 +3218,7 @@
       </p:sp>
       <p:sp>
         <p:nvSpPr>
-          <p:cNvPr id="6" name="投影片編號版面配置區 5"/>
+          <p:cNvPr id="6" name="Slide Number Placeholder 5"/>
           <p:cNvSpPr>
             <a:spLocks noGrp="1"/>
           </p:cNvSpPr>
@@ -2614,8 +3228,8 @@
         </p:nvSpPr>
         <p:spPr>
           <a:xfrm>
-            <a:off x="8610600" y="6356350"/>
-            <a:ext cx="2743200" cy="365125"/>
+            <a:off x="15254665" y="20019564"/>
+            <a:ext cx="4859893" cy="1149975"/>
           </a:xfrm>
           <a:prstGeom prst="rect">
             <a:avLst/>
@@ -2625,7 +3239,7 @@
           <a:bodyPr vert="horz" lIns="91440" tIns="45720" rIns="91440" bIns="45720" rtlCol="0" anchor="ctr"/>
           <a:lstStyle>
             <a:lvl1pPr algn="r">
-              <a:defRPr sz="1200">
+              <a:defRPr sz="2835">
                 <a:solidFill>
                   <a:schemeClr val="tx1">
                     <a:tint val="75000"/>
@@ -2635,7 +3249,7 @@
             </a:lvl1pPr>
           </a:lstStyle>
           <a:p>
-            <a:fld id="{D3041449-D0DA-438E-8E10-AA02D1ECBB63}" type="slidenum">
+            <a:fld id="{FB824F30-C39D-490B-89B7-4C3B4FC853A2}" type="slidenum">
               <a:rPr lang="zh-TW" altLang="en-US" smtClean="0"/>
               <a:t>‹#›</a:t>
             </a:fld>
@@ -2646,27 +3260,27 @@
     </p:spTree>
     <p:extLst>
       <p:ext uri="{BB962C8B-B14F-4D97-AF65-F5344CB8AC3E}">
-        <p14:creationId xmlns:p14="http://schemas.microsoft.com/office/powerpoint/2010/main" val="2225158183"/>
+        <p14:creationId xmlns:p14="http://schemas.microsoft.com/office/powerpoint/2010/main" val="1298064881"/>
       </p:ext>
     </p:extLst>
   </p:cSld>
   <p:clrMap bg1="lt1" tx1="dk1" bg2="lt2" tx2="dk2" accent1="accent1" accent2="accent2" accent3="accent3" accent4="accent4" accent5="accent5" accent6="accent6" hlink="hlink" folHlink="folHlink"/>
   <p:sldLayoutIdLst>
-    <p:sldLayoutId id="2147483649" r:id="rId1"/>
-    <p:sldLayoutId id="2147483650" r:id="rId2"/>
-    <p:sldLayoutId id="2147483651" r:id="rId3"/>
-    <p:sldLayoutId id="2147483652" r:id="rId4"/>
-    <p:sldLayoutId id="2147483653" r:id="rId5"/>
-    <p:sldLayoutId id="2147483654" r:id="rId6"/>
-    <p:sldLayoutId id="2147483655" r:id="rId7"/>
-    <p:sldLayoutId id="2147483656" r:id="rId8"/>
-    <p:sldLayoutId id="2147483657" r:id="rId9"/>
-    <p:sldLayoutId id="2147483658" r:id="rId10"/>
-    <p:sldLayoutId id="2147483659" r:id="rId11"/>
+    <p:sldLayoutId id="2147483661" r:id="rId1"/>
+    <p:sldLayoutId id="2147483662" r:id="rId2"/>
+    <p:sldLayoutId id="2147483663" r:id="rId3"/>
+    <p:sldLayoutId id="2147483664" r:id="rId4"/>
+    <p:sldLayoutId id="2147483665" r:id="rId5"/>
+    <p:sldLayoutId id="2147483666" r:id="rId6"/>
+    <p:sldLayoutId id="2147483667" r:id="rId7"/>
+    <p:sldLayoutId id="2147483668" r:id="rId8"/>
+    <p:sldLayoutId id="2147483669" r:id="rId9"/>
+    <p:sldLayoutId id="2147483670" r:id="rId10"/>
+    <p:sldLayoutId id="2147483671" r:id="rId11"/>
   </p:sldLayoutIdLst>
   <p:txStyles>
     <p:titleStyle>
-      <a:lvl1pPr algn="l" defTabSz="914400" rtl="0" eaLnBrk="1" latinLnBrk="0" hangingPunct="1">
+      <a:lvl1pPr algn="l" defTabSz="2159996" rtl="0" eaLnBrk="1" latinLnBrk="0" hangingPunct="1">
         <a:lnSpc>
           <a:spcPct val="90000"/>
         </a:lnSpc>
@@ -2674,7 +3288,7 @@
           <a:spcPct val="0"/>
         </a:spcBef>
         <a:buNone/>
-        <a:defRPr sz="4400" kern="1200">
+        <a:defRPr sz="10394" kern="1200">
           <a:solidFill>
             <a:schemeClr val="tx1"/>
           </a:solidFill>
@@ -2685,16 +3299,16 @@
       </a:lvl1pPr>
     </p:titleStyle>
     <p:bodyStyle>
-      <a:lvl1pPr marL="228600" indent="-228600" algn="l" defTabSz="914400" rtl="0" eaLnBrk="1" latinLnBrk="0" hangingPunct="1">
+      <a:lvl1pPr marL="539999" indent="-539999" algn="l" defTabSz="2159996" rtl="0" eaLnBrk="1" latinLnBrk="0" hangingPunct="1">
         <a:lnSpc>
           <a:spcPct val="90000"/>
         </a:lnSpc>
         <a:spcBef>
-          <a:spcPts val="1000"/>
+          <a:spcPts val="2362"/>
         </a:spcBef>
         <a:buFont typeface="Arial" panose="020B0604020202020204" pitchFamily="34" charset="0"/>
         <a:buChar char="•"/>
-        <a:defRPr sz="2800" kern="1200">
+        <a:defRPr sz="6614" kern="1200">
           <a:solidFill>
             <a:schemeClr val="tx1"/>
           </a:solidFill>
@@ -2703,16 +3317,16 @@
           <a:cs typeface="+mn-cs"/>
         </a:defRPr>
       </a:lvl1pPr>
-      <a:lvl2pPr marL="685800" indent="-228600" algn="l" defTabSz="914400" rtl="0" eaLnBrk="1" latinLnBrk="0" hangingPunct="1">
+      <a:lvl2pPr marL="1619997" indent="-539999" algn="l" defTabSz="2159996" rtl="0" eaLnBrk="1" latinLnBrk="0" hangingPunct="1">
         <a:lnSpc>
           <a:spcPct val="90000"/>
         </a:lnSpc>
         <a:spcBef>
-          <a:spcPts val="500"/>
+          <a:spcPts val="1181"/>
         </a:spcBef>
         <a:buFont typeface="Arial" panose="020B0604020202020204" pitchFamily="34" charset="0"/>
         <a:buChar char="•"/>
-        <a:defRPr sz="2400" kern="1200">
+        <a:defRPr sz="5669" kern="1200">
           <a:solidFill>
             <a:schemeClr val="tx1"/>
           </a:solidFill>
@@ -2721,16 +3335,16 @@
           <a:cs typeface="+mn-cs"/>
         </a:defRPr>
       </a:lvl2pPr>
-      <a:lvl3pPr marL="1143000" indent="-228600" algn="l" defTabSz="914400" rtl="0" eaLnBrk="1" latinLnBrk="0" hangingPunct="1">
+      <a:lvl3pPr marL="2699995" indent="-539999" algn="l" defTabSz="2159996" rtl="0" eaLnBrk="1" latinLnBrk="0" hangingPunct="1">
         <a:lnSpc>
           <a:spcPct val="90000"/>
         </a:lnSpc>
         <a:spcBef>
-          <a:spcPts val="500"/>
+          <a:spcPts val="1181"/>
         </a:spcBef>
         <a:buFont typeface="Arial" panose="020B0604020202020204" pitchFamily="34" charset="0"/>
         <a:buChar char="•"/>
-        <a:defRPr sz="2000" kern="1200">
+        <a:defRPr sz="4724" kern="1200">
           <a:solidFill>
             <a:schemeClr val="tx1"/>
           </a:solidFill>
@@ -2739,16 +3353,16 @@
           <a:cs typeface="+mn-cs"/>
         </a:defRPr>
       </a:lvl3pPr>
-      <a:lvl4pPr marL="1600200" indent="-228600" algn="l" defTabSz="914400" rtl="0" eaLnBrk="1" latinLnBrk="0" hangingPunct="1">
+      <a:lvl4pPr marL="3779992" indent="-539999" algn="l" defTabSz="2159996" rtl="0" eaLnBrk="1" latinLnBrk="0" hangingPunct="1">
         <a:lnSpc>
           <a:spcPct val="90000"/>
         </a:lnSpc>
         <a:spcBef>
-          <a:spcPts val="500"/>
+          <a:spcPts val="1181"/>
         </a:spcBef>
         <a:buFont typeface="Arial" panose="020B0604020202020204" pitchFamily="34" charset="0"/>
         <a:buChar char="•"/>
-        <a:defRPr sz="1800" kern="1200">
+        <a:defRPr sz="4252" kern="1200">
           <a:solidFill>
             <a:schemeClr val="tx1"/>
           </a:solidFill>
@@ -2757,16 +3371,16 @@
           <a:cs typeface="+mn-cs"/>
         </a:defRPr>
       </a:lvl4pPr>
-      <a:lvl5pPr marL="2057400" indent="-228600" algn="l" defTabSz="914400" rtl="0" eaLnBrk="1" latinLnBrk="0" hangingPunct="1">
+      <a:lvl5pPr marL="4859990" indent="-539999" algn="l" defTabSz="2159996" rtl="0" eaLnBrk="1" latinLnBrk="0" hangingPunct="1">
         <a:lnSpc>
           <a:spcPct val="90000"/>
         </a:lnSpc>
         <a:spcBef>
-          <a:spcPts val="500"/>
+          <a:spcPts val="1181"/>
         </a:spcBef>
         <a:buFont typeface="Arial" panose="020B0604020202020204" pitchFamily="34" charset="0"/>
         <a:buChar char="•"/>
-        <a:defRPr sz="1800" kern="1200">
+        <a:defRPr sz="4252" kern="1200">
           <a:solidFill>
             <a:schemeClr val="tx1"/>
           </a:solidFill>
@@ -2775,16 +3389,16 @@
           <a:cs typeface="+mn-cs"/>
         </a:defRPr>
       </a:lvl5pPr>
-      <a:lvl6pPr marL="2514600" indent="-228600" algn="l" defTabSz="914400" rtl="0" eaLnBrk="1" latinLnBrk="0" hangingPunct="1">
+      <a:lvl6pPr marL="5939988" indent="-539999" algn="l" defTabSz="2159996" rtl="0" eaLnBrk="1" latinLnBrk="0" hangingPunct="1">
         <a:lnSpc>
           <a:spcPct val="90000"/>
         </a:lnSpc>
         <a:spcBef>
-          <a:spcPts val="500"/>
+          <a:spcPts val="1181"/>
         </a:spcBef>
         <a:buFont typeface="Arial" panose="020B0604020202020204" pitchFamily="34" charset="0"/>
         <a:buChar char="•"/>
-        <a:defRPr sz="1800" kern="1200">
+        <a:defRPr sz="4252" kern="1200">
           <a:solidFill>
             <a:schemeClr val="tx1"/>
           </a:solidFill>
@@ -2793,16 +3407,16 @@
           <a:cs typeface="+mn-cs"/>
         </a:defRPr>
       </a:lvl6pPr>
-      <a:lvl7pPr marL="2971800" indent="-228600" algn="l" defTabSz="914400" rtl="0" eaLnBrk="1" latinLnBrk="0" hangingPunct="1">
+      <a:lvl7pPr marL="7019986" indent="-539999" algn="l" defTabSz="2159996" rtl="0" eaLnBrk="1" latinLnBrk="0" hangingPunct="1">
         <a:lnSpc>
           <a:spcPct val="90000"/>
         </a:lnSpc>
         <a:spcBef>
-          <a:spcPts val="500"/>
+          <a:spcPts val="1181"/>
         </a:spcBef>
         <a:buFont typeface="Arial" panose="020B0604020202020204" pitchFamily="34" charset="0"/>
         <a:buChar char="•"/>
-        <a:defRPr sz="1800" kern="1200">
+        <a:defRPr sz="4252" kern="1200">
           <a:solidFill>
             <a:schemeClr val="tx1"/>
           </a:solidFill>
@@ -2811,16 +3425,16 @@
           <a:cs typeface="+mn-cs"/>
         </a:defRPr>
       </a:lvl7pPr>
-      <a:lvl8pPr marL="3429000" indent="-228600" algn="l" defTabSz="914400" rtl="0" eaLnBrk="1" latinLnBrk="0" hangingPunct="1">
+      <a:lvl8pPr marL="8099984" indent="-539999" algn="l" defTabSz="2159996" rtl="0" eaLnBrk="1" latinLnBrk="0" hangingPunct="1">
         <a:lnSpc>
           <a:spcPct val="90000"/>
         </a:lnSpc>
         <a:spcBef>
-          <a:spcPts val="500"/>
+          <a:spcPts val="1181"/>
         </a:spcBef>
         <a:buFont typeface="Arial" panose="020B0604020202020204" pitchFamily="34" charset="0"/>
         <a:buChar char="•"/>
-        <a:defRPr sz="1800" kern="1200">
+        <a:defRPr sz="4252" kern="1200">
           <a:solidFill>
             <a:schemeClr val="tx1"/>
           </a:solidFill>
@@ -2829,16 +3443,16 @@
           <a:cs typeface="+mn-cs"/>
         </a:defRPr>
       </a:lvl8pPr>
-      <a:lvl9pPr marL="3886200" indent="-228600" algn="l" defTabSz="914400" rtl="0" eaLnBrk="1" latinLnBrk="0" hangingPunct="1">
+      <a:lvl9pPr marL="9179982" indent="-539999" algn="l" defTabSz="2159996" rtl="0" eaLnBrk="1" latinLnBrk="0" hangingPunct="1">
         <a:lnSpc>
           <a:spcPct val="90000"/>
         </a:lnSpc>
         <a:spcBef>
-          <a:spcPts val="500"/>
+          <a:spcPts val="1181"/>
         </a:spcBef>
         <a:buFont typeface="Arial" panose="020B0604020202020204" pitchFamily="34" charset="0"/>
         <a:buChar char="•"/>
-        <a:defRPr sz="1800" kern="1200">
+        <a:defRPr sz="4252" kern="1200">
           <a:solidFill>
             <a:schemeClr val="tx1"/>
           </a:solidFill>
@@ -2850,10 +3464,10 @@
     </p:bodyStyle>
     <p:otherStyle>
       <a:defPPr>
-        <a:defRPr lang="zh-TW"/>
+        <a:defRPr lang="en-US"/>
       </a:defPPr>
-      <a:lvl1pPr marL="0" algn="l" defTabSz="914400" rtl="0" eaLnBrk="1" latinLnBrk="0" hangingPunct="1">
-        <a:defRPr sz="1800" kern="1200">
+      <a:lvl1pPr marL="0" algn="l" defTabSz="2159996" rtl="0" eaLnBrk="1" latinLnBrk="0" hangingPunct="1">
+        <a:defRPr sz="4252" kern="1200">
           <a:solidFill>
             <a:schemeClr val="tx1"/>
           </a:solidFill>
@@ -2862,8 +3476,8 @@
           <a:cs typeface="+mn-cs"/>
         </a:defRPr>
       </a:lvl1pPr>
-      <a:lvl2pPr marL="457200" algn="l" defTabSz="914400" rtl="0" eaLnBrk="1" latinLnBrk="0" hangingPunct="1">
-        <a:defRPr sz="1800" kern="1200">
+      <a:lvl2pPr marL="1079998" algn="l" defTabSz="2159996" rtl="0" eaLnBrk="1" latinLnBrk="0" hangingPunct="1">
+        <a:defRPr sz="4252" kern="1200">
           <a:solidFill>
             <a:schemeClr val="tx1"/>
           </a:solidFill>
@@ -2872,8 +3486,8 @@
           <a:cs typeface="+mn-cs"/>
         </a:defRPr>
       </a:lvl2pPr>
-      <a:lvl3pPr marL="914400" algn="l" defTabSz="914400" rtl="0" eaLnBrk="1" latinLnBrk="0" hangingPunct="1">
-        <a:defRPr sz="1800" kern="1200">
+      <a:lvl3pPr marL="2159996" algn="l" defTabSz="2159996" rtl="0" eaLnBrk="1" latinLnBrk="0" hangingPunct="1">
+        <a:defRPr sz="4252" kern="1200">
           <a:solidFill>
             <a:schemeClr val="tx1"/>
           </a:solidFill>
@@ -2882,8 +3496,8 @@
           <a:cs typeface="+mn-cs"/>
         </a:defRPr>
       </a:lvl3pPr>
-      <a:lvl4pPr marL="1371600" algn="l" defTabSz="914400" rtl="0" eaLnBrk="1" latinLnBrk="0" hangingPunct="1">
-        <a:defRPr sz="1800" kern="1200">
+      <a:lvl4pPr marL="3239994" algn="l" defTabSz="2159996" rtl="0" eaLnBrk="1" latinLnBrk="0" hangingPunct="1">
+        <a:defRPr sz="4252" kern="1200">
           <a:solidFill>
             <a:schemeClr val="tx1"/>
           </a:solidFill>
@@ -2892,8 +3506,8 @@
           <a:cs typeface="+mn-cs"/>
         </a:defRPr>
       </a:lvl4pPr>
-      <a:lvl5pPr marL="1828800" algn="l" defTabSz="914400" rtl="0" eaLnBrk="1" latinLnBrk="0" hangingPunct="1">
-        <a:defRPr sz="1800" kern="1200">
+      <a:lvl5pPr marL="4319991" algn="l" defTabSz="2159996" rtl="0" eaLnBrk="1" latinLnBrk="0" hangingPunct="1">
+        <a:defRPr sz="4252" kern="1200">
           <a:solidFill>
             <a:schemeClr val="tx1"/>
           </a:solidFill>
@@ -2902,8 +3516,8 @@
           <a:cs typeface="+mn-cs"/>
         </a:defRPr>
       </a:lvl5pPr>
-      <a:lvl6pPr marL="2286000" algn="l" defTabSz="914400" rtl="0" eaLnBrk="1" latinLnBrk="0" hangingPunct="1">
-        <a:defRPr sz="1800" kern="1200">
+      <a:lvl6pPr marL="5399989" algn="l" defTabSz="2159996" rtl="0" eaLnBrk="1" latinLnBrk="0" hangingPunct="1">
+        <a:defRPr sz="4252" kern="1200">
           <a:solidFill>
             <a:schemeClr val="tx1"/>
           </a:solidFill>
@@ -2912,8 +3526,8 @@
           <a:cs typeface="+mn-cs"/>
         </a:defRPr>
       </a:lvl6pPr>
-      <a:lvl7pPr marL="2743200" algn="l" defTabSz="914400" rtl="0" eaLnBrk="1" latinLnBrk="0" hangingPunct="1">
-        <a:defRPr sz="1800" kern="1200">
+      <a:lvl7pPr marL="6479987" algn="l" defTabSz="2159996" rtl="0" eaLnBrk="1" latinLnBrk="0" hangingPunct="1">
+        <a:defRPr sz="4252" kern="1200">
           <a:solidFill>
             <a:schemeClr val="tx1"/>
           </a:solidFill>
@@ -2922,8 +3536,8 @@
           <a:cs typeface="+mn-cs"/>
         </a:defRPr>
       </a:lvl7pPr>
-      <a:lvl8pPr marL="3200400" algn="l" defTabSz="914400" rtl="0" eaLnBrk="1" latinLnBrk="0" hangingPunct="1">
-        <a:defRPr sz="1800" kern="1200">
+      <a:lvl8pPr marL="7559985" algn="l" defTabSz="2159996" rtl="0" eaLnBrk="1" latinLnBrk="0" hangingPunct="1">
+        <a:defRPr sz="4252" kern="1200">
           <a:solidFill>
             <a:schemeClr val="tx1"/>
           </a:solidFill>
@@ -2932,8 +3546,8 @@
           <a:cs typeface="+mn-cs"/>
         </a:defRPr>
       </a:lvl8pPr>
-      <a:lvl9pPr marL="3657600" algn="l" defTabSz="914400" rtl="0" eaLnBrk="1" latinLnBrk="0" hangingPunct="1">
-        <a:defRPr sz="1800" kern="1200">
+      <a:lvl9pPr marL="8639983" algn="l" defTabSz="2159996" rtl="0" eaLnBrk="1" latinLnBrk="0" hangingPunct="1">
+        <a:defRPr sz="4252" kern="1200">
           <a:solidFill>
             <a:schemeClr val="tx1"/>
           </a:solidFill>
@@ -2950,6 +3564,14 @@
 <file path=ppt/slides/slide1.xml><?xml version="1.0" encoding="utf-8"?>
 <p:sld xmlns:a="http://schemas.openxmlformats.org/drawingml/2006/main" xmlns:r="http://schemas.openxmlformats.org/officeDocument/2006/relationships" xmlns:p="http://schemas.openxmlformats.org/presentationml/2006/main">
   <p:cSld>
+    <p:bg>
+      <p:bgPr>
+        <a:solidFill>
+          <a:srgbClr val="282828"/>
+        </a:solidFill>
+        <a:effectLst/>
+      </p:bgPr>
+    </p:bg>
     <p:spTree>
       <p:nvGrpSpPr>
         <p:cNvPr id="1" name=""/>
@@ -2964,20 +3586,4480 @@
           <a:chExt cx="0" cy="0"/>
         </a:xfrm>
       </p:grpSpPr>
+      <p:grpSp>
+        <p:nvGrpSpPr>
+          <p:cNvPr id="6" name="群組 5"/>
+          <p:cNvGrpSpPr/>
+          <p:nvPr/>
+        </p:nvGrpSpPr>
+        <p:grpSpPr>
+          <a:xfrm>
+            <a:off x="4766042" y="5310287"/>
+            <a:ext cx="11626694" cy="7492212"/>
+            <a:chOff x="4766042" y="5310287"/>
+            <a:chExt cx="11626694" cy="7492212"/>
+          </a:xfrm>
+        </p:grpSpPr>
+        <p:cxnSp>
+          <p:nvCxnSpPr>
+            <p:cNvPr id="117" name="直線單箭頭接點 26"/>
+            <p:cNvCxnSpPr>
+              <a:stCxn id="104" idx="0"/>
+              <a:endCxn id="116" idx="2"/>
+            </p:cNvCxnSpPr>
+            <p:nvPr/>
+          </p:nvCxnSpPr>
+          <p:spPr>
+            <a:xfrm flipH="1" flipV="1">
+              <a:off x="7113004" y="7725279"/>
+              <a:ext cx="6449" cy="952683"/>
+            </a:xfrm>
+            <a:prstGeom prst="straightConnector1">
+              <a:avLst/>
+            </a:prstGeom>
+            <a:ln w="63500">
+              <a:solidFill>
+                <a:srgbClr val="FFEBCD"/>
+              </a:solidFill>
+              <a:tailEnd type="triangle"/>
+            </a:ln>
+          </p:spPr>
+          <p:style>
+            <a:lnRef idx="1">
+              <a:schemeClr val="accent1"/>
+            </a:lnRef>
+            <a:fillRef idx="0">
+              <a:schemeClr val="accent1"/>
+            </a:fillRef>
+            <a:effectRef idx="0">
+              <a:schemeClr val="accent1"/>
+            </a:effectRef>
+            <a:fontRef idx="minor">
+              <a:schemeClr val="tx1"/>
+            </a:fontRef>
+          </p:style>
+        </p:cxnSp>
+        <p:cxnSp>
+          <p:nvCxnSpPr>
+            <p:cNvPr id="198" name="直線單箭頭接點 26"/>
+            <p:cNvCxnSpPr>
+              <a:stCxn id="60" idx="2"/>
+              <a:endCxn id="104" idx="2"/>
+            </p:cNvCxnSpPr>
+            <p:nvPr/>
+          </p:nvCxnSpPr>
+          <p:spPr>
+            <a:xfrm flipV="1">
+              <a:off x="7119453" y="10126756"/>
+              <a:ext cx="0" cy="577518"/>
+            </a:xfrm>
+            <a:prstGeom prst="straightConnector1">
+              <a:avLst/>
+            </a:prstGeom>
+            <a:ln w="63500">
+              <a:solidFill>
+                <a:srgbClr val="FFEBCD"/>
+              </a:solidFill>
+              <a:tailEnd type="triangle"/>
+            </a:ln>
+          </p:spPr>
+          <p:style>
+            <a:lnRef idx="1">
+              <a:schemeClr val="accent1"/>
+            </a:lnRef>
+            <a:fillRef idx="0">
+              <a:schemeClr val="accent1"/>
+            </a:fillRef>
+            <a:effectRef idx="0">
+              <a:schemeClr val="accent1"/>
+            </a:effectRef>
+            <a:fontRef idx="minor">
+              <a:schemeClr val="tx1"/>
+            </a:fontRef>
+          </p:style>
+        </p:cxnSp>
+        <p:sp>
+          <p:nvSpPr>
+            <p:cNvPr id="104" name="圓角矩形 103"/>
+            <p:cNvSpPr/>
+            <p:nvPr/>
+          </p:nvSpPr>
+          <p:spPr>
+            <a:xfrm>
+              <a:off x="5094129" y="8677962"/>
+              <a:ext cx="4050648" cy="1448794"/>
+            </a:xfrm>
+            <a:prstGeom prst="roundRect">
+              <a:avLst>
+                <a:gd name="adj" fmla="val 12899"/>
+              </a:avLst>
+            </a:prstGeom>
+            <a:solidFill>
+              <a:schemeClr val="accent4"/>
+            </a:solidFill>
+            <a:ln w="31750">
+              <a:solidFill>
+                <a:srgbClr val="FFEBCD"/>
+              </a:solidFill>
+            </a:ln>
+          </p:spPr>
+          <p:style>
+            <a:lnRef idx="2">
+              <a:schemeClr val="accent1">
+                <a:shade val="50000"/>
+              </a:schemeClr>
+            </a:lnRef>
+            <a:fillRef idx="1">
+              <a:schemeClr val="accent1"/>
+            </a:fillRef>
+            <a:effectRef idx="0">
+              <a:schemeClr val="accent1"/>
+            </a:effectRef>
+            <a:fontRef idx="minor">
+              <a:schemeClr val="lt1"/>
+            </a:fontRef>
+          </p:style>
+          <p:txBody>
+            <a:bodyPr rtlCol="0" anchor="ctr"/>
+            <a:lstStyle/>
+            <a:p>
+              <a:pPr algn="ctr"/>
+              <a:r>
+                <a:rPr lang="en-US" altLang="zh-TW" sz="3600" dirty="0" smtClean="0">
+                  <a:solidFill>
+                    <a:srgbClr val="282828"/>
+                  </a:solidFill>
+                  <a:latin typeface="SauceCodePro Nerd Font" panose="020B0509030403020204" pitchFamily="49" charset="0"/>
+                </a:rPr>
+                <a:t>Encoder</a:t>
+              </a:r>
+              <a:endParaRPr lang="zh-TW" altLang="en-US" sz="3600" dirty="0">
+                <a:solidFill>
+                  <a:srgbClr val="282828"/>
+                </a:solidFill>
+                <a:latin typeface="SauceCodePro Nerd Font" panose="020B0509030403020204" pitchFamily="49" charset="0"/>
+              </a:endParaRPr>
+            </a:p>
+          </p:txBody>
+        </p:sp>
+        <p:sp>
+          <p:nvSpPr>
+            <p:cNvPr id="116" name="圓角矩形 115"/>
+            <p:cNvSpPr/>
+            <p:nvPr/>
+          </p:nvSpPr>
+          <p:spPr>
+            <a:xfrm>
+              <a:off x="5183821" y="6325458"/>
+              <a:ext cx="3858366" cy="1399821"/>
+            </a:xfrm>
+            <a:prstGeom prst="roundRect">
+              <a:avLst>
+                <a:gd name="adj" fmla="val 12899"/>
+              </a:avLst>
+            </a:prstGeom>
+            <a:solidFill>
+              <a:srgbClr val="FF5B9D"/>
+            </a:solidFill>
+            <a:ln w="31750">
+              <a:solidFill>
+                <a:srgbClr val="FFEBCD"/>
+              </a:solidFill>
+            </a:ln>
+          </p:spPr>
+          <p:style>
+            <a:lnRef idx="2">
+              <a:schemeClr val="accent1">
+                <a:shade val="50000"/>
+              </a:schemeClr>
+            </a:lnRef>
+            <a:fillRef idx="1">
+              <a:schemeClr val="accent1"/>
+            </a:fillRef>
+            <a:effectRef idx="0">
+              <a:schemeClr val="accent1"/>
+            </a:effectRef>
+            <a:fontRef idx="minor">
+              <a:schemeClr val="lt1"/>
+            </a:fontRef>
+          </p:style>
+          <p:txBody>
+            <a:bodyPr rtlCol="0" anchor="ctr"/>
+            <a:lstStyle/>
+            <a:p>
+              <a:pPr algn="ctr"/>
+              <a:r>
+                <a:rPr lang="en-US" altLang="zh-TW" sz="3600" dirty="0" smtClean="0">
+                  <a:solidFill>
+                    <a:srgbClr val="282828"/>
+                  </a:solidFill>
+                  <a:latin typeface="SauceCodePro Nerd Font" panose="020B0509030403020204" pitchFamily="49" charset="0"/>
+                </a:rPr>
+                <a:t>Predict Net</a:t>
+              </a:r>
+              <a:endParaRPr lang="zh-TW" altLang="en-US" sz="3600" dirty="0">
+                <a:solidFill>
+                  <a:srgbClr val="282828"/>
+                </a:solidFill>
+                <a:latin typeface="SauceCodePro Nerd Font" panose="020B0509030403020204" pitchFamily="49" charset="0"/>
+              </a:endParaRPr>
+            </a:p>
+          </p:txBody>
+        </p:sp>
+        <p:cxnSp>
+          <p:nvCxnSpPr>
+            <p:cNvPr id="134" name="直線單箭頭接點 26"/>
+            <p:cNvCxnSpPr>
+              <a:stCxn id="136" idx="0"/>
+              <a:endCxn id="141" idx="2"/>
+            </p:cNvCxnSpPr>
+            <p:nvPr/>
+          </p:nvCxnSpPr>
+          <p:spPr>
+            <a:xfrm flipH="1" flipV="1">
+              <a:off x="13337614" y="7719063"/>
+              <a:ext cx="4790" cy="958899"/>
+            </a:xfrm>
+            <a:prstGeom prst="straightConnector1">
+              <a:avLst/>
+            </a:prstGeom>
+            <a:ln w="63500">
+              <a:solidFill>
+                <a:srgbClr val="FFEBCD"/>
+              </a:solidFill>
+              <a:tailEnd type="triangle"/>
+            </a:ln>
+          </p:spPr>
+          <p:style>
+            <a:lnRef idx="1">
+              <a:schemeClr val="accent1"/>
+            </a:lnRef>
+            <a:fillRef idx="0">
+              <a:schemeClr val="accent1"/>
+            </a:fillRef>
+            <a:effectRef idx="0">
+              <a:schemeClr val="accent1"/>
+            </a:effectRef>
+            <a:fontRef idx="minor">
+              <a:schemeClr val="tx1"/>
+            </a:fontRef>
+          </p:style>
+        </p:cxnSp>
+        <p:cxnSp>
+          <p:nvCxnSpPr>
+            <p:cNvPr id="135" name="直線單箭頭接點 26"/>
+            <p:cNvCxnSpPr>
+              <a:stCxn id="60" idx="0"/>
+              <a:endCxn id="136" idx="2"/>
+            </p:cNvCxnSpPr>
+            <p:nvPr/>
+          </p:nvCxnSpPr>
+          <p:spPr>
+            <a:xfrm flipV="1">
+              <a:off x="13342403" y="10126756"/>
+              <a:ext cx="1" cy="577518"/>
+            </a:xfrm>
+            <a:prstGeom prst="straightConnector1">
+              <a:avLst/>
+            </a:prstGeom>
+            <a:ln w="63500">
+              <a:solidFill>
+                <a:srgbClr val="FFEBCD"/>
+              </a:solidFill>
+              <a:tailEnd type="triangle"/>
+            </a:ln>
+          </p:spPr>
+          <p:style>
+            <a:lnRef idx="1">
+              <a:schemeClr val="accent1"/>
+            </a:lnRef>
+            <a:fillRef idx="0">
+              <a:schemeClr val="accent1"/>
+            </a:fillRef>
+            <a:effectRef idx="0">
+              <a:schemeClr val="accent1"/>
+            </a:effectRef>
+            <a:fontRef idx="minor">
+              <a:schemeClr val="tx1"/>
+            </a:fontRef>
+          </p:style>
+        </p:cxnSp>
+        <p:sp>
+          <p:nvSpPr>
+            <p:cNvPr id="136" name="圓角矩形 135"/>
+            <p:cNvSpPr/>
+            <p:nvPr/>
+          </p:nvSpPr>
+          <p:spPr>
+            <a:xfrm>
+              <a:off x="11317080" y="8677962"/>
+              <a:ext cx="4050648" cy="1448794"/>
+            </a:xfrm>
+            <a:prstGeom prst="roundRect">
+              <a:avLst>
+                <a:gd name="adj" fmla="val 12899"/>
+              </a:avLst>
+            </a:prstGeom>
+            <a:solidFill>
+              <a:schemeClr val="accent4"/>
+            </a:solidFill>
+            <a:ln w="31750">
+              <a:solidFill>
+                <a:srgbClr val="FFEBCD"/>
+              </a:solidFill>
+            </a:ln>
+          </p:spPr>
+          <p:style>
+            <a:lnRef idx="2">
+              <a:schemeClr val="accent1">
+                <a:shade val="50000"/>
+              </a:schemeClr>
+            </a:lnRef>
+            <a:fillRef idx="1">
+              <a:schemeClr val="accent1"/>
+            </a:fillRef>
+            <a:effectRef idx="0">
+              <a:schemeClr val="accent1"/>
+            </a:effectRef>
+            <a:fontRef idx="minor">
+              <a:schemeClr val="lt1"/>
+            </a:fontRef>
+          </p:style>
+          <p:txBody>
+            <a:bodyPr rtlCol="0" anchor="ctr"/>
+            <a:lstStyle/>
+            <a:p>
+              <a:pPr algn="ctr"/>
+              <a:r>
+                <a:rPr lang="en-US" altLang="zh-TW" sz="3600" dirty="0" smtClean="0">
+                  <a:solidFill>
+                    <a:srgbClr val="282828"/>
+                  </a:solidFill>
+                  <a:latin typeface="SauceCodePro Nerd Font" panose="020B0509030403020204" pitchFamily="49" charset="0"/>
+                </a:rPr>
+                <a:t>Encoder’</a:t>
+              </a:r>
+              <a:endParaRPr lang="zh-TW" altLang="en-US" sz="3600" dirty="0">
+                <a:solidFill>
+                  <a:srgbClr val="282828"/>
+                </a:solidFill>
+                <a:latin typeface="SauceCodePro Nerd Font" panose="020B0509030403020204" pitchFamily="49" charset="0"/>
+              </a:endParaRPr>
+            </a:p>
+          </p:txBody>
+        </p:sp>
+        <p:cxnSp>
+          <p:nvCxnSpPr>
+            <p:cNvPr id="139" name="直線單箭頭接點 26"/>
+            <p:cNvCxnSpPr>
+              <a:stCxn id="104" idx="3"/>
+              <a:endCxn id="136" idx="1"/>
+            </p:cNvCxnSpPr>
+            <p:nvPr/>
+          </p:nvCxnSpPr>
+          <p:spPr>
+            <a:xfrm>
+              <a:off x="9144777" y="9402359"/>
+              <a:ext cx="2172303" cy="0"/>
+            </a:xfrm>
+            <a:prstGeom prst="straightConnector1">
+              <a:avLst/>
+            </a:prstGeom>
+            <a:ln w="63500">
+              <a:solidFill>
+                <a:srgbClr val="FFEBCD"/>
+              </a:solidFill>
+              <a:prstDash val="dashDot"/>
+              <a:tailEnd type="triangle"/>
+            </a:ln>
+          </p:spPr>
+          <p:style>
+            <a:lnRef idx="1">
+              <a:schemeClr val="accent1"/>
+            </a:lnRef>
+            <a:fillRef idx="0">
+              <a:schemeClr val="accent1"/>
+            </a:fillRef>
+            <a:effectRef idx="0">
+              <a:schemeClr val="accent1"/>
+            </a:effectRef>
+            <a:fontRef idx="minor">
+              <a:schemeClr val="tx1"/>
+            </a:fontRef>
+          </p:style>
+        </p:cxnSp>
+        <p:sp>
+          <p:nvSpPr>
+            <p:cNvPr id="141" name="圓角矩形 140"/>
+            <p:cNvSpPr/>
+            <p:nvPr/>
+          </p:nvSpPr>
+          <p:spPr>
+            <a:xfrm>
+              <a:off x="11519163" y="6319243"/>
+              <a:ext cx="3636902" cy="1399820"/>
+            </a:xfrm>
+            <a:prstGeom prst="roundRect">
+              <a:avLst>
+                <a:gd name="adj" fmla="val 7652"/>
+              </a:avLst>
+            </a:prstGeom>
+            <a:solidFill>
+              <a:srgbClr val="282828"/>
+            </a:solidFill>
+            <a:ln w="63500">
+              <a:solidFill>
+                <a:srgbClr val="FFEBCD"/>
+              </a:solidFill>
+            </a:ln>
+          </p:spPr>
+          <p:style>
+            <a:lnRef idx="2">
+              <a:schemeClr val="accent1">
+                <a:shade val="50000"/>
+              </a:schemeClr>
+            </a:lnRef>
+            <a:fillRef idx="1">
+              <a:schemeClr val="accent1"/>
+            </a:fillRef>
+            <a:effectRef idx="0">
+              <a:schemeClr val="accent1"/>
+            </a:effectRef>
+            <a:fontRef idx="minor">
+              <a:schemeClr val="lt1"/>
+            </a:fontRef>
+          </p:style>
+          <p:txBody>
+            <a:bodyPr rtlCol="0" anchor="ctr"/>
+            <a:lstStyle/>
+            <a:p>
+              <a:pPr algn="ctr"/>
+              <a:r>
+                <a:rPr lang="en-US" altLang="zh-TW" dirty="0" smtClean="0">
+                  <a:solidFill>
+                    <a:srgbClr val="FFEBCD"/>
+                  </a:solidFill>
+                  <a:latin typeface="SauceCodePro Nerd Font" panose="020B0509030403020204" pitchFamily="49" charset="0"/>
+                </a:rPr>
+                <a:t>Similarity</a:t>
+              </a:r>
+              <a:endParaRPr lang="zh-TW" altLang="en-US" dirty="0">
+                <a:solidFill>
+                  <a:srgbClr val="FFEBCD"/>
+                </a:solidFill>
+                <a:latin typeface="SauceCodePro Nerd Font" panose="020B0509030403020204" pitchFamily="49" charset="0"/>
+              </a:endParaRPr>
+            </a:p>
+          </p:txBody>
+        </p:sp>
+        <p:cxnSp>
+          <p:nvCxnSpPr>
+            <p:cNvPr id="142" name="直線單箭頭接點 26"/>
+            <p:cNvCxnSpPr>
+              <a:stCxn id="116" idx="3"/>
+              <a:endCxn id="141" idx="1"/>
+            </p:cNvCxnSpPr>
+            <p:nvPr/>
+          </p:nvCxnSpPr>
+          <p:spPr>
+            <a:xfrm flipV="1">
+              <a:off x="9042187" y="7019153"/>
+              <a:ext cx="2476976" cy="6216"/>
+            </a:xfrm>
+            <a:prstGeom prst="straightConnector1">
+              <a:avLst/>
+            </a:prstGeom>
+            <a:ln w="63500">
+              <a:solidFill>
+                <a:srgbClr val="FFEBCD"/>
+              </a:solidFill>
+              <a:tailEnd type="triangle"/>
+            </a:ln>
+          </p:spPr>
+          <p:style>
+            <a:lnRef idx="1">
+              <a:schemeClr val="accent1"/>
+            </a:lnRef>
+            <a:fillRef idx="0">
+              <a:schemeClr val="accent1"/>
+            </a:fillRef>
+            <a:effectRef idx="0">
+              <a:schemeClr val="accent1"/>
+            </a:effectRef>
+            <a:fontRef idx="minor">
+              <a:schemeClr val="tx1"/>
+            </a:fontRef>
+          </p:style>
+        </p:cxnSp>
+        <p:sp>
+          <p:nvSpPr>
+            <p:cNvPr id="146" name="圓角矩形 145"/>
+            <p:cNvSpPr/>
+            <p:nvPr/>
+          </p:nvSpPr>
+          <p:spPr>
+            <a:xfrm>
+              <a:off x="9677694" y="11633164"/>
+              <a:ext cx="1100020" cy="1169335"/>
+            </a:xfrm>
+            <a:prstGeom prst="roundRect">
+              <a:avLst/>
+            </a:prstGeom>
+            <a:noFill/>
+            <a:ln w="63500">
+              <a:noFill/>
+            </a:ln>
+            <a:effectLst>
+              <a:softEdge rad="63500"/>
+            </a:effectLst>
+          </p:spPr>
+          <p:style>
+            <a:lnRef idx="2">
+              <a:schemeClr val="accent1">
+                <a:shade val="50000"/>
+              </a:schemeClr>
+            </a:lnRef>
+            <a:fillRef idx="1">
+              <a:schemeClr val="accent1"/>
+            </a:fillRef>
+            <a:effectRef idx="0">
+              <a:schemeClr val="accent1"/>
+            </a:effectRef>
+            <a:fontRef idx="minor">
+              <a:schemeClr val="lt1"/>
+            </a:fontRef>
+          </p:style>
+          <p:txBody>
+            <a:bodyPr rtlCol="0" anchor="ctr"/>
+            <a:lstStyle/>
+            <a:p>
+              <a:pPr algn="ctr"/>
+              <a:r>
+                <a:rPr lang="en-US" altLang="zh-TW" sz="4400" dirty="0" smtClean="0">
+                  <a:solidFill>
+                    <a:srgbClr val="FFEBCD"/>
+                  </a:solidFill>
+                  <a:latin typeface="SauceCodePro Nerd Font" panose="020B0509030403020204" pitchFamily="49" charset="0"/>
+                </a:rPr>
+                <a:t>S</a:t>
+              </a:r>
+              <a:endParaRPr lang="zh-TW" altLang="en-US" sz="4400" dirty="0">
+                <a:solidFill>
+                  <a:srgbClr val="FFEBCD"/>
+                </a:solidFill>
+                <a:latin typeface="SauceCodePro Nerd Font" panose="020B0509030403020204" pitchFamily="49" charset="0"/>
+              </a:endParaRPr>
+            </a:p>
+          </p:txBody>
+        </p:sp>
+        <p:sp>
+          <p:nvSpPr>
+            <p:cNvPr id="147" name="圓角矩形 146"/>
+            <p:cNvSpPr/>
+            <p:nvPr/>
+          </p:nvSpPr>
+          <p:spPr>
+            <a:xfrm>
+              <a:off x="8779301" y="8055260"/>
+              <a:ext cx="2903253" cy="656600"/>
+            </a:xfrm>
+            <a:prstGeom prst="roundRect">
+              <a:avLst/>
+            </a:prstGeom>
+            <a:noFill/>
+            <a:ln w="63500">
+              <a:noFill/>
+            </a:ln>
+            <a:effectLst>
+              <a:softEdge rad="63500"/>
+            </a:effectLst>
+          </p:spPr>
+          <p:style>
+            <a:lnRef idx="2">
+              <a:schemeClr val="accent1">
+                <a:shade val="50000"/>
+              </a:schemeClr>
+            </a:lnRef>
+            <a:fillRef idx="1">
+              <a:schemeClr val="accent1"/>
+            </a:fillRef>
+            <a:effectRef idx="0">
+              <a:schemeClr val="accent1"/>
+            </a:effectRef>
+            <a:fontRef idx="minor">
+              <a:schemeClr val="lt1"/>
+            </a:fontRef>
+          </p:style>
+          <p:txBody>
+            <a:bodyPr rtlCol="0" anchor="ctr"/>
+            <a:lstStyle/>
+            <a:p>
+              <a:pPr algn="ctr"/>
+              <a:r>
+                <a:rPr lang="en-US" altLang="zh-TW" sz="3600" dirty="0" smtClean="0">
+                  <a:solidFill>
+                    <a:srgbClr val="282828"/>
+                  </a:solidFill>
+                  <a:latin typeface="SauceCodePro Nerd Font" panose="020B0509030403020204" pitchFamily="49" charset="0"/>
+                </a:rPr>
+                <a:t>Momentum</a:t>
+              </a:r>
+              <a:endParaRPr lang="zh-TW" altLang="en-US" sz="3600" dirty="0">
+                <a:solidFill>
+                  <a:srgbClr val="282828"/>
+                </a:solidFill>
+                <a:latin typeface="SauceCodePro Nerd Font" panose="020B0509030403020204" pitchFamily="49" charset="0"/>
+              </a:endParaRPr>
+            </a:p>
+          </p:txBody>
+        </p:sp>
+        <p:sp>
+          <p:nvSpPr>
+            <p:cNvPr id="169" name="圓角矩形 168"/>
+            <p:cNvSpPr/>
+            <p:nvPr/>
+          </p:nvSpPr>
+          <p:spPr>
+            <a:xfrm>
+              <a:off x="8827573" y="5310287"/>
+              <a:ext cx="2903253" cy="656600"/>
+            </a:xfrm>
+            <a:prstGeom prst="roundRect">
+              <a:avLst/>
+            </a:prstGeom>
+            <a:noFill/>
+            <a:ln w="63500">
+              <a:noFill/>
+            </a:ln>
+            <a:effectLst>
+              <a:softEdge rad="63500"/>
+            </a:effectLst>
+          </p:spPr>
+          <p:style>
+            <a:lnRef idx="2">
+              <a:schemeClr val="accent1">
+                <a:shade val="50000"/>
+              </a:schemeClr>
+            </a:lnRef>
+            <a:fillRef idx="1">
+              <a:schemeClr val="accent1"/>
+            </a:fillRef>
+            <a:effectRef idx="0">
+              <a:schemeClr val="accent1"/>
+            </a:effectRef>
+            <a:fontRef idx="minor">
+              <a:schemeClr val="lt1"/>
+            </a:fontRef>
+          </p:style>
+          <p:txBody>
+            <a:bodyPr rtlCol="0" anchor="ctr"/>
+            <a:lstStyle/>
+            <a:p>
+              <a:pPr algn="ctr"/>
+              <a:r>
+                <a:rPr lang="en-US" altLang="zh-TW" sz="3600" dirty="0" smtClean="0">
+                  <a:solidFill>
+                    <a:srgbClr val="FF0066"/>
+                  </a:solidFill>
+                  <a:latin typeface="SauceCodePro Nerd Font" panose="020B0509030403020204" pitchFamily="49" charset="0"/>
+                </a:rPr>
+                <a:t>Backward</a:t>
+              </a:r>
+              <a:endParaRPr lang="zh-TW" altLang="en-US" sz="3600" dirty="0">
+                <a:solidFill>
+                  <a:srgbClr val="FF0066"/>
+                </a:solidFill>
+                <a:latin typeface="SauceCodePro Nerd Font" panose="020B0509030403020204" pitchFamily="49" charset="0"/>
+              </a:endParaRPr>
+            </a:p>
+          </p:txBody>
+        </p:sp>
+        <p:sp>
+          <p:nvSpPr>
+            <p:cNvPr id="52" name="弧形 51"/>
+            <p:cNvSpPr/>
+            <p:nvPr/>
+          </p:nvSpPr>
+          <p:spPr>
+            <a:xfrm rot="16200000">
+              <a:off x="4766042" y="5995476"/>
+              <a:ext cx="656174" cy="656174"/>
+            </a:xfrm>
+            <a:prstGeom prst="arc">
+              <a:avLst/>
+            </a:prstGeom>
+            <a:ln w="44450">
+              <a:solidFill>
+                <a:srgbClr val="FF0066"/>
+              </a:solidFill>
+              <a:tailEnd w="lg" len="lg"/>
+            </a:ln>
+          </p:spPr>
+          <p:style>
+            <a:lnRef idx="1">
+              <a:schemeClr val="accent1"/>
+            </a:lnRef>
+            <a:fillRef idx="0">
+              <a:schemeClr val="accent1"/>
+            </a:fillRef>
+            <a:effectRef idx="0">
+              <a:schemeClr val="accent1"/>
+            </a:effectRef>
+            <a:fontRef idx="minor">
+              <a:schemeClr val="tx1"/>
+            </a:fontRef>
+          </p:style>
+          <p:txBody>
+            <a:bodyPr rtlCol="0" anchor="ctr"/>
+            <a:lstStyle/>
+            <a:p>
+              <a:pPr algn="ctr"/>
+              <a:endParaRPr lang="zh-TW" altLang="en-US"/>
+            </a:p>
+          </p:txBody>
+        </p:sp>
+        <p:cxnSp>
+          <p:nvCxnSpPr>
+            <p:cNvPr id="54" name="直線接點 53"/>
+            <p:cNvCxnSpPr>
+              <a:stCxn id="52" idx="2"/>
+            </p:cNvCxnSpPr>
+            <p:nvPr/>
+          </p:nvCxnSpPr>
+          <p:spPr>
+            <a:xfrm>
+              <a:off x="5094129" y="5995476"/>
+              <a:ext cx="6903268" cy="0"/>
+            </a:xfrm>
+            <a:prstGeom prst="line">
+              <a:avLst/>
+            </a:prstGeom>
+            <a:ln w="44450">
+              <a:solidFill>
+                <a:srgbClr val="FF0066"/>
+              </a:solidFill>
+              <a:tailEnd w="lg" len="lg"/>
+            </a:ln>
+          </p:spPr>
+          <p:style>
+            <a:lnRef idx="1">
+              <a:schemeClr val="accent1"/>
+            </a:lnRef>
+            <a:fillRef idx="0">
+              <a:schemeClr val="accent1"/>
+            </a:fillRef>
+            <a:effectRef idx="0">
+              <a:schemeClr val="accent1"/>
+            </a:effectRef>
+            <a:fontRef idx="minor">
+              <a:schemeClr val="tx1"/>
+            </a:fontRef>
+          </p:style>
+        </p:cxnSp>
+        <p:cxnSp>
+          <p:nvCxnSpPr>
+            <p:cNvPr id="170" name="直線接點 169"/>
+            <p:cNvCxnSpPr>
+              <a:stCxn id="52" idx="0"/>
+            </p:cNvCxnSpPr>
+            <p:nvPr/>
+          </p:nvCxnSpPr>
+          <p:spPr>
+            <a:xfrm>
+              <a:off x="4766042" y="6323563"/>
+              <a:ext cx="0" cy="3803193"/>
+            </a:xfrm>
+            <a:prstGeom prst="line">
+              <a:avLst/>
+            </a:prstGeom>
+            <a:ln w="44450">
+              <a:solidFill>
+                <a:srgbClr val="FF0066"/>
+              </a:solidFill>
+              <a:tailEnd type="triangle" w="lg" len="lg"/>
+            </a:ln>
+          </p:spPr>
+          <p:style>
+            <a:lnRef idx="1">
+              <a:schemeClr val="accent1"/>
+            </a:lnRef>
+            <a:fillRef idx="0">
+              <a:schemeClr val="accent1"/>
+            </a:fillRef>
+            <a:effectRef idx="0">
+              <a:schemeClr val="accent1"/>
+            </a:effectRef>
+            <a:fontRef idx="minor">
+              <a:schemeClr val="tx1"/>
+            </a:fontRef>
+          </p:style>
+        </p:cxnSp>
+        <p:sp>
+          <p:nvSpPr>
+            <p:cNvPr id="192" name="圓角矩形 191"/>
+            <p:cNvSpPr/>
+            <p:nvPr/>
+          </p:nvSpPr>
+          <p:spPr>
+            <a:xfrm>
+              <a:off x="13342403" y="10016231"/>
+              <a:ext cx="1293610" cy="1169335"/>
+            </a:xfrm>
+            <a:prstGeom prst="roundRect">
+              <a:avLst/>
+            </a:prstGeom>
+            <a:noFill/>
+            <a:ln w="63500">
+              <a:noFill/>
+            </a:ln>
+            <a:effectLst>
+              <a:softEdge rad="63500"/>
+            </a:effectLst>
+          </p:spPr>
+          <p:style>
+            <a:lnRef idx="2">
+              <a:schemeClr val="accent1">
+                <a:shade val="50000"/>
+              </a:schemeClr>
+            </a:lnRef>
+            <a:fillRef idx="1">
+              <a:schemeClr val="accent1"/>
+            </a:fillRef>
+            <a:effectRef idx="0">
+              <a:schemeClr val="accent1"/>
+            </a:effectRef>
+            <a:fontRef idx="minor">
+              <a:schemeClr val="lt1"/>
+            </a:fontRef>
+          </p:style>
+          <p:txBody>
+            <a:bodyPr rtlCol="0" anchor="ctr"/>
+            <a:lstStyle/>
+            <a:p>
+              <a:pPr algn="ctr"/>
+              <a:r>
+                <a:rPr lang="en-US" altLang="zh-TW" sz="4400" dirty="0" smtClean="0">
+                  <a:solidFill>
+                    <a:srgbClr val="FFEBCD"/>
+                  </a:solidFill>
+                  <a:latin typeface="SauceCodePro Nerd Font" panose="020B0509030403020204" pitchFamily="49" charset="0"/>
+                </a:rPr>
+                <a:t>+N</a:t>
+              </a:r>
+              <a:r>
+                <a:rPr lang="en-US" altLang="zh-TW" sz="4400" baseline="-25000" dirty="0" smtClean="0">
+                  <a:solidFill>
+                    <a:srgbClr val="FFEBCD"/>
+                  </a:solidFill>
+                  <a:latin typeface="SauceCodePro Nerd Font" panose="020B0509030403020204" pitchFamily="49" charset="0"/>
+                </a:rPr>
+                <a:t>2</a:t>
+              </a:r>
+              <a:endParaRPr lang="en-US" altLang="zh-TW" sz="4400" dirty="0">
+                <a:solidFill>
+                  <a:srgbClr val="FFEBCD"/>
+                </a:solidFill>
+                <a:latin typeface="SauceCodePro Nerd Font" panose="020B0509030403020204" pitchFamily="49" charset="0"/>
+              </a:endParaRPr>
+            </a:p>
+          </p:txBody>
+        </p:sp>
+        <p:sp>
+          <p:nvSpPr>
+            <p:cNvPr id="60" name="右大括弧 59"/>
+            <p:cNvSpPr/>
+            <p:nvPr/>
+          </p:nvSpPr>
+          <p:spPr>
+            <a:xfrm rot="5400000">
+              <a:off x="9812078" y="8011649"/>
+              <a:ext cx="837700" cy="6222950"/>
+            </a:xfrm>
+            <a:prstGeom prst="rightBrace">
+              <a:avLst>
+                <a:gd name="adj1" fmla="val 53815"/>
+                <a:gd name="adj2" fmla="val 50000"/>
+              </a:avLst>
+            </a:prstGeom>
+            <a:ln w="63500">
+              <a:solidFill>
+                <a:srgbClr val="FFEBCD"/>
+              </a:solidFill>
+            </a:ln>
+          </p:spPr>
+          <p:style>
+            <a:lnRef idx="1">
+              <a:schemeClr val="accent1"/>
+            </a:lnRef>
+            <a:fillRef idx="0">
+              <a:schemeClr val="accent1"/>
+            </a:fillRef>
+            <a:effectRef idx="0">
+              <a:schemeClr val="accent1"/>
+            </a:effectRef>
+            <a:fontRef idx="minor">
+              <a:schemeClr val="tx1"/>
+            </a:fontRef>
+          </p:style>
+          <p:txBody>
+            <a:bodyPr rtlCol="0" anchor="ctr"/>
+            <a:lstStyle/>
+            <a:p>
+              <a:pPr algn="ctr"/>
+              <a:endParaRPr lang="zh-TW" altLang="en-US" dirty="0"/>
+            </a:p>
+          </p:txBody>
+        </p:sp>
+        <p:sp>
+          <p:nvSpPr>
+            <p:cNvPr id="195" name="圓角矩形 194"/>
+            <p:cNvSpPr/>
+            <p:nvPr/>
+          </p:nvSpPr>
+          <p:spPr>
+            <a:xfrm>
+              <a:off x="7113003" y="10016231"/>
+              <a:ext cx="1293610" cy="1169335"/>
+            </a:xfrm>
+            <a:prstGeom prst="roundRect">
+              <a:avLst/>
+            </a:prstGeom>
+            <a:noFill/>
+            <a:ln w="63500">
+              <a:noFill/>
+            </a:ln>
+            <a:effectLst>
+              <a:softEdge rad="63500"/>
+            </a:effectLst>
+          </p:spPr>
+          <p:style>
+            <a:lnRef idx="2">
+              <a:schemeClr val="accent1">
+                <a:shade val="50000"/>
+              </a:schemeClr>
+            </a:lnRef>
+            <a:fillRef idx="1">
+              <a:schemeClr val="accent1"/>
+            </a:fillRef>
+            <a:effectRef idx="0">
+              <a:schemeClr val="accent1"/>
+            </a:effectRef>
+            <a:fontRef idx="minor">
+              <a:schemeClr val="lt1"/>
+            </a:fontRef>
+          </p:style>
+          <p:txBody>
+            <a:bodyPr rtlCol="0" anchor="ctr"/>
+            <a:lstStyle/>
+            <a:p>
+              <a:pPr algn="ctr"/>
+              <a:r>
+                <a:rPr lang="en-US" altLang="zh-TW" sz="4400" dirty="0" smtClean="0">
+                  <a:solidFill>
+                    <a:srgbClr val="FFEBCD"/>
+                  </a:solidFill>
+                  <a:latin typeface="SauceCodePro Nerd Font" panose="020B0509030403020204" pitchFamily="49" charset="0"/>
+                </a:rPr>
+                <a:t>+N</a:t>
+              </a:r>
+              <a:r>
+                <a:rPr lang="en-US" altLang="zh-TW" sz="4400" baseline="-25000" dirty="0" smtClean="0">
+                  <a:solidFill>
+                    <a:srgbClr val="FFEBCD"/>
+                  </a:solidFill>
+                  <a:latin typeface="SauceCodePro Nerd Font" panose="020B0509030403020204" pitchFamily="49" charset="0"/>
+                </a:rPr>
+                <a:t>1</a:t>
+              </a:r>
+              <a:endParaRPr lang="en-US" altLang="zh-TW" sz="4400" dirty="0">
+                <a:solidFill>
+                  <a:srgbClr val="FFEBCD"/>
+                </a:solidFill>
+                <a:latin typeface="SauceCodePro Nerd Font" panose="020B0509030403020204" pitchFamily="49" charset="0"/>
+              </a:endParaRPr>
+            </a:p>
+          </p:txBody>
+        </p:sp>
+        <p:cxnSp>
+          <p:nvCxnSpPr>
+            <p:cNvPr id="231" name="直線接點 230"/>
+            <p:cNvCxnSpPr/>
+            <p:nvPr/>
+          </p:nvCxnSpPr>
+          <p:spPr>
+            <a:xfrm>
+              <a:off x="15830282" y="6323563"/>
+              <a:ext cx="0" cy="1843009"/>
+            </a:xfrm>
+            <a:prstGeom prst="line">
+              <a:avLst/>
+            </a:prstGeom>
+            <a:ln w="44450">
+              <a:solidFill>
+                <a:srgbClr val="FF0066"/>
+              </a:solidFill>
+              <a:prstDash val="dash"/>
+              <a:tailEnd type="triangle" w="lg" len="lg"/>
+            </a:ln>
+          </p:spPr>
+          <p:style>
+            <a:lnRef idx="1">
+              <a:schemeClr val="accent1"/>
+            </a:lnRef>
+            <a:fillRef idx="0">
+              <a:schemeClr val="accent1"/>
+            </a:fillRef>
+            <a:effectRef idx="0">
+              <a:schemeClr val="accent1"/>
+            </a:effectRef>
+            <a:fontRef idx="minor">
+              <a:schemeClr val="tx1"/>
+            </a:fontRef>
+          </p:style>
+        </p:cxnSp>
+        <p:sp>
+          <p:nvSpPr>
+            <p:cNvPr id="65" name="十字形 64"/>
+            <p:cNvSpPr/>
+            <p:nvPr/>
+          </p:nvSpPr>
+          <p:spPr>
+            <a:xfrm rot="18900000">
+              <a:off x="15267828" y="7858673"/>
+              <a:ext cx="1124908" cy="1124908"/>
+            </a:xfrm>
+            <a:prstGeom prst="plus">
+              <a:avLst>
+                <a:gd name="adj" fmla="val 47704"/>
+              </a:avLst>
+            </a:prstGeom>
+            <a:solidFill>
+              <a:srgbClr val="FF0066"/>
+            </a:solidFill>
+            <a:ln>
+              <a:noFill/>
+            </a:ln>
+          </p:spPr>
+          <p:style>
+            <a:lnRef idx="2">
+              <a:schemeClr val="accent1">
+                <a:shade val="50000"/>
+              </a:schemeClr>
+            </a:lnRef>
+            <a:fillRef idx="1">
+              <a:schemeClr val="accent1"/>
+            </a:fillRef>
+            <a:effectRef idx="0">
+              <a:schemeClr val="accent1"/>
+            </a:effectRef>
+            <a:fontRef idx="minor">
+              <a:schemeClr val="lt1"/>
+            </a:fontRef>
+          </p:style>
+          <p:txBody>
+            <a:bodyPr rtlCol="0" anchor="ctr"/>
+            <a:lstStyle/>
+            <a:p>
+              <a:pPr algn="ctr"/>
+              <a:endParaRPr lang="zh-TW" altLang="en-US"/>
+            </a:p>
+          </p:txBody>
+        </p:sp>
+      </p:grpSp>
     </p:spTree>
     <p:extLst>
       <p:ext uri="{BB962C8B-B14F-4D97-AF65-F5344CB8AC3E}">
-        <p14:creationId xmlns:p14="http://schemas.microsoft.com/office/powerpoint/2010/main" val="2479338397"/>
+        <p14:creationId xmlns:p14="http://schemas.microsoft.com/office/powerpoint/2010/main" val="2547151238"/>
       </p:ext>
     </p:extLst>
   </p:cSld>
   <p:clrMapOvr>
     <a:masterClrMapping/>
   </p:clrMapOvr>
+  <p:timing>
+    <p:tnLst>
+      <p:par>
+        <p:cTn id="1" dur="indefinite" restart="never" nodeType="tmRoot"/>
+      </p:par>
+    </p:tnLst>
+  </p:timing>
+</p:sld>
+</file>
+
+<file path=ppt/slides/slide2.xml><?xml version="1.0" encoding="utf-8"?>
+<p:sld xmlns:a="http://schemas.openxmlformats.org/drawingml/2006/main" xmlns:r="http://schemas.openxmlformats.org/officeDocument/2006/relationships" xmlns:p="http://schemas.openxmlformats.org/presentationml/2006/main">
+  <p:cSld>
+    <p:bg>
+      <p:bgPr>
+        <a:solidFill>
+          <a:srgbClr val="282828"/>
+        </a:solidFill>
+        <a:effectLst/>
+      </p:bgPr>
+    </p:bg>
+    <p:spTree>
+      <p:nvGrpSpPr>
+        <p:cNvPr id="1" name=""/>
+        <p:cNvGrpSpPr/>
+        <p:nvPr/>
+      </p:nvGrpSpPr>
+      <p:grpSpPr>
+        <a:xfrm>
+          <a:off x="0" y="0"/>
+          <a:ext cx="0" cy="0"/>
+          <a:chOff x="0" y="0"/>
+          <a:chExt cx="0" cy="0"/>
+        </a:xfrm>
+      </p:grpSpPr>
+      <p:grpSp>
+        <p:nvGrpSpPr>
+          <p:cNvPr id="8" name="群組 7"/>
+          <p:cNvGrpSpPr/>
+          <p:nvPr/>
+        </p:nvGrpSpPr>
+        <p:grpSpPr>
+          <a:xfrm>
+            <a:off x="5121668" y="8357840"/>
+            <a:ext cx="10812491" cy="9091121"/>
+            <a:chOff x="5121668" y="8357840"/>
+            <a:chExt cx="10812491" cy="9091121"/>
+          </a:xfrm>
+        </p:grpSpPr>
+        <p:cxnSp>
+          <p:nvCxnSpPr>
+            <p:cNvPr id="72" name="直線單箭頭接點 26"/>
+            <p:cNvCxnSpPr>
+              <a:stCxn id="74" idx="0"/>
+              <a:endCxn id="76" idx="2"/>
+            </p:cNvCxnSpPr>
+            <p:nvPr/>
+          </p:nvCxnSpPr>
+          <p:spPr>
+            <a:xfrm flipH="1" flipV="1">
+              <a:off x="7429527" y="12569254"/>
+              <a:ext cx="6449" cy="755170"/>
+            </a:xfrm>
+            <a:prstGeom prst="straightConnector1">
+              <a:avLst/>
+            </a:prstGeom>
+            <a:ln w="63500">
+              <a:solidFill>
+                <a:srgbClr val="FFEBCD"/>
+              </a:solidFill>
+              <a:tailEnd type="triangle"/>
+            </a:ln>
+          </p:spPr>
+          <p:style>
+            <a:lnRef idx="1">
+              <a:schemeClr val="accent1"/>
+            </a:lnRef>
+            <a:fillRef idx="0">
+              <a:schemeClr val="accent1"/>
+            </a:fillRef>
+            <a:effectRef idx="0">
+              <a:schemeClr val="accent1"/>
+            </a:effectRef>
+            <a:fontRef idx="minor">
+              <a:schemeClr val="tx1"/>
+            </a:fontRef>
+          </p:style>
+        </p:cxnSp>
+        <p:cxnSp>
+          <p:nvCxnSpPr>
+            <p:cNvPr id="73" name="直線單箭頭接點 26"/>
+            <p:cNvCxnSpPr>
+              <a:stCxn id="94" idx="2"/>
+              <a:endCxn id="74" idx="2"/>
+            </p:cNvCxnSpPr>
+            <p:nvPr/>
+          </p:nvCxnSpPr>
+          <p:spPr>
+            <a:xfrm flipV="1">
+              <a:off x="7435976" y="14773218"/>
+              <a:ext cx="0" cy="571426"/>
+            </a:xfrm>
+            <a:prstGeom prst="straightConnector1">
+              <a:avLst/>
+            </a:prstGeom>
+            <a:ln w="63500">
+              <a:solidFill>
+                <a:srgbClr val="FFEBCD"/>
+              </a:solidFill>
+              <a:tailEnd type="triangle"/>
+            </a:ln>
+          </p:spPr>
+          <p:style>
+            <a:lnRef idx="1">
+              <a:schemeClr val="accent1"/>
+            </a:lnRef>
+            <a:fillRef idx="0">
+              <a:schemeClr val="accent1"/>
+            </a:fillRef>
+            <a:effectRef idx="0">
+              <a:schemeClr val="accent1"/>
+            </a:effectRef>
+            <a:fontRef idx="minor">
+              <a:schemeClr val="tx1"/>
+            </a:fontRef>
+          </p:style>
+        </p:cxnSp>
+        <p:sp>
+          <p:nvSpPr>
+            <p:cNvPr id="74" name="圓角矩形 73"/>
+            <p:cNvSpPr/>
+            <p:nvPr/>
+          </p:nvSpPr>
+          <p:spPr>
+            <a:xfrm>
+              <a:off x="5410652" y="13324424"/>
+              <a:ext cx="4050648" cy="1448794"/>
+            </a:xfrm>
+            <a:prstGeom prst="roundRect">
+              <a:avLst>
+                <a:gd name="adj" fmla="val 12899"/>
+              </a:avLst>
+            </a:prstGeom>
+            <a:solidFill>
+              <a:schemeClr val="accent4"/>
+            </a:solidFill>
+            <a:ln w="31750">
+              <a:solidFill>
+                <a:srgbClr val="FFEBCD"/>
+              </a:solidFill>
+            </a:ln>
+          </p:spPr>
+          <p:style>
+            <a:lnRef idx="2">
+              <a:schemeClr val="accent1">
+                <a:shade val="50000"/>
+              </a:schemeClr>
+            </a:lnRef>
+            <a:fillRef idx="1">
+              <a:schemeClr val="accent1"/>
+            </a:fillRef>
+            <a:effectRef idx="0">
+              <a:schemeClr val="accent1"/>
+            </a:effectRef>
+            <a:fontRef idx="minor">
+              <a:schemeClr val="lt1"/>
+            </a:fontRef>
+          </p:style>
+          <p:txBody>
+            <a:bodyPr rtlCol="0" anchor="ctr"/>
+            <a:lstStyle/>
+            <a:p>
+              <a:pPr algn="ctr"/>
+              <a:r>
+                <a:rPr lang="en-US" altLang="zh-TW" sz="3600" dirty="0" smtClean="0">
+                  <a:solidFill>
+                    <a:srgbClr val="282828"/>
+                  </a:solidFill>
+                  <a:latin typeface="SauceCodePro Nerd Font" panose="020B0509030403020204" pitchFamily="49" charset="0"/>
+                </a:rPr>
+                <a:t>Encoder</a:t>
+              </a:r>
+              <a:endParaRPr lang="zh-TW" altLang="en-US" sz="3600" dirty="0">
+                <a:solidFill>
+                  <a:srgbClr val="282828"/>
+                </a:solidFill>
+                <a:latin typeface="SauceCodePro Nerd Font" panose="020B0509030403020204" pitchFamily="49" charset="0"/>
+              </a:endParaRPr>
+            </a:p>
+          </p:txBody>
+        </p:sp>
+        <p:sp>
+          <p:nvSpPr>
+            <p:cNvPr id="76" name="圓角矩形 75"/>
+            <p:cNvSpPr/>
+            <p:nvPr/>
+          </p:nvSpPr>
+          <p:spPr>
+            <a:xfrm>
+              <a:off x="5500344" y="11169433"/>
+              <a:ext cx="3858366" cy="1399821"/>
+            </a:xfrm>
+            <a:prstGeom prst="roundRect">
+              <a:avLst>
+                <a:gd name="adj" fmla="val 12899"/>
+              </a:avLst>
+            </a:prstGeom>
+            <a:solidFill>
+              <a:srgbClr val="FF5B9D"/>
+            </a:solidFill>
+            <a:ln w="31750">
+              <a:solidFill>
+                <a:srgbClr val="FFEBCD"/>
+              </a:solidFill>
+            </a:ln>
+          </p:spPr>
+          <p:style>
+            <a:lnRef idx="2">
+              <a:schemeClr val="accent1">
+                <a:shade val="50000"/>
+              </a:schemeClr>
+            </a:lnRef>
+            <a:fillRef idx="1">
+              <a:schemeClr val="accent1"/>
+            </a:fillRef>
+            <a:effectRef idx="0">
+              <a:schemeClr val="accent1"/>
+            </a:effectRef>
+            <a:fontRef idx="minor">
+              <a:schemeClr val="lt1"/>
+            </a:fontRef>
+          </p:style>
+          <p:txBody>
+            <a:bodyPr rtlCol="0" anchor="ctr"/>
+            <a:lstStyle/>
+            <a:p>
+              <a:pPr algn="ctr"/>
+              <a:r>
+                <a:rPr lang="en-US" altLang="zh-TW" sz="3600" dirty="0">
+                  <a:solidFill>
+                    <a:srgbClr val="282828"/>
+                  </a:solidFill>
+                  <a:latin typeface="SauceCodePro Nerd Font" panose="020B0509030403020204" pitchFamily="49" charset="0"/>
+                </a:rPr>
+                <a:t>Predict Net</a:t>
+              </a:r>
+              <a:endParaRPr lang="zh-TW" altLang="en-US" sz="3600" dirty="0">
+                <a:solidFill>
+                  <a:srgbClr val="282828"/>
+                </a:solidFill>
+                <a:latin typeface="SauceCodePro Nerd Font" panose="020B0509030403020204" pitchFamily="49" charset="0"/>
+              </a:endParaRPr>
+            </a:p>
+          </p:txBody>
+        </p:sp>
+        <p:cxnSp>
+          <p:nvCxnSpPr>
+            <p:cNvPr id="78" name="直線單箭頭接點 26"/>
+            <p:cNvCxnSpPr>
+              <a:stCxn id="80" idx="0"/>
+              <a:endCxn id="98" idx="2"/>
+            </p:cNvCxnSpPr>
+            <p:nvPr/>
+          </p:nvCxnSpPr>
+          <p:spPr>
+            <a:xfrm flipH="1" flipV="1">
+              <a:off x="13658926" y="12569253"/>
+              <a:ext cx="1" cy="755171"/>
+            </a:xfrm>
+            <a:prstGeom prst="straightConnector1">
+              <a:avLst/>
+            </a:prstGeom>
+            <a:ln w="63500">
+              <a:solidFill>
+                <a:srgbClr val="FFEBCD"/>
+              </a:solidFill>
+              <a:tailEnd type="triangle"/>
+            </a:ln>
+          </p:spPr>
+          <p:style>
+            <a:lnRef idx="1">
+              <a:schemeClr val="accent1"/>
+            </a:lnRef>
+            <a:fillRef idx="0">
+              <a:schemeClr val="accent1"/>
+            </a:fillRef>
+            <a:effectRef idx="0">
+              <a:schemeClr val="accent1"/>
+            </a:effectRef>
+            <a:fontRef idx="minor">
+              <a:schemeClr val="tx1"/>
+            </a:fontRef>
+          </p:style>
+        </p:cxnSp>
+        <p:cxnSp>
+          <p:nvCxnSpPr>
+            <p:cNvPr id="79" name="直線單箭頭接點 26"/>
+            <p:cNvCxnSpPr>
+              <a:stCxn id="94" idx="0"/>
+              <a:endCxn id="80" idx="2"/>
+            </p:cNvCxnSpPr>
+            <p:nvPr/>
+          </p:nvCxnSpPr>
+          <p:spPr>
+            <a:xfrm flipV="1">
+              <a:off x="13658926" y="14773218"/>
+              <a:ext cx="1" cy="571426"/>
+            </a:xfrm>
+            <a:prstGeom prst="straightConnector1">
+              <a:avLst/>
+            </a:prstGeom>
+            <a:ln w="63500">
+              <a:solidFill>
+                <a:srgbClr val="FFEBCD"/>
+              </a:solidFill>
+              <a:tailEnd type="triangle"/>
+            </a:ln>
+          </p:spPr>
+          <p:style>
+            <a:lnRef idx="1">
+              <a:schemeClr val="accent1"/>
+            </a:lnRef>
+            <a:fillRef idx="0">
+              <a:schemeClr val="accent1"/>
+            </a:fillRef>
+            <a:effectRef idx="0">
+              <a:schemeClr val="accent1"/>
+            </a:effectRef>
+            <a:fontRef idx="minor">
+              <a:schemeClr val="tx1"/>
+            </a:fontRef>
+          </p:style>
+        </p:cxnSp>
+        <p:sp>
+          <p:nvSpPr>
+            <p:cNvPr id="80" name="圓角矩形 79"/>
+            <p:cNvSpPr/>
+            <p:nvPr/>
+          </p:nvSpPr>
+          <p:spPr>
+            <a:xfrm>
+              <a:off x="11633603" y="13324424"/>
+              <a:ext cx="4050648" cy="1448794"/>
+            </a:xfrm>
+            <a:prstGeom prst="roundRect">
+              <a:avLst>
+                <a:gd name="adj" fmla="val 12899"/>
+              </a:avLst>
+            </a:prstGeom>
+            <a:solidFill>
+              <a:schemeClr val="accent4"/>
+            </a:solidFill>
+            <a:ln w="31750">
+              <a:solidFill>
+                <a:srgbClr val="FFEBCD"/>
+              </a:solidFill>
+            </a:ln>
+          </p:spPr>
+          <p:style>
+            <a:lnRef idx="2">
+              <a:schemeClr val="accent1">
+                <a:shade val="50000"/>
+              </a:schemeClr>
+            </a:lnRef>
+            <a:fillRef idx="1">
+              <a:schemeClr val="accent1"/>
+            </a:fillRef>
+            <a:effectRef idx="0">
+              <a:schemeClr val="accent1"/>
+            </a:effectRef>
+            <a:fontRef idx="minor">
+              <a:schemeClr val="lt1"/>
+            </a:fontRef>
+          </p:style>
+          <p:txBody>
+            <a:bodyPr rtlCol="0" anchor="ctr"/>
+            <a:lstStyle/>
+            <a:p>
+              <a:pPr algn="ctr"/>
+              <a:r>
+                <a:rPr lang="en-US" altLang="zh-TW" sz="3600" dirty="0" smtClean="0">
+                  <a:solidFill>
+                    <a:srgbClr val="282828"/>
+                  </a:solidFill>
+                  <a:latin typeface="SauceCodePro Nerd Font" panose="020B0509030403020204" pitchFamily="49" charset="0"/>
+                </a:rPr>
+                <a:t>Encoder</a:t>
+              </a:r>
+              <a:endParaRPr lang="zh-TW" altLang="en-US" sz="3600" dirty="0">
+                <a:solidFill>
+                  <a:srgbClr val="282828"/>
+                </a:solidFill>
+                <a:latin typeface="SauceCodePro Nerd Font" panose="020B0509030403020204" pitchFamily="49" charset="0"/>
+              </a:endParaRPr>
+            </a:p>
+          </p:txBody>
+        </p:sp>
+        <p:cxnSp>
+          <p:nvCxnSpPr>
+            <p:cNvPr id="86" name="直線單箭頭接點 26"/>
+            <p:cNvCxnSpPr>
+              <a:stCxn id="76" idx="0"/>
+              <a:endCxn id="32" idx="2"/>
+            </p:cNvCxnSpPr>
+            <p:nvPr/>
+          </p:nvCxnSpPr>
+          <p:spPr>
+            <a:xfrm flipH="1" flipV="1">
+              <a:off x="7424321" y="10408028"/>
+              <a:ext cx="5206" cy="761405"/>
+            </a:xfrm>
+            <a:prstGeom prst="straightConnector1">
+              <a:avLst/>
+            </a:prstGeom>
+            <a:ln w="63500">
+              <a:solidFill>
+                <a:srgbClr val="FFEBCD"/>
+              </a:solidFill>
+              <a:tailEnd type="triangle"/>
+            </a:ln>
+          </p:spPr>
+          <p:style>
+            <a:lnRef idx="1">
+              <a:schemeClr val="accent1"/>
+            </a:lnRef>
+            <a:fillRef idx="0">
+              <a:schemeClr val="accent1"/>
+            </a:fillRef>
+            <a:effectRef idx="0">
+              <a:schemeClr val="accent1"/>
+            </a:effectRef>
+            <a:fontRef idx="minor">
+              <a:schemeClr val="tx1"/>
+            </a:fontRef>
+          </p:style>
+        </p:cxnSp>
+        <p:sp>
+          <p:nvSpPr>
+            <p:cNvPr id="87" name="圓角矩形 86"/>
+            <p:cNvSpPr/>
+            <p:nvPr/>
+          </p:nvSpPr>
+          <p:spPr>
+            <a:xfrm>
+              <a:off x="9994217" y="16279626"/>
+              <a:ext cx="1100020" cy="1169335"/>
+            </a:xfrm>
+            <a:prstGeom prst="roundRect">
+              <a:avLst/>
+            </a:prstGeom>
+            <a:noFill/>
+            <a:ln w="63500">
+              <a:noFill/>
+            </a:ln>
+            <a:effectLst>
+              <a:softEdge rad="63500"/>
+            </a:effectLst>
+          </p:spPr>
+          <p:style>
+            <a:lnRef idx="2">
+              <a:schemeClr val="accent1">
+                <a:shade val="50000"/>
+              </a:schemeClr>
+            </a:lnRef>
+            <a:fillRef idx="1">
+              <a:schemeClr val="accent1"/>
+            </a:fillRef>
+            <a:effectRef idx="0">
+              <a:schemeClr val="accent1"/>
+            </a:effectRef>
+            <a:fontRef idx="minor">
+              <a:schemeClr val="lt1"/>
+            </a:fontRef>
+          </p:style>
+          <p:txBody>
+            <a:bodyPr rtlCol="0" anchor="ctr"/>
+            <a:lstStyle/>
+            <a:p>
+              <a:pPr algn="ctr"/>
+              <a:r>
+                <a:rPr lang="en-US" altLang="zh-TW" sz="4400" dirty="0" smtClean="0">
+                  <a:solidFill>
+                    <a:srgbClr val="FFEBCD"/>
+                  </a:solidFill>
+                  <a:latin typeface="SauceCodePro Nerd Font" panose="020B0509030403020204" pitchFamily="49" charset="0"/>
+                </a:rPr>
+                <a:t>S</a:t>
+              </a:r>
+              <a:endParaRPr lang="zh-TW" altLang="en-US" sz="4400" dirty="0">
+                <a:solidFill>
+                  <a:srgbClr val="FFEBCD"/>
+                </a:solidFill>
+                <a:latin typeface="SauceCodePro Nerd Font" panose="020B0509030403020204" pitchFamily="49" charset="0"/>
+              </a:endParaRPr>
+            </a:p>
+          </p:txBody>
+        </p:sp>
+        <p:sp>
+          <p:nvSpPr>
+            <p:cNvPr id="89" name="圓角矩形 88"/>
+            <p:cNvSpPr/>
+            <p:nvPr/>
+          </p:nvSpPr>
+          <p:spPr>
+            <a:xfrm>
+              <a:off x="5121668" y="8357840"/>
+              <a:ext cx="2781334" cy="656600"/>
+            </a:xfrm>
+            <a:prstGeom prst="roundRect">
+              <a:avLst/>
+            </a:prstGeom>
+            <a:noFill/>
+            <a:ln w="63500">
+              <a:noFill/>
+            </a:ln>
+            <a:effectLst>
+              <a:softEdge rad="63500"/>
+            </a:effectLst>
+          </p:spPr>
+          <p:style>
+            <a:lnRef idx="2">
+              <a:schemeClr val="accent1">
+                <a:shade val="50000"/>
+              </a:schemeClr>
+            </a:lnRef>
+            <a:fillRef idx="1">
+              <a:schemeClr val="accent1"/>
+            </a:fillRef>
+            <a:effectRef idx="0">
+              <a:schemeClr val="accent1"/>
+            </a:effectRef>
+            <a:fontRef idx="minor">
+              <a:schemeClr val="lt1"/>
+            </a:fontRef>
+          </p:style>
+          <p:txBody>
+            <a:bodyPr rtlCol="0" anchor="ctr"/>
+            <a:lstStyle/>
+            <a:p>
+              <a:pPr algn="ctr"/>
+              <a:r>
+                <a:rPr lang="en-US" altLang="zh-TW" sz="3600" dirty="0" smtClean="0">
+                  <a:solidFill>
+                    <a:srgbClr val="FF0066"/>
+                  </a:solidFill>
+                  <a:latin typeface="SauceCodePro Nerd Font" panose="020B0509030403020204" pitchFamily="49" charset="0"/>
+                </a:rPr>
+                <a:t>Backward</a:t>
+              </a:r>
+              <a:endParaRPr lang="zh-TW" altLang="en-US" sz="3600" dirty="0">
+                <a:solidFill>
+                  <a:srgbClr val="FF0066"/>
+                </a:solidFill>
+                <a:latin typeface="SauceCodePro Nerd Font" panose="020B0509030403020204" pitchFamily="49" charset="0"/>
+              </a:endParaRPr>
+            </a:p>
+          </p:txBody>
+        </p:sp>
+        <p:cxnSp>
+          <p:nvCxnSpPr>
+            <p:cNvPr id="92" name="直線接點 91"/>
+            <p:cNvCxnSpPr/>
+            <p:nvPr/>
+          </p:nvCxnSpPr>
+          <p:spPr>
+            <a:xfrm>
+              <a:off x="5121669" y="8686140"/>
+              <a:ext cx="0" cy="6087078"/>
+            </a:xfrm>
+            <a:prstGeom prst="line">
+              <a:avLst/>
+            </a:prstGeom>
+            <a:ln w="44450">
+              <a:solidFill>
+                <a:srgbClr val="FF0066"/>
+              </a:solidFill>
+              <a:tailEnd type="triangle" w="lg" len="lg"/>
+            </a:ln>
+          </p:spPr>
+          <p:style>
+            <a:lnRef idx="1">
+              <a:schemeClr val="accent1"/>
+            </a:lnRef>
+            <a:fillRef idx="0">
+              <a:schemeClr val="accent1"/>
+            </a:fillRef>
+            <a:effectRef idx="0">
+              <a:schemeClr val="accent1"/>
+            </a:effectRef>
+            <a:fontRef idx="minor">
+              <a:schemeClr val="tx1"/>
+            </a:fontRef>
+          </p:style>
+        </p:cxnSp>
+        <p:sp>
+          <p:nvSpPr>
+            <p:cNvPr id="93" name="圓角矩形 92"/>
+            <p:cNvSpPr/>
+            <p:nvPr/>
+          </p:nvSpPr>
+          <p:spPr>
+            <a:xfrm>
+              <a:off x="13658926" y="14662693"/>
+              <a:ext cx="1293610" cy="1169335"/>
+            </a:xfrm>
+            <a:prstGeom prst="roundRect">
+              <a:avLst/>
+            </a:prstGeom>
+            <a:noFill/>
+            <a:ln w="63500">
+              <a:noFill/>
+            </a:ln>
+            <a:effectLst>
+              <a:softEdge rad="63500"/>
+            </a:effectLst>
+          </p:spPr>
+          <p:style>
+            <a:lnRef idx="2">
+              <a:schemeClr val="accent1">
+                <a:shade val="50000"/>
+              </a:schemeClr>
+            </a:lnRef>
+            <a:fillRef idx="1">
+              <a:schemeClr val="accent1"/>
+            </a:fillRef>
+            <a:effectRef idx="0">
+              <a:schemeClr val="accent1"/>
+            </a:effectRef>
+            <a:fontRef idx="minor">
+              <a:schemeClr val="lt1"/>
+            </a:fontRef>
+          </p:style>
+          <p:txBody>
+            <a:bodyPr rtlCol="0" anchor="ctr"/>
+            <a:lstStyle/>
+            <a:p>
+              <a:pPr algn="ctr"/>
+              <a:r>
+                <a:rPr lang="en-US" altLang="zh-TW" sz="4400" dirty="0" smtClean="0">
+                  <a:solidFill>
+                    <a:srgbClr val="FFEBCD"/>
+                  </a:solidFill>
+                  <a:latin typeface="SauceCodePro Nerd Font" panose="020B0509030403020204" pitchFamily="49" charset="0"/>
+                </a:rPr>
+                <a:t>+N</a:t>
+              </a:r>
+              <a:r>
+                <a:rPr lang="en-US" altLang="zh-TW" sz="4400" baseline="-25000" dirty="0" smtClean="0">
+                  <a:solidFill>
+                    <a:srgbClr val="FFEBCD"/>
+                  </a:solidFill>
+                  <a:latin typeface="SauceCodePro Nerd Font" panose="020B0509030403020204" pitchFamily="49" charset="0"/>
+                </a:rPr>
+                <a:t>2</a:t>
+              </a:r>
+              <a:endParaRPr lang="en-US" altLang="zh-TW" sz="4400" dirty="0">
+                <a:solidFill>
+                  <a:srgbClr val="FFEBCD"/>
+                </a:solidFill>
+                <a:latin typeface="SauceCodePro Nerd Font" panose="020B0509030403020204" pitchFamily="49" charset="0"/>
+              </a:endParaRPr>
+            </a:p>
+          </p:txBody>
+        </p:sp>
+        <p:sp>
+          <p:nvSpPr>
+            <p:cNvPr id="94" name="右大括弧 93"/>
+            <p:cNvSpPr/>
+            <p:nvPr/>
+          </p:nvSpPr>
+          <p:spPr>
+            <a:xfrm rot="5400000">
+              <a:off x="10128601" y="12652019"/>
+              <a:ext cx="837700" cy="6222950"/>
+            </a:xfrm>
+            <a:prstGeom prst="rightBrace">
+              <a:avLst>
+                <a:gd name="adj1" fmla="val 53815"/>
+                <a:gd name="adj2" fmla="val 50000"/>
+              </a:avLst>
+            </a:prstGeom>
+            <a:ln w="63500">
+              <a:solidFill>
+                <a:srgbClr val="FFEBCD"/>
+              </a:solidFill>
+            </a:ln>
+          </p:spPr>
+          <p:style>
+            <a:lnRef idx="1">
+              <a:schemeClr val="accent1"/>
+            </a:lnRef>
+            <a:fillRef idx="0">
+              <a:schemeClr val="accent1"/>
+            </a:fillRef>
+            <a:effectRef idx="0">
+              <a:schemeClr val="accent1"/>
+            </a:effectRef>
+            <a:fontRef idx="minor">
+              <a:schemeClr val="tx1"/>
+            </a:fontRef>
+          </p:style>
+          <p:txBody>
+            <a:bodyPr rtlCol="0" anchor="ctr"/>
+            <a:lstStyle/>
+            <a:p>
+              <a:pPr algn="ctr"/>
+              <a:endParaRPr lang="zh-TW" altLang="en-US"/>
+            </a:p>
+          </p:txBody>
+        </p:sp>
+        <p:sp>
+          <p:nvSpPr>
+            <p:cNvPr id="95" name="圓角矩形 94"/>
+            <p:cNvSpPr/>
+            <p:nvPr/>
+          </p:nvSpPr>
+          <p:spPr>
+            <a:xfrm>
+              <a:off x="7429526" y="14662693"/>
+              <a:ext cx="1293610" cy="1169335"/>
+            </a:xfrm>
+            <a:prstGeom prst="roundRect">
+              <a:avLst/>
+            </a:prstGeom>
+            <a:noFill/>
+            <a:ln w="63500">
+              <a:noFill/>
+            </a:ln>
+            <a:effectLst>
+              <a:softEdge rad="63500"/>
+            </a:effectLst>
+          </p:spPr>
+          <p:style>
+            <a:lnRef idx="2">
+              <a:schemeClr val="accent1">
+                <a:shade val="50000"/>
+              </a:schemeClr>
+            </a:lnRef>
+            <a:fillRef idx="1">
+              <a:schemeClr val="accent1"/>
+            </a:fillRef>
+            <a:effectRef idx="0">
+              <a:schemeClr val="accent1"/>
+            </a:effectRef>
+            <a:fontRef idx="minor">
+              <a:schemeClr val="lt1"/>
+            </a:fontRef>
+          </p:style>
+          <p:txBody>
+            <a:bodyPr rtlCol="0" anchor="ctr"/>
+            <a:lstStyle/>
+            <a:p>
+              <a:pPr algn="ctr"/>
+              <a:r>
+                <a:rPr lang="en-US" altLang="zh-TW" sz="4400" dirty="0" smtClean="0">
+                  <a:solidFill>
+                    <a:srgbClr val="FFEBCD"/>
+                  </a:solidFill>
+                  <a:latin typeface="SauceCodePro Nerd Font" panose="020B0509030403020204" pitchFamily="49" charset="0"/>
+                </a:rPr>
+                <a:t>+N</a:t>
+              </a:r>
+              <a:r>
+                <a:rPr lang="en-US" altLang="zh-TW" sz="4400" baseline="-25000" dirty="0" smtClean="0">
+                  <a:solidFill>
+                    <a:srgbClr val="FFEBCD"/>
+                  </a:solidFill>
+                  <a:latin typeface="SauceCodePro Nerd Font" panose="020B0509030403020204" pitchFamily="49" charset="0"/>
+                </a:rPr>
+                <a:t>1</a:t>
+              </a:r>
+              <a:endParaRPr lang="en-US" altLang="zh-TW" sz="4400" dirty="0">
+                <a:solidFill>
+                  <a:srgbClr val="FFEBCD"/>
+                </a:solidFill>
+                <a:latin typeface="SauceCodePro Nerd Font" panose="020B0509030403020204" pitchFamily="49" charset="0"/>
+              </a:endParaRPr>
+            </a:p>
+          </p:txBody>
+        </p:sp>
+        <p:sp>
+          <p:nvSpPr>
+            <p:cNvPr id="98" name="圓角矩形 97"/>
+            <p:cNvSpPr/>
+            <p:nvPr/>
+          </p:nvSpPr>
+          <p:spPr>
+            <a:xfrm>
+              <a:off x="11729743" y="11169432"/>
+              <a:ext cx="3858366" cy="1399821"/>
+            </a:xfrm>
+            <a:prstGeom prst="roundRect">
+              <a:avLst>
+                <a:gd name="adj" fmla="val 12899"/>
+              </a:avLst>
+            </a:prstGeom>
+            <a:solidFill>
+              <a:srgbClr val="FF5B9D"/>
+            </a:solidFill>
+            <a:ln w="31750">
+              <a:solidFill>
+                <a:srgbClr val="FFEBCD"/>
+              </a:solidFill>
+            </a:ln>
+          </p:spPr>
+          <p:style>
+            <a:lnRef idx="2">
+              <a:schemeClr val="accent1">
+                <a:shade val="50000"/>
+              </a:schemeClr>
+            </a:lnRef>
+            <a:fillRef idx="1">
+              <a:schemeClr val="accent1"/>
+            </a:fillRef>
+            <a:effectRef idx="0">
+              <a:schemeClr val="accent1"/>
+            </a:effectRef>
+            <a:fontRef idx="minor">
+              <a:schemeClr val="lt1"/>
+            </a:fontRef>
+          </p:style>
+          <p:txBody>
+            <a:bodyPr rtlCol="0" anchor="ctr"/>
+            <a:lstStyle/>
+            <a:p>
+              <a:pPr algn="ctr"/>
+              <a:r>
+                <a:rPr lang="en-US" altLang="zh-TW" sz="3600" dirty="0">
+                  <a:solidFill>
+                    <a:srgbClr val="282828"/>
+                  </a:solidFill>
+                  <a:latin typeface="SauceCodePro Nerd Font" panose="020B0509030403020204" pitchFamily="49" charset="0"/>
+                </a:rPr>
+                <a:t>Predict Net</a:t>
+              </a:r>
+              <a:endParaRPr lang="zh-TW" altLang="en-US" sz="3600" dirty="0">
+                <a:solidFill>
+                  <a:srgbClr val="282828"/>
+                </a:solidFill>
+                <a:latin typeface="SauceCodePro Nerd Font" panose="020B0509030403020204" pitchFamily="49" charset="0"/>
+              </a:endParaRPr>
+            </a:p>
+          </p:txBody>
+        </p:sp>
+        <p:cxnSp>
+          <p:nvCxnSpPr>
+            <p:cNvPr id="105" name="直線單箭頭接點 26"/>
+            <p:cNvCxnSpPr>
+              <a:stCxn id="80" idx="1"/>
+              <a:endCxn id="32" idx="3"/>
+            </p:cNvCxnSpPr>
+            <p:nvPr/>
+          </p:nvCxnSpPr>
+          <p:spPr>
+            <a:xfrm rot="10800000">
+              <a:off x="9242773" y="9708119"/>
+              <a:ext cx="2390831" cy="4340703"/>
+            </a:xfrm>
+            <a:prstGeom prst="curvedConnector3">
+              <a:avLst>
+                <a:gd name="adj1" fmla="val 50000"/>
+              </a:avLst>
+            </a:prstGeom>
+            <a:ln w="63500">
+              <a:solidFill>
+                <a:srgbClr val="FFEBCD"/>
+              </a:solidFill>
+              <a:tailEnd type="triangle"/>
+            </a:ln>
+          </p:spPr>
+          <p:style>
+            <a:lnRef idx="1">
+              <a:schemeClr val="accent1"/>
+            </a:lnRef>
+            <a:fillRef idx="0">
+              <a:schemeClr val="accent1"/>
+            </a:fillRef>
+            <a:effectRef idx="0">
+              <a:schemeClr val="accent1"/>
+            </a:effectRef>
+            <a:fontRef idx="minor">
+              <a:schemeClr val="tx1"/>
+            </a:fontRef>
+          </p:style>
+        </p:cxnSp>
+        <p:cxnSp>
+          <p:nvCxnSpPr>
+            <p:cNvPr id="111" name="直線單箭頭接點 26"/>
+            <p:cNvCxnSpPr>
+              <a:stCxn id="74" idx="3"/>
+              <a:endCxn id="29" idx="1"/>
+            </p:cNvCxnSpPr>
+            <p:nvPr/>
+          </p:nvCxnSpPr>
+          <p:spPr>
+            <a:xfrm flipV="1">
+              <a:off x="9461300" y="9709019"/>
+              <a:ext cx="2379176" cy="4339802"/>
+            </a:xfrm>
+            <a:prstGeom prst="curvedConnector3">
+              <a:avLst>
+                <a:gd name="adj1" fmla="val 50000"/>
+              </a:avLst>
+            </a:prstGeom>
+            <a:ln w="63500">
+              <a:solidFill>
+                <a:srgbClr val="FFEBCD"/>
+              </a:solidFill>
+              <a:tailEnd type="triangle"/>
+            </a:ln>
+          </p:spPr>
+          <p:style>
+            <a:lnRef idx="1">
+              <a:schemeClr val="accent1"/>
+            </a:lnRef>
+            <a:fillRef idx="0">
+              <a:schemeClr val="accent1"/>
+            </a:fillRef>
+            <a:effectRef idx="0">
+              <a:schemeClr val="accent1"/>
+            </a:effectRef>
+            <a:fontRef idx="minor">
+              <a:schemeClr val="tx1"/>
+            </a:fontRef>
+          </p:style>
+        </p:cxnSp>
+        <p:cxnSp>
+          <p:nvCxnSpPr>
+            <p:cNvPr id="114" name="直線單箭頭接點 26"/>
+            <p:cNvCxnSpPr>
+              <a:stCxn id="98" idx="0"/>
+              <a:endCxn id="29" idx="2"/>
+            </p:cNvCxnSpPr>
+            <p:nvPr/>
+          </p:nvCxnSpPr>
+          <p:spPr>
+            <a:xfrm flipV="1">
+              <a:off x="13658926" y="10408929"/>
+              <a:ext cx="1" cy="760503"/>
+            </a:xfrm>
+            <a:prstGeom prst="straightConnector1">
+              <a:avLst/>
+            </a:prstGeom>
+            <a:ln w="63500">
+              <a:solidFill>
+                <a:srgbClr val="FFEBCD"/>
+              </a:solidFill>
+              <a:tailEnd type="triangle"/>
+            </a:ln>
+          </p:spPr>
+          <p:style>
+            <a:lnRef idx="1">
+              <a:schemeClr val="accent1"/>
+            </a:lnRef>
+            <a:fillRef idx="0">
+              <a:schemeClr val="accent1"/>
+            </a:fillRef>
+            <a:effectRef idx="0">
+              <a:schemeClr val="accent1"/>
+            </a:effectRef>
+            <a:fontRef idx="minor">
+              <a:schemeClr val="tx1"/>
+            </a:fontRef>
+          </p:style>
+        </p:cxnSp>
+        <p:cxnSp>
+          <p:nvCxnSpPr>
+            <p:cNvPr id="119" name="直線接點 118"/>
+            <p:cNvCxnSpPr/>
+            <p:nvPr/>
+          </p:nvCxnSpPr>
+          <p:spPr>
+            <a:xfrm flipH="1">
+              <a:off x="11270615" y="10088374"/>
+              <a:ext cx="300325" cy="1128017"/>
+            </a:xfrm>
+            <a:prstGeom prst="line">
+              <a:avLst/>
+            </a:prstGeom>
+            <a:ln w="44450">
+              <a:solidFill>
+                <a:srgbClr val="FF0066"/>
+              </a:solidFill>
+              <a:prstDash val="dash"/>
+              <a:tailEnd type="triangle" w="lg" len="lg"/>
+            </a:ln>
+          </p:spPr>
+          <p:style>
+            <a:lnRef idx="1">
+              <a:schemeClr val="accent1"/>
+            </a:lnRef>
+            <a:fillRef idx="0">
+              <a:schemeClr val="accent1"/>
+            </a:fillRef>
+            <a:effectRef idx="0">
+              <a:schemeClr val="accent1"/>
+            </a:effectRef>
+            <a:fontRef idx="minor">
+              <a:schemeClr val="tx1"/>
+            </a:fontRef>
+          </p:style>
+        </p:cxnSp>
+        <p:sp>
+          <p:nvSpPr>
+            <p:cNvPr id="120" name="十字形 119"/>
+            <p:cNvSpPr/>
+            <p:nvPr/>
+          </p:nvSpPr>
+          <p:spPr>
+            <a:xfrm rot="19794520">
+              <a:off x="10729655" y="10947352"/>
+              <a:ext cx="979370" cy="979370"/>
+            </a:xfrm>
+            <a:prstGeom prst="plus">
+              <a:avLst>
+                <a:gd name="adj" fmla="val 47704"/>
+              </a:avLst>
+            </a:prstGeom>
+            <a:solidFill>
+              <a:srgbClr val="FF0066"/>
+            </a:solidFill>
+            <a:ln>
+              <a:noFill/>
+            </a:ln>
+          </p:spPr>
+          <p:style>
+            <a:lnRef idx="2">
+              <a:schemeClr val="accent1">
+                <a:shade val="50000"/>
+              </a:schemeClr>
+            </a:lnRef>
+            <a:fillRef idx="1">
+              <a:schemeClr val="accent1"/>
+            </a:fillRef>
+            <a:effectRef idx="0">
+              <a:schemeClr val="accent1"/>
+            </a:effectRef>
+            <a:fontRef idx="minor">
+              <a:schemeClr val="lt1"/>
+            </a:fontRef>
+          </p:style>
+          <p:txBody>
+            <a:bodyPr rtlCol="0" anchor="ctr"/>
+            <a:lstStyle/>
+            <a:p>
+              <a:pPr algn="ctr"/>
+              <a:endParaRPr lang="zh-TW" altLang="en-US"/>
+            </a:p>
+          </p:txBody>
+        </p:sp>
+        <p:cxnSp>
+          <p:nvCxnSpPr>
+            <p:cNvPr id="121" name="直線接點 120"/>
+            <p:cNvCxnSpPr/>
+            <p:nvPr/>
+          </p:nvCxnSpPr>
+          <p:spPr>
+            <a:xfrm rot="19800000" flipH="1">
+              <a:off x="9555954" y="10087536"/>
+              <a:ext cx="300325" cy="1128017"/>
+            </a:xfrm>
+            <a:prstGeom prst="line">
+              <a:avLst/>
+            </a:prstGeom>
+            <a:ln w="44450">
+              <a:solidFill>
+                <a:srgbClr val="FF0066"/>
+              </a:solidFill>
+              <a:prstDash val="dash"/>
+              <a:tailEnd type="triangle" w="lg" len="lg"/>
+            </a:ln>
+          </p:spPr>
+          <p:style>
+            <a:lnRef idx="1">
+              <a:schemeClr val="accent1"/>
+            </a:lnRef>
+            <a:fillRef idx="0">
+              <a:schemeClr val="accent1"/>
+            </a:fillRef>
+            <a:effectRef idx="0">
+              <a:schemeClr val="accent1"/>
+            </a:effectRef>
+            <a:fontRef idx="minor">
+              <a:schemeClr val="tx1"/>
+            </a:fontRef>
+          </p:style>
+        </p:cxnSp>
+        <p:sp>
+          <p:nvSpPr>
+            <p:cNvPr id="122" name="十字形 121"/>
+            <p:cNvSpPr/>
+            <p:nvPr/>
+          </p:nvSpPr>
+          <p:spPr>
+            <a:xfrm rot="17994520">
+              <a:off x="9391812" y="10945879"/>
+              <a:ext cx="979370" cy="979370"/>
+            </a:xfrm>
+            <a:prstGeom prst="plus">
+              <a:avLst>
+                <a:gd name="adj" fmla="val 47704"/>
+              </a:avLst>
+            </a:prstGeom>
+            <a:solidFill>
+              <a:srgbClr val="FF0066"/>
+            </a:solidFill>
+            <a:ln>
+              <a:noFill/>
+            </a:ln>
+          </p:spPr>
+          <p:style>
+            <a:lnRef idx="2">
+              <a:schemeClr val="accent1">
+                <a:shade val="50000"/>
+              </a:schemeClr>
+            </a:lnRef>
+            <a:fillRef idx="1">
+              <a:schemeClr val="accent1"/>
+            </a:fillRef>
+            <a:effectRef idx="0">
+              <a:schemeClr val="accent1"/>
+            </a:effectRef>
+            <a:fontRef idx="minor">
+              <a:schemeClr val="lt1"/>
+            </a:fontRef>
+          </p:style>
+          <p:txBody>
+            <a:bodyPr rtlCol="0" anchor="ctr"/>
+            <a:lstStyle/>
+            <a:p>
+              <a:pPr algn="ctr"/>
+              <a:endParaRPr lang="zh-TW" altLang="en-US"/>
+            </a:p>
+          </p:txBody>
+        </p:sp>
+        <p:cxnSp>
+          <p:nvCxnSpPr>
+            <p:cNvPr id="127" name="直線接點 126"/>
+            <p:cNvCxnSpPr/>
+            <p:nvPr/>
+          </p:nvCxnSpPr>
+          <p:spPr>
+            <a:xfrm>
+              <a:off x="15934159" y="8686140"/>
+              <a:ext cx="0" cy="6087078"/>
+            </a:xfrm>
+            <a:prstGeom prst="line">
+              <a:avLst/>
+            </a:prstGeom>
+            <a:ln w="44450">
+              <a:solidFill>
+                <a:srgbClr val="FF0066"/>
+              </a:solidFill>
+              <a:tailEnd type="triangle" w="lg" len="lg"/>
+            </a:ln>
+          </p:spPr>
+          <p:style>
+            <a:lnRef idx="1">
+              <a:schemeClr val="accent1"/>
+            </a:lnRef>
+            <a:fillRef idx="0">
+              <a:schemeClr val="accent1"/>
+            </a:fillRef>
+            <a:effectRef idx="0">
+              <a:schemeClr val="accent1"/>
+            </a:effectRef>
+            <a:fontRef idx="minor">
+              <a:schemeClr val="tx1"/>
+            </a:fontRef>
+          </p:style>
+        </p:cxnSp>
+        <p:sp>
+          <p:nvSpPr>
+            <p:cNvPr id="128" name="圓角矩形 127"/>
+            <p:cNvSpPr/>
+            <p:nvPr/>
+          </p:nvSpPr>
+          <p:spPr>
+            <a:xfrm>
+              <a:off x="13198546" y="8357840"/>
+              <a:ext cx="2735613" cy="656600"/>
+            </a:xfrm>
+            <a:prstGeom prst="roundRect">
+              <a:avLst/>
+            </a:prstGeom>
+            <a:noFill/>
+            <a:ln w="63500">
+              <a:noFill/>
+            </a:ln>
+            <a:effectLst>
+              <a:softEdge rad="63500"/>
+            </a:effectLst>
+          </p:spPr>
+          <p:style>
+            <a:lnRef idx="2">
+              <a:schemeClr val="accent1">
+                <a:shade val="50000"/>
+              </a:schemeClr>
+            </a:lnRef>
+            <a:fillRef idx="1">
+              <a:schemeClr val="accent1"/>
+            </a:fillRef>
+            <a:effectRef idx="0">
+              <a:schemeClr val="accent1"/>
+            </a:effectRef>
+            <a:fontRef idx="minor">
+              <a:schemeClr val="lt1"/>
+            </a:fontRef>
+          </p:style>
+          <p:txBody>
+            <a:bodyPr rtlCol="0" anchor="ctr"/>
+            <a:lstStyle/>
+            <a:p>
+              <a:pPr algn="ctr"/>
+              <a:r>
+                <a:rPr lang="en-US" altLang="zh-TW" sz="3600" dirty="0" smtClean="0">
+                  <a:solidFill>
+                    <a:srgbClr val="FF0066"/>
+                  </a:solidFill>
+                  <a:latin typeface="SauceCodePro Nerd Font" panose="020B0509030403020204" pitchFamily="49" charset="0"/>
+                </a:rPr>
+                <a:t>Backward</a:t>
+              </a:r>
+              <a:endParaRPr lang="zh-TW" altLang="en-US" sz="3600" dirty="0">
+                <a:solidFill>
+                  <a:srgbClr val="FF0066"/>
+                </a:solidFill>
+                <a:latin typeface="SauceCodePro Nerd Font" panose="020B0509030403020204" pitchFamily="49" charset="0"/>
+              </a:endParaRPr>
+            </a:p>
+          </p:txBody>
+        </p:sp>
+        <p:sp>
+          <p:nvSpPr>
+            <p:cNvPr id="29" name="圓角矩形 28"/>
+            <p:cNvSpPr/>
+            <p:nvPr/>
+          </p:nvSpPr>
+          <p:spPr>
+            <a:xfrm>
+              <a:off x="11840476" y="9009109"/>
+              <a:ext cx="3636902" cy="1399820"/>
+            </a:xfrm>
+            <a:prstGeom prst="roundRect">
+              <a:avLst>
+                <a:gd name="adj" fmla="val 7652"/>
+              </a:avLst>
+            </a:prstGeom>
+            <a:solidFill>
+              <a:srgbClr val="282828"/>
+            </a:solidFill>
+            <a:ln w="63500">
+              <a:solidFill>
+                <a:srgbClr val="FFEBCD"/>
+              </a:solidFill>
+            </a:ln>
+          </p:spPr>
+          <p:style>
+            <a:lnRef idx="2">
+              <a:schemeClr val="accent1">
+                <a:shade val="50000"/>
+              </a:schemeClr>
+            </a:lnRef>
+            <a:fillRef idx="1">
+              <a:schemeClr val="accent1"/>
+            </a:fillRef>
+            <a:effectRef idx="0">
+              <a:schemeClr val="accent1"/>
+            </a:effectRef>
+            <a:fontRef idx="minor">
+              <a:schemeClr val="lt1"/>
+            </a:fontRef>
+          </p:style>
+          <p:txBody>
+            <a:bodyPr rtlCol="0" anchor="ctr"/>
+            <a:lstStyle/>
+            <a:p>
+              <a:pPr algn="ctr"/>
+              <a:r>
+                <a:rPr lang="en-US" altLang="zh-TW" dirty="0" smtClean="0">
+                  <a:solidFill>
+                    <a:srgbClr val="FFEBCD"/>
+                  </a:solidFill>
+                  <a:latin typeface="SauceCodePro Nerd Font" panose="020B0509030403020204" pitchFamily="49" charset="0"/>
+                </a:rPr>
+                <a:t>Similarity</a:t>
+              </a:r>
+              <a:endParaRPr lang="zh-TW" altLang="en-US" dirty="0">
+                <a:solidFill>
+                  <a:srgbClr val="FFEBCD"/>
+                </a:solidFill>
+                <a:latin typeface="SauceCodePro Nerd Font" panose="020B0509030403020204" pitchFamily="49" charset="0"/>
+              </a:endParaRPr>
+            </a:p>
+          </p:txBody>
+        </p:sp>
+        <p:sp>
+          <p:nvSpPr>
+            <p:cNvPr id="32" name="圓角矩形 31"/>
+            <p:cNvSpPr/>
+            <p:nvPr/>
+          </p:nvSpPr>
+          <p:spPr>
+            <a:xfrm>
+              <a:off x="5605870" y="9008208"/>
+              <a:ext cx="3636902" cy="1399820"/>
+            </a:xfrm>
+            <a:prstGeom prst="roundRect">
+              <a:avLst>
+                <a:gd name="adj" fmla="val 7652"/>
+              </a:avLst>
+            </a:prstGeom>
+            <a:solidFill>
+              <a:srgbClr val="282828"/>
+            </a:solidFill>
+            <a:ln w="63500">
+              <a:solidFill>
+                <a:srgbClr val="FFEBCD"/>
+              </a:solidFill>
+            </a:ln>
+          </p:spPr>
+          <p:style>
+            <a:lnRef idx="2">
+              <a:schemeClr val="accent1">
+                <a:shade val="50000"/>
+              </a:schemeClr>
+            </a:lnRef>
+            <a:fillRef idx="1">
+              <a:schemeClr val="accent1"/>
+            </a:fillRef>
+            <a:effectRef idx="0">
+              <a:schemeClr val="accent1"/>
+            </a:effectRef>
+            <a:fontRef idx="minor">
+              <a:schemeClr val="lt1"/>
+            </a:fontRef>
+          </p:style>
+          <p:txBody>
+            <a:bodyPr rtlCol="0" anchor="ctr"/>
+            <a:lstStyle/>
+            <a:p>
+              <a:pPr algn="ctr"/>
+              <a:r>
+                <a:rPr lang="en-US" altLang="zh-TW" dirty="0" smtClean="0">
+                  <a:solidFill>
+                    <a:srgbClr val="FFEBCD"/>
+                  </a:solidFill>
+                  <a:latin typeface="SauceCodePro Nerd Font" panose="020B0509030403020204" pitchFamily="49" charset="0"/>
+                </a:rPr>
+                <a:t>Similarity</a:t>
+              </a:r>
+              <a:endParaRPr lang="zh-TW" altLang="en-US" dirty="0">
+                <a:solidFill>
+                  <a:srgbClr val="FFEBCD"/>
+                </a:solidFill>
+                <a:latin typeface="SauceCodePro Nerd Font" panose="020B0509030403020204" pitchFamily="49" charset="0"/>
+              </a:endParaRPr>
+            </a:p>
+          </p:txBody>
+        </p:sp>
+      </p:grpSp>
+    </p:spTree>
+    <p:extLst>
+      <p:ext uri="{BB962C8B-B14F-4D97-AF65-F5344CB8AC3E}">
+        <p14:creationId xmlns:p14="http://schemas.microsoft.com/office/powerpoint/2010/main" val="1443851288"/>
+      </p:ext>
+    </p:extLst>
+  </p:cSld>
+  <p:clrMapOvr>
+    <a:masterClrMapping/>
+  </p:clrMapOvr>
+  <p:timing>
+    <p:tnLst>
+      <p:par>
+        <p:cTn id="1" dur="indefinite" restart="never" nodeType="tmRoot"/>
+      </p:par>
+    </p:tnLst>
+  </p:timing>
+</p:sld>
+</file>
+
+<file path=ppt/slides/slide3.xml><?xml version="1.0" encoding="utf-8"?>
+<p:sld xmlns:a="http://schemas.openxmlformats.org/drawingml/2006/main" xmlns:r="http://schemas.openxmlformats.org/officeDocument/2006/relationships" xmlns:p="http://schemas.openxmlformats.org/presentationml/2006/main">
+  <p:cSld>
+    <p:bg>
+      <p:bgPr>
+        <a:solidFill>
+          <a:srgbClr val="282828"/>
+        </a:solidFill>
+        <a:effectLst/>
+      </p:bgPr>
+    </p:bg>
+    <p:spTree>
+      <p:nvGrpSpPr>
+        <p:cNvPr id="1" name=""/>
+        <p:cNvGrpSpPr/>
+        <p:nvPr/>
+      </p:nvGrpSpPr>
+      <p:grpSpPr>
+        <a:xfrm>
+          <a:off x="0" y="0"/>
+          <a:ext cx="0" cy="0"/>
+          <a:chOff x="0" y="0"/>
+          <a:chExt cx="0" cy="0"/>
+        </a:xfrm>
+      </p:grpSpPr>
+      <p:grpSp>
+        <p:nvGrpSpPr>
+          <p:cNvPr id="5" name="群組 4"/>
+          <p:cNvGrpSpPr/>
+          <p:nvPr/>
+        </p:nvGrpSpPr>
+        <p:grpSpPr>
+          <a:xfrm>
+            <a:off x="5334225" y="6472132"/>
+            <a:ext cx="11163604" cy="5486627"/>
+            <a:chOff x="5334225" y="6472132"/>
+            <a:chExt cx="11163604" cy="5486627"/>
+          </a:xfrm>
+        </p:grpSpPr>
+        <p:sp>
+          <p:nvSpPr>
+            <p:cNvPr id="145" name="圓角矩形 144"/>
+            <p:cNvSpPr/>
+            <p:nvPr/>
+          </p:nvSpPr>
+          <p:spPr>
+            <a:xfrm>
+              <a:off x="5334225" y="10789424"/>
+              <a:ext cx="2903253" cy="1169335"/>
+            </a:xfrm>
+            <a:prstGeom prst="roundRect">
+              <a:avLst/>
+            </a:prstGeom>
+            <a:noFill/>
+            <a:ln w="63500">
+              <a:noFill/>
+            </a:ln>
+            <a:effectLst>
+              <a:softEdge rad="63500"/>
+            </a:effectLst>
+          </p:spPr>
+          <p:style>
+            <a:lnRef idx="2">
+              <a:schemeClr val="accent1">
+                <a:shade val="50000"/>
+              </a:schemeClr>
+            </a:lnRef>
+            <a:fillRef idx="1">
+              <a:schemeClr val="accent1"/>
+            </a:fillRef>
+            <a:effectRef idx="0">
+              <a:schemeClr val="accent1"/>
+            </a:effectRef>
+            <a:fontRef idx="minor">
+              <a:schemeClr val="lt1"/>
+            </a:fontRef>
+          </p:style>
+          <p:txBody>
+            <a:bodyPr rtlCol="0" anchor="ctr"/>
+            <a:lstStyle/>
+            <a:p>
+              <a:pPr algn="ctr"/>
+              <a:r>
+                <a:rPr lang="en-US" altLang="zh-TW" sz="3600" dirty="0" smtClean="0">
+                  <a:solidFill>
+                    <a:srgbClr val="FFEBCD"/>
+                  </a:solidFill>
+                  <a:latin typeface="SauceCodePro Nerd Font" panose="020B0509030403020204" pitchFamily="49" charset="0"/>
+                </a:rPr>
+                <a:t>Noisy</a:t>
+              </a:r>
+            </a:p>
+            <a:p>
+              <a:pPr algn="ctr"/>
+              <a:r>
+                <a:rPr lang="en-US" altLang="zh-TW" sz="3600" dirty="0" smtClean="0">
+                  <a:solidFill>
+                    <a:srgbClr val="FFEBCD"/>
+                  </a:solidFill>
+                  <a:latin typeface="SauceCodePro Nerd Font" panose="020B0509030403020204" pitchFamily="49" charset="0"/>
+                </a:rPr>
+                <a:t>Speech</a:t>
+              </a:r>
+              <a:endParaRPr lang="zh-TW" altLang="en-US" sz="3600" dirty="0">
+                <a:solidFill>
+                  <a:srgbClr val="FFEBCD"/>
+                </a:solidFill>
+                <a:latin typeface="SauceCodePro Nerd Font" panose="020B0509030403020204" pitchFamily="49" charset="0"/>
+              </a:endParaRPr>
+            </a:p>
+          </p:txBody>
+        </p:sp>
+        <p:sp>
+          <p:nvSpPr>
+            <p:cNvPr id="146" name="圓角矩形 145"/>
+            <p:cNvSpPr/>
+            <p:nvPr/>
+          </p:nvSpPr>
+          <p:spPr>
+            <a:xfrm>
+              <a:off x="13594576" y="10789424"/>
+              <a:ext cx="2903253" cy="1169335"/>
+            </a:xfrm>
+            <a:prstGeom prst="roundRect">
+              <a:avLst/>
+            </a:prstGeom>
+            <a:noFill/>
+            <a:ln w="63500">
+              <a:noFill/>
+            </a:ln>
+            <a:effectLst>
+              <a:softEdge rad="63500"/>
+            </a:effectLst>
+          </p:spPr>
+          <p:style>
+            <a:lnRef idx="2">
+              <a:schemeClr val="accent1">
+                <a:shade val="50000"/>
+              </a:schemeClr>
+            </a:lnRef>
+            <a:fillRef idx="1">
+              <a:schemeClr val="accent1"/>
+            </a:fillRef>
+            <a:effectRef idx="0">
+              <a:schemeClr val="accent1"/>
+            </a:effectRef>
+            <a:fontRef idx="minor">
+              <a:schemeClr val="lt1"/>
+            </a:fontRef>
+          </p:style>
+          <p:txBody>
+            <a:bodyPr rtlCol="0" anchor="ctr"/>
+            <a:lstStyle/>
+            <a:p>
+              <a:pPr algn="ctr"/>
+              <a:r>
+                <a:rPr lang="en-US" altLang="zh-TW" sz="3600" dirty="0">
+                  <a:solidFill>
+                    <a:srgbClr val="FFEBCD"/>
+                  </a:solidFill>
+                  <a:latin typeface="SauceCodePro Nerd Font" panose="020B0509030403020204" pitchFamily="49" charset="0"/>
+                </a:rPr>
+                <a:t>Enhanced</a:t>
+              </a:r>
+            </a:p>
+            <a:p>
+              <a:pPr algn="ctr"/>
+              <a:r>
+                <a:rPr lang="en-US" altLang="zh-TW" sz="3600" dirty="0">
+                  <a:solidFill>
+                    <a:srgbClr val="FFEBCD"/>
+                  </a:solidFill>
+                  <a:latin typeface="SauceCodePro Nerd Font" panose="020B0509030403020204" pitchFamily="49" charset="0"/>
+                </a:rPr>
+                <a:t>Speech</a:t>
+              </a:r>
+              <a:endParaRPr lang="zh-TW" altLang="en-US" sz="3600" dirty="0">
+                <a:solidFill>
+                  <a:srgbClr val="FFEBCD"/>
+                </a:solidFill>
+                <a:latin typeface="SauceCodePro Nerd Font" panose="020B0509030403020204" pitchFamily="49" charset="0"/>
+              </a:endParaRPr>
+            </a:p>
+          </p:txBody>
+        </p:sp>
+        <p:sp>
+          <p:nvSpPr>
+            <p:cNvPr id="2" name="手繪多邊形 1"/>
+            <p:cNvSpPr/>
+            <p:nvPr/>
+          </p:nvSpPr>
+          <p:spPr>
+            <a:xfrm rot="5400000">
+              <a:off x="4835518" y="7879338"/>
+              <a:ext cx="3900668" cy="1432052"/>
+            </a:xfrm>
+            <a:custGeom>
+              <a:avLst/>
+              <a:gdLst>
+                <a:gd name="connsiteX0" fmla="*/ 0 w 3900668"/>
+                <a:gd name="connsiteY0" fmla="*/ 595471 h 1432052"/>
+                <a:gd name="connsiteX1" fmla="*/ 81023 w 3900668"/>
+                <a:gd name="connsiteY1" fmla="*/ 595471 h 1432052"/>
+                <a:gd name="connsiteX2" fmla="*/ 393539 w 3900668"/>
+                <a:gd name="connsiteY2" fmla="*/ 109334 h 1432052"/>
+                <a:gd name="connsiteX3" fmla="*/ 613458 w 3900668"/>
+                <a:gd name="connsiteY3" fmla="*/ 1405699 h 1432052"/>
+                <a:gd name="connsiteX4" fmla="*/ 810228 w 3900668"/>
+                <a:gd name="connsiteY4" fmla="*/ 1000585 h 1432052"/>
+                <a:gd name="connsiteX5" fmla="*/ 925975 w 3900668"/>
+                <a:gd name="connsiteY5" fmla="*/ 1243653 h 1432052"/>
+                <a:gd name="connsiteX6" fmla="*/ 1215342 w 3900668"/>
+                <a:gd name="connsiteY6" fmla="*/ 560747 h 1432052"/>
+                <a:gd name="connsiteX7" fmla="*/ 1377387 w 3900668"/>
+                <a:gd name="connsiteY7" fmla="*/ 873264 h 1432052"/>
+                <a:gd name="connsiteX8" fmla="*/ 1597306 w 3900668"/>
+                <a:gd name="connsiteY8" fmla="*/ 5162 h 1432052"/>
+                <a:gd name="connsiteX9" fmla="*/ 1875099 w 3900668"/>
+                <a:gd name="connsiteY9" fmla="*/ 1347826 h 1432052"/>
+                <a:gd name="connsiteX10" fmla="*/ 2164466 w 3900668"/>
+                <a:gd name="connsiteY10" fmla="*/ 120909 h 1432052"/>
+                <a:gd name="connsiteX11" fmla="*/ 2291787 w 3900668"/>
+                <a:gd name="connsiteY11" fmla="*/ 884838 h 1432052"/>
+                <a:gd name="connsiteX12" fmla="*/ 2569580 w 3900668"/>
+                <a:gd name="connsiteY12" fmla="*/ 583897 h 1432052"/>
+                <a:gd name="connsiteX13" fmla="*/ 2812648 w 3900668"/>
+                <a:gd name="connsiteY13" fmla="*/ 1255228 h 1432052"/>
+                <a:gd name="connsiteX14" fmla="*/ 2916820 w 3900668"/>
+                <a:gd name="connsiteY14" fmla="*/ 989010 h 1432052"/>
+                <a:gd name="connsiteX15" fmla="*/ 3044142 w 3900668"/>
+                <a:gd name="connsiteY15" fmla="*/ 1197355 h 1432052"/>
+                <a:gd name="connsiteX16" fmla="*/ 3368233 w 3900668"/>
+                <a:gd name="connsiteY16" fmla="*/ 641770 h 1432052"/>
+                <a:gd name="connsiteX17" fmla="*/ 3495554 w 3900668"/>
+                <a:gd name="connsiteY17" fmla="*/ 896413 h 1432052"/>
+                <a:gd name="connsiteX18" fmla="*/ 3773347 w 3900668"/>
+                <a:gd name="connsiteY18" fmla="*/ 479724 h 1432052"/>
+                <a:gd name="connsiteX19" fmla="*/ 3900668 w 3900668"/>
+                <a:gd name="connsiteY19" fmla="*/ 931137 h 1432052"/>
+              </a:gdLst>
+              <a:ahLst/>
+              <a:cxnLst>
+                <a:cxn ang="0">
+                  <a:pos x="connsiteX0" y="connsiteY0"/>
+                </a:cxn>
+                <a:cxn ang="0">
+                  <a:pos x="connsiteX1" y="connsiteY1"/>
+                </a:cxn>
+                <a:cxn ang="0">
+                  <a:pos x="connsiteX2" y="connsiteY2"/>
+                </a:cxn>
+                <a:cxn ang="0">
+                  <a:pos x="connsiteX3" y="connsiteY3"/>
+                </a:cxn>
+                <a:cxn ang="0">
+                  <a:pos x="connsiteX4" y="connsiteY4"/>
+                </a:cxn>
+                <a:cxn ang="0">
+                  <a:pos x="connsiteX5" y="connsiteY5"/>
+                </a:cxn>
+                <a:cxn ang="0">
+                  <a:pos x="connsiteX6" y="connsiteY6"/>
+                </a:cxn>
+                <a:cxn ang="0">
+                  <a:pos x="connsiteX7" y="connsiteY7"/>
+                </a:cxn>
+                <a:cxn ang="0">
+                  <a:pos x="connsiteX8" y="connsiteY8"/>
+                </a:cxn>
+                <a:cxn ang="0">
+                  <a:pos x="connsiteX9" y="connsiteY9"/>
+                </a:cxn>
+                <a:cxn ang="0">
+                  <a:pos x="connsiteX10" y="connsiteY10"/>
+                </a:cxn>
+                <a:cxn ang="0">
+                  <a:pos x="connsiteX11" y="connsiteY11"/>
+                </a:cxn>
+                <a:cxn ang="0">
+                  <a:pos x="connsiteX12" y="connsiteY12"/>
+                </a:cxn>
+                <a:cxn ang="0">
+                  <a:pos x="connsiteX13" y="connsiteY13"/>
+                </a:cxn>
+                <a:cxn ang="0">
+                  <a:pos x="connsiteX14" y="connsiteY14"/>
+                </a:cxn>
+                <a:cxn ang="0">
+                  <a:pos x="connsiteX15" y="connsiteY15"/>
+                </a:cxn>
+                <a:cxn ang="0">
+                  <a:pos x="connsiteX16" y="connsiteY16"/>
+                </a:cxn>
+                <a:cxn ang="0">
+                  <a:pos x="connsiteX17" y="connsiteY17"/>
+                </a:cxn>
+                <a:cxn ang="0">
+                  <a:pos x="connsiteX18" y="connsiteY18"/>
+                </a:cxn>
+                <a:cxn ang="0">
+                  <a:pos x="connsiteX19" y="connsiteY19"/>
+                </a:cxn>
+              </a:cxnLst>
+              <a:rect l="l" t="t" r="r" b="b"/>
+              <a:pathLst>
+                <a:path w="3900668" h="1432052">
+                  <a:moveTo>
+                    <a:pt x="0" y="595471"/>
+                  </a:moveTo>
+                  <a:cubicBezTo>
+                    <a:pt x="7716" y="635982"/>
+                    <a:pt x="15433" y="676494"/>
+                    <a:pt x="81023" y="595471"/>
+                  </a:cubicBezTo>
+                  <a:cubicBezTo>
+                    <a:pt x="146613" y="514448"/>
+                    <a:pt x="304800" y="-25704"/>
+                    <a:pt x="393539" y="109334"/>
+                  </a:cubicBezTo>
+                  <a:cubicBezTo>
+                    <a:pt x="482278" y="244372"/>
+                    <a:pt x="544010" y="1257157"/>
+                    <a:pt x="613458" y="1405699"/>
+                  </a:cubicBezTo>
+                  <a:cubicBezTo>
+                    <a:pt x="682906" y="1554241"/>
+                    <a:pt x="758142" y="1027593"/>
+                    <a:pt x="810228" y="1000585"/>
+                  </a:cubicBezTo>
+                  <a:cubicBezTo>
+                    <a:pt x="862314" y="973577"/>
+                    <a:pt x="858456" y="1316959"/>
+                    <a:pt x="925975" y="1243653"/>
+                  </a:cubicBezTo>
+                  <a:cubicBezTo>
+                    <a:pt x="993494" y="1170347"/>
+                    <a:pt x="1140107" y="622478"/>
+                    <a:pt x="1215342" y="560747"/>
+                  </a:cubicBezTo>
+                  <a:cubicBezTo>
+                    <a:pt x="1290577" y="499016"/>
+                    <a:pt x="1313726" y="965861"/>
+                    <a:pt x="1377387" y="873264"/>
+                  </a:cubicBezTo>
+                  <a:cubicBezTo>
+                    <a:pt x="1441048" y="780667"/>
+                    <a:pt x="1514354" y="-73932"/>
+                    <a:pt x="1597306" y="5162"/>
+                  </a:cubicBezTo>
+                  <a:cubicBezTo>
+                    <a:pt x="1680258" y="84256"/>
+                    <a:pt x="1780572" y="1328535"/>
+                    <a:pt x="1875099" y="1347826"/>
+                  </a:cubicBezTo>
+                  <a:cubicBezTo>
+                    <a:pt x="1969626" y="1367117"/>
+                    <a:pt x="2095018" y="198073"/>
+                    <a:pt x="2164466" y="120909"/>
+                  </a:cubicBezTo>
+                  <a:cubicBezTo>
+                    <a:pt x="2233914" y="43745"/>
+                    <a:pt x="2224268" y="807673"/>
+                    <a:pt x="2291787" y="884838"/>
+                  </a:cubicBezTo>
+                  <a:cubicBezTo>
+                    <a:pt x="2359306" y="962003"/>
+                    <a:pt x="2482770" y="522165"/>
+                    <a:pt x="2569580" y="583897"/>
+                  </a:cubicBezTo>
+                  <a:cubicBezTo>
+                    <a:pt x="2656390" y="645629"/>
+                    <a:pt x="2754775" y="1187709"/>
+                    <a:pt x="2812648" y="1255228"/>
+                  </a:cubicBezTo>
+                  <a:cubicBezTo>
+                    <a:pt x="2870521" y="1322747"/>
+                    <a:pt x="2878238" y="998656"/>
+                    <a:pt x="2916820" y="989010"/>
+                  </a:cubicBezTo>
+                  <a:cubicBezTo>
+                    <a:pt x="2955402" y="979365"/>
+                    <a:pt x="2968907" y="1255228"/>
+                    <a:pt x="3044142" y="1197355"/>
+                  </a:cubicBezTo>
+                  <a:cubicBezTo>
+                    <a:pt x="3119377" y="1139482"/>
+                    <a:pt x="3292998" y="691927"/>
+                    <a:pt x="3368233" y="641770"/>
+                  </a:cubicBezTo>
+                  <a:cubicBezTo>
+                    <a:pt x="3443468" y="591613"/>
+                    <a:pt x="3428035" y="923421"/>
+                    <a:pt x="3495554" y="896413"/>
+                  </a:cubicBezTo>
+                  <a:cubicBezTo>
+                    <a:pt x="3563073" y="869405"/>
+                    <a:pt x="3705828" y="473937"/>
+                    <a:pt x="3773347" y="479724"/>
+                  </a:cubicBezTo>
+                  <a:cubicBezTo>
+                    <a:pt x="3840866" y="485511"/>
+                    <a:pt x="3870767" y="708324"/>
+                    <a:pt x="3900668" y="931137"/>
+                  </a:cubicBezTo>
+                </a:path>
+              </a:pathLst>
+            </a:custGeom>
+            <a:noFill/>
+            <a:ln w="31750">
+              <a:solidFill>
+                <a:srgbClr val="21C5FF"/>
+              </a:solidFill>
+            </a:ln>
+          </p:spPr>
+          <p:style>
+            <a:lnRef idx="2">
+              <a:schemeClr val="accent1">
+                <a:shade val="50000"/>
+              </a:schemeClr>
+            </a:lnRef>
+            <a:fillRef idx="1">
+              <a:schemeClr val="accent1"/>
+            </a:fillRef>
+            <a:effectRef idx="0">
+              <a:schemeClr val="accent1"/>
+            </a:effectRef>
+            <a:fontRef idx="minor">
+              <a:schemeClr val="lt1"/>
+            </a:fontRef>
+          </p:style>
+          <p:txBody>
+            <a:bodyPr rtlCol="0" anchor="ctr"/>
+            <a:lstStyle/>
+            <a:p>
+              <a:pPr algn="ctr"/>
+              <a:endParaRPr lang="zh-TW" altLang="en-US"/>
+            </a:p>
+          </p:txBody>
+        </p:sp>
+        <p:cxnSp>
+          <p:nvCxnSpPr>
+            <p:cNvPr id="117" name="直線單箭頭接點 26"/>
+            <p:cNvCxnSpPr>
+              <a:stCxn id="104" idx="0"/>
+              <a:endCxn id="116" idx="2"/>
+            </p:cNvCxnSpPr>
+            <p:nvPr/>
+          </p:nvCxnSpPr>
+          <p:spPr>
+            <a:xfrm flipV="1">
+              <a:off x="9995096" y="8497456"/>
+              <a:ext cx="435965" cy="6449"/>
+            </a:xfrm>
+            <a:prstGeom prst="straightConnector1">
+              <a:avLst/>
+            </a:prstGeom>
+            <a:ln w="82550">
+              <a:solidFill>
+                <a:srgbClr val="FFEBCD"/>
+              </a:solidFill>
+              <a:tailEnd type="triangle"/>
+            </a:ln>
+          </p:spPr>
+          <p:style>
+            <a:lnRef idx="1">
+              <a:schemeClr val="accent1"/>
+            </a:lnRef>
+            <a:fillRef idx="0">
+              <a:schemeClr val="accent1"/>
+            </a:fillRef>
+            <a:effectRef idx="0">
+              <a:schemeClr val="accent1"/>
+            </a:effectRef>
+            <a:fontRef idx="minor">
+              <a:schemeClr val="tx1"/>
+            </a:fontRef>
+          </p:style>
+        </p:cxnSp>
+        <p:cxnSp>
+          <p:nvCxnSpPr>
+            <p:cNvPr id="198" name="直線單箭頭接點 26"/>
+            <p:cNvCxnSpPr>
+              <a:endCxn id="104" idx="2"/>
+            </p:cNvCxnSpPr>
+            <p:nvPr/>
+          </p:nvCxnSpPr>
+          <p:spPr>
+            <a:xfrm rot="5400000" flipV="1">
+              <a:off x="8078151" y="8035754"/>
+              <a:ext cx="0" cy="936302"/>
+            </a:xfrm>
+            <a:prstGeom prst="straightConnector1">
+              <a:avLst/>
+            </a:prstGeom>
+            <a:ln w="82550">
+              <a:solidFill>
+                <a:srgbClr val="FFEBCD"/>
+              </a:solidFill>
+              <a:tailEnd type="triangle"/>
+            </a:ln>
+          </p:spPr>
+          <p:style>
+            <a:lnRef idx="1">
+              <a:schemeClr val="accent1"/>
+            </a:lnRef>
+            <a:fillRef idx="0">
+              <a:schemeClr val="accent1"/>
+            </a:fillRef>
+            <a:effectRef idx="0">
+              <a:schemeClr val="accent1"/>
+            </a:effectRef>
+            <a:fontRef idx="minor">
+              <a:schemeClr val="tx1"/>
+            </a:fontRef>
+          </p:style>
+        </p:cxnSp>
+        <p:sp>
+          <p:nvSpPr>
+            <p:cNvPr id="227" name="手繪多邊形 226"/>
+            <p:cNvSpPr/>
+            <p:nvPr/>
+          </p:nvSpPr>
+          <p:spPr>
+            <a:xfrm rot="5400000">
+              <a:off x="13095869" y="7933011"/>
+              <a:ext cx="3900668" cy="1187109"/>
+            </a:xfrm>
+            <a:custGeom>
+              <a:avLst/>
+              <a:gdLst>
+                <a:gd name="connsiteX0" fmla="*/ 0 w 3900668"/>
+                <a:gd name="connsiteY0" fmla="*/ 595471 h 1432052"/>
+                <a:gd name="connsiteX1" fmla="*/ 81023 w 3900668"/>
+                <a:gd name="connsiteY1" fmla="*/ 595471 h 1432052"/>
+                <a:gd name="connsiteX2" fmla="*/ 393539 w 3900668"/>
+                <a:gd name="connsiteY2" fmla="*/ 109334 h 1432052"/>
+                <a:gd name="connsiteX3" fmla="*/ 613458 w 3900668"/>
+                <a:gd name="connsiteY3" fmla="*/ 1405699 h 1432052"/>
+                <a:gd name="connsiteX4" fmla="*/ 810228 w 3900668"/>
+                <a:gd name="connsiteY4" fmla="*/ 1000585 h 1432052"/>
+                <a:gd name="connsiteX5" fmla="*/ 925975 w 3900668"/>
+                <a:gd name="connsiteY5" fmla="*/ 1243653 h 1432052"/>
+                <a:gd name="connsiteX6" fmla="*/ 1215342 w 3900668"/>
+                <a:gd name="connsiteY6" fmla="*/ 560747 h 1432052"/>
+                <a:gd name="connsiteX7" fmla="*/ 1377387 w 3900668"/>
+                <a:gd name="connsiteY7" fmla="*/ 873264 h 1432052"/>
+                <a:gd name="connsiteX8" fmla="*/ 1597306 w 3900668"/>
+                <a:gd name="connsiteY8" fmla="*/ 5162 h 1432052"/>
+                <a:gd name="connsiteX9" fmla="*/ 1875099 w 3900668"/>
+                <a:gd name="connsiteY9" fmla="*/ 1347826 h 1432052"/>
+                <a:gd name="connsiteX10" fmla="*/ 2164466 w 3900668"/>
+                <a:gd name="connsiteY10" fmla="*/ 120909 h 1432052"/>
+                <a:gd name="connsiteX11" fmla="*/ 2291787 w 3900668"/>
+                <a:gd name="connsiteY11" fmla="*/ 884838 h 1432052"/>
+                <a:gd name="connsiteX12" fmla="*/ 2569580 w 3900668"/>
+                <a:gd name="connsiteY12" fmla="*/ 583897 h 1432052"/>
+                <a:gd name="connsiteX13" fmla="*/ 2812648 w 3900668"/>
+                <a:gd name="connsiteY13" fmla="*/ 1255228 h 1432052"/>
+                <a:gd name="connsiteX14" fmla="*/ 2916820 w 3900668"/>
+                <a:gd name="connsiteY14" fmla="*/ 989010 h 1432052"/>
+                <a:gd name="connsiteX15" fmla="*/ 3044142 w 3900668"/>
+                <a:gd name="connsiteY15" fmla="*/ 1197355 h 1432052"/>
+                <a:gd name="connsiteX16" fmla="*/ 3368233 w 3900668"/>
+                <a:gd name="connsiteY16" fmla="*/ 641770 h 1432052"/>
+                <a:gd name="connsiteX17" fmla="*/ 3495554 w 3900668"/>
+                <a:gd name="connsiteY17" fmla="*/ 896413 h 1432052"/>
+                <a:gd name="connsiteX18" fmla="*/ 3773347 w 3900668"/>
+                <a:gd name="connsiteY18" fmla="*/ 479724 h 1432052"/>
+                <a:gd name="connsiteX19" fmla="*/ 3900668 w 3900668"/>
+                <a:gd name="connsiteY19" fmla="*/ 931137 h 1432052"/>
+                <a:gd name="connsiteX0" fmla="*/ 0 w 3900668"/>
+                <a:gd name="connsiteY0" fmla="*/ 507700 h 1344281"/>
+                <a:gd name="connsiteX1" fmla="*/ 81023 w 3900668"/>
+                <a:gd name="connsiteY1" fmla="*/ 507700 h 1344281"/>
+                <a:gd name="connsiteX2" fmla="*/ 393539 w 3900668"/>
+                <a:gd name="connsiteY2" fmla="*/ 21563 h 1344281"/>
+                <a:gd name="connsiteX3" fmla="*/ 613458 w 3900668"/>
+                <a:gd name="connsiteY3" fmla="*/ 1317928 h 1344281"/>
+                <a:gd name="connsiteX4" fmla="*/ 810228 w 3900668"/>
+                <a:gd name="connsiteY4" fmla="*/ 912814 h 1344281"/>
+                <a:gd name="connsiteX5" fmla="*/ 925975 w 3900668"/>
+                <a:gd name="connsiteY5" fmla="*/ 1155882 h 1344281"/>
+                <a:gd name="connsiteX6" fmla="*/ 1215342 w 3900668"/>
+                <a:gd name="connsiteY6" fmla="*/ 472976 h 1344281"/>
+                <a:gd name="connsiteX7" fmla="*/ 1377387 w 3900668"/>
+                <a:gd name="connsiteY7" fmla="*/ 785493 h 1344281"/>
+                <a:gd name="connsiteX8" fmla="*/ 1597306 w 3900668"/>
+                <a:gd name="connsiteY8" fmla="*/ 506671 h 1344281"/>
+                <a:gd name="connsiteX9" fmla="*/ 1875099 w 3900668"/>
+                <a:gd name="connsiteY9" fmla="*/ 1260055 h 1344281"/>
+                <a:gd name="connsiteX10" fmla="*/ 2164466 w 3900668"/>
+                <a:gd name="connsiteY10" fmla="*/ 33138 h 1344281"/>
+                <a:gd name="connsiteX11" fmla="*/ 2291787 w 3900668"/>
+                <a:gd name="connsiteY11" fmla="*/ 797067 h 1344281"/>
+                <a:gd name="connsiteX12" fmla="*/ 2569580 w 3900668"/>
+                <a:gd name="connsiteY12" fmla="*/ 496126 h 1344281"/>
+                <a:gd name="connsiteX13" fmla="*/ 2812648 w 3900668"/>
+                <a:gd name="connsiteY13" fmla="*/ 1167457 h 1344281"/>
+                <a:gd name="connsiteX14" fmla="*/ 2916820 w 3900668"/>
+                <a:gd name="connsiteY14" fmla="*/ 901239 h 1344281"/>
+                <a:gd name="connsiteX15" fmla="*/ 3044142 w 3900668"/>
+                <a:gd name="connsiteY15" fmla="*/ 1109584 h 1344281"/>
+                <a:gd name="connsiteX16" fmla="*/ 3368233 w 3900668"/>
+                <a:gd name="connsiteY16" fmla="*/ 553999 h 1344281"/>
+                <a:gd name="connsiteX17" fmla="*/ 3495554 w 3900668"/>
+                <a:gd name="connsiteY17" fmla="*/ 808642 h 1344281"/>
+                <a:gd name="connsiteX18" fmla="*/ 3773347 w 3900668"/>
+                <a:gd name="connsiteY18" fmla="*/ 391953 h 1344281"/>
+                <a:gd name="connsiteX19" fmla="*/ 3900668 w 3900668"/>
+                <a:gd name="connsiteY19" fmla="*/ 843366 h 1344281"/>
+                <a:gd name="connsiteX0" fmla="*/ 0 w 3900668"/>
+                <a:gd name="connsiteY0" fmla="*/ 507700 h 1344281"/>
+                <a:gd name="connsiteX1" fmla="*/ 81023 w 3900668"/>
+                <a:gd name="connsiteY1" fmla="*/ 507700 h 1344281"/>
+                <a:gd name="connsiteX2" fmla="*/ 393539 w 3900668"/>
+                <a:gd name="connsiteY2" fmla="*/ 21563 h 1344281"/>
+                <a:gd name="connsiteX3" fmla="*/ 613458 w 3900668"/>
+                <a:gd name="connsiteY3" fmla="*/ 1317928 h 1344281"/>
+                <a:gd name="connsiteX4" fmla="*/ 810228 w 3900668"/>
+                <a:gd name="connsiteY4" fmla="*/ 912814 h 1344281"/>
+                <a:gd name="connsiteX5" fmla="*/ 925975 w 3900668"/>
+                <a:gd name="connsiteY5" fmla="*/ 1155882 h 1344281"/>
+                <a:gd name="connsiteX6" fmla="*/ 1215342 w 3900668"/>
+                <a:gd name="connsiteY6" fmla="*/ 472976 h 1344281"/>
+                <a:gd name="connsiteX7" fmla="*/ 1377387 w 3900668"/>
+                <a:gd name="connsiteY7" fmla="*/ 622933 h 1344281"/>
+                <a:gd name="connsiteX8" fmla="*/ 1597306 w 3900668"/>
+                <a:gd name="connsiteY8" fmla="*/ 506671 h 1344281"/>
+                <a:gd name="connsiteX9" fmla="*/ 1875099 w 3900668"/>
+                <a:gd name="connsiteY9" fmla="*/ 1260055 h 1344281"/>
+                <a:gd name="connsiteX10" fmla="*/ 2164466 w 3900668"/>
+                <a:gd name="connsiteY10" fmla="*/ 33138 h 1344281"/>
+                <a:gd name="connsiteX11" fmla="*/ 2291787 w 3900668"/>
+                <a:gd name="connsiteY11" fmla="*/ 797067 h 1344281"/>
+                <a:gd name="connsiteX12" fmla="*/ 2569580 w 3900668"/>
+                <a:gd name="connsiteY12" fmla="*/ 496126 h 1344281"/>
+                <a:gd name="connsiteX13" fmla="*/ 2812648 w 3900668"/>
+                <a:gd name="connsiteY13" fmla="*/ 1167457 h 1344281"/>
+                <a:gd name="connsiteX14" fmla="*/ 2916820 w 3900668"/>
+                <a:gd name="connsiteY14" fmla="*/ 901239 h 1344281"/>
+                <a:gd name="connsiteX15" fmla="*/ 3044142 w 3900668"/>
+                <a:gd name="connsiteY15" fmla="*/ 1109584 h 1344281"/>
+                <a:gd name="connsiteX16" fmla="*/ 3368233 w 3900668"/>
+                <a:gd name="connsiteY16" fmla="*/ 553999 h 1344281"/>
+                <a:gd name="connsiteX17" fmla="*/ 3495554 w 3900668"/>
+                <a:gd name="connsiteY17" fmla="*/ 808642 h 1344281"/>
+                <a:gd name="connsiteX18" fmla="*/ 3773347 w 3900668"/>
+                <a:gd name="connsiteY18" fmla="*/ 391953 h 1344281"/>
+                <a:gd name="connsiteX19" fmla="*/ 3900668 w 3900668"/>
+                <a:gd name="connsiteY19" fmla="*/ 843366 h 1344281"/>
+                <a:gd name="connsiteX0" fmla="*/ 0 w 3900668"/>
+                <a:gd name="connsiteY0" fmla="*/ 480029 h 1302319"/>
+                <a:gd name="connsiteX1" fmla="*/ 81023 w 3900668"/>
+                <a:gd name="connsiteY1" fmla="*/ 480029 h 1302319"/>
+                <a:gd name="connsiteX2" fmla="*/ 434179 w 3900668"/>
+                <a:gd name="connsiteY2" fmla="*/ 329172 h 1302319"/>
+                <a:gd name="connsiteX3" fmla="*/ 613458 w 3900668"/>
+                <a:gd name="connsiteY3" fmla="*/ 1290257 h 1302319"/>
+                <a:gd name="connsiteX4" fmla="*/ 810228 w 3900668"/>
+                <a:gd name="connsiteY4" fmla="*/ 885143 h 1302319"/>
+                <a:gd name="connsiteX5" fmla="*/ 925975 w 3900668"/>
+                <a:gd name="connsiteY5" fmla="*/ 1128211 h 1302319"/>
+                <a:gd name="connsiteX6" fmla="*/ 1215342 w 3900668"/>
+                <a:gd name="connsiteY6" fmla="*/ 445305 h 1302319"/>
+                <a:gd name="connsiteX7" fmla="*/ 1377387 w 3900668"/>
+                <a:gd name="connsiteY7" fmla="*/ 595262 h 1302319"/>
+                <a:gd name="connsiteX8" fmla="*/ 1597306 w 3900668"/>
+                <a:gd name="connsiteY8" fmla="*/ 479000 h 1302319"/>
+                <a:gd name="connsiteX9" fmla="*/ 1875099 w 3900668"/>
+                <a:gd name="connsiteY9" fmla="*/ 1232384 h 1302319"/>
+                <a:gd name="connsiteX10" fmla="*/ 2164466 w 3900668"/>
+                <a:gd name="connsiteY10" fmla="*/ 5467 h 1302319"/>
+                <a:gd name="connsiteX11" fmla="*/ 2291787 w 3900668"/>
+                <a:gd name="connsiteY11" fmla="*/ 769396 h 1302319"/>
+                <a:gd name="connsiteX12" fmla="*/ 2569580 w 3900668"/>
+                <a:gd name="connsiteY12" fmla="*/ 468455 h 1302319"/>
+                <a:gd name="connsiteX13" fmla="*/ 2812648 w 3900668"/>
+                <a:gd name="connsiteY13" fmla="*/ 1139786 h 1302319"/>
+                <a:gd name="connsiteX14" fmla="*/ 2916820 w 3900668"/>
+                <a:gd name="connsiteY14" fmla="*/ 873568 h 1302319"/>
+                <a:gd name="connsiteX15" fmla="*/ 3044142 w 3900668"/>
+                <a:gd name="connsiteY15" fmla="*/ 1081913 h 1302319"/>
+                <a:gd name="connsiteX16" fmla="*/ 3368233 w 3900668"/>
+                <a:gd name="connsiteY16" fmla="*/ 526328 h 1302319"/>
+                <a:gd name="connsiteX17" fmla="*/ 3495554 w 3900668"/>
+                <a:gd name="connsiteY17" fmla="*/ 780971 h 1302319"/>
+                <a:gd name="connsiteX18" fmla="*/ 3773347 w 3900668"/>
+                <a:gd name="connsiteY18" fmla="*/ 364282 h 1302319"/>
+                <a:gd name="connsiteX19" fmla="*/ 3900668 w 3900668"/>
+                <a:gd name="connsiteY19" fmla="*/ 815695 h 1302319"/>
+                <a:gd name="connsiteX0" fmla="*/ 0 w 3900668"/>
+                <a:gd name="connsiteY0" fmla="*/ 704456 h 1462793"/>
+                <a:gd name="connsiteX1" fmla="*/ 81023 w 3900668"/>
+                <a:gd name="connsiteY1" fmla="*/ 704456 h 1462793"/>
+                <a:gd name="connsiteX2" fmla="*/ 434179 w 3900668"/>
+                <a:gd name="connsiteY2" fmla="*/ 553599 h 1462793"/>
+                <a:gd name="connsiteX3" fmla="*/ 704898 w 3900668"/>
+                <a:gd name="connsiteY3" fmla="*/ 11004 h 1462793"/>
+                <a:gd name="connsiteX4" fmla="*/ 810228 w 3900668"/>
+                <a:gd name="connsiteY4" fmla="*/ 1109570 h 1462793"/>
+                <a:gd name="connsiteX5" fmla="*/ 925975 w 3900668"/>
+                <a:gd name="connsiteY5" fmla="*/ 1352638 h 1462793"/>
+                <a:gd name="connsiteX6" fmla="*/ 1215342 w 3900668"/>
+                <a:gd name="connsiteY6" fmla="*/ 669732 h 1462793"/>
+                <a:gd name="connsiteX7" fmla="*/ 1377387 w 3900668"/>
+                <a:gd name="connsiteY7" fmla="*/ 819689 h 1462793"/>
+                <a:gd name="connsiteX8" fmla="*/ 1597306 w 3900668"/>
+                <a:gd name="connsiteY8" fmla="*/ 703427 h 1462793"/>
+                <a:gd name="connsiteX9" fmla="*/ 1875099 w 3900668"/>
+                <a:gd name="connsiteY9" fmla="*/ 1456811 h 1462793"/>
+                <a:gd name="connsiteX10" fmla="*/ 2164466 w 3900668"/>
+                <a:gd name="connsiteY10" fmla="*/ 229894 h 1462793"/>
+                <a:gd name="connsiteX11" fmla="*/ 2291787 w 3900668"/>
+                <a:gd name="connsiteY11" fmla="*/ 993823 h 1462793"/>
+                <a:gd name="connsiteX12" fmla="*/ 2569580 w 3900668"/>
+                <a:gd name="connsiteY12" fmla="*/ 692882 h 1462793"/>
+                <a:gd name="connsiteX13" fmla="*/ 2812648 w 3900668"/>
+                <a:gd name="connsiteY13" fmla="*/ 1364213 h 1462793"/>
+                <a:gd name="connsiteX14" fmla="*/ 2916820 w 3900668"/>
+                <a:gd name="connsiteY14" fmla="*/ 1097995 h 1462793"/>
+                <a:gd name="connsiteX15" fmla="*/ 3044142 w 3900668"/>
+                <a:gd name="connsiteY15" fmla="*/ 1306340 h 1462793"/>
+                <a:gd name="connsiteX16" fmla="*/ 3368233 w 3900668"/>
+                <a:gd name="connsiteY16" fmla="*/ 750755 h 1462793"/>
+                <a:gd name="connsiteX17" fmla="*/ 3495554 w 3900668"/>
+                <a:gd name="connsiteY17" fmla="*/ 1005398 h 1462793"/>
+                <a:gd name="connsiteX18" fmla="*/ 3773347 w 3900668"/>
+                <a:gd name="connsiteY18" fmla="*/ 588709 h 1462793"/>
+                <a:gd name="connsiteX19" fmla="*/ 3900668 w 3900668"/>
+                <a:gd name="connsiteY19" fmla="*/ 1040122 h 1462793"/>
+                <a:gd name="connsiteX0" fmla="*/ 0 w 3900668"/>
+                <a:gd name="connsiteY0" fmla="*/ 704806 h 1463143"/>
+                <a:gd name="connsiteX1" fmla="*/ 81023 w 3900668"/>
+                <a:gd name="connsiteY1" fmla="*/ 704806 h 1463143"/>
+                <a:gd name="connsiteX2" fmla="*/ 434179 w 3900668"/>
+                <a:gd name="connsiteY2" fmla="*/ 553949 h 1463143"/>
+                <a:gd name="connsiteX3" fmla="*/ 704898 w 3900668"/>
+                <a:gd name="connsiteY3" fmla="*/ 11354 h 1463143"/>
+                <a:gd name="connsiteX4" fmla="*/ 789908 w 3900668"/>
+                <a:gd name="connsiteY4" fmla="*/ 1120080 h 1463143"/>
+                <a:gd name="connsiteX5" fmla="*/ 925975 w 3900668"/>
+                <a:gd name="connsiteY5" fmla="*/ 1352988 h 1463143"/>
+                <a:gd name="connsiteX6" fmla="*/ 1215342 w 3900668"/>
+                <a:gd name="connsiteY6" fmla="*/ 670082 h 1463143"/>
+                <a:gd name="connsiteX7" fmla="*/ 1377387 w 3900668"/>
+                <a:gd name="connsiteY7" fmla="*/ 820039 h 1463143"/>
+                <a:gd name="connsiteX8" fmla="*/ 1597306 w 3900668"/>
+                <a:gd name="connsiteY8" fmla="*/ 703777 h 1463143"/>
+                <a:gd name="connsiteX9" fmla="*/ 1875099 w 3900668"/>
+                <a:gd name="connsiteY9" fmla="*/ 1457161 h 1463143"/>
+                <a:gd name="connsiteX10" fmla="*/ 2164466 w 3900668"/>
+                <a:gd name="connsiteY10" fmla="*/ 230244 h 1463143"/>
+                <a:gd name="connsiteX11" fmla="*/ 2291787 w 3900668"/>
+                <a:gd name="connsiteY11" fmla="*/ 994173 h 1463143"/>
+                <a:gd name="connsiteX12" fmla="*/ 2569580 w 3900668"/>
+                <a:gd name="connsiteY12" fmla="*/ 693232 h 1463143"/>
+                <a:gd name="connsiteX13" fmla="*/ 2812648 w 3900668"/>
+                <a:gd name="connsiteY13" fmla="*/ 1364563 h 1463143"/>
+                <a:gd name="connsiteX14" fmla="*/ 2916820 w 3900668"/>
+                <a:gd name="connsiteY14" fmla="*/ 1098345 h 1463143"/>
+                <a:gd name="connsiteX15" fmla="*/ 3044142 w 3900668"/>
+                <a:gd name="connsiteY15" fmla="*/ 1306690 h 1463143"/>
+                <a:gd name="connsiteX16" fmla="*/ 3368233 w 3900668"/>
+                <a:gd name="connsiteY16" fmla="*/ 751105 h 1463143"/>
+                <a:gd name="connsiteX17" fmla="*/ 3495554 w 3900668"/>
+                <a:gd name="connsiteY17" fmla="*/ 1005748 h 1463143"/>
+                <a:gd name="connsiteX18" fmla="*/ 3773347 w 3900668"/>
+                <a:gd name="connsiteY18" fmla="*/ 589059 h 1463143"/>
+                <a:gd name="connsiteX19" fmla="*/ 3900668 w 3900668"/>
+                <a:gd name="connsiteY19" fmla="*/ 1040472 h 1463143"/>
+                <a:gd name="connsiteX0" fmla="*/ 0 w 3900668"/>
+                <a:gd name="connsiteY0" fmla="*/ 704806 h 1463143"/>
+                <a:gd name="connsiteX1" fmla="*/ 81023 w 3900668"/>
+                <a:gd name="connsiteY1" fmla="*/ 704806 h 1463143"/>
+                <a:gd name="connsiteX2" fmla="*/ 434179 w 3900668"/>
+                <a:gd name="connsiteY2" fmla="*/ 553949 h 1463143"/>
+                <a:gd name="connsiteX3" fmla="*/ 704898 w 3900668"/>
+                <a:gd name="connsiteY3" fmla="*/ 11354 h 1463143"/>
+                <a:gd name="connsiteX4" fmla="*/ 789908 w 3900668"/>
+                <a:gd name="connsiteY4" fmla="*/ 1120080 h 1463143"/>
+                <a:gd name="connsiteX5" fmla="*/ 925975 w 3900668"/>
+                <a:gd name="connsiteY5" fmla="*/ 956748 h 1463143"/>
+                <a:gd name="connsiteX6" fmla="*/ 1215342 w 3900668"/>
+                <a:gd name="connsiteY6" fmla="*/ 670082 h 1463143"/>
+                <a:gd name="connsiteX7" fmla="*/ 1377387 w 3900668"/>
+                <a:gd name="connsiteY7" fmla="*/ 820039 h 1463143"/>
+                <a:gd name="connsiteX8" fmla="*/ 1597306 w 3900668"/>
+                <a:gd name="connsiteY8" fmla="*/ 703777 h 1463143"/>
+                <a:gd name="connsiteX9" fmla="*/ 1875099 w 3900668"/>
+                <a:gd name="connsiteY9" fmla="*/ 1457161 h 1463143"/>
+                <a:gd name="connsiteX10" fmla="*/ 2164466 w 3900668"/>
+                <a:gd name="connsiteY10" fmla="*/ 230244 h 1463143"/>
+                <a:gd name="connsiteX11" fmla="*/ 2291787 w 3900668"/>
+                <a:gd name="connsiteY11" fmla="*/ 994173 h 1463143"/>
+                <a:gd name="connsiteX12" fmla="*/ 2569580 w 3900668"/>
+                <a:gd name="connsiteY12" fmla="*/ 693232 h 1463143"/>
+                <a:gd name="connsiteX13" fmla="*/ 2812648 w 3900668"/>
+                <a:gd name="connsiteY13" fmla="*/ 1364563 h 1463143"/>
+                <a:gd name="connsiteX14" fmla="*/ 2916820 w 3900668"/>
+                <a:gd name="connsiteY14" fmla="*/ 1098345 h 1463143"/>
+                <a:gd name="connsiteX15" fmla="*/ 3044142 w 3900668"/>
+                <a:gd name="connsiteY15" fmla="*/ 1306690 h 1463143"/>
+                <a:gd name="connsiteX16" fmla="*/ 3368233 w 3900668"/>
+                <a:gd name="connsiteY16" fmla="*/ 751105 h 1463143"/>
+                <a:gd name="connsiteX17" fmla="*/ 3495554 w 3900668"/>
+                <a:gd name="connsiteY17" fmla="*/ 1005748 h 1463143"/>
+                <a:gd name="connsiteX18" fmla="*/ 3773347 w 3900668"/>
+                <a:gd name="connsiteY18" fmla="*/ 589059 h 1463143"/>
+                <a:gd name="connsiteX19" fmla="*/ 3900668 w 3900668"/>
+                <a:gd name="connsiteY19" fmla="*/ 1040472 h 1463143"/>
+                <a:gd name="connsiteX0" fmla="*/ 0 w 3900668"/>
+                <a:gd name="connsiteY0" fmla="*/ 704806 h 1463143"/>
+                <a:gd name="connsiteX1" fmla="*/ 81023 w 3900668"/>
+                <a:gd name="connsiteY1" fmla="*/ 704806 h 1463143"/>
+                <a:gd name="connsiteX2" fmla="*/ 434179 w 3900668"/>
+                <a:gd name="connsiteY2" fmla="*/ 553949 h 1463143"/>
+                <a:gd name="connsiteX3" fmla="*/ 704898 w 3900668"/>
+                <a:gd name="connsiteY3" fmla="*/ 11354 h 1463143"/>
+                <a:gd name="connsiteX4" fmla="*/ 789908 w 3900668"/>
+                <a:gd name="connsiteY4" fmla="*/ 1120080 h 1463143"/>
+                <a:gd name="connsiteX5" fmla="*/ 925975 w 3900668"/>
+                <a:gd name="connsiteY5" fmla="*/ 956748 h 1463143"/>
+                <a:gd name="connsiteX6" fmla="*/ 1205182 w 3900668"/>
+                <a:gd name="connsiteY6" fmla="*/ 964722 h 1463143"/>
+                <a:gd name="connsiteX7" fmla="*/ 1377387 w 3900668"/>
+                <a:gd name="connsiteY7" fmla="*/ 820039 h 1463143"/>
+                <a:gd name="connsiteX8" fmla="*/ 1597306 w 3900668"/>
+                <a:gd name="connsiteY8" fmla="*/ 703777 h 1463143"/>
+                <a:gd name="connsiteX9" fmla="*/ 1875099 w 3900668"/>
+                <a:gd name="connsiteY9" fmla="*/ 1457161 h 1463143"/>
+                <a:gd name="connsiteX10" fmla="*/ 2164466 w 3900668"/>
+                <a:gd name="connsiteY10" fmla="*/ 230244 h 1463143"/>
+                <a:gd name="connsiteX11" fmla="*/ 2291787 w 3900668"/>
+                <a:gd name="connsiteY11" fmla="*/ 994173 h 1463143"/>
+                <a:gd name="connsiteX12" fmla="*/ 2569580 w 3900668"/>
+                <a:gd name="connsiteY12" fmla="*/ 693232 h 1463143"/>
+                <a:gd name="connsiteX13" fmla="*/ 2812648 w 3900668"/>
+                <a:gd name="connsiteY13" fmla="*/ 1364563 h 1463143"/>
+                <a:gd name="connsiteX14" fmla="*/ 2916820 w 3900668"/>
+                <a:gd name="connsiteY14" fmla="*/ 1098345 h 1463143"/>
+                <a:gd name="connsiteX15" fmla="*/ 3044142 w 3900668"/>
+                <a:gd name="connsiteY15" fmla="*/ 1306690 h 1463143"/>
+                <a:gd name="connsiteX16" fmla="*/ 3368233 w 3900668"/>
+                <a:gd name="connsiteY16" fmla="*/ 751105 h 1463143"/>
+                <a:gd name="connsiteX17" fmla="*/ 3495554 w 3900668"/>
+                <a:gd name="connsiteY17" fmla="*/ 1005748 h 1463143"/>
+                <a:gd name="connsiteX18" fmla="*/ 3773347 w 3900668"/>
+                <a:gd name="connsiteY18" fmla="*/ 589059 h 1463143"/>
+                <a:gd name="connsiteX19" fmla="*/ 3900668 w 3900668"/>
+                <a:gd name="connsiteY19" fmla="*/ 1040472 h 1463143"/>
+                <a:gd name="connsiteX0" fmla="*/ 0 w 3900668"/>
+                <a:gd name="connsiteY0" fmla="*/ 704806 h 1463143"/>
+                <a:gd name="connsiteX1" fmla="*/ 81023 w 3900668"/>
+                <a:gd name="connsiteY1" fmla="*/ 704806 h 1463143"/>
+                <a:gd name="connsiteX2" fmla="*/ 434179 w 3900668"/>
+                <a:gd name="connsiteY2" fmla="*/ 553949 h 1463143"/>
+                <a:gd name="connsiteX3" fmla="*/ 704898 w 3900668"/>
+                <a:gd name="connsiteY3" fmla="*/ 11354 h 1463143"/>
+                <a:gd name="connsiteX4" fmla="*/ 789908 w 3900668"/>
+                <a:gd name="connsiteY4" fmla="*/ 1120080 h 1463143"/>
+                <a:gd name="connsiteX5" fmla="*/ 925975 w 3900668"/>
+                <a:gd name="connsiteY5" fmla="*/ 956748 h 1463143"/>
+                <a:gd name="connsiteX6" fmla="*/ 1205182 w 3900668"/>
+                <a:gd name="connsiteY6" fmla="*/ 964722 h 1463143"/>
+                <a:gd name="connsiteX7" fmla="*/ 1377387 w 3900668"/>
+                <a:gd name="connsiteY7" fmla="*/ 820039 h 1463143"/>
+                <a:gd name="connsiteX8" fmla="*/ 1597306 w 3900668"/>
+                <a:gd name="connsiteY8" fmla="*/ 703777 h 1463143"/>
+                <a:gd name="connsiteX9" fmla="*/ 1875099 w 3900668"/>
+                <a:gd name="connsiteY9" fmla="*/ 1457161 h 1463143"/>
+                <a:gd name="connsiteX10" fmla="*/ 2164466 w 3900668"/>
+                <a:gd name="connsiteY10" fmla="*/ 230244 h 1463143"/>
+                <a:gd name="connsiteX11" fmla="*/ 2291787 w 3900668"/>
+                <a:gd name="connsiteY11" fmla="*/ 994173 h 1463143"/>
+                <a:gd name="connsiteX12" fmla="*/ 2569580 w 3900668"/>
+                <a:gd name="connsiteY12" fmla="*/ 693232 h 1463143"/>
+                <a:gd name="connsiteX13" fmla="*/ 2812648 w 3900668"/>
+                <a:gd name="connsiteY13" fmla="*/ 1364563 h 1463143"/>
+                <a:gd name="connsiteX14" fmla="*/ 2916820 w 3900668"/>
+                <a:gd name="connsiteY14" fmla="*/ 1098345 h 1463143"/>
+                <a:gd name="connsiteX15" fmla="*/ 3044142 w 3900668"/>
+                <a:gd name="connsiteY15" fmla="*/ 1306690 h 1463143"/>
+                <a:gd name="connsiteX16" fmla="*/ 3368233 w 3900668"/>
+                <a:gd name="connsiteY16" fmla="*/ 751105 h 1463143"/>
+                <a:gd name="connsiteX17" fmla="*/ 3515874 w 3900668"/>
+                <a:gd name="connsiteY17" fmla="*/ 375828 h 1463143"/>
+                <a:gd name="connsiteX18" fmla="*/ 3773347 w 3900668"/>
+                <a:gd name="connsiteY18" fmla="*/ 589059 h 1463143"/>
+                <a:gd name="connsiteX19" fmla="*/ 3900668 w 3900668"/>
+                <a:gd name="connsiteY19" fmla="*/ 1040472 h 1463143"/>
+                <a:gd name="connsiteX0" fmla="*/ 0 w 3900668"/>
+                <a:gd name="connsiteY0" fmla="*/ 704806 h 1463143"/>
+                <a:gd name="connsiteX1" fmla="*/ 81023 w 3900668"/>
+                <a:gd name="connsiteY1" fmla="*/ 704806 h 1463143"/>
+                <a:gd name="connsiteX2" fmla="*/ 434179 w 3900668"/>
+                <a:gd name="connsiteY2" fmla="*/ 553949 h 1463143"/>
+                <a:gd name="connsiteX3" fmla="*/ 704898 w 3900668"/>
+                <a:gd name="connsiteY3" fmla="*/ 11354 h 1463143"/>
+                <a:gd name="connsiteX4" fmla="*/ 789908 w 3900668"/>
+                <a:gd name="connsiteY4" fmla="*/ 1120080 h 1463143"/>
+                <a:gd name="connsiteX5" fmla="*/ 925975 w 3900668"/>
+                <a:gd name="connsiteY5" fmla="*/ 956748 h 1463143"/>
+                <a:gd name="connsiteX6" fmla="*/ 1205182 w 3900668"/>
+                <a:gd name="connsiteY6" fmla="*/ 964722 h 1463143"/>
+                <a:gd name="connsiteX7" fmla="*/ 1377387 w 3900668"/>
+                <a:gd name="connsiteY7" fmla="*/ 820039 h 1463143"/>
+                <a:gd name="connsiteX8" fmla="*/ 1597306 w 3900668"/>
+                <a:gd name="connsiteY8" fmla="*/ 703777 h 1463143"/>
+                <a:gd name="connsiteX9" fmla="*/ 1875099 w 3900668"/>
+                <a:gd name="connsiteY9" fmla="*/ 1457161 h 1463143"/>
+                <a:gd name="connsiteX10" fmla="*/ 2164466 w 3900668"/>
+                <a:gd name="connsiteY10" fmla="*/ 230244 h 1463143"/>
+                <a:gd name="connsiteX11" fmla="*/ 2291787 w 3900668"/>
+                <a:gd name="connsiteY11" fmla="*/ 994173 h 1463143"/>
+                <a:gd name="connsiteX12" fmla="*/ 2569580 w 3900668"/>
+                <a:gd name="connsiteY12" fmla="*/ 693232 h 1463143"/>
+                <a:gd name="connsiteX13" fmla="*/ 2812648 w 3900668"/>
+                <a:gd name="connsiteY13" fmla="*/ 1364563 h 1463143"/>
+                <a:gd name="connsiteX14" fmla="*/ 2916820 w 3900668"/>
+                <a:gd name="connsiteY14" fmla="*/ 1098345 h 1463143"/>
+                <a:gd name="connsiteX15" fmla="*/ 3044142 w 3900668"/>
+                <a:gd name="connsiteY15" fmla="*/ 1306690 h 1463143"/>
+                <a:gd name="connsiteX16" fmla="*/ 3368233 w 3900668"/>
+                <a:gd name="connsiteY16" fmla="*/ 751105 h 1463143"/>
+                <a:gd name="connsiteX17" fmla="*/ 3515874 w 3900668"/>
+                <a:gd name="connsiteY17" fmla="*/ 375828 h 1463143"/>
+                <a:gd name="connsiteX18" fmla="*/ 3722547 w 3900668"/>
+                <a:gd name="connsiteY18" fmla="*/ 1147859 h 1463143"/>
+                <a:gd name="connsiteX19" fmla="*/ 3900668 w 3900668"/>
+                <a:gd name="connsiteY19" fmla="*/ 1040472 h 1463143"/>
+                <a:gd name="connsiteX0" fmla="*/ 0 w 3900668"/>
+                <a:gd name="connsiteY0" fmla="*/ 704806 h 1463143"/>
+                <a:gd name="connsiteX1" fmla="*/ 81023 w 3900668"/>
+                <a:gd name="connsiteY1" fmla="*/ 704806 h 1463143"/>
+                <a:gd name="connsiteX2" fmla="*/ 434179 w 3900668"/>
+                <a:gd name="connsiteY2" fmla="*/ 553949 h 1463143"/>
+                <a:gd name="connsiteX3" fmla="*/ 704898 w 3900668"/>
+                <a:gd name="connsiteY3" fmla="*/ 11354 h 1463143"/>
+                <a:gd name="connsiteX4" fmla="*/ 789908 w 3900668"/>
+                <a:gd name="connsiteY4" fmla="*/ 1120080 h 1463143"/>
+                <a:gd name="connsiteX5" fmla="*/ 925975 w 3900668"/>
+                <a:gd name="connsiteY5" fmla="*/ 956748 h 1463143"/>
+                <a:gd name="connsiteX6" fmla="*/ 1205182 w 3900668"/>
+                <a:gd name="connsiteY6" fmla="*/ 964722 h 1463143"/>
+                <a:gd name="connsiteX7" fmla="*/ 1377387 w 3900668"/>
+                <a:gd name="connsiteY7" fmla="*/ 820039 h 1463143"/>
+                <a:gd name="connsiteX8" fmla="*/ 1597306 w 3900668"/>
+                <a:gd name="connsiteY8" fmla="*/ 703777 h 1463143"/>
+                <a:gd name="connsiteX9" fmla="*/ 1875099 w 3900668"/>
+                <a:gd name="connsiteY9" fmla="*/ 1457161 h 1463143"/>
+                <a:gd name="connsiteX10" fmla="*/ 2164466 w 3900668"/>
+                <a:gd name="connsiteY10" fmla="*/ 230244 h 1463143"/>
+                <a:gd name="connsiteX11" fmla="*/ 2291787 w 3900668"/>
+                <a:gd name="connsiteY11" fmla="*/ 994173 h 1463143"/>
+                <a:gd name="connsiteX12" fmla="*/ 2569580 w 3900668"/>
+                <a:gd name="connsiteY12" fmla="*/ 693232 h 1463143"/>
+                <a:gd name="connsiteX13" fmla="*/ 2812648 w 3900668"/>
+                <a:gd name="connsiteY13" fmla="*/ 1364563 h 1463143"/>
+                <a:gd name="connsiteX14" fmla="*/ 2916820 w 3900668"/>
+                <a:gd name="connsiteY14" fmla="*/ 1098345 h 1463143"/>
+                <a:gd name="connsiteX15" fmla="*/ 3074622 w 3900668"/>
+                <a:gd name="connsiteY15" fmla="*/ 1174610 h 1463143"/>
+                <a:gd name="connsiteX16" fmla="*/ 3368233 w 3900668"/>
+                <a:gd name="connsiteY16" fmla="*/ 751105 h 1463143"/>
+                <a:gd name="connsiteX17" fmla="*/ 3515874 w 3900668"/>
+                <a:gd name="connsiteY17" fmla="*/ 375828 h 1463143"/>
+                <a:gd name="connsiteX18" fmla="*/ 3722547 w 3900668"/>
+                <a:gd name="connsiteY18" fmla="*/ 1147859 h 1463143"/>
+                <a:gd name="connsiteX19" fmla="*/ 3900668 w 3900668"/>
+                <a:gd name="connsiteY19" fmla="*/ 1040472 h 1463143"/>
+                <a:gd name="connsiteX0" fmla="*/ 0 w 3900668"/>
+                <a:gd name="connsiteY0" fmla="*/ 704806 h 1463143"/>
+                <a:gd name="connsiteX1" fmla="*/ 81023 w 3900668"/>
+                <a:gd name="connsiteY1" fmla="*/ 704806 h 1463143"/>
+                <a:gd name="connsiteX2" fmla="*/ 434179 w 3900668"/>
+                <a:gd name="connsiteY2" fmla="*/ 553949 h 1463143"/>
+                <a:gd name="connsiteX3" fmla="*/ 704898 w 3900668"/>
+                <a:gd name="connsiteY3" fmla="*/ 11354 h 1463143"/>
+                <a:gd name="connsiteX4" fmla="*/ 789908 w 3900668"/>
+                <a:gd name="connsiteY4" fmla="*/ 1120080 h 1463143"/>
+                <a:gd name="connsiteX5" fmla="*/ 925975 w 3900668"/>
+                <a:gd name="connsiteY5" fmla="*/ 956748 h 1463143"/>
+                <a:gd name="connsiteX6" fmla="*/ 1205182 w 3900668"/>
+                <a:gd name="connsiteY6" fmla="*/ 964722 h 1463143"/>
+                <a:gd name="connsiteX7" fmla="*/ 1377387 w 3900668"/>
+                <a:gd name="connsiteY7" fmla="*/ 820039 h 1463143"/>
+                <a:gd name="connsiteX8" fmla="*/ 1597306 w 3900668"/>
+                <a:gd name="connsiteY8" fmla="*/ 703777 h 1463143"/>
+                <a:gd name="connsiteX9" fmla="*/ 1875099 w 3900668"/>
+                <a:gd name="connsiteY9" fmla="*/ 1457161 h 1463143"/>
+                <a:gd name="connsiteX10" fmla="*/ 2164466 w 3900668"/>
+                <a:gd name="connsiteY10" fmla="*/ 230244 h 1463143"/>
+                <a:gd name="connsiteX11" fmla="*/ 2291787 w 3900668"/>
+                <a:gd name="connsiteY11" fmla="*/ 994173 h 1463143"/>
+                <a:gd name="connsiteX12" fmla="*/ 2569580 w 3900668"/>
+                <a:gd name="connsiteY12" fmla="*/ 916752 h 1463143"/>
+                <a:gd name="connsiteX13" fmla="*/ 2812648 w 3900668"/>
+                <a:gd name="connsiteY13" fmla="*/ 1364563 h 1463143"/>
+                <a:gd name="connsiteX14" fmla="*/ 2916820 w 3900668"/>
+                <a:gd name="connsiteY14" fmla="*/ 1098345 h 1463143"/>
+                <a:gd name="connsiteX15" fmla="*/ 3074622 w 3900668"/>
+                <a:gd name="connsiteY15" fmla="*/ 1174610 h 1463143"/>
+                <a:gd name="connsiteX16" fmla="*/ 3368233 w 3900668"/>
+                <a:gd name="connsiteY16" fmla="*/ 751105 h 1463143"/>
+                <a:gd name="connsiteX17" fmla="*/ 3515874 w 3900668"/>
+                <a:gd name="connsiteY17" fmla="*/ 375828 h 1463143"/>
+                <a:gd name="connsiteX18" fmla="*/ 3722547 w 3900668"/>
+                <a:gd name="connsiteY18" fmla="*/ 1147859 h 1463143"/>
+                <a:gd name="connsiteX19" fmla="*/ 3900668 w 3900668"/>
+                <a:gd name="connsiteY19" fmla="*/ 1040472 h 1463143"/>
+                <a:gd name="connsiteX0" fmla="*/ 0 w 3900668"/>
+                <a:gd name="connsiteY0" fmla="*/ 704806 h 1463143"/>
+                <a:gd name="connsiteX1" fmla="*/ 81023 w 3900668"/>
+                <a:gd name="connsiteY1" fmla="*/ 704806 h 1463143"/>
+                <a:gd name="connsiteX2" fmla="*/ 434179 w 3900668"/>
+                <a:gd name="connsiteY2" fmla="*/ 553949 h 1463143"/>
+                <a:gd name="connsiteX3" fmla="*/ 704898 w 3900668"/>
+                <a:gd name="connsiteY3" fmla="*/ 11354 h 1463143"/>
+                <a:gd name="connsiteX4" fmla="*/ 789908 w 3900668"/>
+                <a:gd name="connsiteY4" fmla="*/ 1120080 h 1463143"/>
+                <a:gd name="connsiteX5" fmla="*/ 925975 w 3900668"/>
+                <a:gd name="connsiteY5" fmla="*/ 956748 h 1463143"/>
+                <a:gd name="connsiteX6" fmla="*/ 1205182 w 3900668"/>
+                <a:gd name="connsiteY6" fmla="*/ 964722 h 1463143"/>
+                <a:gd name="connsiteX7" fmla="*/ 1377387 w 3900668"/>
+                <a:gd name="connsiteY7" fmla="*/ 820039 h 1463143"/>
+                <a:gd name="connsiteX8" fmla="*/ 1597306 w 3900668"/>
+                <a:gd name="connsiteY8" fmla="*/ 703777 h 1463143"/>
+                <a:gd name="connsiteX9" fmla="*/ 1875099 w 3900668"/>
+                <a:gd name="connsiteY9" fmla="*/ 1457161 h 1463143"/>
+                <a:gd name="connsiteX10" fmla="*/ 2164466 w 3900668"/>
+                <a:gd name="connsiteY10" fmla="*/ 230244 h 1463143"/>
+                <a:gd name="connsiteX11" fmla="*/ 2383227 w 3900668"/>
+                <a:gd name="connsiteY11" fmla="*/ 719853 h 1463143"/>
+                <a:gd name="connsiteX12" fmla="*/ 2569580 w 3900668"/>
+                <a:gd name="connsiteY12" fmla="*/ 916752 h 1463143"/>
+                <a:gd name="connsiteX13" fmla="*/ 2812648 w 3900668"/>
+                <a:gd name="connsiteY13" fmla="*/ 1364563 h 1463143"/>
+                <a:gd name="connsiteX14" fmla="*/ 2916820 w 3900668"/>
+                <a:gd name="connsiteY14" fmla="*/ 1098345 h 1463143"/>
+                <a:gd name="connsiteX15" fmla="*/ 3074622 w 3900668"/>
+                <a:gd name="connsiteY15" fmla="*/ 1174610 h 1463143"/>
+                <a:gd name="connsiteX16" fmla="*/ 3368233 w 3900668"/>
+                <a:gd name="connsiteY16" fmla="*/ 751105 h 1463143"/>
+                <a:gd name="connsiteX17" fmla="*/ 3515874 w 3900668"/>
+                <a:gd name="connsiteY17" fmla="*/ 375828 h 1463143"/>
+                <a:gd name="connsiteX18" fmla="*/ 3722547 w 3900668"/>
+                <a:gd name="connsiteY18" fmla="*/ 1147859 h 1463143"/>
+                <a:gd name="connsiteX19" fmla="*/ 3900668 w 3900668"/>
+                <a:gd name="connsiteY19" fmla="*/ 1040472 h 1463143"/>
+                <a:gd name="connsiteX0" fmla="*/ 0 w 3900668"/>
+                <a:gd name="connsiteY0" fmla="*/ 704806 h 1463143"/>
+                <a:gd name="connsiteX1" fmla="*/ 81023 w 3900668"/>
+                <a:gd name="connsiteY1" fmla="*/ 704806 h 1463143"/>
+                <a:gd name="connsiteX2" fmla="*/ 434179 w 3900668"/>
+                <a:gd name="connsiteY2" fmla="*/ 553949 h 1463143"/>
+                <a:gd name="connsiteX3" fmla="*/ 704898 w 3900668"/>
+                <a:gd name="connsiteY3" fmla="*/ 11354 h 1463143"/>
+                <a:gd name="connsiteX4" fmla="*/ 789908 w 3900668"/>
+                <a:gd name="connsiteY4" fmla="*/ 1120080 h 1463143"/>
+                <a:gd name="connsiteX5" fmla="*/ 925975 w 3900668"/>
+                <a:gd name="connsiteY5" fmla="*/ 956748 h 1463143"/>
+                <a:gd name="connsiteX6" fmla="*/ 1205182 w 3900668"/>
+                <a:gd name="connsiteY6" fmla="*/ 964722 h 1463143"/>
+                <a:gd name="connsiteX7" fmla="*/ 1377387 w 3900668"/>
+                <a:gd name="connsiteY7" fmla="*/ 820039 h 1463143"/>
+                <a:gd name="connsiteX8" fmla="*/ 1597306 w 3900668"/>
+                <a:gd name="connsiteY8" fmla="*/ 703777 h 1463143"/>
+                <a:gd name="connsiteX9" fmla="*/ 1875099 w 3900668"/>
+                <a:gd name="connsiteY9" fmla="*/ 1457161 h 1463143"/>
+                <a:gd name="connsiteX10" fmla="*/ 2164466 w 3900668"/>
+                <a:gd name="connsiteY10" fmla="*/ 230244 h 1463143"/>
+                <a:gd name="connsiteX11" fmla="*/ 2383227 w 3900668"/>
+                <a:gd name="connsiteY11" fmla="*/ 719853 h 1463143"/>
+                <a:gd name="connsiteX12" fmla="*/ 2549260 w 3900668"/>
+                <a:gd name="connsiteY12" fmla="*/ 1180912 h 1463143"/>
+                <a:gd name="connsiteX13" fmla="*/ 2812648 w 3900668"/>
+                <a:gd name="connsiteY13" fmla="*/ 1364563 h 1463143"/>
+                <a:gd name="connsiteX14" fmla="*/ 2916820 w 3900668"/>
+                <a:gd name="connsiteY14" fmla="*/ 1098345 h 1463143"/>
+                <a:gd name="connsiteX15" fmla="*/ 3074622 w 3900668"/>
+                <a:gd name="connsiteY15" fmla="*/ 1174610 h 1463143"/>
+                <a:gd name="connsiteX16" fmla="*/ 3368233 w 3900668"/>
+                <a:gd name="connsiteY16" fmla="*/ 751105 h 1463143"/>
+                <a:gd name="connsiteX17" fmla="*/ 3515874 w 3900668"/>
+                <a:gd name="connsiteY17" fmla="*/ 375828 h 1463143"/>
+                <a:gd name="connsiteX18" fmla="*/ 3722547 w 3900668"/>
+                <a:gd name="connsiteY18" fmla="*/ 1147859 h 1463143"/>
+                <a:gd name="connsiteX19" fmla="*/ 3900668 w 3900668"/>
+                <a:gd name="connsiteY19" fmla="*/ 1040472 h 1463143"/>
+                <a:gd name="connsiteX0" fmla="*/ 0 w 3900668"/>
+                <a:gd name="connsiteY0" fmla="*/ 704806 h 1463143"/>
+                <a:gd name="connsiteX1" fmla="*/ 81023 w 3900668"/>
+                <a:gd name="connsiteY1" fmla="*/ 704806 h 1463143"/>
+                <a:gd name="connsiteX2" fmla="*/ 434179 w 3900668"/>
+                <a:gd name="connsiteY2" fmla="*/ 553949 h 1463143"/>
+                <a:gd name="connsiteX3" fmla="*/ 704898 w 3900668"/>
+                <a:gd name="connsiteY3" fmla="*/ 11354 h 1463143"/>
+                <a:gd name="connsiteX4" fmla="*/ 789908 w 3900668"/>
+                <a:gd name="connsiteY4" fmla="*/ 1120080 h 1463143"/>
+                <a:gd name="connsiteX5" fmla="*/ 925975 w 3900668"/>
+                <a:gd name="connsiteY5" fmla="*/ 956748 h 1463143"/>
+                <a:gd name="connsiteX6" fmla="*/ 1205182 w 3900668"/>
+                <a:gd name="connsiteY6" fmla="*/ 964722 h 1463143"/>
+                <a:gd name="connsiteX7" fmla="*/ 1377387 w 3900668"/>
+                <a:gd name="connsiteY7" fmla="*/ 820039 h 1463143"/>
+                <a:gd name="connsiteX8" fmla="*/ 1597306 w 3900668"/>
+                <a:gd name="connsiteY8" fmla="*/ 703777 h 1463143"/>
+                <a:gd name="connsiteX9" fmla="*/ 1875099 w 3900668"/>
+                <a:gd name="connsiteY9" fmla="*/ 1457161 h 1463143"/>
+                <a:gd name="connsiteX10" fmla="*/ 2164466 w 3900668"/>
+                <a:gd name="connsiteY10" fmla="*/ 230244 h 1463143"/>
+                <a:gd name="connsiteX11" fmla="*/ 2383227 w 3900668"/>
+                <a:gd name="connsiteY11" fmla="*/ 719853 h 1463143"/>
+                <a:gd name="connsiteX12" fmla="*/ 2549260 w 3900668"/>
+                <a:gd name="connsiteY12" fmla="*/ 1180912 h 1463143"/>
+                <a:gd name="connsiteX13" fmla="*/ 2772008 w 3900668"/>
+                <a:gd name="connsiteY13" fmla="*/ 876883 h 1463143"/>
+                <a:gd name="connsiteX14" fmla="*/ 2916820 w 3900668"/>
+                <a:gd name="connsiteY14" fmla="*/ 1098345 h 1463143"/>
+                <a:gd name="connsiteX15" fmla="*/ 3074622 w 3900668"/>
+                <a:gd name="connsiteY15" fmla="*/ 1174610 h 1463143"/>
+                <a:gd name="connsiteX16" fmla="*/ 3368233 w 3900668"/>
+                <a:gd name="connsiteY16" fmla="*/ 751105 h 1463143"/>
+                <a:gd name="connsiteX17" fmla="*/ 3515874 w 3900668"/>
+                <a:gd name="connsiteY17" fmla="*/ 375828 h 1463143"/>
+                <a:gd name="connsiteX18" fmla="*/ 3722547 w 3900668"/>
+                <a:gd name="connsiteY18" fmla="*/ 1147859 h 1463143"/>
+                <a:gd name="connsiteX19" fmla="*/ 3900668 w 3900668"/>
+                <a:gd name="connsiteY19" fmla="*/ 1040472 h 1463143"/>
+                <a:gd name="connsiteX0" fmla="*/ 0 w 3900668"/>
+                <a:gd name="connsiteY0" fmla="*/ 704806 h 1463143"/>
+                <a:gd name="connsiteX1" fmla="*/ 81023 w 3900668"/>
+                <a:gd name="connsiteY1" fmla="*/ 704806 h 1463143"/>
+                <a:gd name="connsiteX2" fmla="*/ 434179 w 3900668"/>
+                <a:gd name="connsiteY2" fmla="*/ 553949 h 1463143"/>
+                <a:gd name="connsiteX3" fmla="*/ 704898 w 3900668"/>
+                <a:gd name="connsiteY3" fmla="*/ 11354 h 1463143"/>
+                <a:gd name="connsiteX4" fmla="*/ 789908 w 3900668"/>
+                <a:gd name="connsiteY4" fmla="*/ 1120080 h 1463143"/>
+                <a:gd name="connsiteX5" fmla="*/ 925975 w 3900668"/>
+                <a:gd name="connsiteY5" fmla="*/ 956748 h 1463143"/>
+                <a:gd name="connsiteX6" fmla="*/ 1205182 w 3900668"/>
+                <a:gd name="connsiteY6" fmla="*/ 964722 h 1463143"/>
+                <a:gd name="connsiteX7" fmla="*/ 1377387 w 3900668"/>
+                <a:gd name="connsiteY7" fmla="*/ 820039 h 1463143"/>
+                <a:gd name="connsiteX8" fmla="*/ 1597306 w 3900668"/>
+                <a:gd name="connsiteY8" fmla="*/ 703777 h 1463143"/>
+                <a:gd name="connsiteX9" fmla="*/ 1875099 w 3900668"/>
+                <a:gd name="connsiteY9" fmla="*/ 1457161 h 1463143"/>
+                <a:gd name="connsiteX10" fmla="*/ 2164466 w 3900668"/>
+                <a:gd name="connsiteY10" fmla="*/ 230244 h 1463143"/>
+                <a:gd name="connsiteX11" fmla="*/ 2383227 w 3900668"/>
+                <a:gd name="connsiteY11" fmla="*/ 719853 h 1463143"/>
+                <a:gd name="connsiteX12" fmla="*/ 2549260 w 3900668"/>
+                <a:gd name="connsiteY12" fmla="*/ 1180912 h 1463143"/>
+                <a:gd name="connsiteX13" fmla="*/ 2772008 w 3900668"/>
+                <a:gd name="connsiteY13" fmla="*/ 876883 h 1463143"/>
+                <a:gd name="connsiteX14" fmla="*/ 2916820 w 3900668"/>
+                <a:gd name="connsiteY14" fmla="*/ 1098345 h 1463143"/>
+                <a:gd name="connsiteX15" fmla="*/ 3094942 w 3900668"/>
+                <a:gd name="connsiteY15" fmla="*/ 991730 h 1463143"/>
+                <a:gd name="connsiteX16" fmla="*/ 3368233 w 3900668"/>
+                <a:gd name="connsiteY16" fmla="*/ 751105 h 1463143"/>
+                <a:gd name="connsiteX17" fmla="*/ 3515874 w 3900668"/>
+                <a:gd name="connsiteY17" fmla="*/ 375828 h 1463143"/>
+                <a:gd name="connsiteX18" fmla="*/ 3722547 w 3900668"/>
+                <a:gd name="connsiteY18" fmla="*/ 1147859 h 1463143"/>
+                <a:gd name="connsiteX19" fmla="*/ 3900668 w 3900668"/>
+                <a:gd name="connsiteY19" fmla="*/ 1040472 h 1463143"/>
+                <a:gd name="connsiteX0" fmla="*/ 0 w 3900668"/>
+                <a:gd name="connsiteY0" fmla="*/ 704806 h 1463143"/>
+                <a:gd name="connsiteX1" fmla="*/ 81023 w 3900668"/>
+                <a:gd name="connsiteY1" fmla="*/ 704806 h 1463143"/>
+                <a:gd name="connsiteX2" fmla="*/ 434179 w 3900668"/>
+                <a:gd name="connsiteY2" fmla="*/ 553949 h 1463143"/>
+                <a:gd name="connsiteX3" fmla="*/ 704898 w 3900668"/>
+                <a:gd name="connsiteY3" fmla="*/ 11354 h 1463143"/>
+                <a:gd name="connsiteX4" fmla="*/ 789908 w 3900668"/>
+                <a:gd name="connsiteY4" fmla="*/ 1120080 h 1463143"/>
+                <a:gd name="connsiteX5" fmla="*/ 925975 w 3900668"/>
+                <a:gd name="connsiteY5" fmla="*/ 956748 h 1463143"/>
+                <a:gd name="connsiteX6" fmla="*/ 1205182 w 3900668"/>
+                <a:gd name="connsiteY6" fmla="*/ 964722 h 1463143"/>
+                <a:gd name="connsiteX7" fmla="*/ 1377387 w 3900668"/>
+                <a:gd name="connsiteY7" fmla="*/ 820039 h 1463143"/>
+                <a:gd name="connsiteX8" fmla="*/ 1597306 w 3900668"/>
+                <a:gd name="connsiteY8" fmla="*/ 703777 h 1463143"/>
+                <a:gd name="connsiteX9" fmla="*/ 1875099 w 3900668"/>
+                <a:gd name="connsiteY9" fmla="*/ 1457161 h 1463143"/>
+                <a:gd name="connsiteX10" fmla="*/ 2164466 w 3900668"/>
+                <a:gd name="connsiteY10" fmla="*/ 230244 h 1463143"/>
+                <a:gd name="connsiteX11" fmla="*/ 2383227 w 3900668"/>
+                <a:gd name="connsiteY11" fmla="*/ 719853 h 1463143"/>
+                <a:gd name="connsiteX12" fmla="*/ 2549260 w 3900668"/>
+                <a:gd name="connsiteY12" fmla="*/ 1180912 h 1463143"/>
+                <a:gd name="connsiteX13" fmla="*/ 2772008 w 3900668"/>
+                <a:gd name="connsiteY13" fmla="*/ 876883 h 1463143"/>
+                <a:gd name="connsiteX14" fmla="*/ 2916820 w 3900668"/>
+                <a:gd name="connsiteY14" fmla="*/ 1098345 h 1463143"/>
+                <a:gd name="connsiteX15" fmla="*/ 3094942 w 3900668"/>
+                <a:gd name="connsiteY15" fmla="*/ 991730 h 1463143"/>
+                <a:gd name="connsiteX16" fmla="*/ 3368233 w 3900668"/>
+                <a:gd name="connsiteY16" fmla="*/ 1005105 h 1463143"/>
+                <a:gd name="connsiteX17" fmla="*/ 3515874 w 3900668"/>
+                <a:gd name="connsiteY17" fmla="*/ 375828 h 1463143"/>
+                <a:gd name="connsiteX18" fmla="*/ 3722547 w 3900668"/>
+                <a:gd name="connsiteY18" fmla="*/ 1147859 h 1463143"/>
+                <a:gd name="connsiteX19" fmla="*/ 3900668 w 3900668"/>
+                <a:gd name="connsiteY19" fmla="*/ 1040472 h 1463143"/>
+                <a:gd name="connsiteX0" fmla="*/ 0 w 3900668"/>
+                <a:gd name="connsiteY0" fmla="*/ 704806 h 1463143"/>
+                <a:gd name="connsiteX1" fmla="*/ 81023 w 3900668"/>
+                <a:gd name="connsiteY1" fmla="*/ 704806 h 1463143"/>
+                <a:gd name="connsiteX2" fmla="*/ 434179 w 3900668"/>
+                <a:gd name="connsiteY2" fmla="*/ 553949 h 1463143"/>
+                <a:gd name="connsiteX3" fmla="*/ 704898 w 3900668"/>
+                <a:gd name="connsiteY3" fmla="*/ 11354 h 1463143"/>
+                <a:gd name="connsiteX4" fmla="*/ 789908 w 3900668"/>
+                <a:gd name="connsiteY4" fmla="*/ 1120080 h 1463143"/>
+                <a:gd name="connsiteX5" fmla="*/ 997095 w 3900668"/>
+                <a:gd name="connsiteY5" fmla="*/ 723068 h 1463143"/>
+                <a:gd name="connsiteX6" fmla="*/ 1205182 w 3900668"/>
+                <a:gd name="connsiteY6" fmla="*/ 964722 h 1463143"/>
+                <a:gd name="connsiteX7" fmla="*/ 1377387 w 3900668"/>
+                <a:gd name="connsiteY7" fmla="*/ 820039 h 1463143"/>
+                <a:gd name="connsiteX8" fmla="*/ 1597306 w 3900668"/>
+                <a:gd name="connsiteY8" fmla="*/ 703777 h 1463143"/>
+                <a:gd name="connsiteX9" fmla="*/ 1875099 w 3900668"/>
+                <a:gd name="connsiteY9" fmla="*/ 1457161 h 1463143"/>
+                <a:gd name="connsiteX10" fmla="*/ 2164466 w 3900668"/>
+                <a:gd name="connsiteY10" fmla="*/ 230244 h 1463143"/>
+                <a:gd name="connsiteX11" fmla="*/ 2383227 w 3900668"/>
+                <a:gd name="connsiteY11" fmla="*/ 719853 h 1463143"/>
+                <a:gd name="connsiteX12" fmla="*/ 2549260 w 3900668"/>
+                <a:gd name="connsiteY12" fmla="*/ 1180912 h 1463143"/>
+                <a:gd name="connsiteX13" fmla="*/ 2772008 w 3900668"/>
+                <a:gd name="connsiteY13" fmla="*/ 876883 h 1463143"/>
+                <a:gd name="connsiteX14" fmla="*/ 2916820 w 3900668"/>
+                <a:gd name="connsiteY14" fmla="*/ 1098345 h 1463143"/>
+                <a:gd name="connsiteX15" fmla="*/ 3094942 w 3900668"/>
+                <a:gd name="connsiteY15" fmla="*/ 991730 h 1463143"/>
+                <a:gd name="connsiteX16" fmla="*/ 3368233 w 3900668"/>
+                <a:gd name="connsiteY16" fmla="*/ 1005105 h 1463143"/>
+                <a:gd name="connsiteX17" fmla="*/ 3515874 w 3900668"/>
+                <a:gd name="connsiteY17" fmla="*/ 375828 h 1463143"/>
+                <a:gd name="connsiteX18" fmla="*/ 3722547 w 3900668"/>
+                <a:gd name="connsiteY18" fmla="*/ 1147859 h 1463143"/>
+                <a:gd name="connsiteX19" fmla="*/ 3900668 w 3900668"/>
+                <a:gd name="connsiteY19" fmla="*/ 1040472 h 1463143"/>
+              </a:gdLst>
+              <a:ahLst/>
+              <a:cxnLst>
+                <a:cxn ang="0">
+                  <a:pos x="connsiteX0" y="connsiteY0"/>
+                </a:cxn>
+                <a:cxn ang="0">
+                  <a:pos x="connsiteX1" y="connsiteY1"/>
+                </a:cxn>
+                <a:cxn ang="0">
+                  <a:pos x="connsiteX2" y="connsiteY2"/>
+                </a:cxn>
+                <a:cxn ang="0">
+                  <a:pos x="connsiteX3" y="connsiteY3"/>
+                </a:cxn>
+                <a:cxn ang="0">
+                  <a:pos x="connsiteX4" y="connsiteY4"/>
+                </a:cxn>
+                <a:cxn ang="0">
+                  <a:pos x="connsiteX5" y="connsiteY5"/>
+                </a:cxn>
+                <a:cxn ang="0">
+                  <a:pos x="connsiteX6" y="connsiteY6"/>
+                </a:cxn>
+                <a:cxn ang="0">
+                  <a:pos x="connsiteX7" y="connsiteY7"/>
+                </a:cxn>
+                <a:cxn ang="0">
+                  <a:pos x="connsiteX8" y="connsiteY8"/>
+                </a:cxn>
+                <a:cxn ang="0">
+                  <a:pos x="connsiteX9" y="connsiteY9"/>
+                </a:cxn>
+                <a:cxn ang="0">
+                  <a:pos x="connsiteX10" y="connsiteY10"/>
+                </a:cxn>
+                <a:cxn ang="0">
+                  <a:pos x="connsiteX11" y="connsiteY11"/>
+                </a:cxn>
+                <a:cxn ang="0">
+                  <a:pos x="connsiteX12" y="connsiteY12"/>
+                </a:cxn>
+                <a:cxn ang="0">
+                  <a:pos x="connsiteX13" y="connsiteY13"/>
+                </a:cxn>
+                <a:cxn ang="0">
+                  <a:pos x="connsiteX14" y="connsiteY14"/>
+                </a:cxn>
+                <a:cxn ang="0">
+                  <a:pos x="connsiteX15" y="connsiteY15"/>
+                </a:cxn>
+                <a:cxn ang="0">
+                  <a:pos x="connsiteX16" y="connsiteY16"/>
+                </a:cxn>
+                <a:cxn ang="0">
+                  <a:pos x="connsiteX17" y="connsiteY17"/>
+                </a:cxn>
+                <a:cxn ang="0">
+                  <a:pos x="connsiteX18" y="connsiteY18"/>
+                </a:cxn>
+                <a:cxn ang="0">
+                  <a:pos x="connsiteX19" y="connsiteY19"/>
+                </a:cxn>
+              </a:cxnLst>
+              <a:rect l="l" t="t" r="r" b="b"/>
+              <a:pathLst>
+                <a:path w="3900668" h="1463143">
+                  <a:moveTo>
+                    <a:pt x="0" y="704806"/>
+                  </a:moveTo>
+                  <a:cubicBezTo>
+                    <a:pt x="7716" y="745317"/>
+                    <a:pt x="8660" y="729949"/>
+                    <a:pt x="81023" y="704806"/>
+                  </a:cubicBezTo>
+                  <a:cubicBezTo>
+                    <a:pt x="153386" y="679663"/>
+                    <a:pt x="330200" y="669524"/>
+                    <a:pt x="434179" y="553949"/>
+                  </a:cubicBezTo>
+                  <a:cubicBezTo>
+                    <a:pt x="538158" y="438374"/>
+                    <a:pt x="645610" y="-83001"/>
+                    <a:pt x="704898" y="11354"/>
+                  </a:cubicBezTo>
+                  <a:cubicBezTo>
+                    <a:pt x="764186" y="105709"/>
+                    <a:pt x="741209" y="1001461"/>
+                    <a:pt x="789908" y="1120080"/>
+                  </a:cubicBezTo>
+                  <a:cubicBezTo>
+                    <a:pt x="838607" y="1238699"/>
+                    <a:pt x="927883" y="748961"/>
+                    <a:pt x="997095" y="723068"/>
+                  </a:cubicBezTo>
+                  <a:cubicBezTo>
+                    <a:pt x="1066307" y="697175"/>
+                    <a:pt x="1141800" y="948560"/>
+                    <a:pt x="1205182" y="964722"/>
+                  </a:cubicBezTo>
+                  <a:cubicBezTo>
+                    <a:pt x="1268564" y="980884"/>
+                    <a:pt x="1312033" y="863530"/>
+                    <a:pt x="1377387" y="820039"/>
+                  </a:cubicBezTo>
+                  <a:cubicBezTo>
+                    <a:pt x="1442741" y="776548"/>
+                    <a:pt x="1514354" y="597590"/>
+                    <a:pt x="1597306" y="703777"/>
+                  </a:cubicBezTo>
+                  <a:cubicBezTo>
+                    <a:pt x="1680258" y="809964"/>
+                    <a:pt x="1780572" y="1536083"/>
+                    <a:pt x="1875099" y="1457161"/>
+                  </a:cubicBezTo>
+                  <a:cubicBezTo>
+                    <a:pt x="1969626" y="1378239"/>
+                    <a:pt x="2079778" y="353129"/>
+                    <a:pt x="2164466" y="230244"/>
+                  </a:cubicBezTo>
+                  <a:cubicBezTo>
+                    <a:pt x="2249154" y="107359"/>
+                    <a:pt x="2319095" y="561409"/>
+                    <a:pt x="2383227" y="719853"/>
+                  </a:cubicBezTo>
+                  <a:cubicBezTo>
+                    <a:pt x="2447359" y="878297"/>
+                    <a:pt x="2484463" y="1154740"/>
+                    <a:pt x="2549260" y="1180912"/>
+                  </a:cubicBezTo>
+                  <a:cubicBezTo>
+                    <a:pt x="2614057" y="1207084"/>
+                    <a:pt x="2710748" y="890644"/>
+                    <a:pt x="2772008" y="876883"/>
+                  </a:cubicBezTo>
+                  <a:cubicBezTo>
+                    <a:pt x="2833268" y="863122"/>
+                    <a:pt x="2862998" y="1079204"/>
+                    <a:pt x="2916820" y="1098345"/>
+                  </a:cubicBezTo>
+                  <a:cubicBezTo>
+                    <a:pt x="2970642" y="1117486"/>
+                    <a:pt x="3019707" y="1007270"/>
+                    <a:pt x="3094942" y="991730"/>
+                  </a:cubicBezTo>
+                  <a:cubicBezTo>
+                    <a:pt x="3170178" y="976190"/>
+                    <a:pt x="3298078" y="1107755"/>
+                    <a:pt x="3368233" y="1005105"/>
+                  </a:cubicBezTo>
+                  <a:cubicBezTo>
+                    <a:pt x="3438388" y="902455"/>
+                    <a:pt x="3456822" y="352036"/>
+                    <a:pt x="3515874" y="375828"/>
+                  </a:cubicBezTo>
+                  <a:cubicBezTo>
+                    <a:pt x="3574926" y="399620"/>
+                    <a:pt x="3658415" y="1037085"/>
+                    <a:pt x="3722547" y="1147859"/>
+                  </a:cubicBezTo>
+                  <a:cubicBezTo>
+                    <a:pt x="3786679" y="1258633"/>
+                    <a:pt x="3870767" y="817659"/>
+                    <a:pt x="3900668" y="1040472"/>
+                  </a:cubicBezTo>
+                </a:path>
+              </a:pathLst>
+            </a:custGeom>
+            <a:noFill/>
+            <a:ln w="31750">
+              <a:solidFill>
+                <a:srgbClr val="21C5FF"/>
+              </a:solidFill>
+            </a:ln>
+          </p:spPr>
+          <p:style>
+            <a:lnRef idx="2">
+              <a:schemeClr val="accent1">
+                <a:shade val="50000"/>
+              </a:schemeClr>
+            </a:lnRef>
+            <a:fillRef idx="1">
+              <a:schemeClr val="accent1"/>
+            </a:fillRef>
+            <a:effectRef idx="0">
+              <a:schemeClr val="accent1"/>
+            </a:effectRef>
+            <a:fontRef idx="minor">
+              <a:schemeClr val="lt1"/>
+            </a:fontRef>
+          </p:style>
+          <p:txBody>
+            <a:bodyPr rtlCol="0" anchor="ctr"/>
+            <a:lstStyle/>
+            <a:p>
+              <a:pPr algn="ctr"/>
+              <a:endParaRPr lang="zh-TW" altLang="en-US"/>
+            </a:p>
+          </p:txBody>
+        </p:sp>
+        <p:sp>
+          <p:nvSpPr>
+            <p:cNvPr id="104" name="圓角矩形 103"/>
+            <p:cNvSpPr/>
+            <p:nvPr/>
+          </p:nvSpPr>
+          <p:spPr>
+            <a:xfrm rot="5400000">
+              <a:off x="7245375" y="7779508"/>
+              <a:ext cx="4050648" cy="1448794"/>
+            </a:xfrm>
+            <a:prstGeom prst="roundRect">
+              <a:avLst>
+                <a:gd name="adj" fmla="val 12899"/>
+              </a:avLst>
+            </a:prstGeom>
+            <a:solidFill>
+              <a:schemeClr val="accent4"/>
+            </a:solidFill>
+            <a:ln w="31750">
+              <a:solidFill>
+                <a:srgbClr val="FFEBCD"/>
+              </a:solidFill>
+            </a:ln>
+          </p:spPr>
+          <p:style>
+            <a:lnRef idx="2">
+              <a:schemeClr val="accent1">
+                <a:shade val="50000"/>
+              </a:schemeClr>
+            </a:lnRef>
+            <a:fillRef idx="1">
+              <a:schemeClr val="accent1"/>
+            </a:fillRef>
+            <a:effectRef idx="0">
+              <a:schemeClr val="accent1"/>
+            </a:effectRef>
+            <a:fontRef idx="minor">
+              <a:schemeClr val="lt1"/>
+            </a:fontRef>
+          </p:style>
+          <p:txBody>
+            <a:bodyPr rtlCol="0" anchor="ctr"/>
+            <a:lstStyle/>
+            <a:p>
+              <a:pPr algn="ctr"/>
+              <a:r>
+                <a:rPr lang="en-US" altLang="zh-TW" sz="3600" dirty="0" smtClean="0">
+                  <a:solidFill>
+                    <a:srgbClr val="282828"/>
+                  </a:solidFill>
+                  <a:latin typeface="SauceCodePro Nerd Font" panose="020B0509030403020204" pitchFamily="49" charset="0"/>
+                </a:rPr>
+                <a:t>Encoder</a:t>
+              </a:r>
+              <a:endParaRPr lang="zh-TW" altLang="en-US" sz="3600" dirty="0">
+                <a:solidFill>
+                  <a:srgbClr val="282828"/>
+                </a:solidFill>
+                <a:latin typeface="SauceCodePro Nerd Font" panose="020B0509030403020204" pitchFamily="49" charset="0"/>
+              </a:endParaRPr>
+            </a:p>
+          </p:txBody>
+        </p:sp>
+        <p:sp>
+          <p:nvSpPr>
+            <p:cNvPr id="116" name="圓角矩形 115"/>
+            <p:cNvSpPr/>
+            <p:nvPr/>
+          </p:nvSpPr>
+          <p:spPr>
+            <a:xfrm rot="5400000">
+              <a:off x="9201788" y="7797545"/>
+              <a:ext cx="3858366" cy="1399821"/>
+            </a:xfrm>
+            <a:prstGeom prst="roundRect">
+              <a:avLst>
+                <a:gd name="adj" fmla="val 12899"/>
+              </a:avLst>
+            </a:prstGeom>
+            <a:solidFill>
+              <a:srgbClr val="FF5B9D"/>
+            </a:solidFill>
+            <a:ln w="31750">
+              <a:solidFill>
+                <a:srgbClr val="FFEBCD"/>
+              </a:solidFill>
+              <a:prstDash val="solid"/>
+            </a:ln>
+          </p:spPr>
+          <p:style>
+            <a:lnRef idx="2">
+              <a:schemeClr val="accent1">
+                <a:shade val="50000"/>
+              </a:schemeClr>
+            </a:lnRef>
+            <a:fillRef idx="1">
+              <a:schemeClr val="accent1"/>
+            </a:fillRef>
+            <a:effectRef idx="0">
+              <a:schemeClr val="accent1"/>
+            </a:effectRef>
+            <a:fontRef idx="minor">
+              <a:schemeClr val="lt1"/>
+            </a:fontRef>
+          </p:style>
+          <p:txBody>
+            <a:bodyPr rtlCol="0" anchor="ctr"/>
+            <a:lstStyle/>
+            <a:p>
+              <a:pPr algn="ctr"/>
+              <a:r>
+                <a:rPr lang="en-US" altLang="zh-TW" sz="3600" dirty="0" smtClean="0">
+                  <a:solidFill>
+                    <a:schemeClr val="tx1"/>
+                  </a:solidFill>
+                  <a:latin typeface="SauceCodePro Nerd Font" panose="020B0509030403020204" pitchFamily="49" charset="0"/>
+                </a:rPr>
+                <a:t>Predict Net</a:t>
+              </a:r>
+              <a:endParaRPr lang="zh-TW" altLang="en-US" sz="3600" dirty="0">
+                <a:solidFill>
+                  <a:schemeClr val="tx1"/>
+                </a:solidFill>
+                <a:latin typeface="SauceCodePro Nerd Font" panose="020B0509030403020204" pitchFamily="49" charset="0"/>
+              </a:endParaRPr>
+            </a:p>
+          </p:txBody>
+        </p:sp>
+        <p:cxnSp>
+          <p:nvCxnSpPr>
+            <p:cNvPr id="135" name="直線單箭頭接點 26"/>
+            <p:cNvCxnSpPr>
+              <a:stCxn id="21" idx="0"/>
+            </p:cNvCxnSpPr>
+            <p:nvPr/>
+          </p:nvCxnSpPr>
+          <p:spPr>
+            <a:xfrm rot="5400000" flipV="1">
+              <a:off x="14057114" y="8155982"/>
+              <a:ext cx="0" cy="682948"/>
+            </a:xfrm>
+            <a:prstGeom prst="straightConnector1">
+              <a:avLst/>
+            </a:prstGeom>
+            <a:ln w="82550">
+              <a:solidFill>
+                <a:srgbClr val="FFEBCD"/>
+              </a:solidFill>
+              <a:tailEnd type="triangle"/>
+            </a:ln>
+          </p:spPr>
+          <p:style>
+            <a:lnRef idx="1">
+              <a:schemeClr val="accent1"/>
+            </a:lnRef>
+            <a:fillRef idx="0">
+              <a:schemeClr val="accent1"/>
+            </a:fillRef>
+            <a:effectRef idx="0">
+              <a:schemeClr val="accent1"/>
+            </a:effectRef>
+            <a:fontRef idx="minor">
+              <a:schemeClr val="tx1"/>
+            </a:fontRef>
+          </p:style>
+        </p:cxnSp>
+        <p:sp>
+          <p:nvSpPr>
+            <p:cNvPr id="21" name="圓角矩形 20"/>
+            <p:cNvSpPr/>
+            <p:nvPr/>
+          </p:nvSpPr>
+          <p:spPr>
+            <a:xfrm rot="5400000">
+              <a:off x="10965919" y="7773059"/>
+              <a:ext cx="4050648" cy="1448794"/>
+            </a:xfrm>
+            <a:prstGeom prst="roundRect">
+              <a:avLst>
+                <a:gd name="adj" fmla="val 12899"/>
+              </a:avLst>
+            </a:prstGeom>
+            <a:solidFill>
+              <a:srgbClr val="D8BEEC"/>
+            </a:solidFill>
+            <a:ln w="31750">
+              <a:solidFill>
+                <a:srgbClr val="FFEBCD"/>
+              </a:solidFill>
+            </a:ln>
+          </p:spPr>
+          <p:style>
+            <a:lnRef idx="2">
+              <a:schemeClr val="accent1">
+                <a:shade val="50000"/>
+              </a:schemeClr>
+            </a:lnRef>
+            <a:fillRef idx="1">
+              <a:schemeClr val="accent1"/>
+            </a:fillRef>
+            <a:effectRef idx="0">
+              <a:schemeClr val="accent1"/>
+            </a:effectRef>
+            <a:fontRef idx="minor">
+              <a:schemeClr val="lt1"/>
+            </a:fontRef>
+          </p:style>
+          <p:txBody>
+            <a:bodyPr rtlCol="0" anchor="ctr"/>
+            <a:lstStyle/>
+            <a:p>
+              <a:pPr algn="ctr"/>
+              <a:r>
+                <a:rPr lang="en-US" altLang="zh-TW" sz="3600" dirty="0" smtClean="0">
+                  <a:solidFill>
+                    <a:srgbClr val="282828"/>
+                  </a:solidFill>
+                  <a:latin typeface="SauceCodePro Nerd Font" panose="020B0509030403020204" pitchFamily="49" charset="0"/>
+                </a:rPr>
+                <a:t>Decoder</a:t>
+              </a:r>
+              <a:endParaRPr lang="zh-TW" altLang="en-US" sz="3600" dirty="0">
+                <a:solidFill>
+                  <a:srgbClr val="282828"/>
+                </a:solidFill>
+                <a:latin typeface="SauceCodePro Nerd Font" panose="020B0509030403020204" pitchFamily="49" charset="0"/>
+              </a:endParaRPr>
+            </a:p>
+          </p:txBody>
+        </p:sp>
+        <p:cxnSp>
+          <p:nvCxnSpPr>
+            <p:cNvPr id="22" name="直線單箭頭接點 26"/>
+            <p:cNvCxnSpPr>
+              <a:stCxn id="116" idx="0"/>
+              <a:endCxn id="21" idx="2"/>
+            </p:cNvCxnSpPr>
+            <p:nvPr/>
+          </p:nvCxnSpPr>
+          <p:spPr>
+            <a:xfrm rot="5400000" flipV="1">
+              <a:off x="12048864" y="8279474"/>
+              <a:ext cx="0" cy="435964"/>
+            </a:xfrm>
+            <a:prstGeom prst="straightConnector1">
+              <a:avLst/>
+            </a:prstGeom>
+            <a:ln w="82550">
+              <a:solidFill>
+                <a:srgbClr val="FFEBCD"/>
+              </a:solidFill>
+              <a:tailEnd type="triangle"/>
+            </a:ln>
+          </p:spPr>
+          <p:style>
+            <a:lnRef idx="1">
+              <a:schemeClr val="accent1"/>
+            </a:lnRef>
+            <a:fillRef idx="0">
+              <a:schemeClr val="accent1"/>
+            </a:fillRef>
+            <a:effectRef idx="0">
+              <a:schemeClr val="accent1"/>
+            </a:effectRef>
+            <a:fontRef idx="minor">
+              <a:schemeClr val="tx1"/>
+            </a:fontRef>
+          </p:style>
+        </p:cxnSp>
+      </p:grpSp>
+    </p:spTree>
+    <p:extLst>
+      <p:ext uri="{BB962C8B-B14F-4D97-AF65-F5344CB8AC3E}">
+        <p14:creationId xmlns:p14="http://schemas.microsoft.com/office/powerpoint/2010/main" val="609113187"/>
+      </p:ext>
+    </p:extLst>
+  </p:cSld>
+  <p:clrMapOvr>
+    <a:masterClrMapping/>
+  </p:clrMapOvr>
+  <p:timing>
+    <p:tnLst>
+      <p:par>
+        <p:cTn id="1" dur="indefinite" restart="never" nodeType="tmRoot"/>
+      </p:par>
+    </p:tnLst>
+  </p:timing>
 </p:sld>
 </file>
 
 <file path=ppt/theme/theme1.xml><?xml version="1.0" encoding="utf-8"?>
+<a:theme xmlns:a="http://schemas.openxmlformats.org/drawingml/2006/main" name="Office 佈景主題">
+  <a:themeElements>
+    <a:clrScheme name="Office 佈景主題">
+      <a:dk1>
+        <a:sysClr val="windowText" lastClr="000000"/>
+      </a:dk1>
+      <a:lt1>
+        <a:sysClr val="window" lastClr="FFFFFF"/>
+      </a:lt1>
+      <a:dk2>
+        <a:srgbClr val="44546A"/>
+      </a:dk2>
+      <a:lt2>
+        <a:srgbClr val="E7E6E6"/>
+      </a:lt2>
+      <a:accent1>
+        <a:srgbClr val="5B9BD5"/>
+      </a:accent1>
+      <a:accent2>
+        <a:srgbClr val="ED7D31"/>
+      </a:accent2>
+      <a:accent3>
+        <a:srgbClr val="A5A5A5"/>
+      </a:accent3>
+      <a:accent4>
+        <a:srgbClr val="FFC000"/>
+      </a:accent4>
+      <a:accent5>
+        <a:srgbClr val="4472C4"/>
+      </a:accent5>
+      <a:accent6>
+        <a:srgbClr val="70AD47"/>
+      </a:accent6>
+      <a:hlink>
+        <a:srgbClr val="0563C1"/>
+      </a:hlink>
+      <a:folHlink>
+        <a:srgbClr val="954F72"/>
+      </a:folHlink>
+    </a:clrScheme>
+    <a:fontScheme name="Office 佈景主題">
+      <a:majorFont>
+        <a:latin typeface="Calibri Light" panose="020F0302020204030204"/>
+        <a:ea typeface=""/>
+        <a:cs typeface=""/>
+        <a:font script="Jpan" typeface="ＭＳ Ｐゴシック"/>
+        <a:font script="Hang" typeface="맑은 고딕"/>
+        <a:font script="Hans" typeface="宋体"/>
+        <a:font script="Hant" typeface="新細明體"/>
+        <a:font script="Arab" typeface="Times New Roman"/>
+        <a:font script="Hebr" typeface="Times New Roman"/>
+        <a:font script="Thai" typeface="Angsana New"/>
+        <a:font script="Ethi" typeface="Nyala"/>
+        <a:font script="Beng" typeface="Vrinda"/>
+        <a:font script="Gujr" typeface="Shruti"/>
+        <a:font script="Khmr" typeface="MoolBoran"/>
+        <a:font script="Knda" typeface="Tunga"/>
+        <a:font script="Guru" typeface="Raavi"/>
+        <a:font script="Cans" typeface="Euphemia"/>
+        <a:font script="Cher" typeface="Plantagenet Cherokee"/>
+        <a:font script="Yiii" typeface="Microsoft Yi Baiti"/>
+        <a:font script="Tibt" typeface="Microsoft Himalaya"/>
+        <a:font script="Thaa" typeface="MV Boli"/>
+        <a:font script="Deva" typeface="Mangal"/>
+        <a:font script="Telu" typeface="Gautami"/>
+        <a:font script="Taml" typeface="Latha"/>
+        <a:font script="Syrc" typeface="Estrangelo Edessa"/>
+        <a:font script="Orya" typeface="Kalinga"/>
+        <a:font script="Mlym" typeface="Kartika"/>
+        <a:font script="Laoo" typeface="DokChampa"/>
+        <a:font script="Sinh" typeface="Iskoola Pota"/>
+        <a:font script="Mong" typeface="Mongolian Baiti"/>
+        <a:font script="Viet" typeface="Times New Roman"/>
+        <a:font script="Uigh" typeface="Microsoft Uighur"/>
+        <a:font script="Geor" typeface="Sylfaen"/>
+      </a:majorFont>
+      <a:minorFont>
+        <a:latin typeface="Calibri" panose="020F0502020204030204"/>
+        <a:ea typeface=""/>
+        <a:cs typeface=""/>
+        <a:font script="Jpan" typeface="ＭＳ Ｐゴシック"/>
+        <a:font script="Hang" typeface="맑은 고딕"/>
+        <a:font script="Hans" typeface="宋体"/>
+        <a:font script="Hant" typeface="新細明體"/>
+        <a:font script="Arab" typeface="Arial"/>
+        <a:font script="Hebr" typeface="Arial"/>
+        <a:font script="Thai" typeface="Cordia New"/>
+        <a:font script="Ethi" typeface="Nyala"/>
+        <a:font script="Beng" typeface="Vrinda"/>
+        <a:font script="Gujr" typeface="Shruti"/>
+        <a:font script="Khmr" typeface="DaunPenh"/>
+        <a:font script="Knda" typeface="Tunga"/>
+        <a:font script="Guru" typeface="Raavi"/>
+        <a:font script="Cans" typeface="Euphemia"/>
+        <a:font script="Cher" typeface="Plantagenet Cherokee"/>
+        <a:font script="Yiii" typeface="Microsoft Yi Baiti"/>
+        <a:font script="Tibt" typeface="Microsoft Himalaya"/>
+        <a:font script="Thaa" typeface="MV Boli"/>
+        <a:font script="Deva" typeface="Mangal"/>
+        <a:font script="Telu" typeface="Gautami"/>
+        <a:font script="Taml" typeface="Latha"/>
+        <a:font script="Syrc" typeface="Estrangelo Edessa"/>
+        <a:font script="Orya" typeface="Kalinga"/>
+        <a:font script="Mlym" typeface="Kartika"/>
+        <a:font script="Laoo" typeface="DokChampa"/>
+        <a:font script="Sinh" typeface="Iskoola Pota"/>
+        <a:font script="Mong" typeface="Mongolian Baiti"/>
+        <a:font script="Viet" typeface="Arial"/>
+        <a:font script="Uigh" typeface="Microsoft Uighur"/>
+        <a:font script="Geor" typeface="Sylfaen"/>
+      </a:minorFont>
+    </a:fontScheme>
+    <a:fmtScheme name="Office 佈景主題">
+      <a:fillStyleLst>
+        <a:solidFill>
+          <a:schemeClr val="phClr"/>
+        </a:solidFill>
+        <a:gradFill rotWithShape="1">
+          <a:gsLst>
+            <a:gs pos="0">
+              <a:schemeClr val="phClr">
+                <a:lumMod val="110000"/>
+                <a:satMod val="105000"/>
+                <a:tint val="67000"/>
+              </a:schemeClr>
+            </a:gs>
+            <a:gs pos="50000">
+              <a:schemeClr val="phClr">
+                <a:lumMod val="105000"/>
+                <a:satMod val="103000"/>
+                <a:tint val="73000"/>
+              </a:schemeClr>
+            </a:gs>
+            <a:gs pos="100000">
+              <a:schemeClr val="phClr">
+                <a:lumMod val="105000"/>
+                <a:satMod val="109000"/>
+                <a:tint val="81000"/>
+              </a:schemeClr>
+            </a:gs>
+          </a:gsLst>
+          <a:lin ang="5400000" scaled="0"/>
+        </a:gradFill>
+        <a:gradFill rotWithShape="1">
+          <a:gsLst>
+            <a:gs pos="0">
+              <a:schemeClr val="phClr">
+                <a:satMod val="103000"/>
+                <a:lumMod val="102000"/>
+                <a:tint val="94000"/>
+              </a:schemeClr>
+            </a:gs>
+            <a:gs pos="50000">
+              <a:schemeClr val="phClr">
+                <a:satMod val="110000"/>
+                <a:lumMod val="100000"/>
+                <a:shade val="100000"/>
+              </a:schemeClr>
+            </a:gs>
+            <a:gs pos="100000">
+              <a:schemeClr val="phClr">
+                <a:lumMod val="99000"/>
+                <a:satMod val="120000"/>
+                <a:shade val="78000"/>
+              </a:schemeClr>
+            </a:gs>
+          </a:gsLst>
+          <a:lin ang="5400000" scaled="0"/>
+        </a:gradFill>
+      </a:fillStyleLst>
+      <a:lnStyleLst>
+        <a:ln w="6350" cap="flat" cmpd="sng" algn="ctr">
+          <a:solidFill>
+            <a:schemeClr val="phClr"/>
+          </a:solidFill>
+          <a:prstDash val="solid"/>
+          <a:miter lim="800000"/>
+        </a:ln>
+        <a:ln w="12700" cap="flat" cmpd="sng" algn="ctr">
+          <a:solidFill>
+            <a:schemeClr val="phClr"/>
+          </a:solidFill>
+          <a:prstDash val="solid"/>
+          <a:miter lim="800000"/>
+        </a:ln>
+        <a:ln w="19050" cap="flat" cmpd="sng" algn="ctr">
+          <a:solidFill>
+            <a:schemeClr val="phClr"/>
+          </a:solidFill>
+          <a:prstDash val="solid"/>
+          <a:miter lim="800000"/>
+        </a:ln>
+      </a:lnStyleLst>
+      <a:effectStyleLst>
+        <a:effectStyle>
+          <a:effectLst/>
+        </a:effectStyle>
+        <a:effectStyle>
+          <a:effectLst/>
+        </a:effectStyle>
+        <a:effectStyle>
+          <a:effectLst>
+            <a:outerShdw blurRad="57150" dist="19050" dir="5400000" algn="ctr" rotWithShape="0">
+              <a:srgbClr val="000000">
+                <a:alpha val="63000"/>
+              </a:srgbClr>
+            </a:outerShdw>
+          </a:effectLst>
+        </a:effectStyle>
+      </a:effectStyleLst>
+      <a:bgFillStyleLst>
+        <a:solidFill>
+          <a:schemeClr val="phClr"/>
+        </a:solidFill>
+        <a:solidFill>
+          <a:schemeClr val="phClr">
+            <a:tint val="95000"/>
+            <a:satMod val="170000"/>
+          </a:schemeClr>
+        </a:solidFill>
+        <a:gradFill rotWithShape="1">
+          <a:gsLst>
+            <a:gs pos="0">
+              <a:schemeClr val="phClr">
+                <a:tint val="93000"/>
+                <a:satMod val="150000"/>
+                <a:shade val="98000"/>
+                <a:lumMod val="102000"/>
+              </a:schemeClr>
+            </a:gs>
+            <a:gs pos="50000">
+              <a:schemeClr val="phClr">
+                <a:tint val="98000"/>
+                <a:satMod val="130000"/>
+                <a:shade val="90000"/>
+                <a:lumMod val="103000"/>
+              </a:schemeClr>
+            </a:gs>
+            <a:gs pos="100000">
+              <a:schemeClr val="phClr">
+                <a:shade val="63000"/>
+                <a:satMod val="120000"/>
+              </a:schemeClr>
+            </a:gs>
+          </a:gsLst>
+          <a:lin ang="5400000" scaled="0"/>
+        </a:gradFill>
+      </a:bgFillStyleLst>
+    </a:fmtScheme>
+  </a:themeElements>
+  <a:objectDefaults/>
+  <a:extraClrSchemeLst/>
+  <a:extLst>
+    <a:ext uri="{05A4C25C-085E-4340-85A3-A5531E510DB2}">
+      <thm15:themeFamily xmlns:thm15="http://schemas.microsoft.com/office/thememl/2012/main" name="Office Theme" id="{62F939B6-93AF-4DB8-9C6B-D6C7DFDC589F}" vid="{4A3C46E8-61CC-4603-A589-7422A47A8E4A}"/>
+    </a:ext>
+  </a:extLst>
+</a:theme>
+</file>
+
+<file path=ppt/theme/theme2.xml><?xml version="1.0" encoding="utf-8"?>
 <a:theme xmlns:a="http://schemas.openxmlformats.org/drawingml/2006/main" name="Office 佈景主題">
   <a:themeElements>
     <a:clrScheme name="Office">

--- a/final-project/report/img/img.pptx
+++ b/final-project/report/img/img.pptx
@@ -5,12 +5,17 @@
     <p:sldMasterId id="2147483660" r:id="rId1"/>
   </p:sldMasterIdLst>
   <p:notesMasterIdLst>
-    <p:notesMasterId r:id="rId5"/>
+    <p:notesMasterId r:id="rId10"/>
   </p:notesMasterIdLst>
   <p:sldIdLst>
     <p:sldId id="349" r:id="rId2"/>
     <p:sldId id="350" r:id="rId3"/>
-    <p:sldId id="351" r:id="rId4"/>
+    <p:sldId id="357" r:id="rId4"/>
+    <p:sldId id="351" r:id="rId5"/>
+    <p:sldId id="352" r:id="rId6"/>
+    <p:sldId id="354" r:id="rId7"/>
+    <p:sldId id="355" r:id="rId8"/>
+    <p:sldId id="356" r:id="rId9"/>
   </p:sldIdLst>
   <p:sldSz cx="21599525" cy="21599525"/>
   <p:notesSz cx="6858000" cy="9144000"/>
@@ -709,7 +714,427 @@
     </p:spTree>
     <p:extLst>
       <p:ext uri="{BB962C8B-B14F-4D97-AF65-F5344CB8AC3E}">
+        <p14:creationId xmlns:p14="http://schemas.microsoft.com/office/powerpoint/2010/main" val="2742476984"/>
+      </p:ext>
+    </p:extLst>
+  </p:cSld>
+  <p:clrMapOvr>
+    <a:masterClrMapping/>
+  </p:clrMapOvr>
+</p:notes>
+</file>
+
+<file path=ppt/notesSlides/notesSlide4.xml><?xml version="1.0" encoding="utf-8"?>
+<p:notes xmlns:a="http://schemas.openxmlformats.org/drawingml/2006/main" xmlns:r="http://schemas.openxmlformats.org/officeDocument/2006/relationships" xmlns:p="http://schemas.openxmlformats.org/presentationml/2006/main">
+  <p:cSld>
+    <p:spTree>
+      <p:nvGrpSpPr>
+        <p:cNvPr id="1" name=""/>
+        <p:cNvGrpSpPr/>
+        <p:nvPr/>
+      </p:nvGrpSpPr>
+      <p:grpSpPr>
+        <a:xfrm>
+          <a:off x="0" y="0"/>
+          <a:ext cx="0" cy="0"/>
+          <a:chOff x="0" y="0"/>
+          <a:chExt cx="0" cy="0"/>
+        </a:xfrm>
+      </p:grpSpPr>
+      <p:sp>
+        <p:nvSpPr>
+          <p:cNvPr id="2" name="投影片圖像版面配置區 1"/>
+          <p:cNvSpPr>
+            <a:spLocks noGrp="1" noRot="1" noChangeAspect="1"/>
+          </p:cNvSpPr>
+          <p:nvPr>
+            <p:ph type="sldImg"/>
+          </p:nvPr>
+        </p:nvSpPr>
+        <p:spPr/>
+      </p:sp>
+      <p:sp>
+        <p:nvSpPr>
+          <p:cNvPr id="3" name="備忘稿版面配置區 2"/>
+          <p:cNvSpPr>
+            <a:spLocks noGrp="1"/>
+          </p:cNvSpPr>
+          <p:nvPr>
+            <p:ph type="body" idx="1"/>
+          </p:nvPr>
+        </p:nvSpPr>
+        <p:spPr/>
+        <p:txBody>
+          <a:bodyPr/>
+          <a:lstStyle/>
+          <a:p>
+            <a:endParaRPr lang="zh-TW" altLang="en-US" dirty="0"/>
+          </a:p>
+        </p:txBody>
+      </p:sp>
+      <p:sp>
+        <p:nvSpPr>
+          <p:cNvPr id="4" name="投影片編號版面配置區 3"/>
+          <p:cNvSpPr>
+            <a:spLocks noGrp="1"/>
+          </p:cNvSpPr>
+          <p:nvPr>
+            <p:ph type="sldNum" sz="quarter" idx="10"/>
+          </p:nvPr>
+        </p:nvSpPr>
+        <p:spPr/>
+        <p:txBody>
+          <a:bodyPr/>
+          <a:lstStyle/>
+          <a:p>
+            <a:fld id="{6E1C9CAC-9358-49DD-9977-4B7D28ACBE36}" type="slidenum">
+              <a:rPr lang="zh-TW" altLang="en-US" smtClean="0"/>
+              <a:t>4</a:t>
+            </a:fld>
+            <a:endParaRPr lang="zh-TW" altLang="en-US"/>
+          </a:p>
+        </p:txBody>
+      </p:sp>
+    </p:spTree>
+    <p:extLst>
+      <p:ext uri="{BB962C8B-B14F-4D97-AF65-F5344CB8AC3E}">
         <p14:creationId xmlns:p14="http://schemas.microsoft.com/office/powerpoint/2010/main" val="2996986406"/>
+      </p:ext>
+    </p:extLst>
+  </p:cSld>
+  <p:clrMapOvr>
+    <a:masterClrMapping/>
+  </p:clrMapOvr>
+</p:notes>
+</file>
+
+<file path=ppt/notesSlides/notesSlide5.xml><?xml version="1.0" encoding="utf-8"?>
+<p:notes xmlns:a="http://schemas.openxmlformats.org/drawingml/2006/main" xmlns:r="http://schemas.openxmlformats.org/officeDocument/2006/relationships" xmlns:p="http://schemas.openxmlformats.org/presentationml/2006/main">
+  <p:cSld>
+    <p:spTree>
+      <p:nvGrpSpPr>
+        <p:cNvPr id="1" name=""/>
+        <p:cNvGrpSpPr/>
+        <p:nvPr/>
+      </p:nvGrpSpPr>
+      <p:grpSpPr>
+        <a:xfrm>
+          <a:off x="0" y="0"/>
+          <a:ext cx="0" cy="0"/>
+          <a:chOff x="0" y="0"/>
+          <a:chExt cx="0" cy="0"/>
+        </a:xfrm>
+      </p:grpSpPr>
+      <p:sp>
+        <p:nvSpPr>
+          <p:cNvPr id="2" name="投影片圖像版面配置區 1"/>
+          <p:cNvSpPr>
+            <a:spLocks noGrp="1" noRot="1" noChangeAspect="1"/>
+          </p:cNvSpPr>
+          <p:nvPr>
+            <p:ph type="sldImg"/>
+          </p:nvPr>
+        </p:nvSpPr>
+        <p:spPr/>
+      </p:sp>
+      <p:sp>
+        <p:nvSpPr>
+          <p:cNvPr id="3" name="備忘稿版面配置區 2"/>
+          <p:cNvSpPr>
+            <a:spLocks noGrp="1"/>
+          </p:cNvSpPr>
+          <p:nvPr>
+            <p:ph type="body" idx="1"/>
+          </p:nvPr>
+        </p:nvSpPr>
+        <p:spPr/>
+        <p:txBody>
+          <a:bodyPr/>
+          <a:lstStyle/>
+          <a:p>
+            <a:endParaRPr lang="zh-TW" altLang="en-US" dirty="0"/>
+          </a:p>
+        </p:txBody>
+      </p:sp>
+      <p:sp>
+        <p:nvSpPr>
+          <p:cNvPr id="4" name="投影片編號版面配置區 3"/>
+          <p:cNvSpPr>
+            <a:spLocks noGrp="1"/>
+          </p:cNvSpPr>
+          <p:nvPr>
+            <p:ph type="sldNum" sz="quarter" idx="10"/>
+          </p:nvPr>
+        </p:nvSpPr>
+        <p:spPr/>
+        <p:txBody>
+          <a:bodyPr/>
+          <a:lstStyle/>
+          <a:p>
+            <a:fld id="{6E1C9CAC-9358-49DD-9977-4B7D28ACBE36}" type="slidenum">
+              <a:rPr lang="zh-TW" altLang="en-US" smtClean="0"/>
+              <a:t>5</a:t>
+            </a:fld>
+            <a:endParaRPr lang="zh-TW" altLang="en-US"/>
+          </a:p>
+        </p:txBody>
+      </p:sp>
+    </p:spTree>
+    <p:extLst>
+      <p:ext uri="{BB962C8B-B14F-4D97-AF65-F5344CB8AC3E}">
+        <p14:creationId xmlns:p14="http://schemas.microsoft.com/office/powerpoint/2010/main" val="1879391745"/>
+      </p:ext>
+    </p:extLst>
+  </p:cSld>
+  <p:clrMapOvr>
+    <a:masterClrMapping/>
+  </p:clrMapOvr>
+</p:notes>
+</file>
+
+<file path=ppt/notesSlides/notesSlide6.xml><?xml version="1.0" encoding="utf-8"?>
+<p:notes xmlns:a="http://schemas.openxmlformats.org/drawingml/2006/main" xmlns:r="http://schemas.openxmlformats.org/officeDocument/2006/relationships" xmlns:p="http://schemas.openxmlformats.org/presentationml/2006/main">
+  <p:cSld>
+    <p:spTree>
+      <p:nvGrpSpPr>
+        <p:cNvPr id="1" name=""/>
+        <p:cNvGrpSpPr/>
+        <p:nvPr/>
+      </p:nvGrpSpPr>
+      <p:grpSpPr>
+        <a:xfrm>
+          <a:off x="0" y="0"/>
+          <a:ext cx="0" cy="0"/>
+          <a:chOff x="0" y="0"/>
+          <a:chExt cx="0" cy="0"/>
+        </a:xfrm>
+      </p:grpSpPr>
+      <p:sp>
+        <p:nvSpPr>
+          <p:cNvPr id="2" name="投影片圖像版面配置區 1"/>
+          <p:cNvSpPr>
+            <a:spLocks noGrp="1" noRot="1" noChangeAspect="1"/>
+          </p:cNvSpPr>
+          <p:nvPr>
+            <p:ph type="sldImg"/>
+          </p:nvPr>
+        </p:nvSpPr>
+        <p:spPr/>
+      </p:sp>
+      <p:sp>
+        <p:nvSpPr>
+          <p:cNvPr id="3" name="備忘稿版面配置區 2"/>
+          <p:cNvSpPr>
+            <a:spLocks noGrp="1"/>
+          </p:cNvSpPr>
+          <p:nvPr>
+            <p:ph type="body" idx="1"/>
+          </p:nvPr>
+        </p:nvSpPr>
+        <p:spPr/>
+        <p:txBody>
+          <a:bodyPr/>
+          <a:lstStyle/>
+          <a:p>
+            <a:endParaRPr lang="zh-TW" altLang="en-US" dirty="0"/>
+          </a:p>
+        </p:txBody>
+      </p:sp>
+      <p:sp>
+        <p:nvSpPr>
+          <p:cNvPr id="4" name="投影片編號版面配置區 3"/>
+          <p:cNvSpPr>
+            <a:spLocks noGrp="1"/>
+          </p:cNvSpPr>
+          <p:nvPr>
+            <p:ph type="sldNum" sz="quarter" idx="10"/>
+          </p:nvPr>
+        </p:nvSpPr>
+        <p:spPr/>
+        <p:txBody>
+          <a:bodyPr/>
+          <a:lstStyle/>
+          <a:p>
+            <a:fld id="{6E1C9CAC-9358-49DD-9977-4B7D28ACBE36}" type="slidenum">
+              <a:rPr lang="zh-TW" altLang="en-US" smtClean="0"/>
+              <a:t>6</a:t>
+            </a:fld>
+            <a:endParaRPr lang="zh-TW" altLang="en-US"/>
+          </a:p>
+        </p:txBody>
+      </p:sp>
+    </p:spTree>
+    <p:extLst>
+      <p:ext uri="{BB962C8B-B14F-4D97-AF65-F5344CB8AC3E}">
+        <p14:creationId xmlns:p14="http://schemas.microsoft.com/office/powerpoint/2010/main" val="3422434464"/>
+      </p:ext>
+    </p:extLst>
+  </p:cSld>
+  <p:clrMapOvr>
+    <a:masterClrMapping/>
+  </p:clrMapOvr>
+</p:notes>
+</file>
+
+<file path=ppt/notesSlides/notesSlide7.xml><?xml version="1.0" encoding="utf-8"?>
+<p:notes xmlns:a="http://schemas.openxmlformats.org/drawingml/2006/main" xmlns:r="http://schemas.openxmlformats.org/officeDocument/2006/relationships" xmlns:p="http://schemas.openxmlformats.org/presentationml/2006/main">
+  <p:cSld>
+    <p:spTree>
+      <p:nvGrpSpPr>
+        <p:cNvPr id="1" name=""/>
+        <p:cNvGrpSpPr/>
+        <p:nvPr/>
+      </p:nvGrpSpPr>
+      <p:grpSpPr>
+        <a:xfrm>
+          <a:off x="0" y="0"/>
+          <a:ext cx="0" cy="0"/>
+          <a:chOff x="0" y="0"/>
+          <a:chExt cx="0" cy="0"/>
+        </a:xfrm>
+      </p:grpSpPr>
+      <p:sp>
+        <p:nvSpPr>
+          <p:cNvPr id="2" name="投影片圖像版面配置區 1"/>
+          <p:cNvSpPr>
+            <a:spLocks noGrp="1" noRot="1" noChangeAspect="1"/>
+          </p:cNvSpPr>
+          <p:nvPr>
+            <p:ph type="sldImg"/>
+          </p:nvPr>
+        </p:nvSpPr>
+        <p:spPr/>
+      </p:sp>
+      <p:sp>
+        <p:nvSpPr>
+          <p:cNvPr id="3" name="備忘稿版面配置區 2"/>
+          <p:cNvSpPr>
+            <a:spLocks noGrp="1"/>
+          </p:cNvSpPr>
+          <p:nvPr>
+            <p:ph type="body" idx="1"/>
+          </p:nvPr>
+        </p:nvSpPr>
+        <p:spPr/>
+        <p:txBody>
+          <a:bodyPr/>
+          <a:lstStyle/>
+          <a:p>
+            <a:endParaRPr lang="zh-TW" altLang="en-US" dirty="0"/>
+          </a:p>
+        </p:txBody>
+      </p:sp>
+      <p:sp>
+        <p:nvSpPr>
+          <p:cNvPr id="4" name="投影片編號版面配置區 3"/>
+          <p:cNvSpPr>
+            <a:spLocks noGrp="1"/>
+          </p:cNvSpPr>
+          <p:nvPr>
+            <p:ph type="sldNum" sz="quarter" idx="10"/>
+          </p:nvPr>
+        </p:nvSpPr>
+        <p:spPr/>
+        <p:txBody>
+          <a:bodyPr/>
+          <a:lstStyle/>
+          <a:p>
+            <a:fld id="{6E1C9CAC-9358-49DD-9977-4B7D28ACBE36}" type="slidenum">
+              <a:rPr lang="zh-TW" altLang="en-US" smtClean="0"/>
+              <a:t>7</a:t>
+            </a:fld>
+            <a:endParaRPr lang="zh-TW" altLang="en-US"/>
+          </a:p>
+        </p:txBody>
+      </p:sp>
+    </p:spTree>
+    <p:extLst>
+      <p:ext uri="{BB962C8B-B14F-4D97-AF65-F5344CB8AC3E}">
+        <p14:creationId xmlns:p14="http://schemas.microsoft.com/office/powerpoint/2010/main" val="1448864988"/>
+      </p:ext>
+    </p:extLst>
+  </p:cSld>
+  <p:clrMapOvr>
+    <a:masterClrMapping/>
+  </p:clrMapOvr>
+</p:notes>
+</file>
+
+<file path=ppt/notesSlides/notesSlide8.xml><?xml version="1.0" encoding="utf-8"?>
+<p:notes xmlns:a="http://schemas.openxmlformats.org/drawingml/2006/main" xmlns:r="http://schemas.openxmlformats.org/officeDocument/2006/relationships" xmlns:p="http://schemas.openxmlformats.org/presentationml/2006/main">
+  <p:cSld>
+    <p:spTree>
+      <p:nvGrpSpPr>
+        <p:cNvPr id="1" name=""/>
+        <p:cNvGrpSpPr/>
+        <p:nvPr/>
+      </p:nvGrpSpPr>
+      <p:grpSpPr>
+        <a:xfrm>
+          <a:off x="0" y="0"/>
+          <a:ext cx="0" cy="0"/>
+          <a:chOff x="0" y="0"/>
+          <a:chExt cx="0" cy="0"/>
+        </a:xfrm>
+      </p:grpSpPr>
+      <p:sp>
+        <p:nvSpPr>
+          <p:cNvPr id="2" name="投影片圖像版面配置區 1"/>
+          <p:cNvSpPr>
+            <a:spLocks noGrp="1" noRot="1" noChangeAspect="1"/>
+          </p:cNvSpPr>
+          <p:nvPr>
+            <p:ph type="sldImg"/>
+          </p:nvPr>
+        </p:nvSpPr>
+        <p:spPr/>
+      </p:sp>
+      <p:sp>
+        <p:nvSpPr>
+          <p:cNvPr id="3" name="備忘稿版面配置區 2"/>
+          <p:cNvSpPr>
+            <a:spLocks noGrp="1"/>
+          </p:cNvSpPr>
+          <p:nvPr>
+            <p:ph type="body" idx="1"/>
+          </p:nvPr>
+        </p:nvSpPr>
+        <p:spPr/>
+        <p:txBody>
+          <a:bodyPr/>
+          <a:lstStyle/>
+          <a:p>
+            <a:endParaRPr lang="zh-TW" altLang="en-US" dirty="0"/>
+          </a:p>
+        </p:txBody>
+      </p:sp>
+      <p:sp>
+        <p:nvSpPr>
+          <p:cNvPr id="4" name="投影片編號版面配置區 3"/>
+          <p:cNvSpPr>
+            <a:spLocks noGrp="1"/>
+          </p:cNvSpPr>
+          <p:nvPr>
+            <p:ph type="sldNum" sz="quarter" idx="10"/>
+          </p:nvPr>
+        </p:nvSpPr>
+        <p:spPr/>
+        <p:txBody>
+          <a:bodyPr/>
+          <a:lstStyle/>
+          <a:p>
+            <a:fld id="{6E1C9CAC-9358-49DD-9977-4B7D28ACBE36}" type="slidenum">
+              <a:rPr lang="zh-TW" altLang="en-US" smtClean="0"/>
+              <a:t>8</a:t>
+            </a:fld>
+            <a:endParaRPr lang="zh-TW" altLang="en-US"/>
+          </a:p>
+        </p:txBody>
+      </p:sp>
+    </p:spTree>
+    <p:extLst>
+      <p:ext uri="{BB962C8B-B14F-4D97-AF65-F5344CB8AC3E}">
+        <p14:creationId xmlns:p14="http://schemas.microsoft.com/office/powerpoint/2010/main" val="407084722"/>
       </p:ext>
     </p:extLst>
   </p:cSld>
@@ -3588,7 +4013,7 @@
       </p:grpSpPr>
       <p:grpSp>
         <p:nvGrpSpPr>
-          <p:cNvPr id="6" name="群組 5"/>
+          <p:cNvPr id="2" name="群組 1"/>
           <p:cNvGrpSpPr/>
           <p:nvPr/>
         </p:nvGrpSpPr>
@@ -3937,9 +4362,18 @@
                   </a:solidFill>
                   <a:latin typeface="SauceCodePro Nerd Font" panose="020B0509030403020204" pitchFamily="49" charset="0"/>
                 </a:rPr>
-                <a:t>Encoder’</a:t>
+                <a:t>Encoder</a:t>
               </a:r>
-              <a:endParaRPr lang="zh-TW" altLang="en-US" sz="3600" dirty="0">
+              <a:r>
+                <a:rPr lang="en-US" altLang="zh-TW" sz="3600" baseline="30000" dirty="0" smtClean="0">
+                  <a:solidFill>
+                    <a:srgbClr val="282828"/>
+                  </a:solidFill>
+                  <a:latin typeface="SauceCodePro Nerd Font" panose="020B0509030403020204" pitchFamily="49" charset="0"/>
+                </a:rPr>
+                <a:t>'</a:t>
+              </a:r>
+              <a:endParaRPr lang="en-US" altLang="zh-TW" sz="3600" dirty="0">
                 <a:solidFill>
                   <a:srgbClr val="282828"/>
                 </a:solidFill>
@@ -4665,6 +5099,198 @@
             </a:p>
           </p:txBody>
         </p:sp>
+        <p:sp>
+          <p:nvSpPr>
+            <p:cNvPr id="24" name="圓角矩形 23"/>
+            <p:cNvSpPr/>
+            <p:nvPr/>
+          </p:nvSpPr>
+          <p:spPr>
+            <a:xfrm>
+              <a:off x="7119454" y="7719063"/>
+              <a:ext cx="998886" cy="958899"/>
+            </a:xfrm>
+            <a:prstGeom prst="roundRect">
+              <a:avLst/>
+            </a:prstGeom>
+            <a:noFill/>
+            <a:ln w="63500">
+              <a:noFill/>
+            </a:ln>
+            <a:effectLst>
+              <a:softEdge rad="63500"/>
+            </a:effectLst>
+          </p:spPr>
+          <p:style>
+            <a:lnRef idx="2">
+              <a:schemeClr val="accent1">
+                <a:shade val="50000"/>
+              </a:schemeClr>
+            </a:lnRef>
+            <a:fillRef idx="1">
+              <a:schemeClr val="accent1"/>
+            </a:fillRef>
+            <a:effectRef idx="0">
+              <a:schemeClr val="accent1"/>
+            </a:effectRef>
+            <a:fontRef idx="minor">
+              <a:schemeClr val="lt1"/>
+            </a:fontRef>
+          </p:style>
+          <p:txBody>
+            <a:bodyPr rtlCol="0" anchor="ctr"/>
+            <a:lstStyle/>
+            <a:p>
+              <a:pPr algn="ctr"/>
+              <a:r>
+                <a:rPr lang="en-US" altLang="zh-TW" sz="4400" dirty="0" smtClean="0">
+                  <a:solidFill>
+                    <a:srgbClr val="FFEBCD"/>
+                  </a:solidFill>
+                  <a:latin typeface="SauceCodePro Nerd Font" panose="020B0509030403020204" pitchFamily="49" charset="0"/>
+                </a:rPr>
+                <a:t>z</a:t>
+              </a:r>
+              <a:endParaRPr lang="en-US" altLang="zh-TW" sz="4400" dirty="0">
+                <a:solidFill>
+                  <a:srgbClr val="FFEBCD"/>
+                </a:solidFill>
+                <a:latin typeface="SauceCodePro Nerd Font" panose="020B0509030403020204" pitchFamily="49" charset="0"/>
+              </a:endParaRPr>
+            </a:p>
+          </p:txBody>
+        </p:sp>
+        <p:sp>
+          <p:nvSpPr>
+            <p:cNvPr id="25" name="圓角矩形 24"/>
+            <p:cNvSpPr/>
+            <p:nvPr/>
+          </p:nvSpPr>
+          <p:spPr>
+            <a:xfrm>
+              <a:off x="13337614" y="7742014"/>
+              <a:ext cx="998886" cy="958899"/>
+            </a:xfrm>
+            <a:prstGeom prst="roundRect">
+              <a:avLst/>
+            </a:prstGeom>
+            <a:noFill/>
+            <a:ln w="63500">
+              <a:noFill/>
+            </a:ln>
+            <a:effectLst>
+              <a:softEdge rad="63500"/>
+            </a:effectLst>
+          </p:spPr>
+          <p:style>
+            <a:lnRef idx="2">
+              <a:schemeClr val="accent1">
+                <a:shade val="50000"/>
+              </a:schemeClr>
+            </a:lnRef>
+            <a:fillRef idx="1">
+              <a:schemeClr val="accent1"/>
+            </a:fillRef>
+            <a:effectRef idx="0">
+              <a:schemeClr val="accent1"/>
+            </a:effectRef>
+            <a:fontRef idx="minor">
+              <a:schemeClr val="lt1"/>
+            </a:fontRef>
+          </p:style>
+          <p:txBody>
+            <a:bodyPr rtlCol="0" anchor="ctr"/>
+            <a:lstStyle/>
+            <a:p>
+              <a:pPr algn="ctr"/>
+              <a:r>
+                <a:rPr lang="en-US" altLang="zh-TW" sz="4400" dirty="0" smtClean="0">
+                  <a:solidFill>
+                    <a:srgbClr val="FFEBCD"/>
+                  </a:solidFill>
+                  <a:latin typeface="SauceCodePro Nerd Font" panose="020B0509030403020204" pitchFamily="49" charset="0"/>
+                </a:rPr>
+                <a:t>z</a:t>
+              </a:r>
+              <a:r>
+                <a:rPr lang="en-US" altLang="zh-TW" sz="4400" baseline="30000" dirty="0" smtClean="0">
+                  <a:solidFill>
+                    <a:srgbClr val="FFEBCD"/>
+                  </a:solidFill>
+                  <a:latin typeface="SauceCodePro Nerd Font" panose="020B0509030403020204" pitchFamily="49" charset="0"/>
+                </a:rPr>
+                <a:t>'</a:t>
+              </a:r>
+              <a:endParaRPr lang="en-US" altLang="zh-TW" sz="4400" dirty="0">
+                <a:solidFill>
+                  <a:srgbClr val="FFEBCD"/>
+                </a:solidFill>
+                <a:latin typeface="SauceCodePro Nerd Font" panose="020B0509030403020204" pitchFamily="49" charset="0"/>
+              </a:endParaRPr>
+            </a:p>
+          </p:txBody>
+        </p:sp>
+        <p:sp>
+          <p:nvSpPr>
+            <p:cNvPr id="26" name="圓角矩形 25"/>
+            <p:cNvSpPr/>
+            <p:nvPr/>
+          </p:nvSpPr>
+          <p:spPr>
+            <a:xfrm>
+              <a:off x="9781232" y="6057543"/>
+              <a:ext cx="998886" cy="958899"/>
+            </a:xfrm>
+            <a:prstGeom prst="roundRect">
+              <a:avLst/>
+            </a:prstGeom>
+            <a:noFill/>
+            <a:ln w="63500">
+              <a:noFill/>
+            </a:ln>
+            <a:effectLst>
+              <a:softEdge rad="63500"/>
+            </a:effectLst>
+          </p:spPr>
+          <p:style>
+            <a:lnRef idx="2">
+              <a:schemeClr val="accent1">
+                <a:shade val="50000"/>
+              </a:schemeClr>
+            </a:lnRef>
+            <a:fillRef idx="1">
+              <a:schemeClr val="accent1"/>
+            </a:fillRef>
+            <a:effectRef idx="0">
+              <a:schemeClr val="accent1"/>
+            </a:effectRef>
+            <a:fontRef idx="minor">
+              <a:schemeClr val="lt1"/>
+            </a:fontRef>
+          </p:style>
+          <p:txBody>
+            <a:bodyPr rtlCol="0" anchor="ctr"/>
+            <a:lstStyle/>
+            <a:p>
+              <a:pPr algn="ctr"/>
+              <a:r>
+                <a:rPr lang="en-US" altLang="zh-TW" sz="4400" dirty="0" smtClean="0">
+                  <a:solidFill>
+                    <a:srgbClr val="FFEBCD"/>
+                  </a:solidFill>
+                  <a:latin typeface="SauceCodePro Nerd Font" panose="020B0509030403020204" pitchFamily="49" charset="0"/>
+                </a:rPr>
+                <a:t>p</a:t>
+              </a:r>
+              <a:endParaRPr lang="en-US" altLang="zh-TW" sz="4400" dirty="0">
+                <a:solidFill>
+                  <a:srgbClr val="FFEBCD"/>
+                </a:solidFill>
+                <a:latin typeface="SauceCodePro Nerd Font" panose="020B0509030403020204" pitchFamily="49" charset="0"/>
+              </a:endParaRPr>
+            </a:p>
+          </p:txBody>
+        </p:sp>
       </p:grpSp>
     </p:spTree>
     <p:extLst>
@@ -4713,7 +5339,7 @@
       </p:grpSpPr>
       <p:grpSp>
         <p:nvGrpSpPr>
-          <p:cNvPr id="8" name="群組 7"/>
+          <p:cNvPr id="2" name="群組 1"/>
           <p:cNvGrpSpPr/>
           <p:nvPr/>
         </p:nvGrpSpPr>
@@ -6036,6 +6662,286 @@
             </a:p>
           </p:txBody>
         </p:sp>
+        <p:sp>
+          <p:nvSpPr>
+            <p:cNvPr id="30" name="圓角矩形 29"/>
+            <p:cNvSpPr/>
+            <p:nvPr/>
+          </p:nvSpPr>
+          <p:spPr>
+            <a:xfrm>
+              <a:off x="7465887" y="12563021"/>
+              <a:ext cx="998886" cy="761402"/>
+            </a:xfrm>
+            <a:prstGeom prst="roundRect">
+              <a:avLst/>
+            </a:prstGeom>
+            <a:noFill/>
+            <a:ln w="63500">
+              <a:noFill/>
+            </a:ln>
+            <a:effectLst>
+              <a:softEdge rad="63500"/>
+            </a:effectLst>
+          </p:spPr>
+          <p:style>
+            <a:lnRef idx="2">
+              <a:schemeClr val="accent1">
+                <a:shade val="50000"/>
+              </a:schemeClr>
+            </a:lnRef>
+            <a:fillRef idx="1">
+              <a:schemeClr val="accent1"/>
+            </a:fillRef>
+            <a:effectRef idx="0">
+              <a:schemeClr val="accent1"/>
+            </a:effectRef>
+            <a:fontRef idx="minor">
+              <a:schemeClr val="lt1"/>
+            </a:fontRef>
+          </p:style>
+          <p:txBody>
+            <a:bodyPr rtlCol="0" anchor="ctr"/>
+            <a:lstStyle/>
+            <a:p>
+              <a:pPr algn="ctr"/>
+              <a:r>
+                <a:rPr lang="en-US" altLang="zh-TW" sz="4400" dirty="0" smtClean="0">
+                  <a:solidFill>
+                    <a:srgbClr val="FFEBCD"/>
+                  </a:solidFill>
+                  <a:latin typeface="SauceCodePro Nerd Font" panose="020B0509030403020204" pitchFamily="49" charset="0"/>
+                </a:rPr>
+                <a:t>z</a:t>
+              </a:r>
+              <a:r>
+                <a:rPr lang="en-US" altLang="zh-TW" sz="4400" baseline="-25000" dirty="0" smtClean="0">
+                  <a:solidFill>
+                    <a:srgbClr val="FFEBCD"/>
+                  </a:solidFill>
+                  <a:latin typeface="SauceCodePro Nerd Font" panose="020B0509030403020204" pitchFamily="49" charset="0"/>
+                </a:rPr>
+                <a:t>1</a:t>
+              </a:r>
+              <a:endParaRPr lang="en-US" altLang="zh-TW" sz="4400" dirty="0">
+                <a:solidFill>
+                  <a:srgbClr val="FFEBCD"/>
+                </a:solidFill>
+                <a:latin typeface="SauceCodePro Nerd Font" panose="020B0509030403020204" pitchFamily="49" charset="0"/>
+              </a:endParaRPr>
+            </a:p>
+          </p:txBody>
+        </p:sp>
+        <p:sp>
+          <p:nvSpPr>
+            <p:cNvPr id="31" name="圓角矩形 30"/>
+            <p:cNvSpPr/>
+            <p:nvPr/>
+          </p:nvSpPr>
+          <p:spPr>
+            <a:xfrm>
+              <a:off x="13672703" y="12563021"/>
+              <a:ext cx="998886" cy="761402"/>
+            </a:xfrm>
+            <a:prstGeom prst="roundRect">
+              <a:avLst/>
+            </a:prstGeom>
+            <a:noFill/>
+            <a:ln w="63500">
+              <a:noFill/>
+            </a:ln>
+            <a:effectLst>
+              <a:softEdge rad="63500"/>
+            </a:effectLst>
+          </p:spPr>
+          <p:style>
+            <a:lnRef idx="2">
+              <a:schemeClr val="accent1">
+                <a:shade val="50000"/>
+              </a:schemeClr>
+            </a:lnRef>
+            <a:fillRef idx="1">
+              <a:schemeClr val="accent1"/>
+            </a:fillRef>
+            <a:effectRef idx="0">
+              <a:schemeClr val="accent1"/>
+            </a:effectRef>
+            <a:fontRef idx="minor">
+              <a:schemeClr val="lt1"/>
+            </a:fontRef>
+          </p:style>
+          <p:txBody>
+            <a:bodyPr rtlCol="0" anchor="ctr"/>
+            <a:lstStyle/>
+            <a:p>
+              <a:pPr algn="ctr"/>
+              <a:r>
+                <a:rPr lang="en-US" altLang="zh-TW" sz="4400" dirty="0" smtClean="0">
+                  <a:solidFill>
+                    <a:srgbClr val="FFEBCD"/>
+                  </a:solidFill>
+                  <a:latin typeface="SauceCodePro Nerd Font" panose="020B0509030403020204" pitchFamily="49" charset="0"/>
+                </a:rPr>
+                <a:t>z</a:t>
+              </a:r>
+              <a:r>
+                <a:rPr lang="en-US" altLang="zh-TW" sz="4400" baseline="-25000" dirty="0" smtClean="0">
+                  <a:solidFill>
+                    <a:srgbClr val="FFEBCD"/>
+                  </a:solidFill>
+                  <a:latin typeface="SauceCodePro Nerd Font" panose="020B0509030403020204" pitchFamily="49" charset="0"/>
+                </a:rPr>
+                <a:t>2</a:t>
+              </a:r>
+              <a:endParaRPr lang="en-US" altLang="zh-TW" sz="4400" dirty="0">
+                <a:solidFill>
+                  <a:srgbClr val="FFEBCD"/>
+                </a:solidFill>
+                <a:latin typeface="SauceCodePro Nerd Font" panose="020B0509030403020204" pitchFamily="49" charset="0"/>
+              </a:endParaRPr>
+            </a:p>
+          </p:txBody>
+        </p:sp>
+        <p:sp>
+          <p:nvSpPr>
+            <p:cNvPr id="33" name="圓角矩形 32"/>
+            <p:cNvSpPr/>
+            <p:nvPr/>
+          </p:nvSpPr>
+          <p:spPr>
+            <a:xfrm>
+              <a:off x="13664337" y="10409857"/>
+              <a:ext cx="998886" cy="761402"/>
+            </a:xfrm>
+            <a:prstGeom prst="roundRect">
+              <a:avLst/>
+            </a:prstGeom>
+            <a:noFill/>
+            <a:ln w="63500">
+              <a:noFill/>
+            </a:ln>
+            <a:effectLst>
+              <a:softEdge rad="63500"/>
+            </a:effectLst>
+          </p:spPr>
+          <p:style>
+            <a:lnRef idx="2">
+              <a:schemeClr val="accent1">
+                <a:shade val="50000"/>
+              </a:schemeClr>
+            </a:lnRef>
+            <a:fillRef idx="1">
+              <a:schemeClr val="accent1"/>
+            </a:fillRef>
+            <a:effectRef idx="0">
+              <a:schemeClr val="accent1"/>
+            </a:effectRef>
+            <a:fontRef idx="minor">
+              <a:schemeClr val="lt1"/>
+            </a:fontRef>
+          </p:style>
+          <p:txBody>
+            <a:bodyPr rtlCol="0" anchor="ctr"/>
+            <a:lstStyle/>
+            <a:p>
+              <a:pPr algn="ctr"/>
+              <a:r>
+                <a:rPr lang="en-US" altLang="zh-TW" sz="4400" dirty="0" smtClean="0">
+                  <a:solidFill>
+                    <a:srgbClr val="FFEBCD"/>
+                  </a:solidFill>
+                  <a:latin typeface="SauceCodePro Nerd Font" panose="020B0509030403020204" pitchFamily="49" charset="0"/>
+                </a:rPr>
+                <a:t>p</a:t>
+              </a:r>
+              <a:r>
+                <a:rPr lang="en-US" altLang="zh-TW" sz="4400" baseline="-25000" dirty="0" smtClean="0">
+                  <a:solidFill>
+                    <a:srgbClr val="FFEBCD"/>
+                  </a:solidFill>
+                  <a:latin typeface="SauceCodePro Nerd Font" panose="020B0509030403020204" pitchFamily="49" charset="0"/>
+                </a:rPr>
+                <a:t>2</a:t>
+              </a:r>
+              <a:endParaRPr lang="en-US" altLang="zh-TW" sz="4400" dirty="0">
+                <a:solidFill>
+                  <a:srgbClr val="FFEBCD"/>
+                </a:solidFill>
+                <a:latin typeface="SauceCodePro Nerd Font" panose="020B0509030403020204" pitchFamily="49" charset="0"/>
+              </a:endParaRPr>
+            </a:p>
+          </p:txBody>
+        </p:sp>
+        <p:sp>
+          <p:nvSpPr>
+            <p:cNvPr id="34" name="圓角矩形 33"/>
+            <p:cNvSpPr/>
+            <p:nvPr/>
+          </p:nvSpPr>
+          <p:spPr>
+            <a:xfrm>
+              <a:off x="7429731" y="10414261"/>
+              <a:ext cx="998886" cy="761402"/>
+            </a:xfrm>
+            <a:prstGeom prst="roundRect">
+              <a:avLst/>
+            </a:prstGeom>
+            <a:noFill/>
+            <a:ln w="63500">
+              <a:noFill/>
+            </a:ln>
+            <a:effectLst>
+              <a:softEdge rad="63500"/>
+            </a:effectLst>
+          </p:spPr>
+          <p:style>
+            <a:lnRef idx="2">
+              <a:schemeClr val="accent1">
+                <a:shade val="50000"/>
+              </a:schemeClr>
+            </a:lnRef>
+            <a:fillRef idx="1">
+              <a:schemeClr val="accent1"/>
+            </a:fillRef>
+            <a:effectRef idx="0">
+              <a:schemeClr val="accent1"/>
+            </a:effectRef>
+            <a:fontRef idx="minor">
+              <a:schemeClr val="lt1"/>
+            </a:fontRef>
+          </p:style>
+          <p:txBody>
+            <a:bodyPr rtlCol="0" anchor="ctr"/>
+            <a:lstStyle/>
+            <a:p>
+              <a:pPr algn="ctr"/>
+              <a:r>
+                <a:rPr lang="en-US" altLang="zh-TW" sz="4400" dirty="0" smtClean="0">
+                  <a:solidFill>
+                    <a:srgbClr val="FFEBCD"/>
+                  </a:solidFill>
+                  <a:latin typeface="SauceCodePro Nerd Font" panose="020B0509030403020204" pitchFamily="49" charset="0"/>
+                </a:rPr>
+                <a:t>p</a:t>
+              </a:r>
+              <a:r>
+                <a:rPr lang="en-US" altLang="zh-TW" sz="4400" baseline="-25000" dirty="0" smtClean="0">
+                  <a:solidFill>
+                    <a:srgbClr val="FFEBCD"/>
+                  </a:solidFill>
+                  <a:latin typeface="SauceCodePro Nerd Font" panose="020B0509030403020204" pitchFamily="49" charset="0"/>
+                </a:rPr>
+                <a:t>1</a:t>
+              </a:r>
+              <a:endParaRPr lang="en-US" altLang="zh-TW" sz="4400" dirty="0">
+                <a:solidFill>
+                  <a:srgbClr val="FFEBCD"/>
+                </a:solidFill>
+                <a:latin typeface="SauceCodePro Nerd Font" panose="020B0509030403020204" pitchFamily="49" charset="0"/>
+              </a:endParaRPr>
+            </a:p>
+          </p:txBody>
+        </p:sp>
       </p:grpSp>
     </p:spTree>
     <p:extLst>
@@ -6082,29 +6988,495 @@
           <a:chExt cx="0" cy="0"/>
         </a:xfrm>
       </p:grpSpPr>
+      <mc:AlternateContent xmlns:mc="http://schemas.openxmlformats.org/markup-compatibility/2006">
+        <mc:Choice xmlns:a14="http://schemas.microsoft.com/office/drawing/2010/main" Requires="a14">
+          <p:sp>
+            <p:nvSpPr>
+              <p:cNvPr id="3" name="文字方塊 2"/>
+              <p:cNvSpPr txBox="1"/>
+              <p:nvPr/>
+            </p:nvSpPr>
+            <p:spPr>
+              <a:xfrm>
+                <a:off x="9159240" y="10340340"/>
+                <a:ext cx="4663440" cy="1786771"/>
+              </a:xfrm>
+              <a:prstGeom prst="rect">
+                <a:avLst/>
+              </a:prstGeom>
+              <a:noFill/>
+            </p:spPr>
+            <p:txBody>
+              <a:bodyPr wrap="square" lIns="0" tIns="0" rIns="0" bIns="0" rtlCol="0">
+                <a:spAutoFit/>
+              </a:bodyPr>
+              <a:lstStyle/>
+              <a:p>
+                <a14:m>
+                  <m:oMathPara xmlns:m="http://schemas.openxmlformats.org/officeDocument/2006/math">
+                    <m:oMathParaPr>
+                      <m:jc m:val="centerGroup"/>
+                    </m:oMathParaPr>
+                    <m:oMath xmlns:m="http://schemas.openxmlformats.org/officeDocument/2006/math">
+                      <m:f>
+                        <m:fPr>
+                          <m:ctrlPr>
+                            <a:rPr lang="en-US" altLang="zh-TW" sz="5400" i="1" smtClean="0">
+                              <a:solidFill>
+                                <a:srgbClr val="FFEBCD"/>
+                              </a:solidFill>
+                              <a:latin typeface="Cambria Math" panose="02040503050406030204" pitchFamily="18" charset="0"/>
+                              <a:ea typeface="Cambria Math" panose="02040503050406030204" pitchFamily="18" charset="0"/>
+                            </a:rPr>
+                          </m:ctrlPr>
+                        </m:fPr>
+                        <m:num>
+                          <m:acc>
+                            <m:accPr>
+                              <m:chr m:val="⃑"/>
+                              <m:ctrlPr>
+                                <a:rPr lang="en-US" altLang="zh-TW" sz="5400" i="1">
+                                  <a:solidFill>
+                                    <a:srgbClr val="FFEBCD"/>
+                                  </a:solidFill>
+                                  <a:latin typeface="Cambria Math" panose="02040503050406030204" pitchFamily="18" charset="0"/>
+                                </a:rPr>
+                              </m:ctrlPr>
+                            </m:accPr>
+                            <m:e>
+                              <m:r>
+                                <a:rPr lang="en-US" altLang="zh-TW" sz="5400" i="1">
+                                  <a:solidFill>
+                                    <a:srgbClr val="FFEBCD"/>
+                                  </a:solidFill>
+                                  <a:latin typeface="Cambria Math" panose="02040503050406030204" pitchFamily="18" charset="0"/>
+                                </a:rPr>
+                                <m:t>𝑝</m:t>
+                              </m:r>
+                            </m:e>
+                          </m:acc>
+                          <m:r>
+                            <a:rPr lang="en-US" altLang="zh-TW" sz="5400" i="1">
+                              <a:solidFill>
+                                <a:srgbClr val="FFEBCD"/>
+                              </a:solidFill>
+                              <a:latin typeface="Cambria Math" panose="02040503050406030204" pitchFamily="18" charset="0"/>
+                              <a:ea typeface="Cambria Math" panose="02040503050406030204" pitchFamily="18" charset="0"/>
+                            </a:rPr>
+                            <m:t>∙</m:t>
+                          </m:r>
+                          <m:r>
+                            <a:rPr lang="en-US" altLang="zh-TW" sz="5400" i="1">
+                              <a:solidFill>
+                                <a:srgbClr val="FFEBCD"/>
+                              </a:solidFill>
+                              <a:latin typeface="Cambria Math" panose="02040503050406030204" pitchFamily="18" charset="0"/>
+                              <a:ea typeface="Cambria Math" panose="02040503050406030204" pitchFamily="18" charset="0"/>
+                            </a:rPr>
+                            <m:t>𝑆𝐺</m:t>
+                          </m:r>
+                          <m:r>
+                            <a:rPr lang="en-US" altLang="zh-TW" sz="5400" i="1">
+                              <a:solidFill>
+                                <a:srgbClr val="FFEBCD"/>
+                              </a:solidFill>
+                              <a:latin typeface="Cambria Math" panose="02040503050406030204" pitchFamily="18" charset="0"/>
+                              <a:ea typeface="Cambria Math" panose="02040503050406030204" pitchFamily="18" charset="0"/>
+                            </a:rPr>
+                            <m:t>(</m:t>
+                          </m:r>
+                          <m:sSup>
+                            <m:sSupPr>
+                              <m:ctrlPr>
+                                <a:rPr lang="en-US" altLang="zh-TW" sz="5400" i="1">
+                                  <a:solidFill>
+                                    <a:srgbClr val="FFEBCD"/>
+                                  </a:solidFill>
+                                  <a:latin typeface="Cambria Math" panose="02040503050406030204" pitchFamily="18" charset="0"/>
+                                  <a:ea typeface="Cambria Math" panose="02040503050406030204" pitchFamily="18" charset="0"/>
+                                </a:rPr>
+                              </m:ctrlPr>
+                            </m:sSupPr>
+                            <m:e>
+                              <m:acc>
+                                <m:accPr>
+                                  <m:chr m:val="⃑"/>
+                                  <m:ctrlPr>
+                                    <a:rPr lang="en-US" altLang="zh-TW" sz="5400" i="1">
+                                      <a:solidFill>
+                                        <a:srgbClr val="FFEBCD"/>
+                                      </a:solidFill>
+                                      <a:latin typeface="Cambria Math" panose="02040503050406030204" pitchFamily="18" charset="0"/>
+                                      <a:ea typeface="Cambria Math" panose="02040503050406030204" pitchFamily="18" charset="0"/>
+                                    </a:rPr>
+                                  </m:ctrlPr>
+                                </m:accPr>
+                                <m:e>
+                                  <m:r>
+                                    <a:rPr lang="en-US" altLang="zh-TW" sz="5400" i="1">
+                                      <a:solidFill>
+                                        <a:srgbClr val="FFEBCD"/>
+                                      </a:solidFill>
+                                      <a:latin typeface="Cambria Math" panose="02040503050406030204" pitchFamily="18" charset="0"/>
+                                      <a:ea typeface="Cambria Math" panose="02040503050406030204" pitchFamily="18" charset="0"/>
+                                    </a:rPr>
+                                    <m:t>𝑧</m:t>
+                                  </m:r>
+                                </m:e>
+                              </m:acc>
+                            </m:e>
+                            <m:sup>
+                              <m:r>
+                                <a:rPr lang="en-US" altLang="zh-TW" sz="5400" i="1">
+                                  <a:solidFill>
+                                    <a:srgbClr val="FFEBCD"/>
+                                  </a:solidFill>
+                                  <a:latin typeface="Cambria Math" panose="02040503050406030204" pitchFamily="18" charset="0"/>
+                                  <a:ea typeface="Cambria Math" panose="02040503050406030204" pitchFamily="18" charset="0"/>
+                                </a:rPr>
+                                <m:t>′</m:t>
+                              </m:r>
+                            </m:sup>
+                          </m:sSup>
+                          <m:r>
+                            <a:rPr lang="en-US" altLang="zh-TW" sz="5400" i="1">
+                              <a:solidFill>
+                                <a:srgbClr val="FFEBCD"/>
+                              </a:solidFill>
+                              <a:latin typeface="Cambria Math" panose="02040503050406030204" pitchFamily="18" charset="0"/>
+                              <a:ea typeface="Cambria Math" panose="02040503050406030204" pitchFamily="18" charset="0"/>
+                            </a:rPr>
+                            <m:t>)</m:t>
+                          </m:r>
+                          <m:r>
+                            <m:rPr>
+                              <m:nor/>
+                            </m:rPr>
+                            <a:rPr lang="zh-TW" altLang="en-US" sz="5400" dirty="0">
+                              <a:solidFill>
+                                <a:srgbClr val="FFEBCD"/>
+                              </a:solidFill>
+                            </a:rPr>
+                            <m:t> </m:t>
+                          </m:r>
+                        </m:num>
+                        <m:den>
+                          <m:sSub>
+                            <m:sSubPr>
+                              <m:ctrlPr>
+                                <a:rPr lang="en-US" altLang="zh-TW" sz="5400" i="1" smtClean="0">
+                                  <a:solidFill>
+                                    <a:srgbClr val="FFEBCD"/>
+                                  </a:solidFill>
+                                  <a:latin typeface="Cambria Math" panose="02040503050406030204" pitchFamily="18" charset="0"/>
+                                  <a:ea typeface="Cambria Math" panose="02040503050406030204" pitchFamily="18" charset="0"/>
+                                </a:rPr>
+                              </m:ctrlPr>
+                            </m:sSubPr>
+                            <m:e>
+                              <m:d>
+                                <m:dPr>
+                                  <m:begChr m:val="‖"/>
+                                  <m:endChr m:val="‖"/>
+                                  <m:ctrlPr>
+                                    <a:rPr lang="en-US" altLang="zh-TW" sz="5400" i="1" smtClean="0">
+                                      <a:solidFill>
+                                        <a:srgbClr val="FFEBCD"/>
+                                      </a:solidFill>
+                                      <a:latin typeface="Cambria Math" panose="02040503050406030204" pitchFamily="18" charset="0"/>
+                                      <a:ea typeface="Cambria Math" panose="02040503050406030204" pitchFamily="18" charset="0"/>
+                                    </a:rPr>
+                                  </m:ctrlPr>
+                                </m:dPr>
+                                <m:e>
+                                  <m:acc>
+                                    <m:accPr>
+                                      <m:chr m:val="⃑"/>
+                                      <m:ctrlPr>
+                                        <a:rPr lang="en-US" altLang="zh-TW" sz="5400" i="1">
+                                          <a:solidFill>
+                                            <a:srgbClr val="FFEBCD"/>
+                                          </a:solidFill>
+                                          <a:latin typeface="Cambria Math" panose="02040503050406030204" pitchFamily="18" charset="0"/>
+                                        </a:rPr>
+                                      </m:ctrlPr>
+                                    </m:accPr>
+                                    <m:e>
+                                      <m:r>
+                                        <a:rPr lang="en-US" altLang="zh-TW" sz="5400" i="1">
+                                          <a:solidFill>
+                                            <a:srgbClr val="FFEBCD"/>
+                                          </a:solidFill>
+                                          <a:latin typeface="Cambria Math" panose="02040503050406030204" pitchFamily="18" charset="0"/>
+                                        </a:rPr>
+                                        <m:t>𝑝</m:t>
+                                      </m:r>
+                                    </m:e>
+                                  </m:acc>
+                                </m:e>
+                              </m:d>
+                            </m:e>
+                            <m:sub>
+                              <m:r>
+                                <a:rPr lang="en-US" altLang="zh-TW" sz="5400" b="0" i="1" smtClean="0">
+                                  <a:solidFill>
+                                    <a:srgbClr val="FFEBCD"/>
+                                  </a:solidFill>
+                                  <a:latin typeface="Cambria Math" panose="02040503050406030204" pitchFamily="18" charset="0"/>
+                                  <a:ea typeface="Cambria Math" panose="02040503050406030204" pitchFamily="18" charset="0"/>
+                                </a:rPr>
+                                <m:t>2</m:t>
+                              </m:r>
+                            </m:sub>
+                          </m:sSub>
+                          <m:sSub>
+                            <m:sSubPr>
+                              <m:ctrlPr>
+                                <a:rPr lang="en-US" altLang="zh-TW" sz="5400" i="1">
+                                  <a:solidFill>
+                                    <a:srgbClr val="FFEBCD"/>
+                                  </a:solidFill>
+                                  <a:latin typeface="Cambria Math" panose="02040503050406030204" pitchFamily="18" charset="0"/>
+                                  <a:ea typeface="Cambria Math" panose="02040503050406030204" pitchFamily="18" charset="0"/>
+                                </a:rPr>
+                              </m:ctrlPr>
+                            </m:sSubPr>
+                            <m:e>
+                              <m:d>
+                                <m:dPr>
+                                  <m:begChr m:val="‖"/>
+                                  <m:endChr m:val="‖"/>
+                                  <m:ctrlPr>
+                                    <a:rPr lang="en-US" altLang="zh-TW" sz="5400" i="1">
+                                      <a:solidFill>
+                                        <a:srgbClr val="FFEBCD"/>
+                                      </a:solidFill>
+                                      <a:latin typeface="Cambria Math" panose="02040503050406030204" pitchFamily="18" charset="0"/>
+                                      <a:ea typeface="Cambria Math" panose="02040503050406030204" pitchFamily="18" charset="0"/>
+                                    </a:rPr>
+                                  </m:ctrlPr>
+                                </m:dPr>
+                                <m:e>
+                                  <m:r>
+                                    <a:rPr lang="en-US" altLang="zh-TW" sz="5400" i="1">
+                                      <a:solidFill>
+                                        <a:srgbClr val="FFEBCD"/>
+                                      </a:solidFill>
+                                      <a:latin typeface="Cambria Math" panose="02040503050406030204" pitchFamily="18" charset="0"/>
+                                      <a:ea typeface="Cambria Math" panose="02040503050406030204" pitchFamily="18" charset="0"/>
+                                    </a:rPr>
+                                    <m:t>𝑆𝐺</m:t>
+                                  </m:r>
+                                  <m:r>
+                                    <a:rPr lang="en-US" altLang="zh-TW" sz="5400" i="1">
+                                      <a:solidFill>
+                                        <a:srgbClr val="FFEBCD"/>
+                                      </a:solidFill>
+                                      <a:latin typeface="Cambria Math" panose="02040503050406030204" pitchFamily="18" charset="0"/>
+                                      <a:ea typeface="Cambria Math" panose="02040503050406030204" pitchFamily="18" charset="0"/>
+                                    </a:rPr>
+                                    <m:t>(</m:t>
+                                  </m:r>
+                                  <m:sSup>
+                                    <m:sSupPr>
+                                      <m:ctrlPr>
+                                        <a:rPr lang="en-US" altLang="zh-TW" sz="5400" i="1">
+                                          <a:solidFill>
+                                            <a:srgbClr val="FFEBCD"/>
+                                          </a:solidFill>
+                                          <a:latin typeface="Cambria Math" panose="02040503050406030204" pitchFamily="18" charset="0"/>
+                                          <a:ea typeface="Cambria Math" panose="02040503050406030204" pitchFamily="18" charset="0"/>
+                                        </a:rPr>
+                                      </m:ctrlPr>
+                                    </m:sSupPr>
+                                    <m:e>
+                                      <m:acc>
+                                        <m:accPr>
+                                          <m:chr m:val="⃑"/>
+                                          <m:ctrlPr>
+                                            <a:rPr lang="en-US" altLang="zh-TW" sz="5400" i="1">
+                                              <a:solidFill>
+                                                <a:srgbClr val="FFEBCD"/>
+                                              </a:solidFill>
+                                              <a:latin typeface="Cambria Math" panose="02040503050406030204" pitchFamily="18" charset="0"/>
+                                              <a:ea typeface="Cambria Math" panose="02040503050406030204" pitchFamily="18" charset="0"/>
+                                            </a:rPr>
+                                          </m:ctrlPr>
+                                        </m:accPr>
+                                        <m:e>
+                                          <m:r>
+                                            <a:rPr lang="en-US" altLang="zh-TW" sz="5400" i="1">
+                                              <a:solidFill>
+                                                <a:srgbClr val="FFEBCD"/>
+                                              </a:solidFill>
+                                              <a:latin typeface="Cambria Math" panose="02040503050406030204" pitchFamily="18" charset="0"/>
+                                              <a:ea typeface="Cambria Math" panose="02040503050406030204" pitchFamily="18" charset="0"/>
+                                            </a:rPr>
+                                            <m:t>𝑧</m:t>
+                                          </m:r>
+                                        </m:e>
+                                      </m:acc>
+                                    </m:e>
+                                    <m:sup>
+                                      <m:r>
+                                        <a:rPr lang="en-US" altLang="zh-TW" sz="5400" i="1">
+                                          <a:solidFill>
+                                            <a:srgbClr val="FFEBCD"/>
+                                          </a:solidFill>
+                                          <a:latin typeface="Cambria Math" panose="02040503050406030204" pitchFamily="18" charset="0"/>
+                                          <a:ea typeface="Cambria Math" panose="02040503050406030204" pitchFamily="18" charset="0"/>
+                                        </a:rPr>
+                                        <m:t>′</m:t>
+                                      </m:r>
+                                    </m:sup>
+                                  </m:sSup>
+                                  <m:r>
+                                    <a:rPr lang="en-US" altLang="zh-TW" sz="5400" i="1">
+                                      <a:solidFill>
+                                        <a:srgbClr val="FFEBCD"/>
+                                      </a:solidFill>
+                                      <a:latin typeface="Cambria Math" panose="02040503050406030204" pitchFamily="18" charset="0"/>
+                                      <a:ea typeface="Cambria Math" panose="02040503050406030204" pitchFamily="18" charset="0"/>
+                                    </a:rPr>
+                                    <m:t>)</m:t>
+                                  </m:r>
+                                </m:e>
+                              </m:d>
+                            </m:e>
+                            <m:sub>
+                              <m:r>
+                                <a:rPr lang="en-US" altLang="zh-TW" sz="5400" i="1">
+                                  <a:solidFill>
+                                    <a:srgbClr val="FFEBCD"/>
+                                  </a:solidFill>
+                                  <a:latin typeface="Cambria Math" panose="02040503050406030204" pitchFamily="18" charset="0"/>
+                                  <a:ea typeface="Cambria Math" panose="02040503050406030204" pitchFamily="18" charset="0"/>
+                                </a:rPr>
+                                <m:t>2</m:t>
+                              </m:r>
+                            </m:sub>
+                          </m:sSub>
+                        </m:den>
+                      </m:f>
+                    </m:oMath>
+                  </m:oMathPara>
+                </a14:m>
+                <a:endParaRPr lang="zh-TW" altLang="en-US" sz="5400" dirty="0">
+                  <a:solidFill>
+                    <a:srgbClr val="FFEBCD"/>
+                  </a:solidFill>
+                </a:endParaRPr>
+              </a:p>
+            </p:txBody>
+          </p:sp>
+        </mc:Choice>
+        <mc:Fallback>
+          <p:sp>
+            <p:nvSpPr>
+              <p:cNvPr id="3" name="文字方塊 2"/>
+              <p:cNvSpPr txBox="1">
+                <a:spLocks noRot="1" noChangeAspect="1" noMove="1" noResize="1" noEditPoints="1" noAdjustHandles="1" noChangeArrowheads="1" noChangeShapeType="1" noTextEdit="1"/>
+              </p:cNvSpPr>
+              <p:nvPr/>
+            </p:nvSpPr>
+            <p:spPr>
+              <a:xfrm>
+                <a:off x="9159240" y="10340340"/>
+                <a:ext cx="4663440" cy="1786771"/>
+              </a:xfrm>
+              <a:prstGeom prst="rect">
+                <a:avLst/>
+              </a:prstGeom>
+              <a:blipFill rotWithShape="0">
+                <a:blip r:embed="rId3"/>
+                <a:stretch>
+                  <a:fillRect/>
+                </a:stretch>
+              </a:blipFill>
+            </p:spPr>
+            <p:txBody>
+              <a:bodyPr/>
+              <a:lstStyle/>
+              <a:p>
+                <a:r>
+                  <a:rPr lang="zh-TW" altLang="en-US">
+                    <a:noFill/>
+                  </a:rPr>
+                  <a:t> </a:t>
+                </a:r>
+              </a:p>
+            </p:txBody>
+          </p:sp>
+        </mc:Fallback>
+      </mc:AlternateContent>
+    </p:spTree>
+    <p:extLst>
+      <p:ext uri="{BB962C8B-B14F-4D97-AF65-F5344CB8AC3E}">
+        <p14:creationId xmlns:p14="http://schemas.microsoft.com/office/powerpoint/2010/main" val="2406470453"/>
+      </p:ext>
+    </p:extLst>
+  </p:cSld>
+  <p:clrMapOvr>
+    <a:masterClrMapping/>
+  </p:clrMapOvr>
+  <p:timing>
+    <p:tnLst>
+      <p:par>
+        <p:cTn id="1" dur="indefinite" restart="never" nodeType="tmRoot"/>
+      </p:par>
+    </p:tnLst>
+  </p:timing>
+</p:sld>
+</file>
+
+<file path=ppt/slides/slide4.xml><?xml version="1.0" encoding="utf-8"?>
+<p:sld xmlns:a="http://schemas.openxmlformats.org/drawingml/2006/main" xmlns:r="http://schemas.openxmlformats.org/officeDocument/2006/relationships" xmlns:p="http://schemas.openxmlformats.org/presentationml/2006/main">
+  <p:cSld>
+    <p:bg>
+      <p:bgPr>
+        <a:solidFill>
+          <a:srgbClr val="282828"/>
+        </a:solidFill>
+        <a:effectLst/>
+      </p:bgPr>
+    </p:bg>
+    <p:spTree>
+      <p:nvGrpSpPr>
+        <p:cNvPr id="1" name=""/>
+        <p:cNvGrpSpPr/>
+        <p:nvPr/>
+      </p:nvGrpSpPr>
+      <p:grpSpPr>
+        <a:xfrm>
+          <a:off x="0" y="0"/>
+          <a:ext cx="0" cy="0"/>
+          <a:chOff x="0" y="0"/>
+          <a:chExt cx="0" cy="0"/>
+        </a:xfrm>
+      </p:grpSpPr>
       <p:grpSp>
         <p:nvGrpSpPr>
-          <p:cNvPr id="5" name="群組 4"/>
+          <p:cNvPr id="15" name="群組 14"/>
           <p:cNvGrpSpPr/>
           <p:nvPr/>
         </p:nvGrpSpPr>
         <p:grpSpPr>
           <a:xfrm>
-            <a:off x="5334225" y="6472132"/>
-            <a:ext cx="11163604" cy="5486627"/>
-            <a:chOff x="5334225" y="6472132"/>
-            <a:chExt cx="11163604" cy="5486627"/>
+            <a:off x="9039489" y="3784077"/>
+            <a:ext cx="4050648" cy="11310320"/>
+            <a:chOff x="9039489" y="3784077"/>
+            <a:chExt cx="4050648" cy="11310320"/>
           </a:xfrm>
         </p:grpSpPr>
         <p:sp>
           <p:nvSpPr>
-            <p:cNvPr id="145" name="圓角矩形 144"/>
+            <p:cNvPr id="17" name="圓角矩形 16"/>
             <p:cNvSpPr/>
             <p:nvPr/>
           </p:nvSpPr>
           <p:spPr>
             <a:xfrm>
-              <a:off x="5334225" y="10789424"/>
+              <a:off x="9612941" y="3784077"/>
               <a:ext cx="2903253" cy="1169335"/>
             </a:xfrm>
             <a:prstGeom prst="roundRect">
@@ -6171,13 +7543,13 @@
         </p:sp>
         <p:sp>
           <p:nvSpPr>
-            <p:cNvPr id="146" name="圓角矩形 145"/>
+            <p:cNvPr id="18" name="圓角矩形 17"/>
             <p:cNvSpPr/>
             <p:nvPr/>
           </p:nvSpPr>
           <p:spPr>
             <a:xfrm>
-              <a:off x="13594576" y="10789424"/>
+              <a:off x="9613186" y="13925062"/>
               <a:ext cx="2903253" cy="1169335"/>
             </a:xfrm>
             <a:prstGeom prst="roundRect">
@@ -6244,13 +7616,13 @@
         </p:sp>
         <p:sp>
           <p:nvSpPr>
-            <p:cNvPr id="2" name="手繪多邊形 1"/>
+            <p:cNvPr id="19" name="手繪多邊形 18"/>
             <p:cNvSpPr/>
             <p:nvPr/>
           </p:nvSpPr>
           <p:spPr>
-            <a:xfrm rot="5400000">
-              <a:off x="4835518" y="7879338"/>
+            <a:xfrm>
+              <a:off x="9189469" y="4977490"/>
               <a:ext cx="3900668" cy="1432052"/>
             </a:xfrm>
             <a:custGeom>
@@ -6498,17 +7870,17 @@
         </p:sp>
         <p:cxnSp>
           <p:nvCxnSpPr>
-            <p:cNvPr id="117" name="直線單箭頭接點 26"/>
+            <p:cNvPr id="20" name="直線單箭頭接點 26"/>
             <p:cNvCxnSpPr>
-              <a:stCxn id="104" idx="0"/>
-              <a:endCxn id="116" idx="2"/>
+              <a:stCxn id="32" idx="2"/>
+              <a:endCxn id="30" idx="0"/>
             </p:cNvCxnSpPr>
             <p:nvPr/>
           </p:nvCxnSpPr>
           <p:spPr>
-            <a:xfrm flipV="1">
-              <a:off x="9995096" y="8497456"/>
-              <a:ext cx="435965" cy="6449"/>
+            <a:xfrm>
+              <a:off x="11064813" y="10186186"/>
+              <a:ext cx="0" cy="435965"/>
             </a:xfrm>
             <a:prstGeom prst="straightConnector1">
               <a:avLst/>
@@ -6537,16 +7909,17 @@
         </p:cxnSp>
         <p:cxnSp>
           <p:nvCxnSpPr>
-            <p:cNvPr id="198" name="直線單箭頭接點 26"/>
+            <p:cNvPr id="23" name="直線單箭頭接點 26"/>
             <p:cNvCxnSpPr>
-              <a:endCxn id="104" idx="2"/>
+              <a:stCxn id="19" idx="9"/>
+              <a:endCxn id="31" idx="0"/>
             </p:cNvCxnSpPr>
             <p:nvPr/>
           </p:nvCxnSpPr>
           <p:spPr>
-            <a:xfrm rot="5400000" flipV="1">
-              <a:off x="8078151" y="8035754"/>
-              <a:ext cx="0" cy="936302"/>
+            <a:xfrm>
+              <a:off x="11064568" y="6325316"/>
+              <a:ext cx="245" cy="576291"/>
             </a:xfrm>
             <a:prstGeom prst="straightConnector1">
               <a:avLst/>
@@ -6575,13 +7948,13 @@
         </p:cxnSp>
         <p:sp>
           <p:nvSpPr>
-            <p:cNvPr id="227" name="手繪多邊形 226"/>
+            <p:cNvPr id="24" name="手繪多邊形 23"/>
             <p:cNvSpPr/>
             <p:nvPr/>
           </p:nvSpPr>
           <p:spPr>
-            <a:xfrm rot="5400000">
-              <a:off x="13095869" y="7933011"/>
+            <a:xfrm>
+              <a:off x="9039489" y="12696783"/>
               <a:ext cx="3900668" cy="1187109"/>
             </a:xfrm>
             <a:custGeom>
@@ -7507,15 +8880,156 @@
             </a:p>
           </p:txBody>
         </p:sp>
+        <p:cxnSp>
+          <p:nvCxnSpPr>
+            <p:cNvPr id="27" name="直線單箭頭接點 26"/>
+            <p:cNvCxnSpPr>
+              <a:stCxn id="30" idx="2"/>
+            </p:cNvCxnSpPr>
+            <p:nvPr/>
+          </p:nvCxnSpPr>
+          <p:spPr>
+            <a:xfrm flipH="1">
+              <a:off x="11064811" y="12070945"/>
+              <a:ext cx="2" cy="625838"/>
+            </a:xfrm>
+            <a:prstGeom prst="straightConnector1">
+              <a:avLst/>
+            </a:prstGeom>
+            <a:ln w="82550">
+              <a:solidFill>
+                <a:srgbClr val="FFEBCD"/>
+              </a:solidFill>
+              <a:tailEnd type="triangle"/>
+            </a:ln>
+          </p:spPr>
+          <p:style>
+            <a:lnRef idx="1">
+              <a:schemeClr val="accent1"/>
+            </a:lnRef>
+            <a:fillRef idx="0">
+              <a:schemeClr val="accent1"/>
+            </a:fillRef>
+            <a:effectRef idx="0">
+              <a:schemeClr val="accent1"/>
+            </a:effectRef>
+            <a:fontRef idx="minor">
+              <a:schemeClr val="tx1"/>
+            </a:fontRef>
+          </p:style>
+        </p:cxnSp>
+        <p:cxnSp>
+          <p:nvCxnSpPr>
+            <p:cNvPr id="29" name="直線單箭頭接點 26"/>
+            <p:cNvCxnSpPr>
+              <a:stCxn id="31" idx="2"/>
+              <a:endCxn id="32" idx="0"/>
+            </p:cNvCxnSpPr>
+            <p:nvPr/>
+          </p:nvCxnSpPr>
+          <p:spPr>
+            <a:xfrm>
+              <a:off x="11064813" y="8350401"/>
+              <a:ext cx="0" cy="435964"/>
+            </a:xfrm>
+            <a:prstGeom prst="straightConnector1">
+              <a:avLst/>
+            </a:prstGeom>
+            <a:ln w="82550">
+              <a:solidFill>
+                <a:srgbClr val="FFEBCD"/>
+              </a:solidFill>
+              <a:tailEnd type="triangle"/>
+            </a:ln>
+          </p:spPr>
+          <p:style>
+            <a:lnRef idx="1">
+              <a:schemeClr val="accent1"/>
+            </a:lnRef>
+            <a:fillRef idx="0">
+              <a:schemeClr val="accent1"/>
+            </a:fillRef>
+            <a:effectRef idx="0">
+              <a:schemeClr val="accent1"/>
+            </a:effectRef>
+            <a:fontRef idx="minor">
+              <a:schemeClr val="tx1"/>
+            </a:fontRef>
+          </p:style>
+        </p:cxnSp>
         <p:sp>
           <p:nvSpPr>
-            <p:cNvPr id="104" name="圓角矩形 103"/>
+            <p:cNvPr id="30" name="圓角矩形 29"/>
             <p:cNvSpPr/>
             <p:nvPr/>
           </p:nvSpPr>
           <p:spPr>
-            <a:xfrm rot="5400000">
-              <a:off x="7245375" y="7779508"/>
+            <a:xfrm>
+              <a:off x="9039489" y="10622151"/>
+              <a:ext cx="4050648" cy="1448794"/>
+            </a:xfrm>
+            <a:prstGeom prst="roundRect">
+              <a:avLst>
+                <a:gd name="adj" fmla="val 12899"/>
+              </a:avLst>
+            </a:prstGeom>
+            <a:solidFill>
+              <a:srgbClr val="D8BEEC"/>
+            </a:solidFill>
+            <a:ln w="31750">
+              <a:solidFill>
+                <a:srgbClr val="FFEBCD"/>
+              </a:solidFill>
+            </a:ln>
+          </p:spPr>
+          <p:style>
+            <a:lnRef idx="2">
+              <a:schemeClr val="accent1">
+                <a:shade val="50000"/>
+              </a:schemeClr>
+            </a:lnRef>
+            <a:fillRef idx="1">
+              <a:schemeClr val="accent1"/>
+            </a:fillRef>
+            <a:effectRef idx="0">
+              <a:schemeClr val="accent1"/>
+            </a:effectRef>
+            <a:fontRef idx="minor">
+              <a:schemeClr val="lt1"/>
+            </a:fontRef>
+          </p:style>
+          <p:txBody>
+            <a:bodyPr rtlCol="0" anchor="ctr"/>
+            <a:lstStyle/>
+            <a:p>
+              <a:pPr algn="ctr"/>
+              <a:r>
+                <a:rPr lang="en-US" altLang="zh-TW" sz="3600" dirty="0" smtClean="0">
+                  <a:solidFill>
+                    <a:srgbClr val="282828"/>
+                  </a:solidFill>
+                  <a:latin typeface="SauceCodePro Nerd Font" panose="020B0509030403020204" pitchFamily="49" charset="0"/>
+                </a:rPr>
+                <a:t>Decoder</a:t>
+              </a:r>
+              <a:endParaRPr lang="zh-TW" altLang="en-US" sz="3600" dirty="0">
+                <a:solidFill>
+                  <a:srgbClr val="282828"/>
+                </a:solidFill>
+                <a:latin typeface="SauceCodePro Nerd Font" panose="020B0509030403020204" pitchFamily="49" charset="0"/>
+              </a:endParaRPr>
+            </a:p>
+          </p:txBody>
+        </p:sp>
+        <p:sp>
+          <p:nvSpPr>
+            <p:cNvPr id="31" name="圓角矩形 30"/>
+            <p:cNvSpPr/>
+            <p:nvPr/>
+          </p:nvSpPr>
+          <p:spPr>
+            <a:xfrm>
+              <a:off x="9039489" y="6901607"/>
               <a:ext cx="4050648" cy="1448794"/>
             </a:xfrm>
             <a:prstGeom prst="roundRect">
@@ -7573,13 +9087,13 @@
         </p:sp>
         <p:sp>
           <p:nvSpPr>
-            <p:cNvPr id="116" name="圓角矩形 115"/>
+            <p:cNvPr id="32" name="圓角矩形 31"/>
             <p:cNvSpPr/>
             <p:nvPr/>
           </p:nvSpPr>
           <p:spPr>
-            <a:xfrm rot="5400000">
-              <a:off x="9201788" y="7797545"/>
+            <a:xfrm>
+              <a:off x="9135630" y="8786365"/>
               <a:ext cx="3858366" cy="1399821"/>
             </a:xfrm>
             <a:prstGeom prst="roundRect">
@@ -7636,152 +9150,6027 @@
             </a:p>
           </p:txBody>
         </p:sp>
-        <p:cxnSp>
-          <p:nvCxnSpPr>
-            <p:cNvPr id="135" name="直線單箭頭接點 26"/>
-            <p:cNvCxnSpPr>
-              <a:stCxn id="21" idx="0"/>
-            </p:cNvCxnSpPr>
-            <p:nvPr/>
-          </p:nvCxnSpPr>
-          <p:spPr>
-            <a:xfrm rot="5400000" flipV="1">
-              <a:off x="14057114" y="8155982"/>
-              <a:ext cx="0" cy="682948"/>
-            </a:xfrm>
-            <a:prstGeom prst="straightConnector1">
-              <a:avLst/>
-            </a:prstGeom>
-            <a:ln w="82550">
-              <a:solidFill>
-                <a:srgbClr val="FFEBCD"/>
-              </a:solidFill>
-              <a:tailEnd type="triangle"/>
-            </a:ln>
-          </p:spPr>
-          <p:style>
-            <a:lnRef idx="1">
-              <a:schemeClr val="accent1"/>
-            </a:lnRef>
-            <a:fillRef idx="0">
-              <a:schemeClr val="accent1"/>
-            </a:fillRef>
-            <a:effectRef idx="0">
-              <a:schemeClr val="accent1"/>
-            </a:effectRef>
-            <a:fontRef idx="minor">
-              <a:schemeClr val="tx1"/>
-            </a:fontRef>
-          </p:style>
-        </p:cxnSp>
-        <p:sp>
-          <p:nvSpPr>
-            <p:cNvPr id="21" name="圓角矩形 20"/>
-            <p:cNvSpPr/>
-            <p:nvPr/>
-          </p:nvSpPr>
-          <p:spPr>
-            <a:xfrm rot="5400000">
-              <a:off x="10965919" y="7773059"/>
-              <a:ext cx="4050648" cy="1448794"/>
-            </a:xfrm>
-            <a:prstGeom prst="roundRect">
-              <a:avLst>
-                <a:gd name="adj" fmla="val 12899"/>
-              </a:avLst>
-            </a:prstGeom>
-            <a:solidFill>
-              <a:srgbClr val="D8BEEC"/>
-            </a:solidFill>
-            <a:ln w="31750">
-              <a:solidFill>
-                <a:srgbClr val="FFEBCD"/>
-              </a:solidFill>
-            </a:ln>
-          </p:spPr>
-          <p:style>
-            <a:lnRef idx="2">
-              <a:schemeClr val="accent1">
-                <a:shade val="50000"/>
-              </a:schemeClr>
-            </a:lnRef>
-            <a:fillRef idx="1">
-              <a:schemeClr val="accent1"/>
-            </a:fillRef>
-            <a:effectRef idx="0">
-              <a:schemeClr val="accent1"/>
-            </a:effectRef>
-            <a:fontRef idx="minor">
-              <a:schemeClr val="lt1"/>
-            </a:fontRef>
-          </p:style>
-          <p:txBody>
-            <a:bodyPr rtlCol="0" anchor="ctr"/>
-            <a:lstStyle/>
-            <a:p>
-              <a:pPr algn="ctr"/>
-              <a:r>
-                <a:rPr lang="en-US" altLang="zh-TW" sz="3600" dirty="0" smtClean="0">
-                  <a:solidFill>
-                    <a:srgbClr val="282828"/>
-                  </a:solidFill>
-                  <a:latin typeface="SauceCodePro Nerd Font" panose="020B0509030403020204" pitchFamily="49" charset="0"/>
-                </a:rPr>
-                <a:t>Decoder</a:t>
-              </a:r>
-              <a:endParaRPr lang="zh-TW" altLang="en-US" sz="3600" dirty="0">
-                <a:solidFill>
-                  <a:srgbClr val="282828"/>
-                </a:solidFill>
-                <a:latin typeface="SauceCodePro Nerd Font" panose="020B0509030403020204" pitchFamily="49" charset="0"/>
-              </a:endParaRPr>
-            </a:p>
-          </p:txBody>
-        </p:sp>
-        <p:cxnSp>
-          <p:nvCxnSpPr>
-            <p:cNvPr id="22" name="直線單箭頭接點 26"/>
-            <p:cNvCxnSpPr>
-              <a:stCxn id="116" idx="0"/>
-              <a:endCxn id="21" idx="2"/>
-            </p:cNvCxnSpPr>
-            <p:nvPr/>
-          </p:nvCxnSpPr>
-          <p:spPr>
-            <a:xfrm rot="5400000" flipV="1">
-              <a:off x="12048864" y="8279474"/>
-              <a:ext cx="0" cy="435964"/>
-            </a:xfrm>
-            <a:prstGeom prst="straightConnector1">
-              <a:avLst/>
-            </a:prstGeom>
-            <a:ln w="82550">
-              <a:solidFill>
-                <a:srgbClr val="FFEBCD"/>
-              </a:solidFill>
-              <a:tailEnd type="triangle"/>
-            </a:ln>
-          </p:spPr>
-          <p:style>
-            <a:lnRef idx="1">
-              <a:schemeClr val="accent1"/>
-            </a:lnRef>
-            <a:fillRef idx="0">
-              <a:schemeClr val="accent1"/>
-            </a:fillRef>
-            <a:effectRef idx="0">
-              <a:schemeClr val="accent1"/>
-            </a:effectRef>
-            <a:fontRef idx="minor">
-              <a:schemeClr val="tx1"/>
-            </a:fontRef>
-          </p:style>
-        </p:cxnSp>
       </p:grpSp>
     </p:spTree>
     <p:extLst>
       <p:ext uri="{BB962C8B-B14F-4D97-AF65-F5344CB8AC3E}">
         <p14:creationId xmlns:p14="http://schemas.microsoft.com/office/powerpoint/2010/main" val="609113187"/>
+      </p:ext>
+    </p:extLst>
+  </p:cSld>
+  <p:clrMapOvr>
+    <a:masterClrMapping/>
+  </p:clrMapOvr>
+  <p:timing>
+    <p:tnLst>
+      <p:par>
+        <p:cTn id="1" dur="indefinite" restart="never" nodeType="tmRoot"/>
+      </p:par>
+    </p:tnLst>
+  </p:timing>
+</p:sld>
+</file>
+
+<file path=ppt/slides/slide5.xml><?xml version="1.0" encoding="utf-8"?>
+<p:sld xmlns:a="http://schemas.openxmlformats.org/drawingml/2006/main" xmlns:r="http://schemas.openxmlformats.org/officeDocument/2006/relationships" xmlns:p="http://schemas.openxmlformats.org/presentationml/2006/main">
+  <p:cSld>
+    <p:bg>
+      <p:bgPr>
+        <a:solidFill>
+          <a:srgbClr val="282828"/>
+        </a:solidFill>
+        <a:effectLst/>
+      </p:bgPr>
+    </p:bg>
+    <p:spTree>
+      <p:nvGrpSpPr>
+        <p:cNvPr id="1" name=""/>
+        <p:cNvGrpSpPr/>
+        <p:nvPr/>
+      </p:nvGrpSpPr>
+      <p:grpSpPr>
+        <a:xfrm>
+          <a:off x="0" y="0"/>
+          <a:ext cx="0" cy="0"/>
+          <a:chOff x="0" y="0"/>
+          <a:chExt cx="0" cy="0"/>
+        </a:xfrm>
+      </p:grpSpPr>
+      <p:graphicFrame>
+        <p:nvGraphicFramePr>
+          <p:cNvPr id="10" name="表格 9"/>
+          <p:cNvGraphicFramePr>
+            <a:graphicFrameLocks noGrp="1"/>
+          </p:cNvGraphicFramePr>
+          <p:nvPr>
+            <p:extLst>
+              <p:ext uri="{D42A27DB-BD31-4B8C-83A1-F6EECF244321}">
+                <p14:modId xmlns:p14="http://schemas.microsoft.com/office/powerpoint/2010/main" val="4026887958"/>
+              </p:ext>
+            </p:extLst>
+          </p:nvPr>
+        </p:nvGraphicFramePr>
+        <p:xfrm>
+          <a:off x="1835881" y="2935968"/>
+          <a:ext cx="7186199" cy="2849136"/>
+        </p:xfrm>
+        <a:graphic>
+          <a:graphicData uri="http://schemas.openxmlformats.org/drawingml/2006/table">
+            <a:tbl>
+              <a:tblPr firstRow="1" bandRow="1">
+                <a:tableStyleId>{5C22544A-7EE6-4342-B048-85BDC9FD1C3A}</a:tableStyleId>
+              </a:tblPr>
+              <a:tblGrid>
+                <a:gridCol w="7186199"/>
+              </a:tblGrid>
+              <a:tr h="746016">
+                <a:tc>
+                  <a:txBody>
+                    <a:bodyPr/>
+                    <a:lstStyle/>
+                    <a:p>
+                      <a:r>
+                        <a:rPr lang="en-US" altLang="zh-TW" sz="4000" b="0" dirty="0" smtClean="0">
+                          <a:solidFill>
+                            <a:srgbClr val="FFEBCD"/>
+                          </a:solidFill>
+                          <a:latin typeface="Source Code Pro" panose="020B0509030403020204" pitchFamily="49" charset="0"/>
+                        </a:rPr>
+                        <a:t>Conv1d(C</a:t>
+                      </a:r>
+                      <a:r>
+                        <a:rPr lang="en-US" altLang="zh-TW" sz="4000" b="0" baseline="-25000" dirty="0" smtClean="0">
+                          <a:solidFill>
+                            <a:srgbClr val="FFEBCD"/>
+                          </a:solidFill>
+                          <a:latin typeface="Source Code Pro" panose="020B0509030403020204" pitchFamily="49" charset="0"/>
+                        </a:rPr>
+                        <a:t>i</a:t>
+                      </a:r>
+                      <a:r>
+                        <a:rPr lang="en-US" altLang="zh-TW" sz="4000" b="0" dirty="0" smtClean="0">
+                          <a:solidFill>
+                            <a:srgbClr val="FFEBCD"/>
+                          </a:solidFill>
+                          <a:latin typeface="Source Code Pro" panose="020B0509030403020204" pitchFamily="49" charset="0"/>
+                        </a:rPr>
+                        <a:t>,C</a:t>
+                      </a:r>
+                      <a:r>
+                        <a:rPr lang="en-US" altLang="zh-TW" sz="4000" b="0" baseline="-25000" dirty="0" smtClean="0">
+                          <a:solidFill>
+                            <a:srgbClr val="FFEBCD"/>
+                          </a:solidFill>
+                          <a:latin typeface="Source Code Pro" panose="020B0509030403020204" pitchFamily="49" charset="0"/>
+                        </a:rPr>
+                        <a:t>o</a:t>
+                      </a:r>
+                      <a:r>
+                        <a:rPr lang="en-US" altLang="zh-TW" sz="4000" b="0" dirty="0" smtClean="0">
+                          <a:solidFill>
+                            <a:srgbClr val="FFEBCD"/>
+                          </a:solidFill>
+                          <a:latin typeface="Source Code Pro" panose="020B0509030403020204" pitchFamily="49" charset="0"/>
+                        </a:rPr>
+                        <a:t>,5,group=g)</a:t>
+                      </a:r>
+                      <a:endParaRPr lang="zh-TW" altLang="en-US" sz="4000" b="0" dirty="0">
+                        <a:solidFill>
+                          <a:srgbClr val="FFEBCD"/>
+                        </a:solidFill>
+                        <a:latin typeface="Source Code Pro" panose="020B0509030403020204" pitchFamily="49" charset="0"/>
+                      </a:endParaRPr>
+                    </a:p>
+                  </a:txBody>
+                  <a:tcPr>
+                    <a:lnL w="12700" cmpd="sng">
+                      <a:noFill/>
+                    </a:lnL>
+                    <a:lnR w="12700" cmpd="sng">
+                      <a:noFill/>
+                    </a:lnR>
+                    <a:lnT w="38100" cap="flat" cmpd="sng" algn="ctr">
+                      <a:solidFill>
+                        <a:srgbClr val="FFEBCD"/>
+                      </a:solidFill>
+                      <a:prstDash val="solid"/>
+                      <a:round/>
+                      <a:headEnd type="none" w="med" len="med"/>
+                      <a:tailEnd type="none" w="med" len="med"/>
+                    </a:lnT>
+                    <a:lnB w="38100" cap="flat" cmpd="sng" algn="ctr">
+                      <a:solidFill>
+                        <a:srgbClr val="FFEBCD"/>
+                      </a:solidFill>
+                      <a:prstDash val="solid"/>
+                      <a:round/>
+                      <a:headEnd type="none" w="med" len="med"/>
+                      <a:tailEnd type="none" w="med" len="med"/>
+                    </a:lnB>
+                    <a:lnTlToBr w="12700" cmpd="sng">
+                      <a:noFill/>
+                      <a:prstDash val="solid"/>
+                    </a:lnTlToBr>
+                    <a:lnBlToTr w="12700" cmpd="sng">
+                      <a:noFill/>
+                      <a:prstDash val="solid"/>
+                    </a:lnBlToTr>
+                    <a:solidFill>
+                      <a:srgbClr val="282828"/>
+                    </a:solidFill>
+                  </a:tcPr>
+                </a:tc>
+              </a:tr>
+              <a:tr h="118607">
+                <a:tc>
+                  <a:txBody>
+                    <a:bodyPr/>
+                    <a:lstStyle/>
+                    <a:p>
+                      <a:r>
+                        <a:rPr lang="en-US" altLang="zh-TW" sz="4000" b="0" dirty="0" smtClean="0">
+                          <a:solidFill>
+                            <a:srgbClr val="FFEBCD"/>
+                          </a:solidFill>
+                          <a:latin typeface="Source Code Pro" panose="020B0509030403020204" pitchFamily="49" charset="0"/>
+                        </a:rPr>
+                        <a:t>GELU()</a:t>
+                      </a:r>
+                      <a:endParaRPr lang="zh-TW" altLang="en-US" sz="4000" b="0" dirty="0">
+                        <a:solidFill>
+                          <a:srgbClr val="FFEBCD"/>
+                        </a:solidFill>
+                        <a:latin typeface="Source Code Pro" panose="020B0509030403020204" pitchFamily="49" charset="0"/>
+                      </a:endParaRPr>
+                    </a:p>
+                  </a:txBody>
+                  <a:tcPr>
+                    <a:lnL w="12700" cmpd="sng">
+                      <a:noFill/>
+                    </a:lnL>
+                    <a:lnR w="12700" cmpd="sng">
+                      <a:noFill/>
+                    </a:lnR>
+                    <a:lnT w="38100" cap="flat" cmpd="sng" algn="ctr">
+                      <a:solidFill>
+                        <a:srgbClr val="FFEBCD"/>
+                      </a:solidFill>
+                      <a:prstDash val="solid"/>
+                      <a:round/>
+                      <a:headEnd type="none" w="med" len="med"/>
+                      <a:tailEnd type="none" w="med" len="med"/>
+                    </a:lnT>
+                    <a:lnB w="38100" cap="flat" cmpd="sng" algn="ctr">
+                      <a:solidFill>
+                        <a:srgbClr val="FFEBCD"/>
+                      </a:solidFill>
+                      <a:prstDash val="solid"/>
+                      <a:round/>
+                      <a:headEnd type="none" w="med" len="med"/>
+                      <a:tailEnd type="none" w="med" len="med"/>
+                    </a:lnB>
+                    <a:lnTlToBr w="12700" cmpd="sng">
+                      <a:noFill/>
+                      <a:prstDash val="solid"/>
+                    </a:lnTlToBr>
+                    <a:lnBlToTr w="12700" cmpd="sng">
+                      <a:noFill/>
+                      <a:prstDash val="solid"/>
+                    </a:lnBlToTr>
+                    <a:solidFill>
+                      <a:srgbClr val="282828"/>
+                    </a:solidFill>
+                  </a:tcPr>
+                </a:tc>
+              </a:tr>
+              <a:tr h="118607">
+                <a:tc>
+                  <a:txBody>
+                    <a:bodyPr/>
+                    <a:lstStyle/>
+                    <a:p>
+                      <a:r>
+                        <a:rPr lang="en-US" altLang="zh-TW" sz="4000" b="0" dirty="0" smtClean="0">
+                          <a:solidFill>
+                            <a:srgbClr val="FFEBCD"/>
+                          </a:solidFill>
+                          <a:latin typeface="Source Code Pro" panose="020B0509030403020204" pitchFamily="49" charset="0"/>
+                        </a:rPr>
+                        <a:t>Maxpool1d(4,4)</a:t>
+                      </a:r>
+                      <a:endParaRPr lang="zh-TW" altLang="en-US" sz="4000" b="0" dirty="0">
+                        <a:solidFill>
+                          <a:srgbClr val="FFEBCD"/>
+                        </a:solidFill>
+                        <a:latin typeface="Source Code Pro" panose="020B0509030403020204" pitchFamily="49" charset="0"/>
+                      </a:endParaRPr>
+                    </a:p>
+                  </a:txBody>
+                  <a:tcPr>
+                    <a:lnL w="12700" cmpd="sng">
+                      <a:noFill/>
+                    </a:lnL>
+                    <a:lnR w="12700" cmpd="sng">
+                      <a:noFill/>
+                    </a:lnR>
+                    <a:lnT w="38100" cap="flat" cmpd="sng" algn="ctr">
+                      <a:solidFill>
+                        <a:srgbClr val="FFEBCD"/>
+                      </a:solidFill>
+                      <a:prstDash val="solid"/>
+                      <a:round/>
+                      <a:headEnd type="none" w="med" len="med"/>
+                      <a:tailEnd type="none" w="med" len="med"/>
+                    </a:lnT>
+                    <a:lnB w="38100" cap="flat" cmpd="sng" algn="ctr">
+                      <a:solidFill>
+                        <a:srgbClr val="FFEBCD"/>
+                      </a:solidFill>
+                      <a:prstDash val="solid"/>
+                      <a:round/>
+                      <a:headEnd type="none" w="med" len="med"/>
+                      <a:tailEnd type="none" w="med" len="med"/>
+                    </a:lnB>
+                    <a:lnTlToBr w="12700" cmpd="sng">
+                      <a:noFill/>
+                      <a:prstDash val="solid"/>
+                    </a:lnTlToBr>
+                    <a:lnBlToTr w="12700" cmpd="sng">
+                      <a:noFill/>
+                      <a:prstDash val="solid"/>
+                    </a:lnBlToTr>
+                    <a:solidFill>
+                      <a:srgbClr val="282828"/>
+                    </a:solidFill>
+                  </a:tcPr>
+                </a:tc>
+              </a:tr>
+              <a:tr h="118607">
+                <a:tc>
+                  <a:txBody>
+                    <a:bodyPr/>
+                    <a:lstStyle/>
+                    <a:p>
+                      <a:r>
+                        <a:rPr lang="en-US" altLang="zh-TW" sz="4000" b="0" dirty="0" smtClean="0">
+                          <a:solidFill>
+                            <a:srgbClr val="FFEBCD"/>
+                          </a:solidFill>
+                          <a:latin typeface="Source Code Pro" panose="020B0509030403020204" pitchFamily="49" charset="0"/>
+                        </a:rPr>
+                        <a:t>BatchNorm1d()</a:t>
+                      </a:r>
+                      <a:endParaRPr lang="zh-TW" altLang="en-US" sz="4000" b="0" dirty="0">
+                        <a:solidFill>
+                          <a:srgbClr val="FFEBCD"/>
+                        </a:solidFill>
+                        <a:latin typeface="Source Code Pro" panose="020B0509030403020204" pitchFamily="49" charset="0"/>
+                      </a:endParaRPr>
+                    </a:p>
+                  </a:txBody>
+                  <a:tcPr>
+                    <a:lnL w="12700" cmpd="sng">
+                      <a:noFill/>
+                    </a:lnL>
+                    <a:lnR w="12700" cmpd="sng">
+                      <a:noFill/>
+                    </a:lnR>
+                    <a:lnT w="38100" cap="flat" cmpd="sng" algn="ctr">
+                      <a:solidFill>
+                        <a:srgbClr val="FFEBCD"/>
+                      </a:solidFill>
+                      <a:prstDash val="solid"/>
+                      <a:round/>
+                      <a:headEnd type="none" w="med" len="med"/>
+                      <a:tailEnd type="none" w="med" len="med"/>
+                    </a:lnT>
+                    <a:lnB w="38100" cap="flat" cmpd="sng" algn="ctr">
+                      <a:solidFill>
+                        <a:srgbClr val="FFEBCD"/>
+                      </a:solidFill>
+                      <a:prstDash val="solid"/>
+                      <a:round/>
+                      <a:headEnd type="none" w="med" len="med"/>
+                      <a:tailEnd type="none" w="med" len="med"/>
+                    </a:lnB>
+                    <a:lnTlToBr w="12700" cmpd="sng">
+                      <a:noFill/>
+                      <a:prstDash val="solid"/>
+                    </a:lnTlToBr>
+                    <a:lnBlToTr w="12700" cmpd="sng">
+                      <a:noFill/>
+                      <a:prstDash val="solid"/>
+                    </a:lnBlToTr>
+                    <a:solidFill>
+                      <a:srgbClr val="282828"/>
+                    </a:solidFill>
+                  </a:tcPr>
+                </a:tc>
+              </a:tr>
+            </a:tbl>
+          </a:graphicData>
+        </a:graphic>
+      </p:graphicFrame>
+      <p:graphicFrame>
+        <p:nvGraphicFramePr>
+          <p:cNvPr id="46" name="表格 45"/>
+          <p:cNvGraphicFramePr>
+            <a:graphicFrameLocks noGrp="1"/>
+          </p:cNvGraphicFramePr>
+          <p:nvPr>
+            <p:extLst>
+              <p:ext uri="{D42A27DB-BD31-4B8C-83A1-F6EECF244321}">
+                <p14:modId xmlns:p14="http://schemas.microsoft.com/office/powerpoint/2010/main" val="3676800578"/>
+              </p:ext>
+            </p:extLst>
+          </p:nvPr>
+        </p:nvGraphicFramePr>
+        <p:xfrm>
+          <a:off x="10388645" y="3417141"/>
+          <a:ext cx="4211275" cy="1310640"/>
+        </p:xfrm>
+        <a:graphic>
+          <a:graphicData uri="http://schemas.openxmlformats.org/drawingml/2006/table">
+            <a:tbl>
+              <a:tblPr firstRow="1" bandRow="1">
+                <a:tableStyleId>{5C22544A-7EE6-4342-B048-85BDC9FD1C3A}</a:tableStyleId>
+              </a:tblPr>
+              <a:tblGrid>
+                <a:gridCol w="4211275"/>
+              </a:tblGrid>
+              <a:tr h="1115787">
+                <a:tc>
+                  <a:txBody>
+                    <a:bodyPr/>
+                    <a:lstStyle/>
+                    <a:p>
+                      <a:pPr marL="0" marR="0" lvl="0" indent="0" algn="l" defTabSz="2159996" rtl="0" eaLnBrk="1" fontAlgn="auto" latinLnBrk="0" hangingPunct="1">
+                        <a:lnSpc>
+                          <a:spcPct val="100000"/>
+                        </a:lnSpc>
+                        <a:spcBef>
+                          <a:spcPts val="0"/>
+                        </a:spcBef>
+                        <a:spcAft>
+                          <a:spcPts val="0"/>
+                        </a:spcAft>
+                        <a:buClrTx/>
+                        <a:buSzTx/>
+                        <a:buFontTx/>
+                        <a:buNone/>
+                        <a:tabLst/>
+                        <a:defRPr/>
+                      </a:pPr>
+                      <a:r>
+                        <a:rPr lang="en-US" altLang="zh-TW" sz="4000" b="0" dirty="0" smtClean="0">
+                          <a:solidFill>
+                            <a:srgbClr val="FFEBCD"/>
+                          </a:solidFill>
+                          <a:latin typeface="SauceCodePro Nerd Font" panose="020B0509030403020204" pitchFamily="49" charset="0"/>
+                        </a:rPr>
+                        <a:t>Down Sample</a:t>
+                      </a:r>
+                    </a:p>
+                    <a:p>
+                      <a:pPr marL="0" marR="0" lvl="0" indent="0" algn="l" defTabSz="2159996" rtl="0" eaLnBrk="1" fontAlgn="auto" latinLnBrk="0" hangingPunct="1">
+                        <a:lnSpc>
+                          <a:spcPct val="100000"/>
+                        </a:lnSpc>
+                        <a:spcBef>
+                          <a:spcPts val="0"/>
+                        </a:spcBef>
+                        <a:spcAft>
+                          <a:spcPts val="0"/>
+                        </a:spcAft>
+                        <a:buClrTx/>
+                        <a:buSzTx/>
+                        <a:buFontTx/>
+                        <a:buNone/>
+                        <a:tabLst/>
+                        <a:defRPr/>
+                      </a:pPr>
+                      <a:r>
+                        <a:rPr lang="en-US" altLang="zh-TW" sz="4000" b="0" dirty="0" smtClean="0">
+                          <a:solidFill>
+                            <a:srgbClr val="FFEBCD"/>
+                          </a:solidFill>
+                          <a:latin typeface="SauceCodePro Nerd Font" panose="020B0509030403020204" pitchFamily="49" charset="0"/>
+                        </a:rPr>
+                        <a:t>Block</a:t>
+                      </a:r>
+                      <a:r>
+                        <a:rPr lang="en-US" altLang="zh-TW" sz="4000" b="0" dirty="0" smtClean="0">
+                          <a:solidFill>
+                            <a:srgbClr val="FFEBCD"/>
+                          </a:solidFill>
+                          <a:latin typeface="Source Code Pro" panose="020B0509030403020204" pitchFamily="49" charset="0"/>
+                        </a:rPr>
+                        <a:t>(</a:t>
+                      </a:r>
+                      <a:r>
+                        <a:rPr lang="en-US" altLang="zh-TW" sz="4000" b="0" dirty="0" err="1" smtClean="0">
+                          <a:solidFill>
+                            <a:srgbClr val="FFEBCD"/>
+                          </a:solidFill>
+                          <a:latin typeface="Source Code Pro" panose="020B0509030403020204" pitchFamily="49" charset="0"/>
+                        </a:rPr>
+                        <a:t>C</a:t>
+                      </a:r>
+                      <a:r>
+                        <a:rPr lang="en-US" altLang="zh-TW" sz="4000" b="0" baseline="-25000" dirty="0" err="1" smtClean="0">
+                          <a:solidFill>
+                            <a:srgbClr val="FFEBCD"/>
+                          </a:solidFill>
+                          <a:latin typeface="Source Code Pro" panose="020B0509030403020204" pitchFamily="49" charset="0"/>
+                        </a:rPr>
+                        <a:t>i</a:t>
+                      </a:r>
+                      <a:r>
+                        <a:rPr lang="en-US" altLang="zh-TW" sz="4000" b="0" dirty="0" err="1" smtClean="0">
+                          <a:solidFill>
+                            <a:srgbClr val="FFEBCD"/>
+                          </a:solidFill>
+                          <a:latin typeface="Source Code Pro" panose="020B0509030403020204" pitchFamily="49" charset="0"/>
+                        </a:rPr>
+                        <a:t>,C</a:t>
+                      </a:r>
+                      <a:r>
+                        <a:rPr lang="en-US" altLang="zh-TW" sz="4000" b="0" baseline="-25000" dirty="0" err="1" smtClean="0">
+                          <a:solidFill>
+                            <a:srgbClr val="FFEBCD"/>
+                          </a:solidFill>
+                          <a:latin typeface="Source Code Pro" panose="020B0509030403020204" pitchFamily="49" charset="0"/>
+                        </a:rPr>
+                        <a:t>o</a:t>
+                      </a:r>
+                      <a:r>
+                        <a:rPr lang="en-US" altLang="zh-TW" sz="4000" b="0" dirty="0" err="1" smtClean="0">
+                          <a:solidFill>
+                            <a:srgbClr val="FFEBCD"/>
+                          </a:solidFill>
+                          <a:latin typeface="Source Code Pro" panose="020B0509030403020204" pitchFamily="49" charset="0"/>
+                        </a:rPr>
+                        <a:t>,g</a:t>
+                      </a:r>
+                      <a:r>
+                        <a:rPr lang="en-US" altLang="zh-TW" sz="4000" b="0" dirty="0" smtClean="0">
+                          <a:solidFill>
+                            <a:srgbClr val="FFEBCD"/>
+                          </a:solidFill>
+                          <a:latin typeface="Source Code Pro" panose="020B0509030403020204" pitchFamily="49" charset="0"/>
+                        </a:rPr>
+                        <a:t>)</a:t>
+                      </a:r>
+                      <a:endParaRPr lang="zh-TW" altLang="en-US" sz="4000" b="0" dirty="0">
+                        <a:solidFill>
+                          <a:srgbClr val="FFEBCD"/>
+                        </a:solidFill>
+                        <a:latin typeface="Source Code Pro" panose="020B0509030403020204" pitchFamily="49" charset="0"/>
+                      </a:endParaRPr>
+                    </a:p>
+                  </a:txBody>
+                  <a:tcPr>
+                    <a:lnL w="12700" cmpd="sng">
+                      <a:noFill/>
+                    </a:lnL>
+                    <a:lnR w="12700" cmpd="sng">
+                      <a:noFill/>
+                    </a:lnR>
+                    <a:lnT w="38100" cap="flat" cmpd="sng" algn="ctr">
+                      <a:solidFill>
+                        <a:srgbClr val="FFEBCD"/>
+                      </a:solidFill>
+                      <a:prstDash val="solid"/>
+                      <a:round/>
+                      <a:headEnd type="none" w="med" len="med"/>
+                      <a:tailEnd type="none" w="med" len="med"/>
+                    </a:lnT>
+                    <a:lnB w="38100" cap="flat" cmpd="sng" algn="ctr">
+                      <a:solidFill>
+                        <a:srgbClr val="FFEBCD"/>
+                      </a:solidFill>
+                      <a:prstDash val="solid"/>
+                      <a:round/>
+                      <a:headEnd type="none" w="med" len="med"/>
+                      <a:tailEnd type="none" w="med" len="med"/>
+                    </a:lnB>
+                    <a:lnTlToBr w="12700" cmpd="sng">
+                      <a:noFill/>
+                      <a:prstDash val="solid"/>
+                    </a:lnTlToBr>
+                    <a:lnBlToTr w="12700" cmpd="sng">
+                      <a:noFill/>
+                      <a:prstDash val="solid"/>
+                    </a:lnBlToTr>
+                    <a:solidFill>
+                      <a:srgbClr val="282828"/>
+                    </a:solidFill>
+                  </a:tcPr>
+                </a:tc>
+              </a:tr>
+            </a:tbl>
+          </a:graphicData>
+        </a:graphic>
+      </p:graphicFrame>
+      <p:cxnSp>
+        <p:nvCxnSpPr>
+          <p:cNvPr id="27" name="直線接點 26"/>
+          <p:cNvCxnSpPr/>
+          <p:nvPr/>
+        </p:nvCxnSpPr>
+        <p:spPr>
+          <a:xfrm>
+            <a:off x="9022080" y="2935968"/>
+            <a:ext cx="1366565" cy="481173"/>
+          </a:xfrm>
+          <a:prstGeom prst="line">
+            <a:avLst/>
+          </a:prstGeom>
+          <a:ln w="38100">
+            <a:solidFill>
+              <a:srgbClr val="FF0066"/>
+            </a:solidFill>
+          </a:ln>
+        </p:spPr>
+        <p:style>
+          <a:lnRef idx="1">
+            <a:schemeClr val="accent1"/>
+          </a:lnRef>
+          <a:fillRef idx="0">
+            <a:schemeClr val="accent1"/>
+          </a:fillRef>
+          <a:effectRef idx="0">
+            <a:schemeClr val="accent1"/>
+          </a:effectRef>
+          <a:fontRef idx="minor">
+            <a:schemeClr val="tx1"/>
+          </a:fontRef>
+        </p:style>
+      </p:cxnSp>
+      <p:cxnSp>
+        <p:nvCxnSpPr>
+          <p:cNvPr id="49" name="直線接點 48"/>
+          <p:cNvCxnSpPr/>
+          <p:nvPr/>
+        </p:nvCxnSpPr>
+        <p:spPr>
+          <a:xfrm flipV="1">
+            <a:off x="9022080" y="4727782"/>
+            <a:ext cx="1366565" cy="1057322"/>
+          </a:xfrm>
+          <a:prstGeom prst="line">
+            <a:avLst/>
+          </a:prstGeom>
+          <a:ln w="38100">
+            <a:solidFill>
+              <a:srgbClr val="FF0066"/>
+            </a:solidFill>
+          </a:ln>
+        </p:spPr>
+        <p:style>
+          <a:lnRef idx="1">
+            <a:schemeClr val="accent1"/>
+          </a:lnRef>
+          <a:fillRef idx="0">
+            <a:schemeClr val="accent1"/>
+          </a:fillRef>
+          <a:effectRef idx="0">
+            <a:schemeClr val="accent1"/>
+          </a:effectRef>
+          <a:fontRef idx="minor">
+            <a:schemeClr val="tx1"/>
+          </a:fontRef>
+        </p:style>
+      </p:cxnSp>
+    </p:spTree>
+    <p:extLst>
+      <p:ext uri="{BB962C8B-B14F-4D97-AF65-F5344CB8AC3E}">
+        <p14:creationId xmlns:p14="http://schemas.microsoft.com/office/powerpoint/2010/main" val="3356534345"/>
+      </p:ext>
+    </p:extLst>
+  </p:cSld>
+  <p:clrMapOvr>
+    <a:masterClrMapping/>
+  </p:clrMapOvr>
+  <p:timing>
+    <p:tnLst>
+      <p:par>
+        <p:cTn id="1" dur="indefinite" restart="never" nodeType="tmRoot"/>
+      </p:par>
+    </p:tnLst>
+  </p:timing>
+</p:sld>
+</file>
+
+<file path=ppt/slides/slide6.xml><?xml version="1.0" encoding="utf-8"?>
+<p:sld xmlns:a="http://schemas.openxmlformats.org/drawingml/2006/main" xmlns:r="http://schemas.openxmlformats.org/officeDocument/2006/relationships" xmlns:p="http://schemas.openxmlformats.org/presentationml/2006/main">
+  <p:cSld>
+    <p:bg>
+      <p:bgPr>
+        <a:solidFill>
+          <a:srgbClr val="282828"/>
+        </a:solidFill>
+        <a:effectLst/>
+      </p:bgPr>
+    </p:bg>
+    <p:spTree>
+      <p:nvGrpSpPr>
+        <p:cNvPr id="1" name=""/>
+        <p:cNvGrpSpPr/>
+        <p:nvPr/>
+      </p:nvGrpSpPr>
+      <p:grpSpPr>
+        <a:xfrm>
+          <a:off x="0" y="0"/>
+          <a:ext cx="0" cy="0"/>
+          <a:chOff x="0" y="0"/>
+          <a:chExt cx="0" cy="0"/>
+        </a:xfrm>
+      </p:grpSpPr>
+      <p:graphicFrame>
+        <p:nvGraphicFramePr>
+          <p:cNvPr id="59" name="表格 58"/>
+          <p:cNvGraphicFramePr>
+            <a:graphicFrameLocks noGrp="1"/>
+          </p:cNvGraphicFramePr>
+          <p:nvPr>
+            <p:extLst>
+              <p:ext uri="{D42A27DB-BD31-4B8C-83A1-F6EECF244321}">
+                <p14:modId xmlns:p14="http://schemas.microsoft.com/office/powerpoint/2010/main" val="1809053146"/>
+              </p:ext>
+            </p:extLst>
+          </p:nvPr>
+        </p:nvGraphicFramePr>
+        <p:xfrm>
+          <a:off x="5074895" y="4428674"/>
+          <a:ext cx="7252352" cy="2804160"/>
+        </p:xfrm>
+        <a:graphic>
+          <a:graphicData uri="http://schemas.openxmlformats.org/drawingml/2006/table">
+            <a:tbl>
+              <a:tblPr firstRow="1" bandRow="1">
+                <a:tableStyleId>{5C22544A-7EE6-4342-B048-85BDC9FD1C3A}</a:tableStyleId>
+              </a:tblPr>
+              <a:tblGrid>
+                <a:gridCol w="7252352"/>
+              </a:tblGrid>
+              <a:tr h="482647">
+                <a:tc>
+                  <a:txBody>
+                    <a:bodyPr/>
+                    <a:lstStyle/>
+                    <a:p>
+                      <a:pPr algn="ctr"/>
+                      <a:r>
+                        <a:rPr lang="en-US" altLang="zh-TW" sz="4000" b="0" dirty="0" smtClean="0">
+                          <a:solidFill>
+                            <a:srgbClr val="FFEBCD"/>
+                          </a:solidFill>
+                          <a:latin typeface="Source Code Pro" panose="020B0509030403020204" pitchFamily="49" charset="0"/>
+                        </a:rPr>
+                        <a:t>BatchNorm1d()</a:t>
+                      </a:r>
+                      <a:endParaRPr lang="zh-TW" altLang="en-US" sz="4000" b="0" dirty="0">
+                        <a:solidFill>
+                          <a:srgbClr val="FFEBCD"/>
+                        </a:solidFill>
+                        <a:latin typeface="Source Code Pro" panose="020B0509030403020204" pitchFamily="49" charset="0"/>
+                      </a:endParaRPr>
+                    </a:p>
+                  </a:txBody>
+                  <a:tcPr>
+                    <a:lnL w="12700" cmpd="sng">
+                      <a:noFill/>
+                    </a:lnL>
+                    <a:lnR w="12700" cmpd="sng">
+                      <a:noFill/>
+                    </a:lnR>
+                    <a:lnT w="38100" cap="flat" cmpd="sng" algn="ctr">
+                      <a:solidFill>
+                        <a:srgbClr val="FFEBCD"/>
+                      </a:solidFill>
+                      <a:prstDash val="solid"/>
+                      <a:round/>
+                      <a:headEnd type="none" w="med" len="med"/>
+                      <a:tailEnd type="none" w="med" len="med"/>
+                    </a:lnT>
+                    <a:lnB w="38100" cap="flat" cmpd="sng" algn="ctr">
+                      <a:solidFill>
+                        <a:srgbClr val="FFEBCD"/>
+                      </a:solidFill>
+                      <a:prstDash val="solid"/>
+                      <a:round/>
+                      <a:headEnd type="none" w="med" len="med"/>
+                      <a:tailEnd type="none" w="med" len="med"/>
+                    </a:lnB>
+                    <a:lnTlToBr w="12700" cmpd="sng">
+                      <a:noFill/>
+                      <a:prstDash val="solid"/>
+                    </a:lnTlToBr>
+                    <a:lnBlToTr w="12700" cmpd="sng">
+                      <a:noFill/>
+                      <a:prstDash val="solid"/>
+                    </a:lnBlToTr>
+                    <a:solidFill>
+                      <a:srgbClr val="282828"/>
+                    </a:solidFill>
+                  </a:tcPr>
+                </a:tc>
+              </a:tr>
+              <a:tr h="453550">
+                <a:tc>
+                  <a:txBody>
+                    <a:bodyPr/>
+                    <a:lstStyle/>
+                    <a:p>
+                      <a:pPr marL="0" marR="0" lvl="0" indent="0" algn="ctr" defTabSz="2159996" rtl="0" eaLnBrk="1" fontAlgn="auto" latinLnBrk="0" hangingPunct="1">
+                        <a:lnSpc>
+                          <a:spcPct val="100000"/>
+                        </a:lnSpc>
+                        <a:spcBef>
+                          <a:spcPts val="0"/>
+                        </a:spcBef>
+                        <a:spcAft>
+                          <a:spcPts val="0"/>
+                        </a:spcAft>
+                        <a:buClrTx/>
+                        <a:buSzTx/>
+                        <a:buFontTx/>
+                        <a:buNone/>
+                        <a:tabLst/>
+                        <a:defRPr/>
+                      </a:pPr>
+                      <a:r>
+                        <a:rPr lang="en-US" altLang="zh-TW" sz="4000" b="0" dirty="0" smtClean="0">
+                          <a:solidFill>
+                            <a:srgbClr val="FFEBCD"/>
+                          </a:solidFill>
+                          <a:latin typeface="Source Code Pro" panose="020B0509030403020204" pitchFamily="49" charset="0"/>
+                        </a:rPr>
+                        <a:t>Conv1d(</a:t>
+                      </a:r>
+                      <a:r>
+                        <a:rPr lang="en-US" altLang="zh-TW" sz="4000" b="0" dirty="0" err="1" smtClean="0">
+                          <a:solidFill>
+                            <a:srgbClr val="FFEBCD"/>
+                          </a:solidFill>
+                          <a:latin typeface="Source Code Pro" panose="020B0509030403020204" pitchFamily="49" charset="0"/>
+                        </a:rPr>
+                        <a:t>C</a:t>
+                      </a:r>
+                      <a:r>
+                        <a:rPr lang="en-US" altLang="zh-TW" sz="4000" b="0" baseline="-25000" dirty="0" err="1" smtClean="0">
+                          <a:solidFill>
+                            <a:srgbClr val="FFEBCD"/>
+                          </a:solidFill>
+                          <a:latin typeface="Source Code Pro" panose="020B0509030403020204" pitchFamily="49" charset="0"/>
+                        </a:rPr>
+                        <a:t>i</a:t>
+                      </a:r>
+                      <a:r>
+                        <a:rPr lang="en-US" altLang="zh-TW" sz="4000" b="0" dirty="0" err="1" smtClean="0">
+                          <a:solidFill>
+                            <a:srgbClr val="FFEBCD"/>
+                          </a:solidFill>
+                          <a:latin typeface="Source Code Pro" panose="020B0509030403020204" pitchFamily="49" charset="0"/>
+                        </a:rPr>
+                        <a:t>,N</a:t>
+                      </a:r>
+                      <a:r>
+                        <a:rPr lang="en-US" altLang="zh-TW" sz="4000" b="0" dirty="0" smtClean="0">
+                          <a:solidFill>
+                            <a:srgbClr val="FFEBCD"/>
+                          </a:solidFill>
+                          <a:latin typeface="Source Code Pro" panose="020B0509030403020204" pitchFamily="49" charset="0"/>
+                        </a:rPr>
+                        <a:t>*2,5)</a:t>
+                      </a:r>
+                      <a:endParaRPr lang="zh-TW" altLang="en-US" sz="4000" b="0" dirty="0" smtClean="0">
+                        <a:solidFill>
+                          <a:srgbClr val="FFEBCD"/>
+                        </a:solidFill>
+                        <a:latin typeface="Source Code Pro" panose="020B0509030403020204" pitchFamily="49" charset="0"/>
+                      </a:endParaRPr>
+                    </a:p>
+                  </a:txBody>
+                  <a:tcPr>
+                    <a:lnL w="12700" cmpd="sng">
+                      <a:noFill/>
+                    </a:lnL>
+                    <a:lnR w="12700" cmpd="sng">
+                      <a:noFill/>
+                    </a:lnR>
+                    <a:lnT w="38100" cap="flat" cmpd="sng" algn="ctr">
+                      <a:solidFill>
+                        <a:srgbClr val="FFEBCD"/>
+                      </a:solidFill>
+                      <a:prstDash val="solid"/>
+                      <a:round/>
+                      <a:headEnd type="none" w="med" len="med"/>
+                      <a:tailEnd type="none" w="med" len="med"/>
+                    </a:lnT>
+                    <a:lnB w="38100" cap="flat" cmpd="sng" algn="ctr">
+                      <a:solidFill>
+                        <a:srgbClr val="FFEBCD"/>
+                      </a:solidFill>
+                      <a:prstDash val="solid"/>
+                      <a:round/>
+                      <a:headEnd type="none" w="med" len="med"/>
+                      <a:tailEnd type="none" w="med" len="med"/>
+                    </a:lnB>
+                    <a:lnTlToBr w="12700" cmpd="sng">
+                      <a:noFill/>
+                      <a:prstDash val="solid"/>
+                    </a:lnTlToBr>
+                    <a:lnBlToTr w="12700" cmpd="sng">
+                      <a:noFill/>
+                      <a:prstDash val="solid"/>
+                    </a:lnBlToTr>
+                    <a:solidFill>
+                      <a:srgbClr val="282828"/>
+                    </a:solidFill>
+                  </a:tcPr>
+                </a:tc>
+              </a:tr>
+              <a:tr h="453550">
+                <a:tc>
+                  <a:txBody>
+                    <a:bodyPr/>
+                    <a:lstStyle/>
+                    <a:p>
+                      <a:pPr algn="ctr"/>
+                      <a:r>
+                        <a:rPr lang="en-US" altLang="zh-TW" sz="4000" b="0" dirty="0" smtClean="0">
+                          <a:solidFill>
+                            <a:srgbClr val="FFEBCD"/>
+                          </a:solidFill>
+                          <a:latin typeface="Source Code Pro" panose="020B0509030403020204" pitchFamily="49" charset="0"/>
+                        </a:rPr>
+                        <a:t>GELU()</a:t>
+                      </a:r>
+                      <a:endParaRPr lang="zh-TW" altLang="en-US" sz="4000" b="0" dirty="0">
+                        <a:solidFill>
+                          <a:srgbClr val="FFEBCD"/>
+                        </a:solidFill>
+                        <a:latin typeface="Source Code Pro" panose="020B0509030403020204" pitchFamily="49" charset="0"/>
+                      </a:endParaRPr>
+                    </a:p>
+                  </a:txBody>
+                  <a:tcPr>
+                    <a:lnL w="12700" cmpd="sng">
+                      <a:noFill/>
+                    </a:lnL>
+                    <a:lnR w="12700" cmpd="sng">
+                      <a:noFill/>
+                    </a:lnR>
+                    <a:lnT w="38100" cap="flat" cmpd="sng" algn="ctr">
+                      <a:solidFill>
+                        <a:srgbClr val="FFEBCD"/>
+                      </a:solidFill>
+                      <a:prstDash val="solid"/>
+                      <a:round/>
+                      <a:headEnd type="none" w="med" len="med"/>
+                      <a:tailEnd type="none" w="med" len="med"/>
+                    </a:lnT>
+                    <a:lnB w="38100" cap="flat" cmpd="sng" algn="ctr">
+                      <a:solidFill>
+                        <a:srgbClr val="FFEBCD"/>
+                      </a:solidFill>
+                      <a:prstDash val="solid"/>
+                      <a:round/>
+                      <a:headEnd type="none" w="med" len="med"/>
+                      <a:tailEnd type="none" w="med" len="med"/>
+                    </a:lnB>
+                    <a:lnTlToBr w="12700" cmpd="sng">
+                      <a:noFill/>
+                      <a:prstDash val="solid"/>
+                    </a:lnTlToBr>
+                    <a:lnBlToTr w="12700" cmpd="sng">
+                      <a:noFill/>
+                      <a:prstDash val="solid"/>
+                    </a:lnBlToTr>
+                    <a:solidFill>
+                      <a:srgbClr val="282828"/>
+                    </a:solidFill>
+                  </a:tcPr>
+                </a:tc>
+              </a:tr>
+              <a:tr h="453550">
+                <a:tc>
+                  <a:txBody>
+                    <a:bodyPr/>
+                    <a:lstStyle/>
+                    <a:p>
+                      <a:pPr marL="0" marR="0" lvl="0" indent="0" algn="ctr" defTabSz="2159996" rtl="0" eaLnBrk="1" fontAlgn="auto" latinLnBrk="0" hangingPunct="1">
+                        <a:lnSpc>
+                          <a:spcPct val="100000"/>
+                        </a:lnSpc>
+                        <a:spcBef>
+                          <a:spcPts val="0"/>
+                        </a:spcBef>
+                        <a:spcAft>
+                          <a:spcPts val="0"/>
+                        </a:spcAft>
+                        <a:buClrTx/>
+                        <a:buSzTx/>
+                        <a:buFontTx/>
+                        <a:buNone/>
+                        <a:tabLst/>
+                        <a:defRPr/>
+                      </a:pPr>
+                      <a:r>
+                        <a:rPr lang="en-US" altLang="zh-TW" sz="4000" b="0" dirty="0" smtClean="0">
+                          <a:solidFill>
+                            <a:srgbClr val="FFEBCD"/>
+                          </a:solidFill>
+                          <a:latin typeface="Source Code Pro" panose="020B0509030403020204" pitchFamily="49" charset="0"/>
+                        </a:rPr>
+                        <a:t>Chunk(2)</a:t>
+                      </a:r>
+                      <a:endParaRPr lang="zh-TW" altLang="en-US" sz="4000" b="0" dirty="0" smtClean="0">
+                        <a:solidFill>
+                          <a:srgbClr val="FFEBCD"/>
+                        </a:solidFill>
+                        <a:latin typeface="Source Code Pro" panose="020B0509030403020204" pitchFamily="49" charset="0"/>
+                      </a:endParaRPr>
+                    </a:p>
+                  </a:txBody>
+                  <a:tcPr>
+                    <a:lnL w="12700" cmpd="sng">
+                      <a:noFill/>
+                    </a:lnL>
+                    <a:lnR w="12700" cmpd="sng">
+                      <a:noFill/>
+                    </a:lnR>
+                    <a:lnT w="38100" cap="flat" cmpd="sng" algn="ctr">
+                      <a:solidFill>
+                        <a:srgbClr val="FFEBCD"/>
+                      </a:solidFill>
+                      <a:prstDash val="solid"/>
+                      <a:round/>
+                      <a:headEnd type="none" w="med" len="med"/>
+                      <a:tailEnd type="none" w="med" len="med"/>
+                    </a:lnT>
+                    <a:lnB w="38100" cap="flat" cmpd="sng" algn="ctr">
+                      <a:solidFill>
+                        <a:srgbClr val="FFEBCD"/>
+                      </a:solidFill>
+                      <a:prstDash val="solid"/>
+                      <a:round/>
+                      <a:headEnd type="none" w="med" len="med"/>
+                      <a:tailEnd type="none" w="med" len="med"/>
+                    </a:lnB>
+                    <a:lnTlToBr w="12700" cmpd="sng">
+                      <a:noFill/>
+                      <a:prstDash val="solid"/>
+                    </a:lnTlToBr>
+                    <a:lnBlToTr w="12700" cmpd="sng">
+                      <a:noFill/>
+                      <a:prstDash val="solid"/>
+                    </a:lnBlToTr>
+                    <a:solidFill>
+                      <a:srgbClr val="282828"/>
+                    </a:solidFill>
+                  </a:tcPr>
+                </a:tc>
+              </a:tr>
+            </a:tbl>
+          </a:graphicData>
+        </a:graphic>
+      </p:graphicFrame>
+      <p:graphicFrame>
+        <p:nvGraphicFramePr>
+          <p:cNvPr id="60" name="表格 59"/>
+          <p:cNvGraphicFramePr>
+            <a:graphicFrameLocks noGrp="1"/>
+          </p:cNvGraphicFramePr>
+          <p:nvPr>
+            <p:extLst>
+              <p:ext uri="{D42A27DB-BD31-4B8C-83A1-F6EECF244321}">
+                <p14:modId xmlns:p14="http://schemas.microsoft.com/office/powerpoint/2010/main" val="111758978"/>
+              </p:ext>
+            </p:extLst>
+          </p:nvPr>
+        </p:nvGraphicFramePr>
+        <p:xfrm>
+          <a:off x="13704275" y="4691583"/>
+          <a:ext cx="5345724" cy="1310640"/>
+        </p:xfrm>
+        <a:graphic>
+          <a:graphicData uri="http://schemas.openxmlformats.org/drawingml/2006/table">
+            <a:tbl>
+              <a:tblPr firstRow="1" bandRow="1">
+                <a:tableStyleId>{5C22544A-7EE6-4342-B048-85BDC9FD1C3A}</a:tableStyleId>
+              </a:tblPr>
+              <a:tblGrid>
+                <a:gridCol w="5345724"/>
+              </a:tblGrid>
+              <a:tr h="1052725">
+                <a:tc>
+                  <a:txBody>
+                    <a:bodyPr/>
+                    <a:lstStyle/>
+                    <a:p>
+                      <a:pPr marL="0" marR="0" lvl="0" indent="0" algn="l" defTabSz="2159996" rtl="0" eaLnBrk="1" fontAlgn="auto" latinLnBrk="0" hangingPunct="1">
+                        <a:lnSpc>
+                          <a:spcPct val="100000"/>
+                        </a:lnSpc>
+                        <a:spcBef>
+                          <a:spcPts val="0"/>
+                        </a:spcBef>
+                        <a:spcAft>
+                          <a:spcPts val="0"/>
+                        </a:spcAft>
+                        <a:buClrTx/>
+                        <a:buSzTx/>
+                        <a:buFontTx/>
+                        <a:buNone/>
+                        <a:tabLst/>
+                        <a:defRPr/>
+                      </a:pPr>
+                      <a:r>
+                        <a:rPr lang="en-US" altLang="zh-TW" sz="4000" b="0" dirty="0" smtClean="0">
+                          <a:solidFill>
+                            <a:srgbClr val="FFEBCD"/>
+                          </a:solidFill>
+                          <a:latin typeface="SauceCodePro Nerd Font" panose="020B0509030403020204" pitchFamily="49" charset="0"/>
+                        </a:rPr>
+                        <a:t>Main</a:t>
+                      </a:r>
+                    </a:p>
+                    <a:p>
+                      <a:pPr marL="0" marR="0" lvl="0" indent="0" algn="l" defTabSz="2159996" rtl="0" eaLnBrk="1" fontAlgn="auto" latinLnBrk="0" hangingPunct="1">
+                        <a:lnSpc>
+                          <a:spcPct val="100000"/>
+                        </a:lnSpc>
+                        <a:spcBef>
+                          <a:spcPts val="0"/>
+                        </a:spcBef>
+                        <a:spcAft>
+                          <a:spcPts val="0"/>
+                        </a:spcAft>
+                        <a:buClrTx/>
+                        <a:buSzTx/>
+                        <a:buFontTx/>
+                        <a:buNone/>
+                        <a:tabLst/>
+                        <a:defRPr/>
+                      </a:pPr>
+                      <a:r>
+                        <a:rPr lang="en-US" altLang="zh-TW" sz="4000" b="0" dirty="0" smtClean="0">
+                          <a:solidFill>
+                            <a:srgbClr val="FFEBCD"/>
+                          </a:solidFill>
+                          <a:latin typeface="SauceCodePro Nerd Font" panose="020B0509030403020204" pitchFamily="49" charset="0"/>
+                        </a:rPr>
+                        <a:t>Block</a:t>
+                      </a:r>
+                      <a:r>
+                        <a:rPr lang="en-US" altLang="zh-TW" sz="4000" b="0" dirty="0" smtClean="0">
+                          <a:solidFill>
+                            <a:srgbClr val="FFEBCD"/>
+                          </a:solidFill>
+                          <a:latin typeface="Source Code Pro" panose="020B0509030403020204" pitchFamily="49" charset="0"/>
+                        </a:rPr>
+                        <a:t>(</a:t>
+                      </a:r>
+                      <a:r>
+                        <a:rPr lang="en-US" altLang="zh-TW" sz="4000" b="0" dirty="0" err="1" smtClean="0">
+                          <a:solidFill>
+                            <a:srgbClr val="FFEBCD"/>
+                          </a:solidFill>
+                          <a:latin typeface="Source Code Pro" panose="020B0509030403020204" pitchFamily="49" charset="0"/>
+                        </a:rPr>
+                        <a:t>C</a:t>
+                      </a:r>
+                      <a:r>
+                        <a:rPr lang="en-US" altLang="zh-TW" sz="4000" b="0" baseline="-25000" dirty="0" err="1" smtClean="0">
+                          <a:solidFill>
+                            <a:srgbClr val="FFEBCD"/>
+                          </a:solidFill>
+                          <a:latin typeface="Source Code Pro" panose="020B0509030403020204" pitchFamily="49" charset="0"/>
+                        </a:rPr>
+                        <a:t>i</a:t>
+                      </a:r>
+                      <a:r>
+                        <a:rPr lang="en-US" altLang="zh-TW" sz="4000" b="0" dirty="0" err="1" smtClean="0">
+                          <a:solidFill>
+                            <a:srgbClr val="FFEBCD"/>
+                          </a:solidFill>
+                          <a:latin typeface="Source Code Pro" panose="020B0509030403020204" pitchFamily="49" charset="0"/>
+                        </a:rPr>
+                        <a:t>,N,k,d,g</a:t>
+                      </a:r>
+                      <a:r>
+                        <a:rPr lang="en-US" altLang="zh-TW" sz="4000" b="0" dirty="0" smtClean="0">
+                          <a:solidFill>
+                            <a:srgbClr val="FFEBCD"/>
+                          </a:solidFill>
+                          <a:latin typeface="Source Code Pro" panose="020B0509030403020204" pitchFamily="49" charset="0"/>
+                        </a:rPr>
+                        <a:t>)</a:t>
+                      </a:r>
+                      <a:endParaRPr lang="zh-TW" altLang="en-US" sz="4000" b="0" dirty="0">
+                        <a:solidFill>
+                          <a:srgbClr val="FFEBCD"/>
+                        </a:solidFill>
+                        <a:latin typeface="Source Code Pro" panose="020B0509030403020204" pitchFamily="49" charset="0"/>
+                      </a:endParaRPr>
+                    </a:p>
+                  </a:txBody>
+                  <a:tcPr>
+                    <a:lnL w="12700" cmpd="sng">
+                      <a:noFill/>
+                    </a:lnL>
+                    <a:lnR w="12700" cmpd="sng">
+                      <a:noFill/>
+                    </a:lnR>
+                    <a:lnT w="38100" cap="flat" cmpd="sng" algn="ctr">
+                      <a:solidFill>
+                        <a:srgbClr val="FFEBCD"/>
+                      </a:solidFill>
+                      <a:prstDash val="solid"/>
+                      <a:round/>
+                      <a:headEnd type="none" w="med" len="med"/>
+                      <a:tailEnd type="none" w="med" len="med"/>
+                    </a:lnT>
+                    <a:lnB w="38100" cap="flat" cmpd="sng" algn="ctr">
+                      <a:solidFill>
+                        <a:srgbClr val="FFEBCD"/>
+                      </a:solidFill>
+                      <a:prstDash val="solid"/>
+                      <a:round/>
+                      <a:headEnd type="none" w="med" len="med"/>
+                      <a:tailEnd type="none" w="med" len="med"/>
+                    </a:lnB>
+                    <a:lnTlToBr w="12700" cmpd="sng">
+                      <a:noFill/>
+                      <a:prstDash val="solid"/>
+                    </a:lnTlToBr>
+                    <a:lnBlToTr w="12700" cmpd="sng">
+                      <a:noFill/>
+                      <a:prstDash val="solid"/>
+                    </a:lnBlToTr>
+                    <a:solidFill>
+                      <a:srgbClr val="282828"/>
+                    </a:solidFill>
+                  </a:tcPr>
+                </a:tc>
+              </a:tr>
+            </a:tbl>
+          </a:graphicData>
+        </a:graphic>
+      </p:graphicFrame>
+      <p:cxnSp>
+        <p:nvCxnSpPr>
+          <p:cNvPr id="61" name="直線接點 60"/>
+          <p:cNvCxnSpPr/>
+          <p:nvPr/>
+        </p:nvCxnSpPr>
+        <p:spPr>
+          <a:xfrm flipV="1">
+            <a:off x="12319481" y="6002223"/>
+            <a:ext cx="1391396" cy="9444231"/>
+          </a:xfrm>
+          <a:prstGeom prst="line">
+            <a:avLst/>
+          </a:prstGeom>
+          <a:ln w="38100">
+            <a:solidFill>
+              <a:srgbClr val="FF0066"/>
+            </a:solidFill>
+          </a:ln>
+        </p:spPr>
+        <p:style>
+          <a:lnRef idx="1">
+            <a:schemeClr val="accent1"/>
+          </a:lnRef>
+          <a:fillRef idx="0">
+            <a:schemeClr val="accent1"/>
+          </a:fillRef>
+          <a:effectRef idx="0">
+            <a:schemeClr val="accent1"/>
+          </a:effectRef>
+          <a:fontRef idx="minor">
+            <a:schemeClr val="tx1"/>
+          </a:fontRef>
+        </p:style>
+      </p:cxnSp>
+      <p:cxnSp>
+        <p:nvCxnSpPr>
+          <p:cNvPr id="62" name="直線接點 61"/>
+          <p:cNvCxnSpPr/>
+          <p:nvPr/>
+        </p:nvCxnSpPr>
+        <p:spPr>
+          <a:xfrm>
+            <a:off x="12319481" y="4428674"/>
+            <a:ext cx="1384794" cy="262909"/>
+          </a:xfrm>
+          <a:prstGeom prst="line">
+            <a:avLst/>
+          </a:prstGeom>
+          <a:ln w="38100">
+            <a:solidFill>
+              <a:srgbClr val="FF0066"/>
+            </a:solidFill>
+          </a:ln>
+        </p:spPr>
+        <p:style>
+          <a:lnRef idx="1">
+            <a:schemeClr val="accent1"/>
+          </a:lnRef>
+          <a:fillRef idx="0">
+            <a:schemeClr val="accent1"/>
+          </a:fillRef>
+          <a:effectRef idx="0">
+            <a:schemeClr val="accent1"/>
+          </a:effectRef>
+          <a:fontRef idx="minor">
+            <a:schemeClr val="tx1"/>
+          </a:fontRef>
+        </p:style>
+      </p:cxnSp>
+      <p:graphicFrame>
+        <p:nvGraphicFramePr>
+          <p:cNvPr id="63" name="表格 62"/>
+          <p:cNvGraphicFramePr>
+            <a:graphicFrameLocks noGrp="1"/>
+          </p:cNvGraphicFramePr>
+          <p:nvPr>
+            <p:extLst>
+              <p:ext uri="{D42A27DB-BD31-4B8C-83A1-F6EECF244321}">
+                <p14:modId xmlns:p14="http://schemas.microsoft.com/office/powerpoint/2010/main" val="1635129846"/>
+              </p:ext>
+            </p:extLst>
+          </p:nvPr>
+        </p:nvGraphicFramePr>
+        <p:xfrm>
+          <a:off x="6767938" y="7235918"/>
+          <a:ext cx="5551543" cy="4724400"/>
+        </p:xfrm>
+        <a:graphic>
+          <a:graphicData uri="http://schemas.openxmlformats.org/drawingml/2006/table">
+            <a:tbl>
+              <a:tblPr firstRow="1" bandRow="1">
+                <a:tableStyleId>{5C22544A-7EE6-4342-B048-85BDC9FD1C3A}</a:tableStyleId>
+              </a:tblPr>
+              <a:tblGrid>
+                <a:gridCol w="5551543"/>
+              </a:tblGrid>
+              <a:tr h="569846">
+                <a:tc>
+                  <a:txBody>
+                    <a:bodyPr/>
+                    <a:lstStyle/>
+                    <a:p>
+                      <a:pPr algn="ctr"/>
+                      <a:r>
+                        <a:rPr lang="en-US" altLang="zh-TW" sz="4000" b="0" dirty="0" smtClean="0">
+                          <a:solidFill>
+                            <a:srgbClr val="FFEBCD"/>
+                          </a:solidFill>
+                          <a:latin typeface="Source Code Pro" panose="020B0509030403020204" pitchFamily="49" charset="0"/>
+                        </a:rPr>
+                        <a:t>BatchNorm1d()</a:t>
+                      </a:r>
+                      <a:endParaRPr lang="zh-TW" altLang="en-US" sz="4000" b="0" dirty="0">
+                        <a:solidFill>
+                          <a:srgbClr val="FFEBCD"/>
+                        </a:solidFill>
+                        <a:latin typeface="Source Code Pro" panose="020B0509030403020204" pitchFamily="49" charset="0"/>
+                      </a:endParaRPr>
+                    </a:p>
+                  </a:txBody>
+                  <a:tcPr>
+                    <a:lnL w="12700" cmpd="sng">
+                      <a:noFill/>
+                    </a:lnL>
+                    <a:lnR w="12700" cmpd="sng">
+                      <a:noFill/>
+                    </a:lnR>
+                    <a:lnT w="38100" cap="flat" cmpd="sng" algn="ctr">
+                      <a:solidFill>
+                        <a:srgbClr val="FFEBCD"/>
+                      </a:solidFill>
+                      <a:prstDash val="solid"/>
+                      <a:round/>
+                      <a:headEnd type="none" w="med" len="med"/>
+                      <a:tailEnd type="none" w="med" len="med"/>
+                    </a:lnT>
+                    <a:lnB w="38100" cap="flat" cmpd="sng" algn="ctr">
+                      <a:solidFill>
+                        <a:srgbClr val="FFEBCD"/>
+                      </a:solidFill>
+                      <a:prstDash val="solid"/>
+                      <a:round/>
+                      <a:headEnd type="none" w="med" len="med"/>
+                      <a:tailEnd type="none" w="med" len="med"/>
+                    </a:lnB>
+                    <a:lnTlToBr w="12700" cmpd="sng">
+                      <a:noFill/>
+                      <a:prstDash val="solid"/>
+                    </a:lnTlToBr>
+                    <a:lnBlToTr w="12700" cmpd="sng">
+                      <a:noFill/>
+                      <a:prstDash val="solid"/>
+                    </a:lnBlToTr>
+                    <a:solidFill>
+                      <a:srgbClr val="282828"/>
+                    </a:solidFill>
+                  </a:tcPr>
+                </a:tc>
+              </a:tr>
+              <a:tr h="1001135">
+                <a:tc>
+                  <a:txBody>
+                    <a:bodyPr/>
+                    <a:lstStyle/>
+                    <a:p>
+                      <a:pPr marL="0" marR="0" lvl="0" indent="0" algn="l" defTabSz="2159996" rtl="0" eaLnBrk="1" fontAlgn="auto" latinLnBrk="0" hangingPunct="1">
+                        <a:lnSpc>
+                          <a:spcPct val="100000"/>
+                        </a:lnSpc>
+                        <a:spcBef>
+                          <a:spcPts val="0"/>
+                        </a:spcBef>
+                        <a:spcAft>
+                          <a:spcPts val="0"/>
+                        </a:spcAft>
+                        <a:buClrTx/>
+                        <a:buSzTx/>
+                        <a:buFontTx/>
+                        <a:buNone/>
+                        <a:tabLst/>
+                        <a:defRPr/>
+                      </a:pPr>
+                      <a:r>
+                        <a:rPr lang="en-US" altLang="zh-TW" sz="4000" b="0" dirty="0" smtClean="0">
+                          <a:solidFill>
+                            <a:srgbClr val="FFEBCD"/>
+                          </a:solidFill>
+                          <a:latin typeface="Source Code Pro" panose="020B0509030403020204" pitchFamily="49" charset="0"/>
+                        </a:rPr>
+                        <a:t>Conv1d(</a:t>
+                      </a:r>
+                      <a:r>
+                        <a:rPr lang="en-US" altLang="zh-TW" sz="4000" b="0" dirty="0" err="1" smtClean="0">
+                          <a:solidFill>
+                            <a:srgbClr val="FFEBCD"/>
+                          </a:solidFill>
+                          <a:latin typeface="Source Code Pro" panose="020B0509030403020204" pitchFamily="49" charset="0"/>
+                        </a:rPr>
+                        <a:t>N,N,d</a:t>
+                      </a:r>
+                      <a:r>
+                        <a:rPr lang="en-US" altLang="zh-TW" sz="4000" b="0" dirty="0" smtClean="0">
+                          <a:solidFill>
+                            <a:srgbClr val="FFEBCD"/>
+                          </a:solidFill>
+                          <a:latin typeface="Source Code Pro" panose="020B0509030403020204" pitchFamily="49" charset="0"/>
+                        </a:rPr>
+                        <a:t>*2-1,</a:t>
+                      </a:r>
+                    </a:p>
+                    <a:p>
+                      <a:pPr marL="0" marR="0" lvl="0" indent="0" algn="r" defTabSz="2159996" rtl="0" eaLnBrk="1" fontAlgn="auto" latinLnBrk="0" hangingPunct="1">
+                        <a:lnSpc>
+                          <a:spcPct val="100000"/>
+                        </a:lnSpc>
+                        <a:spcBef>
+                          <a:spcPts val="0"/>
+                        </a:spcBef>
+                        <a:spcAft>
+                          <a:spcPts val="0"/>
+                        </a:spcAft>
+                        <a:buClrTx/>
+                        <a:buSzTx/>
+                        <a:buFontTx/>
+                        <a:buNone/>
+                        <a:tabLst/>
+                        <a:defRPr/>
+                      </a:pPr>
+                      <a:r>
+                        <a:rPr lang="en-US" altLang="zh-TW" sz="4000" b="0" dirty="0" smtClean="0">
+                          <a:solidFill>
+                            <a:srgbClr val="FFEBCD"/>
+                          </a:solidFill>
+                          <a:latin typeface="Source Code Pro" panose="020B0509030403020204" pitchFamily="49" charset="0"/>
+                        </a:rPr>
+                        <a:t>group=g)</a:t>
+                      </a:r>
+                      <a:endParaRPr lang="zh-TW" altLang="en-US" sz="4000" b="0" dirty="0" smtClean="0">
+                        <a:solidFill>
+                          <a:srgbClr val="FFEBCD"/>
+                        </a:solidFill>
+                        <a:latin typeface="Source Code Pro" panose="020B0509030403020204" pitchFamily="49" charset="0"/>
+                      </a:endParaRPr>
+                    </a:p>
+                  </a:txBody>
+                  <a:tcPr>
+                    <a:lnL w="12700" cmpd="sng">
+                      <a:noFill/>
+                    </a:lnL>
+                    <a:lnR w="12700" cmpd="sng">
+                      <a:noFill/>
+                    </a:lnR>
+                    <a:lnT w="38100" cap="flat" cmpd="sng" algn="ctr">
+                      <a:solidFill>
+                        <a:srgbClr val="FFEBCD"/>
+                      </a:solidFill>
+                      <a:prstDash val="solid"/>
+                      <a:round/>
+                      <a:headEnd type="none" w="med" len="med"/>
+                      <a:tailEnd type="none" w="med" len="med"/>
+                    </a:lnT>
+                    <a:lnB w="38100" cap="flat" cmpd="sng" algn="ctr">
+                      <a:solidFill>
+                        <a:srgbClr val="FFEBCD"/>
+                      </a:solidFill>
+                      <a:prstDash val="solid"/>
+                      <a:round/>
+                      <a:headEnd type="none" w="med" len="med"/>
+                      <a:tailEnd type="none" w="med" len="med"/>
+                    </a:lnB>
+                    <a:lnTlToBr w="12700" cmpd="sng">
+                      <a:noFill/>
+                      <a:prstDash val="solid"/>
+                    </a:lnTlToBr>
+                    <a:lnBlToTr w="12700" cmpd="sng">
+                      <a:noFill/>
+                      <a:prstDash val="solid"/>
+                    </a:lnBlToTr>
+                    <a:solidFill>
+                      <a:srgbClr val="282828"/>
+                    </a:solidFill>
+                  </a:tcPr>
+                </a:tc>
+              </a:tr>
+              <a:tr h="535491">
+                <a:tc>
+                  <a:txBody>
+                    <a:bodyPr/>
+                    <a:lstStyle/>
+                    <a:p>
+                      <a:pPr algn="ctr"/>
+                      <a:r>
+                        <a:rPr lang="en-US" altLang="zh-TW" sz="4000" b="0" dirty="0" smtClean="0">
+                          <a:solidFill>
+                            <a:srgbClr val="FFEBCD"/>
+                          </a:solidFill>
+                          <a:latin typeface="Source Code Pro" panose="020B0509030403020204" pitchFamily="49" charset="0"/>
+                        </a:rPr>
+                        <a:t>GELU()</a:t>
+                      </a:r>
+                      <a:endParaRPr lang="zh-TW" altLang="en-US" sz="4000" b="0" dirty="0">
+                        <a:solidFill>
+                          <a:srgbClr val="FFEBCD"/>
+                        </a:solidFill>
+                        <a:latin typeface="Source Code Pro" panose="020B0509030403020204" pitchFamily="49" charset="0"/>
+                      </a:endParaRPr>
+                    </a:p>
+                  </a:txBody>
+                  <a:tcPr>
+                    <a:lnL w="12700" cmpd="sng">
+                      <a:noFill/>
+                    </a:lnL>
+                    <a:lnR w="12700" cmpd="sng">
+                      <a:noFill/>
+                    </a:lnR>
+                    <a:lnT w="38100" cap="flat" cmpd="sng" algn="ctr">
+                      <a:solidFill>
+                        <a:srgbClr val="FFEBCD"/>
+                      </a:solidFill>
+                      <a:prstDash val="solid"/>
+                      <a:round/>
+                      <a:headEnd type="none" w="med" len="med"/>
+                      <a:tailEnd type="none" w="med" len="med"/>
+                    </a:lnT>
+                    <a:lnB w="38100" cap="flat" cmpd="sng" algn="ctr">
+                      <a:solidFill>
+                        <a:srgbClr val="FFEBCD"/>
+                      </a:solidFill>
+                      <a:prstDash val="solid"/>
+                      <a:round/>
+                      <a:headEnd type="none" w="med" len="med"/>
+                      <a:tailEnd type="none" w="med" len="med"/>
+                    </a:lnB>
+                    <a:lnTlToBr w="12700" cmpd="sng">
+                      <a:noFill/>
+                      <a:prstDash val="solid"/>
+                    </a:lnTlToBr>
+                    <a:lnBlToTr w="12700" cmpd="sng">
+                      <a:noFill/>
+                      <a:prstDash val="solid"/>
+                    </a:lnBlToTr>
+                    <a:solidFill>
+                      <a:srgbClr val="282828"/>
+                    </a:solidFill>
+                  </a:tcPr>
+                </a:tc>
+              </a:tr>
+              <a:tr h="1001135">
+                <a:tc>
+                  <a:txBody>
+                    <a:bodyPr/>
+                    <a:lstStyle/>
+                    <a:p>
+                      <a:pPr marL="0" marR="0" lvl="0" indent="0" algn="l" defTabSz="2159996" rtl="0" eaLnBrk="1" fontAlgn="auto" latinLnBrk="0" hangingPunct="1">
+                        <a:lnSpc>
+                          <a:spcPct val="100000"/>
+                        </a:lnSpc>
+                        <a:spcBef>
+                          <a:spcPts val="0"/>
+                        </a:spcBef>
+                        <a:spcAft>
+                          <a:spcPts val="0"/>
+                        </a:spcAft>
+                        <a:buClrTx/>
+                        <a:buSzTx/>
+                        <a:buFontTx/>
+                        <a:buNone/>
+                        <a:tabLst/>
+                        <a:defRPr/>
+                      </a:pPr>
+                      <a:r>
+                        <a:rPr lang="en-US" altLang="zh-TW" sz="4000" b="0" dirty="0" smtClean="0">
+                          <a:solidFill>
+                            <a:srgbClr val="FFEBCD"/>
+                          </a:solidFill>
+                          <a:latin typeface="Source Code Pro" panose="020B0509030403020204" pitchFamily="49" charset="0"/>
+                        </a:rPr>
+                        <a:t>Conv1d(</a:t>
+                      </a:r>
+                      <a:r>
+                        <a:rPr lang="en-US" altLang="zh-TW" sz="4000" b="0" dirty="0" err="1" smtClean="0">
+                          <a:solidFill>
+                            <a:srgbClr val="FFEBCD"/>
+                          </a:solidFill>
+                          <a:latin typeface="Source Code Pro" panose="020B0509030403020204" pitchFamily="49" charset="0"/>
+                        </a:rPr>
+                        <a:t>N,N,k</a:t>
+                      </a:r>
+                      <a:r>
+                        <a:rPr lang="en-US" altLang="zh-TW" sz="4000" b="0" dirty="0" smtClean="0">
+                          <a:solidFill>
+                            <a:srgbClr val="FFEBCD"/>
+                          </a:solidFill>
+                          <a:latin typeface="Source Code Pro" panose="020B0509030403020204" pitchFamily="49" charset="0"/>
+                        </a:rPr>
+                        <a:t>,</a:t>
+                      </a:r>
+                    </a:p>
+                    <a:p>
+                      <a:pPr marL="0" marR="0" lvl="0" indent="0" algn="r" defTabSz="2159996" rtl="0" eaLnBrk="1" fontAlgn="auto" latinLnBrk="0" hangingPunct="1">
+                        <a:lnSpc>
+                          <a:spcPct val="100000"/>
+                        </a:lnSpc>
+                        <a:spcBef>
+                          <a:spcPts val="0"/>
+                        </a:spcBef>
+                        <a:spcAft>
+                          <a:spcPts val="0"/>
+                        </a:spcAft>
+                        <a:buClrTx/>
+                        <a:buSzTx/>
+                        <a:buFontTx/>
+                        <a:buNone/>
+                        <a:tabLst/>
+                        <a:defRPr/>
+                      </a:pPr>
+                      <a:r>
+                        <a:rPr lang="en-US" altLang="zh-TW" sz="4000" b="0" dirty="0" err="1" smtClean="0">
+                          <a:solidFill>
+                            <a:srgbClr val="FFEBCD"/>
+                          </a:solidFill>
+                          <a:latin typeface="Source Code Pro" panose="020B0509030403020204" pitchFamily="49" charset="0"/>
+                        </a:rPr>
+                        <a:t>dila</a:t>
+                      </a:r>
+                      <a:r>
+                        <a:rPr lang="en-US" altLang="zh-TW" sz="4000" b="0" dirty="0" smtClean="0">
+                          <a:solidFill>
+                            <a:srgbClr val="FFEBCD"/>
+                          </a:solidFill>
+                          <a:latin typeface="Source Code Pro" panose="020B0509030403020204" pitchFamily="49" charset="0"/>
+                        </a:rPr>
+                        <a:t>=</a:t>
+                      </a:r>
+                      <a:r>
+                        <a:rPr lang="en-US" altLang="zh-TW" sz="4000" b="0" dirty="0" err="1" smtClean="0">
+                          <a:solidFill>
+                            <a:srgbClr val="FFEBCD"/>
+                          </a:solidFill>
+                          <a:latin typeface="Source Code Pro" panose="020B0509030403020204" pitchFamily="49" charset="0"/>
+                        </a:rPr>
+                        <a:t>d,group</a:t>
+                      </a:r>
+                      <a:r>
+                        <a:rPr lang="en-US" altLang="zh-TW" sz="4000" b="0" dirty="0" smtClean="0">
+                          <a:solidFill>
+                            <a:srgbClr val="FFEBCD"/>
+                          </a:solidFill>
+                          <a:latin typeface="Source Code Pro" panose="020B0509030403020204" pitchFamily="49" charset="0"/>
+                        </a:rPr>
+                        <a:t>=g)</a:t>
+                      </a:r>
+                      <a:endParaRPr lang="zh-TW" altLang="en-US" sz="4000" b="0" dirty="0" smtClean="0">
+                        <a:solidFill>
+                          <a:srgbClr val="FFEBCD"/>
+                        </a:solidFill>
+                        <a:latin typeface="Source Code Pro" panose="020B0509030403020204" pitchFamily="49" charset="0"/>
+                      </a:endParaRPr>
+                    </a:p>
+                  </a:txBody>
+                  <a:tcPr>
+                    <a:lnL w="12700" cmpd="sng">
+                      <a:noFill/>
+                    </a:lnL>
+                    <a:lnR w="12700" cmpd="sng">
+                      <a:noFill/>
+                    </a:lnR>
+                    <a:lnT w="38100" cap="flat" cmpd="sng" algn="ctr">
+                      <a:solidFill>
+                        <a:srgbClr val="FFEBCD"/>
+                      </a:solidFill>
+                      <a:prstDash val="solid"/>
+                      <a:round/>
+                      <a:headEnd type="none" w="med" len="med"/>
+                      <a:tailEnd type="none" w="med" len="med"/>
+                    </a:lnT>
+                    <a:lnB w="38100" cap="flat" cmpd="sng" algn="ctr">
+                      <a:solidFill>
+                        <a:srgbClr val="FFEBCD"/>
+                      </a:solidFill>
+                      <a:prstDash val="solid"/>
+                      <a:round/>
+                      <a:headEnd type="none" w="med" len="med"/>
+                      <a:tailEnd type="none" w="med" len="med"/>
+                    </a:lnB>
+                    <a:lnTlToBr w="12700" cmpd="sng">
+                      <a:noFill/>
+                      <a:prstDash val="solid"/>
+                    </a:lnTlToBr>
+                    <a:lnBlToTr w="12700" cmpd="sng">
+                      <a:noFill/>
+                      <a:prstDash val="solid"/>
+                    </a:lnBlToTr>
+                    <a:solidFill>
+                      <a:srgbClr val="282828"/>
+                    </a:solidFill>
+                  </a:tcPr>
+                </a:tc>
+              </a:tr>
+              <a:tr h="535491">
+                <a:tc>
+                  <a:txBody>
+                    <a:bodyPr/>
+                    <a:lstStyle/>
+                    <a:p>
+                      <a:pPr marL="0" marR="0" lvl="0" indent="0" algn="ctr" defTabSz="2159996" rtl="0" eaLnBrk="1" fontAlgn="auto" latinLnBrk="0" hangingPunct="1">
+                        <a:lnSpc>
+                          <a:spcPct val="100000"/>
+                        </a:lnSpc>
+                        <a:spcBef>
+                          <a:spcPts val="0"/>
+                        </a:spcBef>
+                        <a:spcAft>
+                          <a:spcPts val="0"/>
+                        </a:spcAft>
+                        <a:buClrTx/>
+                        <a:buSzTx/>
+                        <a:buFontTx/>
+                        <a:buNone/>
+                        <a:tabLst/>
+                        <a:defRPr/>
+                      </a:pPr>
+                      <a:r>
+                        <a:rPr lang="en-US" altLang="zh-TW" sz="4000" b="0" dirty="0" smtClean="0">
+                          <a:solidFill>
+                            <a:srgbClr val="FFEBCD"/>
+                          </a:solidFill>
+                          <a:latin typeface="Source Code Pro" panose="020B0509030403020204" pitchFamily="49" charset="0"/>
+                        </a:rPr>
+                        <a:t>GELU()</a:t>
+                      </a:r>
+                      <a:endParaRPr lang="zh-TW" altLang="en-US" sz="4000" b="0" dirty="0" smtClean="0">
+                        <a:solidFill>
+                          <a:srgbClr val="FFEBCD"/>
+                        </a:solidFill>
+                        <a:latin typeface="Source Code Pro" panose="020B0509030403020204" pitchFamily="49" charset="0"/>
+                      </a:endParaRPr>
+                    </a:p>
+                  </a:txBody>
+                  <a:tcPr>
+                    <a:lnL w="12700" cmpd="sng">
+                      <a:noFill/>
+                    </a:lnL>
+                    <a:lnR w="12700" cmpd="sng">
+                      <a:noFill/>
+                    </a:lnR>
+                    <a:lnT w="38100" cap="flat" cmpd="sng" algn="ctr">
+                      <a:solidFill>
+                        <a:srgbClr val="FFEBCD"/>
+                      </a:solidFill>
+                      <a:prstDash val="solid"/>
+                      <a:round/>
+                      <a:headEnd type="none" w="med" len="med"/>
+                      <a:tailEnd type="none" w="med" len="med"/>
+                    </a:lnT>
+                    <a:lnB w="38100" cap="flat" cmpd="sng" algn="ctr">
+                      <a:solidFill>
+                        <a:srgbClr val="FFEBCD"/>
+                      </a:solidFill>
+                      <a:prstDash val="solid"/>
+                      <a:round/>
+                      <a:headEnd type="none" w="med" len="med"/>
+                      <a:tailEnd type="none" w="med" len="med"/>
+                    </a:lnB>
+                    <a:lnTlToBr w="12700" cmpd="sng">
+                      <a:noFill/>
+                      <a:prstDash val="solid"/>
+                    </a:lnTlToBr>
+                    <a:lnBlToTr w="12700" cmpd="sng">
+                      <a:noFill/>
+                      <a:prstDash val="solid"/>
+                    </a:lnBlToTr>
+                    <a:solidFill>
+                      <a:srgbClr val="282828"/>
+                    </a:solidFill>
+                  </a:tcPr>
+                </a:tc>
+              </a:tr>
+            </a:tbl>
+          </a:graphicData>
+        </a:graphic>
+      </p:graphicFrame>
+      <p:graphicFrame>
+        <p:nvGraphicFramePr>
+          <p:cNvPr id="19" name="表格 18"/>
+          <p:cNvGraphicFramePr>
+            <a:graphicFrameLocks noGrp="1"/>
+          </p:cNvGraphicFramePr>
+          <p:nvPr>
+            <p:extLst>
+              <p:ext uri="{D42A27DB-BD31-4B8C-83A1-F6EECF244321}">
+                <p14:modId xmlns:p14="http://schemas.microsoft.com/office/powerpoint/2010/main" val="450719358"/>
+              </p:ext>
+            </p:extLst>
+          </p:nvPr>
+        </p:nvGraphicFramePr>
+        <p:xfrm>
+          <a:off x="5081497" y="7232834"/>
+          <a:ext cx="1678676" cy="4705336"/>
+        </p:xfrm>
+        <a:graphic>
+          <a:graphicData uri="http://schemas.openxmlformats.org/drawingml/2006/table">
+            <a:tbl>
+              <a:tblPr firstRow="1" bandRow="1">
+                <a:tableStyleId>{5C22544A-7EE6-4342-B048-85BDC9FD1C3A}</a:tableStyleId>
+              </a:tblPr>
+              <a:tblGrid>
+                <a:gridCol w="1678676"/>
+              </a:tblGrid>
+              <a:tr h="4705336">
+                <a:tc>
+                  <a:txBody>
+                    <a:bodyPr/>
+                    <a:lstStyle/>
+                    <a:p>
+                      <a:pPr marL="0" marR="0" lvl="0" indent="0" algn="ctr" defTabSz="2159996" rtl="0" eaLnBrk="1" fontAlgn="auto" latinLnBrk="0" hangingPunct="1">
+                        <a:lnSpc>
+                          <a:spcPct val="100000"/>
+                        </a:lnSpc>
+                        <a:spcBef>
+                          <a:spcPts val="0"/>
+                        </a:spcBef>
+                        <a:spcAft>
+                          <a:spcPts val="0"/>
+                        </a:spcAft>
+                        <a:buClrTx/>
+                        <a:buSzTx/>
+                        <a:buFontTx/>
+                        <a:buNone/>
+                        <a:tabLst/>
+                        <a:defRPr/>
+                      </a:pPr>
+                      <a:endParaRPr lang="zh-TW" altLang="en-US" sz="4000" b="0" dirty="0">
+                        <a:solidFill>
+                          <a:srgbClr val="FFEBCD"/>
+                        </a:solidFill>
+                        <a:latin typeface="Source Code Pro" panose="020B0509030403020204" pitchFamily="49" charset="0"/>
+                      </a:endParaRPr>
+                    </a:p>
+                  </a:txBody>
+                  <a:tcPr>
+                    <a:lnL w="12700" cmpd="sng">
+                      <a:noFill/>
+                    </a:lnL>
+                    <a:lnR w="12700" cmpd="sng">
+                      <a:noFill/>
+                    </a:lnR>
+                    <a:lnT w="38100" cap="flat" cmpd="sng" algn="ctr">
+                      <a:solidFill>
+                        <a:srgbClr val="FFEBCD"/>
+                      </a:solidFill>
+                      <a:prstDash val="solid"/>
+                      <a:round/>
+                      <a:headEnd type="none" w="med" len="med"/>
+                      <a:tailEnd type="none" w="med" len="med"/>
+                    </a:lnT>
+                    <a:lnB w="38100" cap="flat" cmpd="sng" algn="ctr">
+                      <a:solidFill>
+                        <a:srgbClr val="FFEBCD"/>
+                      </a:solidFill>
+                      <a:prstDash val="solid"/>
+                      <a:round/>
+                      <a:headEnd type="none" w="med" len="med"/>
+                      <a:tailEnd type="none" w="med" len="med"/>
+                    </a:lnB>
+                    <a:lnTlToBr w="12700" cmpd="sng">
+                      <a:noFill/>
+                      <a:prstDash val="solid"/>
+                    </a:lnTlToBr>
+                    <a:lnBlToTr w="12700" cmpd="sng">
+                      <a:noFill/>
+                      <a:prstDash val="solid"/>
+                    </a:lnBlToTr>
+                    <a:solidFill>
+                      <a:srgbClr val="282828"/>
+                    </a:solidFill>
+                  </a:tcPr>
+                </a:tc>
+              </a:tr>
+            </a:tbl>
+          </a:graphicData>
+        </a:graphic>
+      </p:graphicFrame>
+      <p:cxnSp>
+        <p:nvCxnSpPr>
+          <p:cNvPr id="15" name="直線接點 14"/>
+          <p:cNvCxnSpPr>
+            <a:stCxn id="19" idx="0"/>
+            <a:endCxn id="19" idx="2"/>
+          </p:cNvCxnSpPr>
+          <p:nvPr/>
+        </p:nvCxnSpPr>
+        <p:spPr>
+          <a:xfrm>
+            <a:off x="5920835" y="7232834"/>
+            <a:ext cx="0" cy="4705336"/>
+          </a:xfrm>
+          <a:prstGeom prst="line">
+            <a:avLst/>
+          </a:prstGeom>
+          <a:ln w="63500">
+            <a:solidFill>
+              <a:srgbClr val="FF0066"/>
+            </a:solidFill>
+            <a:tailEnd type="triangle" w="lg" len="lg"/>
+          </a:ln>
+        </p:spPr>
+        <p:style>
+          <a:lnRef idx="1">
+            <a:schemeClr val="accent1"/>
+          </a:lnRef>
+          <a:fillRef idx="0">
+            <a:schemeClr val="accent1"/>
+          </a:fillRef>
+          <a:effectRef idx="0">
+            <a:schemeClr val="accent1"/>
+          </a:effectRef>
+          <a:fontRef idx="minor">
+            <a:schemeClr val="tx1"/>
+          </a:fontRef>
+        </p:style>
+      </p:cxnSp>
+      <p:graphicFrame>
+        <p:nvGraphicFramePr>
+          <p:cNvPr id="34" name="表格 33"/>
+          <p:cNvGraphicFramePr>
+            <a:graphicFrameLocks noGrp="1"/>
+          </p:cNvGraphicFramePr>
+          <p:nvPr>
+            <p:extLst>
+              <p:ext uri="{D42A27DB-BD31-4B8C-83A1-F6EECF244321}">
+                <p14:modId xmlns:p14="http://schemas.microsoft.com/office/powerpoint/2010/main" val="559489113"/>
+              </p:ext>
+            </p:extLst>
+          </p:nvPr>
+        </p:nvGraphicFramePr>
+        <p:xfrm>
+          <a:off x="4007827" y="4428674"/>
+          <a:ext cx="1073670" cy="10316740"/>
+        </p:xfrm>
+        <a:graphic>
+          <a:graphicData uri="http://schemas.openxmlformats.org/drawingml/2006/table">
+            <a:tbl>
+              <a:tblPr firstRow="1" bandRow="1">
+                <a:tableStyleId>{5C22544A-7EE6-4342-B048-85BDC9FD1C3A}</a:tableStyleId>
+              </a:tblPr>
+              <a:tblGrid>
+                <a:gridCol w="1073670"/>
+              </a:tblGrid>
+              <a:tr h="10316740">
+                <a:tc>
+                  <a:txBody>
+                    <a:bodyPr/>
+                    <a:lstStyle/>
+                    <a:p>
+                      <a:pPr marL="0" marR="0" lvl="0" indent="0" algn="ctr" defTabSz="2159996" rtl="0" eaLnBrk="1" fontAlgn="auto" latinLnBrk="0" hangingPunct="1">
+                        <a:lnSpc>
+                          <a:spcPct val="100000"/>
+                        </a:lnSpc>
+                        <a:spcBef>
+                          <a:spcPts val="0"/>
+                        </a:spcBef>
+                        <a:spcAft>
+                          <a:spcPts val="0"/>
+                        </a:spcAft>
+                        <a:buClrTx/>
+                        <a:buSzTx/>
+                        <a:buFontTx/>
+                        <a:buNone/>
+                        <a:tabLst/>
+                        <a:defRPr/>
+                      </a:pPr>
+                      <a:endParaRPr lang="zh-TW" altLang="en-US" sz="4000" b="0" dirty="0">
+                        <a:solidFill>
+                          <a:srgbClr val="FFEBCD"/>
+                        </a:solidFill>
+                        <a:latin typeface="Source Code Pro" panose="020B0509030403020204" pitchFamily="49" charset="0"/>
+                      </a:endParaRPr>
+                    </a:p>
+                  </a:txBody>
+                  <a:tcPr>
+                    <a:lnL w="12700" cmpd="sng">
+                      <a:noFill/>
+                    </a:lnL>
+                    <a:lnR w="12700" cmpd="sng">
+                      <a:noFill/>
+                    </a:lnR>
+                    <a:lnT w="38100" cap="flat" cmpd="sng" algn="ctr">
+                      <a:solidFill>
+                        <a:srgbClr val="FFEBCD"/>
+                      </a:solidFill>
+                      <a:prstDash val="solid"/>
+                      <a:round/>
+                      <a:headEnd type="none" w="med" len="med"/>
+                      <a:tailEnd type="none" w="med" len="med"/>
+                    </a:lnT>
+                    <a:lnB w="38100" cap="flat" cmpd="sng" algn="ctr">
+                      <a:solidFill>
+                        <a:srgbClr val="FFEBCD"/>
+                      </a:solidFill>
+                      <a:prstDash val="solid"/>
+                      <a:round/>
+                      <a:headEnd type="none" w="med" len="med"/>
+                      <a:tailEnd type="none" w="med" len="med"/>
+                    </a:lnB>
+                    <a:lnTlToBr w="12700" cmpd="sng">
+                      <a:noFill/>
+                      <a:prstDash val="solid"/>
+                    </a:lnTlToBr>
+                    <a:lnBlToTr w="12700" cmpd="sng">
+                      <a:noFill/>
+                      <a:prstDash val="solid"/>
+                    </a:lnBlToTr>
+                    <a:solidFill>
+                      <a:srgbClr val="282828"/>
+                    </a:solidFill>
+                  </a:tcPr>
+                </a:tc>
+              </a:tr>
+            </a:tbl>
+          </a:graphicData>
+        </a:graphic>
+      </p:graphicFrame>
+      <p:cxnSp>
+        <p:nvCxnSpPr>
+          <p:cNvPr id="36" name="直線接點 35"/>
+          <p:cNvCxnSpPr>
+            <a:stCxn id="34" idx="0"/>
+            <a:endCxn id="34" idx="2"/>
+          </p:cNvCxnSpPr>
+          <p:nvPr/>
+        </p:nvCxnSpPr>
+        <p:spPr>
+          <a:xfrm>
+            <a:off x="4544662" y="4428674"/>
+            <a:ext cx="0" cy="10316740"/>
+          </a:xfrm>
+          <a:prstGeom prst="line">
+            <a:avLst/>
+          </a:prstGeom>
+          <a:ln w="63500">
+            <a:solidFill>
+              <a:srgbClr val="FF0066"/>
+            </a:solidFill>
+            <a:tailEnd type="triangle" w="lg" len="lg"/>
+          </a:ln>
+        </p:spPr>
+        <p:style>
+          <a:lnRef idx="1">
+            <a:schemeClr val="accent1"/>
+          </a:lnRef>
+          <a:fillRef idx="0">
+            <a:schemeClr val="accent1"/>
+          </a:fillRef>
+          <a:effectRef idx="0">
+            <a:schemeClr val="accent1"/>
+          </a:effectRef>
+          <a:fontRef idx="minor">
+            <a:schemeClr val="tx1"/>
+          </a:fontRef>
+        </p:style>
+      </p:cxnSp>
+      <p:graphicFrame>
+        <p:nvGraphicFramePr>
+          <p:cNvPr id="14" name="表格 13"/>
+          <p:cNvGraphicFramePr>
+            <a:graphicFrameLocks noGrp="1"/>
+          </p:cNvGraphicFramePr>
+          <p:nvPr>
+            <p:extLst>
+              <p:ext uri="{D42A27DB-BD31-4B8C-83A1-F6EECF244321}">
+                <p14:modId xmlns:p14="http://schemas.microsoft.com/office/powerpoint/2010/main" val="432025624"/>
+              </p:ext>
+            </p:extLst>
+          </p:nvPr>
+        </p:nvGraphicFramePr>
+        <p:xfrm>
+          <a:off x="5074895" y="11941254"/>
+          <a:ext cx="7252352" cy="701040"/>
+        </p:xfrm>
+        <a:graphic>
+          <a:graphicData uri="http://schemas.openxmlformats.org/drawingml/2006/table">
+            <a:tbl>
+              <a:tblPr firstRow="1" bandRow="1">
+                <a:tableStyleId>{5C22544A-7EE6-4342-B048-85BDC9FD1C3A}</a:tableStyleId>
+              </a:tblPr>
+              <a:tblGrid>
+                <a:gridCol w="7252352"/>
+              </a:tblGrid>
+              <a:tr h="304799">
+                <a:tc>
+                  <a:txBody>
+                    <a:bodyPr/>
+                    <a:lstStyle/>
+                    <a:p>
+                      <a:pPr marL="0" marR="0" lvl="0" indent="0" algn="ctr" defTabSz="2159996" rtl="0" eaLnBrk="1" fontAlgn="auto" latinLnBrk="0" hangingPunct="1">
+                        <a:lnSpc>
+                          <a:spcPct val="100000"/>
+                        </a:lnSpc>
+                        <a:spcBef>
+                          <a:spcPts val="0"/>
+                        </a:spcBef>
+                        <a:spcAft>
+                          <a:spcPts val="0"/>
+                        </a:spcAft>
+                        <a:buClrTx/>
+                        <a:buSzTx/>
+                        <a:buFontTx/>
+                        <a:buNone/>
+                        <a:tabLst/>
+                        <a:defRPr/>
+                      </a:pPr>
+                      <a:r>
+                        <a:rPr lang="en-US" altLang="zh-TW" sz="4000" b="0" dirty="0" smtClean="0">
+                          <a:solidFill>
+                            <a:srgbClr val="FFEBCD"/>
+                          </a:solidFill>
+                          <a:latin typeface="SauceCodePro Nerd Font" panose="020B0509030403020204" pitchFamily="49" charset="0"/>
+                        </a:rPr>
+                        <a:t>Add</a:t>
+                      </a:r>
+                      <a:endParaRPr lang="zh-TW" altLang="en-US" sz="4000" b="0" dirty="0">
+                        <a:solidFill>
+                          <a:srgbClr val="FFEBCD"/>
+                        </a:solidFill>
+                        <a:latin typeface="Source Code Pro" panose="020B0509030403020204" pitchFamily="49" charset="0"/>
+                      </a:endParaRPr>
+                    </a:p>
+                  </a:txBody>
+                  <a:tcPr>
+                    <a:lnL w="12700" cmpd="sng">
+                      <a:noFill/>
+                    </a:lnL>
+                    <a:lnR w="12700" cmpd="sng">
+                      <a:noFill/>
+                    </a:lnR>
+                    <a:lnT w="38100" cap="flat" cmpd="sng" algn="ctr">
+                      <a:solidFill>
+                        <a:srgbClr val="FFEBCD"/>
+                      </a:solidFill>
+                      <a:prstDash val="solid"/>
+                      <a:round/>
+                      <a:headEnd type="none" w="med" len="med"/>
+                      <a:tailEnd type="none" w="med" len="med"/>
+                    </a:lnT>
+                    <a:lnB w="38100" cap="flat" cmpd="sng" algn="ctr">
+                      <a:solidFill>
+                        <a:srgbClr val="FFEBCD"/>
+                      </a:solidFill>
+                      <a:prstDash val="solid"/>
+                      <a:round/>
+                      <a:headEnd type="none" w="med" len="med"/>
+                      <a:tailEnd type="none" w="med" len="med"/>
+                    </a:lnB>
+                    <a:lnTlToBr w="12700" cmpd="sng">
+                      <a:noFill/>
+                      <a:prstDash val="solid"/>
+                    </a:lnTlToBr>
+                    <a:lnBlToTr w="12700" cmpd="sng">
+                      <a:noFill/>
+                      <a:prstDash val="solid"/>
+                    </a:lnBlToTr>
+                    <a:solidFill>
+                      <a:srgbClr val="282828"/>
+                    </a:solidFill>
+                  </a:tcPr>
+                </a:tc>
+              </a:tr>
+            </a:tbl>
+          </a:graphicData>
+        </a:graphic>
+      </p:graphicFrame>
+      <p:graphicFrame>
+        <p:nvGraphicFramePr>
+          <p:cNvPr id="22" name="表格 21"/>
+          <p:cNvGraphicFramePr>
+            <a:graphicFrameLocks noGrp="1"/>
+          </p:cNvGraphicFramePr>
+          <p:nvPr>
+            <p:extLst>
+              <p:ext uri="{D42A27DB-BD31-4B8C-83A1-F6EECF244321}">
+                <p14:modId xmlns:p14="http://schemas.microsoft.com/office/powerpoint/2010/main" val="3692233572"/>
+              </p:ext>
+            </p:extLst>
+          </p:nvPr>
+        </p:nvGraphicFramePr>
+        <p:xfrm>
+          <a:off x="5081497" y="12642294"/>
+          <a:ext cx="7252352" cy="2103120"/>
+        </p:xfrm>
+        <a:graphic>
+          <a:graphicData uri="http://schemas.openxmlformats.org/drawingml/2006/table">
+            <a:tbl>
+              <a:tblPr firstRow="1" bandRow="1">
+                <a:tableStyleId>{5C22544A-7EE6-4342-B048-85BDC9FD1C3A}</a:tableStyleId>
+              </a:tblPr>
+              <a:tblGrid>
+                <a:gridCol w="7252352"/>
+              </a:tblGrid>
+              <a:tr h="624542">
+                <a:tc>
+                  <a:txBody>
+                    <a:bodyPr/>
+                    <a:lstStyle/>
+                    <a:p>
+                      <a:pPr algn="ctr"/>
+                      <a:r>
+                        <a:rPr lang="en-US" altLang="zh-TW" sz="4000" b="0" dirty="0" smtClean="0">
+                          <a:solidFill>
+                            <a:srgbClr val="FFEBCD"/>
+                          </a:solidFill>
+                          <a:latin typeface="Source Code Pro" panose="020B0509030403020204" pitchFamily="49" charset="0"/>
+                        </a:rPr>
+                        <a:t>BatchNorm1d()</a:t>
+                      </a:r>
+                      <a:endParaRPr lang="zh-TW" altLang="en-US" sz="4000" b="0" dirty="0">
+                        <a:solidFill>
+                          <a:srgbClr val="FFEBCD"/>
+                        </a:solidFill>
+                        <a:latin typeface="Source Code Pro" panose="020B0509030403020204" pitchFamily="49" charset="0"/>
+                      </a:endParaRPr>
+                    </a:p>
+                  </a:txBody>
+                  <a:tcPr>
+                    <a:lnL w="12700" cmpd="sng">
+                      <a:noFill/>
+                    </a:lnL>
+                    <a:lnR w="12700" cmpd="sng">
+                      <a:noFill/>
+                    </a:lnR>
+                    <a:lnT w="38100" cap="flat" cmpd="sng" algn="ctr">
+                      <a:solidFill>
+                        <a:srgbClr val="FFEBCD"/>
+                      </a:solidFill>
+                      <a:prstDash val="solid"/>
+                      <a:round/>
+                      <a:headEnd type="none" w="med" len="med"/>
+                      <a:tailEnd type="none" w="med" len="med"/>
+                    </a:lnT>
+                    <a:lnB w="38100" cap="flat" cmpd="sng" algn="ctr">
+                      <a:solidFill>
+                        <a:srgbClr val="FFEBCD"/>
+                      </a:solidFill>
+                      <a:prstDash val="solid"/>
+                      <a:round/>
+                      <a:headEnd type="none" w="med" len="med"/>
+                      <a:tailEnd type="none" w="med" len="med"/>
+                    </a:lnB>
+                    <a:lnTlToBr w="12700" cmpd="sng">
+                      <a:noFill/>
+                      <a:prstDash val="solid"/>
+                    </a:lnTlToBr>
+                    <a:lnBlToTr w="12700" cmpd="sng">
+                      <a:noFill/>
+                      <a:prstDash val="solid"/>
+                    </a:lnBlToTr>
+                    <a:solidFill>
+                      <a:srgbClr val="282828"/>
+                    </a:solidFill>
+                  </a:tcPr>
+                </a:tc>
+              </a:tr>
+              <a:tr h="586889">
+                <a:tc>
+                  <a:txBody>
+                    <a:bodyPr/>
+                    <a:lstStyle/>
+                    <a:p>
+                      <a:pPr marL="0" marR="0" lvl="0" indent="0" algn="ctr" defTabSz="2159996" rtl="0" eaLnBrk="1" fontAlgn="auto" latinLnBrk="0" hangingPunct="1">
+                        <a:lnSpc>
+                          <a:spcPct val="100000"/>
+                        </a:lnSpc>
+                        <a:spcBef>
+                          <a:spcPts val="0"/>
+                        </a:spcBef>
+                        <a:spcAft>
+                          <a:spcPts val="0"/>
+                        </a:spcAft>
+                        <a:buClrTx/>
+                        <a:buSzTx/>
+                        <a:buFontTx/>
+                        <a:buNone/>
+                        <a:tabLst/>
+                        <a:defRPr/>
+                      </a:pPr>
+                      <a:r>
+                        <a:rPr lang="en-US" altLang="zh-TW" sz="4000" b="0" dirty="0" smtClean="0">
+                          <a:solidFill>
+                            <a:srgbClr val="FFEBCD"/>
+                          </a:solidFill>
+                          <a:latin typeface="Source Code Pro" panose="020B0509030403020204" pitchFamily="49" charset="0"/>
+                        </a:rPr>
+                        <a:t>Conv1d(N,C</a:t>
+                      </a:r>
+                      <a:r>
+                        <a:rPr lang="en-US" altLang="zh-TW" sz="4000" b="0" baseline="-25000" dirty="0" smtClean="0">
+                          <a:solidFill>
+                            <a:srgbClr val="FFEBCD"/>
+                          </a:solidFill>
+                          <a:latin typeface="Source Code Pro" panose="020B0509030403020204" pitchFamily="49" charset="0"/>
+                        </a:rPr>
+                        <a:t>i</a:t>
+                      </a:r>
+                      <a:r>
+                        <a:rPr lang="en-US" altLang="zh-TW" sz="4000" b="0" dirty="0" smtClean="0">
+                          <a:solidFill>
+                            <a:srgbClr val="FFEBCD"/>
+                          </a:solidFill>
+                          <a:latin typeface="Source Code Pro" panose="020B0509030403020204" pitchFamily="49" charset="0"/>
+                        </a:rPr>
+                        <a:t>,5)</a:t>
+                      </a:r>
+                      <a:endParaRPr lang="zh-TW" altLang="en-US" sz="4000" b="0" dirty="0" smtClean="0">
+                        <a:solidFill>
+                          <a:srgbClr val="FFEBCD"/>
+                        </a:solidFill>
+                        <a:latin typeface="Source Code Pro" panose="020B0509030403020204" pitchFamily="49" charset="0"/>
+                      </a:endParaRPr>
+                    </a:p>
+                  </a:txBody>
+                  <a:tcPr>
+                    <a:lnL w="12700" cmpd="sng">
+                      <a:noFill/>
+                    </a:lnL>
+                    <a:lnR w="12700" cmpd="sng">
+                      <a:noFill/>
+                    </a:lnR>
+                    <a:lnT w="38100" cap="flat" cmpd="sng" algn="ctr">
+                      <a:solidFill>
+                        <a:srgbClr val="FFEBCD"/>
+                      </a:solidFill>
+                      <a:prstDash val="solid"/>
+                      <a:round/>
+                      <a:headEnd type="none" w="med" len="med"/>
+                      <a:tailEnd type="none" w="med" len="med"/>
+                    </a:lnT>
+                    <a:lnB w="38100" cap="flat" cmpd="sng" algn="ctr">
+                      <a:solidFill>
+                        <a:srgbClr val="FFEBCD"/>
+                      </a:solidFill>
+                      <a:prstDash val="solid"/>
+                      <a:round/>
+                      <a:headEnd type="none" w="med" len="med"/>
+                      <a:tailEnd type="none" w="med" len="med"/>
+                    </a:lnB>
+                    <a:lnTlToBr w="12700" cmpd="sng">
+                      <a:noFill/>
+                      <a:prstDash val="solid"/>
+                    </a:lnTlToBr>
+                    <a:lnBlToTr w="12700" cmpd="sng">
+                      <a:noFill/>
+                      <a:prstDash val="solid"/>
+                    </a:lnBlToTr>
+                    <a:solidFill>
+                      <a:srgbClr val="282828"/>
+                    </a:solidFill>
+                  </a:tcPr>
+                </a:tc>
+              </a:tr>
+              <a:tr h="586889">
+                <a:tc>
+                  <a:txBody>
+                    <a:bodyPr/>
+                    <a:lstStyle/>
+                    <a:p>
+                      <a:pPr algn="ctr"/>
+                      <a:r>
+                        <a:rPr lang="en-US" altLang="zh-TW" sz="4000" b="0" dirty="0" smtClean="0">
+                          <a:solidFill>
+                            <a:srgbClr val="FFEBCD"/>
+                          </a:solidFill>
+                          <a:latin typeface="Source Code Pro" panose="020B0509030403020204" pitchFamily="49" charset="0"/>
+                        </a:rPr>
+                        <a:t>GELU()</a:t>
+                      </a:r>
+                      <a:endParaRPr lang="zh-TW" altLang="en-US" sz="4000" b="0" dirty="0">
+                        <a:solidFill>
+                          <a:srgbClr val="FFEBCD"/>
+                        </a:solidFill>
+                        <a:latin typeface="Source Code Pro" panose="020B0509030403020204" pitchFamily="49" charset="0"/>
+                      </a:endParaRPr>
+                    </a:p>
+                  </a:txBody>
+                  <a:tcPr>
+                    <a:lnL w="12700" cmpd="sng">
+                      <a:noFill/>
+                    </a:lnL>
+                    <a:lnR w="12700" cmpd="sng">
+                      <a:noFill/>
+                    </a:lnR>
+                    <a:lnT w="38100" cap="flat" cmpd="sng" algn="ctr">
+                      <a:solidFill>
+                        <a:srgbClr val="FFEBCD"/>
+                      </a:solidFill>
+                      <a:prstDash val="solid"/>
+                      <a:round/>
+                      <a:headEnd type="none" w="med" len="med"/>
+                      <a:tailEnd type="none" w="med" len="med"/>
+                    </a:lnT>
+                    <a:lnB w="38100" cap="flat" cmpd="sng" algn="ctr">
+                      <a:solidFill>
+                        <a:srgbClr val="FFEBCD"/>
+                      </a:solidFill>
+                      <a:prstDash val="solid"/>
+                      <a:round/>
+                      <a:headEnd type="none" w="med" len="med"/>
+                      <a:tailEnd type="none" w="med" len="med"/>
+                    </a:lnB>
+                    <a:lnTlToBr w="12700" cmpd="sng">
+                      <a:noFill/>
+                      <a:prstDash val="solid"/>
+                    </a:lnTlToBr>
+                    <a:lnBlToTr w="12700" cmpd="sng">
+                      <a:noFill/>
+                      <a:prstDash val="solid"/>
+                    </a:lnBlToTr>
+                    <a:solidFill>
+                      <a:srgbClr val="282828"/>
+                    </a:solidFill>
+                  </a:tcPr>
+                </a:tc>
+              </a:tr>
+            </a:tbl>
+          </a:graphicData>
+        </a:graphic>
+      </p:graphicFrame>
+      <p:graphicFrame>
+        <p:nvGraphicFramePr>
+          <p:cNvPr id="29" name="表格 28"/>
+          <p:cNvGraphicFramePr>
+            <a:graphicFrameLocks noGrp="1"/>
+          </p:cNvGraphicFramePr>
+          <p:nvPr>
+            <p:extLst>
+              <p:ext uri="{D42A27DB-BD31-4B8C-83A1-F6EECF244321}">
+                <p14:modId xmlns:p14="http://schemas.microsoft.com/office/powerpoint/2010/main" val="2172938419"/>
+              </p:ext>
+            </p:extLst>
+          </p:nvPr>
+        </p:nvGraphicFramePr>
+        <p:xfrm>
+          <a:off x="4007827" y="14745414"/>
+          <a:ext cx="8319420" cy="701040"/>
+        </p:xfrm>
+        <a:graphic>
+          <a:graphicData uri="http://schemas.openxmlformats.org/drawingml/2006/table">
+            <a:tbl>
+              <a:tblPr firstRow="1" bandRow="1">
+                <a:tableStyleId>{5C22544A-7EE6-4342-B048-85BDC9FD1C3A}</a:tableStyleId>
+              </a:tblPr>
+              <a:tblGrid>
+                <a:gridCol w="8319420"/>
+              </a:tblGrid>
+              <a:tr h="323566">
+                <a:tc>
+                  <a:txBody>
+                    <a:bodyPr/>
+                    <a:lstStyle/>
+                    <a:p>
+                      <a:pPr marL="0" marR="0" lvl="0" indent="0" algn="ctr" defTabSz="2159996" rtl="0" eaLnBrk="1" fontAlgn="auto" latinLnBrk="0" hangingPunct="1">
+                        <a:lnSpc>
+                          <a:spcPct val="100000"/>
+                        </a:lnSpc>
+                        <a:spcBef>
+                          <a:spcPts val="0"/>
+                        </a:spcBef>
+                        <a:spcAft>
+                          <a:spcPts val="0"/>
+                        </a:spcAft>
+                        <a:buClrTx/>
+                        <a:buSzTx/>
+                        <a:buFontTx/>
+                        <a:buNone/>
+                        <a:tabLst/>
+                        <a:defRPr/>
+                      </a:pPr>
+                      <a:r>
+                        <a:rPr lang="en-US" altLang="zh-TW" sz="4000" b="0" dirty="0" smtClean="0">
+                          <a:solidFill>
+                            <a:srgbClr val="FFEBCD"/>
+                          </a:solidFill>
+                          <a:latin typeface="SauceCodePro Nerd Font" panose="020B0509030403020204" pitchFamily="49" charset="0"/>
+                        </a:rPr>
+                        <a:t>Add</a:t>
+                      </a:r>
+                      <a:endParaRPr lang="zh-TW" altLang="en-US" sz="4000" b="0" dirty="0">
+                        <a:solidFill>
+                          <a:srgbClr val="FFEBCD"/>
+                        </a:solidFill>
+                        <a:latin typeface="Source Code Pro" panose="020B0509030403020204" pitchFamily="49" charset="0"/>
+                      </a:endParaRPr>
+                    </a:p>
+                  </a:txBody>
+                  <a:tcPr>
+                    <a:lnL w="12700" cmpd="sng">
+                      <a:noFill/>
+                    </a:lnL>
+                    <a:lnR w="12700" cmpd="sng">
+                      <a:noFill/>
+                    </a:lnR>
+                    <a:lnT w="38100" cap="flat" cmpd="sng" algn="ctr">
+                      <a:solidFill>
+                        <a:srgbClr val="FFEBCD"/>
+                      </a:solidFill>
+                      <a:prstDash val="solid"/>
+                      <a:round/>
+                      <a:headEnd type="none" w="med" len="med"/>
+                      <a:tailEnd type="none" w="med" len="med"/>
+                    </a:lnT>
+                    <a:lnB w="38100" cap="flat" cmpd="sng" algn="ctr">
+                      <a:solidFill>
+                        <a:srgbClr val="FFEBCD"/>
+                      </a:solidFill>
+                      <a:prstDash val="solid"/>
+                      <a:round/>
+                      <a:headEnd type="none" w="med" len="med"/>
+                      <a:tailEnd type="none" w="med" len="med"/>
+                    </a:lnB>
+                    <a:lnTlToBr w="12700" cmpd="sng">
+                      <a:noFill/>
+                      <a:prstDash val="solid"/>
+                    </a:lnTlToBr>
+                    <a:lnBlToTr w="12700" cmpd="sng">
+                      <a:noFill/>
+                      <a:prstDash val="solid"/>
+                    </a:lnBlToTr>
+                    <a:solidFill>
+                      <a:srgbClr val="282828"/>
+                    </a:solidFill>
+                  </a:tcPr>
+                </a:tc>
+              </a:tr>
+            </a:tbl>
+          </a:graphicData>
+        </a:graphic>
+      </p:graphicFrame>
+    </p:spTree>
+    <p:extLst>
+      <p:ext uri="{BB962C8B-B14F-4D97-AF65-F5344CB8AC3E}">
+        <p14:creationId xmlns:p14="http://schemas.microsoft.com/office/powerpoint/2010/main" val="909531909"/>
+      </p:ext>
+    </p:extLst>
+  </p:cSld>
+  <p:clrMapOvr>
+    <a:masterClrMapping/>
+  </p:clrMapOvr>
+  <p:timing>
+    <p:tnLst>
+      <p:par>
+        <p:cTn id="1" dur="indefinite" restart="never" nodeType="tmRoot"/>
+      </p:par>
+    </p:tnLst>
+  </p:timing>
+</p:sld>
+</file>
+
+<file path=ppt/slides/slide7.xml><?xml version="1.0" encoding="utf-8"?>
+<p:sld xmlns:a="http://schemas.openxmlformats.org/drawingml/2006/main" xmlns:r="http://schemas.openxmlformats.org/officeDocument/2006/relationships" xmlns:p="http://schemas.openxmlformats.org/presentationml/2006/main">
+  <p:cSld>
+    <p:bg>
+      <p:bgPr>
+        <a:solidFill>
+          <a:srgbClr val="282828"/>
+        </a:solidFill>
+        <a:effectLst/>
+      </p:bgPr>
+    </p:bg>
+    <p:spTree>
+      <p:nvGrpSpPr>
+        <p:cNvPr id="1" name=""/>
+        <p:cNvGrpSpPr/>
+        <p:nvPr/>
+      </p:nvGrpSpPr>
+      <p:grpSpPr>
+        <a:xfrm>
+          <a:off x="0" y="0"/>
+          <a:ext cx="0" cy="0"/>
+          <a:chOff x="0" y="0"/>
+          <a:chExt cx="0" cy="0"/>
+        </a:xfrm>
+      </p:grpSpPr>
+      <p:graphicFrame>
+        <p:nvGraphicFramePr>
+          <p:cNvPr id="27" name="表格 26"/>
+          <p:cNvGraphicFramePr>
+            <a:graphicFrameLocks noGrp="1"/>
+          </p:cNvGraphicFramePr>
+          <p:nvPr>
+            <p:extLst>
+              <p:ext uri="{D42A27DB-BD31-4B8C-83A1-F6EECF244321}">
+                <p14:modId xmlns:p14="http://schemas.microsoft.com/office/powerpoint/2010/main" val="3084455403"/>
+              </p:ext>
+            </p:extLst>
+          </p:nvPr>
+        </p:nvGraphicFramePr>
+        <p:xfrm>
+          <a:off x="6697261" y="14105363"/>
+          <a:ext cx="6643844" cy="1402080"/>
+        </p:xfrm>
+        <a:graphic>
+          <a:graphicData uri="http://schemas.openxmlformats.org/drawingml/2006/table">
+            <a:tbl>
+              <a:tblPr firstRow="1" bandRow="1">
+                <a:tableStyleId>{5C22544A-7EE6-4342-B048-85BDC9FD1C3A}</a:tableStyleId>
+              </a:tblPr>
+              <a:tblGrid>
+                <a:gridCol w="6643844"/>
+              </a:tblGrid>
+              <a:tr h="653162">
+                <a:tc>
+                  <a:txBody>
+                    <a:bodyPr/>
+                    <a:lstStyle/>
+                    <a:p>
+                      <a:pPr marL="0" marR="0" lvl="0" indent="0" algn="l" defTabSz="2159996" rtl="0" eaLnBrk="1" fontAlgn="auto" latinLnBrk="0" hangingPunct="1">
+                        <a:lnSpc>
+                          <a:spcPct val="100000"/>
+                        </a:lnSpc>
+                        <a:spcBef>
+                          <a:spcPts val="0"/>
+                        </a:spcBef>
+                        <a:spcAft>
+                          <a:spcPts val="0"/>
+                        </a:spcAft>
+                        <a:buClrTx/>
+                        <a:buSzTx/>
+                        <a:buFontTx/>
+                        <a:buNone/>
+                        <a:tabLst/>
+                        <a:defRPr/>
+                      </a:pPr>
+                      <a:r>
+                        <a:rPr lang="en-US" altLang="zh-TW" sz="4000" b="0" dirty="0" smtClean="0">
+                          <a:solidFill>
+                            <a:srgbClr val="FFEBCD"/>
+                          </a:solidFill>
+                          <a:latin typeface="Source Code Pro" panose="020B0509030403020204" pitchFamily="49" charset="0"/>
+                        </a:rPr>
+                        <a:t>Conlv1d(128,64,3)</a:t>
+                      </a:r>
+                      <a:endParaRPr lang="zh-TW" altLang="en-US" sz="4000" b="0" dirty="0" smtClean="0">
+                        <a:solidFill>
+                          <a:srgbClr val="FFEBCD"/>
+                        </a:solidFill>
+                        <a:latin typeface="Source Code Pro" panose="020B0509030403020204" pitchFamily="49" charset="0"/>
+                      </a:endParaRPr>
+                    </a:p>
+                  </a:txBody>
+                  <a:tcPr>
+                    <a:lnL w="12700" cmpd="sng">
+                      <a:noFill/>
+                    </a:lnL>
+                    <a:lnR w="12700" cmpd="sng">
+                      <a:noFill/>
+                    </a:lnR>
+                    <a:lnT w="38100" cap="flat" cmpd="sng" algn="ctr">
+                      <a:solidFill>
+                        <a:srgbClr val="D8BEEC"/>
+                      </a:solidFill>
+                      <a:prstDash val="solid"/>
+                      <a:round/>
+                      <a:headEnd type="none" w="med" len="med"/>
+                      <a:tailEnd type="none" w="med" len="med"/>
+                    </a:lnT>
+                    <a:lnB w="38100" cap="flat" cmpd="sng" algn="ctr">
+                      <a:solidFill>
+                        <a:srgbClr val="D8BEEC"/>
+                      </a:solidFill>
+                      <a:prstDash val="solid"/>
+                      <a:round/>
+                      <a:headEnd type="none" w="med" len="med"/>
+                      <a:tailEnd type="none" w="med" len="med"/>
+                    </a:lnB>
+                    <a:lnTlToBr w="12700" cmpd="sng">
+                      <a:noFill/>
+                      <a:prstDash val="solid"/>
+                    </a:lnTlToBr>
+                    <a:lnBlToTr w="12700" cmpd="sng">
+                      <a:noFill/>
+                      <a:prstDash val="solid"/>
+                    </a:lnBlToTr>
+                    <a:solidFill>
+                      <a:srgbClr val="282828"/>
+                    </a:solidFill>
+                  </a:tcPr>
+                </a:tc>
+              </a:tr>
+              <a:tr h="653162">
+                <a:tc>
+                  <a:txBody>
+                    <a:bodyPr/>
+                    <a:lstStyle/>
+                    <a:p>
+                      <a:pPr marL="0" marR="0" lvl="0" indent="0" algn="l" defTabSz="2159996" rtl="0" eaLnBrk="1" fontAlgn="auto" latinLnBrk="0" hangingPunct="1">
+                        <a:lnSpc>
+                          <a:spcPct val="100000"/>
+                        </a:lnSpc>
+                        <a:spcBef>
+                          <a:spcPts val="0"/>
+                        </a:spcBef>
+                        <a:spcAft>
+                          <a:spcPts val="0"/>
+                        </a:spcAft>
+                        <a:buClrTx/>
+                        <a:buSzTx/>
+                        <a:buFontTx/>
+                        <a:buNone/>
+                        <a:tabLst/>
+                        <a:defRPr/>
+                      </a:pPr>
+                      <a:r>
+                        <a:rPr lang="en-US" altLang="zh-TW" sz="4000" b="0" dirty="0" smtClean="0">
+                          <a:solidFill>
+                            <a:srgbClr val="FFEBCD"/>
+                          </a:solidFill>
+                          <a:latin typeface="SauceCodePro Nerd Font" panose="020B0509030403020204" pitchFamily="49" charset="0"/>
+                        </a:rPr>
+                        <a:t>bz,64,l-&gt;bz,1,(l</a:t>
+                      </a:r>
+                      <a:r>
+                        <a:rPr lang="en-US" altLang="zh-TW" sz="4000" b="0" baseline="0" dirty="0" smtClean="0">
+                          <a:solidFill>
+                            <a:srgbClr val="FFEBCD"/>
+                          </a:solidFill>
+                          <a:latin typeface="SauceCodePro Nerd Font" panose="020B0509030403020204" pitchFamily="49" charset="0"/>
+                        </a:rPr>
+                        <a:t> </a:t>
+                      </a:r>
+                      <a:r>
+                        <a:rPr lang="en-US" altLang="zh-TW" sz="4000" b="0" dirty="0" smtClean="0">
+                          <a:solidFill>
+                            <a:srgbClr val="FFEBCD"/>
+                          </a:solidFill>
+                          <a:latin typeface="SauceCodePro Nerd Font" panose="020B0509030403020204" pitchFamily="49" charset="0"/>
+                        </a:rPr>
+                        <a:t>64)</a:t>
+                      </a:r>
+                      <a:endParaRPr lang="zh-TW" altLang="en-US" sz="4000" b="0" dirty="0" smtClean="0">
+                        <a:solidFill>
+                          <a:srgbClr val="FFEBCD"/>
+                        </a:solidFill>
+                        <a:latin typeface="Source Code Pro" panose="020B0509030403020204" pitchFamily="49" charset="0"/>
+                      </a:endParaRPr>
+                    </a:p>
+                  </a:txBody>
+                  <a:tcPr>
+                    <a:lnL w="12700" cmpd="sng">
+                      <a:noFill/>
+                    </a:lnL>
+                    <a:lnR w="12700" cmpd="sng">
+                      <a:noFill/>
+                    </a:lnR>
+                    <a:lnT w="38100" cap="flat" cmpd="sng" algn="ctr">
+                      <a:solidFill>
+                        <a:srgbClr val="D8BEEC"/>
+                      </a:solidFill>
+                      <a:prstDash val="solid"/>
+                      <a:round/>
+                      <a:headEnd type="none" w="med" len="med"/>
+                      <a:tailEnd type="none" w="med" len="med"/>
+                    </a:lnT>
+                    <a:lnB w="38100" cap="flat" cmpd="sng" algn="ctr">
+                      <a:solidFill>
+                        <a:srgbClr val="D8BEEC"/>
+                      </a:solidFill>
+                      <a:prstDash val="solid"/>
+                      <a:round/>
+                      <a:headEnd type="none" w="med" len="med"/>
+                      <a:tailEnd type="none" w="med" len="med"/>
+                    </a:lnB>
+                    <a:lnTlToBr w="12700" cmpd="sng">
+                      <a:noFill/>
+                      <a:prstDash val="solid"/>
+                    </a:lnTlToBr>
+                    <a:lnBlToTr w="12700" cmpd="sng">
+                      <a:noFill/>
+                      <a:prstDash val="solid"/>
+                    </a:lnBlToTr>
+                    <a:solidFill>
+                      <a:srgbClr val="282828"/>
+                    </a:solidFill>
+                  </a:tcPr>
+                </a:tc>
+              </a:tr>
+            </a:tbl>
+          </a:graphicData>
+        </a:graphic>
+      </p:graphicFrame>
+      <p:graphicFrame>
+        <p:nvGraphicFramePr>
+          <p:cNvPr id="23" name="表格 22"/>
+          <p:cNvGraphicFramePr>
+            <a:graphicFrameLocks noGrp="1"/>
+          </p:cNvGraphicFramePr>
+          <p:nvPr>
+            <p:extLst>
+              <p:ext uri="{D42A27DB-BD31-4B8C-83A1-F6EECF244321}">
+                <p14:modId xmlns:p14="http://schemas.microsoft.com/office/powerpoint/2010/main" val="640208328"/>
+              </p:ext>
+            </p:extLst>
+          </p:nvPr>
+        </p:nvGraphicFramePr>
+        <p:xfrm>
+          <a:off x="10120449" y="11484083"/>
+          <a:ext cx="6625440" cy="2621280"/>
+        </p:xfrm>
+        <a:graphic>
+          <a:graphicData uri="http://schemas.openxmlformats.org/drawingml/2006/table">
+            <a:tbl>
+              <a:tblPr firstRow="1" bandRow="1">
+                <a:tableStyleId>{5C22544A-7EE6-4342-B048-85BDC9FD1C3A}</a:tableStyleId>
+              </a:tblPr>
+              <a:tblGrid>
+                <a:gridCol w="6625440"/>
+              </a:tblGrid>
+              <a:tr h="0">
+                <a:tc>
+                  <a:txBody>
+                    <a:bodyPr/>
+                    <a:lstStyle/>
+                    <a:p>
+                      <a:pPr marL="0" marR="0" lvl="0" indent="0" algn="l" defTabSz="2159996" rtl="0" eaLnBrk="1" fontAlgn="auto" latinLnBrk="0" hangingPunct="1">
+                        <a:lnSpc>
+                          <a:spcPct val="100000"/>
+                        </a:lnSpc>
+                        <a:spcBef>
+                          <a:spcPts val="0"/>
+                        </a:spcBef>
+                        <a:spcAft>
+                          <a:spcPts val="0"/>
+                        </a:spcAft>
+                        <a:buClrTx/>
+                        <a:buSzTx/>
+                        <a:buFontTx/>
+                        <a:buNone/>
+                        <a:tabLst/>
+                        <a:defRPr/>
+                      </a:pPr>
+                      <a:r>
+                        <a:rPr lang="en-US" altLang="zh-TW" sz="4000" b="0" dirty="0" smtClean="0">
+                          <a:solidFill>
+                            <a:srgbClr val="FFEBCD"/>
+                          </a:solidFill>
+                          <a:latin typeface="SauceCodePro Nerd Font" panose="020B0509030403020204" pitchFamily="49" charset="0"/>
+                        </a:rPr>
+                        <a:t>Main</a:t>
+                      </a:r>
+                    </a:p>
+                    <a:p>
+                      <a:pPr marL="0" marR="0" lvl="0" indent="0" algn="l" defTabSz="2159996" rtl="0" eaLnBrk="1" fontAlgn="auto" latinLnBrk="0" hangingPunct="1">
+                        <a:lnSpc>
+                          <a:spcPct val="100000"/>
+                        </a:lnSpc>
+                        <a:spcBef>
+                          <a:spcPts val="0"/>
+                        </a:spcBef>
+                        <a:spcAft>
+                          <a:spcPts val="0"/>
+                        </a:spcAft>
+                        <a:buClrTx/>
+                        <a:buSzTx/>
+                        <a:buFontTx/>
+                        <a:buNone/>
+                        <a:tabLst/>
+                        <a:defRPr/>
+                      </a:pPr>
+                      <a:r>
+                        <a:rPr lang="en-US" altLang="zh-TW" sz="4000" b="0" dirty="0" smtClean="0">
+                          <a:solidFill>
+                            <a:srgbClr val="FFEBCD"/>
+                          </a:solidFill>
+                          <a:latin typeface="SauceCodePro Nerd Font" panose="020B0509030403020204" pitchFamily="49" charset="0"/>
+                        </a:rPr>
+                        <a:t>Block</a:t>
+                      </a:r>
+                      <a:r>
+                        <a:rPr lang="en-US" altLang="zh-TW" sz="4000" b="0" dirty="0" smtClean="0">
+                          <a:solidFill>
+                            <a:srgbClr val="FFEBCD"/>
+                          </a:solidFill>
+                          <a:latin typeface="Source Code Pro" panose="020B0509030403020204" pitchFamily="49" charset="0"/>
+                        </a:rPr>
+                        <a:t>(128,256,9,16,8)</a:t>
+                      </a:r>
+                      <a:endParaRPr lang="zh-TW" altLang="en-US" sz="4000" b="0" dirty="0">
+                        <a:solidFill>
+                          <a:srgbClr val="FFEBCD"/>
+                        </a:solidFill>
+                        <a:latin typeface="Source Code Pro" panose="020B0509030403020204" pitchFamily="49" charset="0"/>
+                      </a:endParaRPr>
+                    </a:p>
+                  </a:txBody>
+                  <a:tcPr>
+                    <a:lnL w="12700" cmpd="sng">
+                      <a:noFill/>
+                    </a:lnL>
+                    <a:lnR w="12700" cmpd="sng">
+                      <a:noFill/>
+                    </a:lnR>
+                    <a:lnT w="38100" cap="flat" cmpd="sng" algn="ctr">
+                      <a:solidFill>
+                        <a:srgbClr val="FF5B9D"/>
+                      </a:solidFill>
+                      <a:prstDash val="solid"/>
+                      <a:round/>
+                      <a:headEnd type="none" w="med" len="med"/>
+                      <a:tailEnd type="none" w="med" len="med"/>
+                    </a:lnT>
+                    <a:lnB w="38100" cap="flat" cmpd="sng" algn="ctr">
+                      <a:solidFill>
+                        <a:srgbClr val="FF5B9D"/>
+                      </a:solidFill>
+                      <a:prstDash val="solid"/>
+                      <a:round/>
+                      <a:headEnd type="none" w="med" len="med"/>
+                      <a:tailEnd type="none" w="med" len="med"/>
+                    </a:lnB>
+                    <a:lnTlToBr w="12700" cmpd="sng">
+                      <a:noFill/>
+                      <a:prstDash val="solid"/>
+                    </a:lnTlToBr>
+                    <a:lnBlToTr w="12700" cmpd="sng">
+                      <a:noFill/>
+                      <a:prstDash val="solid"/>
+                    </a:lnBlToTr>
+                    <a:solidFill>
+                      <a:srgbClr val="282828"/>
+                    </a:solidFill>
+                  </a:tcPr>
+                </a:tc>
+              </a:tr>
+              <a:tr h="0">
+                <a:tc>
+                  <a:txBody>
+                    <a:bodyPr/>
+                    <a:lstStyle/>
+                    <a:p>
+                      <a:pPr marL="0" marR="0" lvl="0" indent="0" algn="l" defTabSz="2159996" rtl="0" eaLnBrk="1" fontAlgn="auto" latinLnBrk="0" hangingPunct="1">
+                        <a:lnSpc>
+                          <a:spcPct val="100000"/>
+                        </a:lnSpc>
+                        <a:spcBef>
+                          <a:spcPts val="0"/>
+                        </a:spcBef>
+                        <a:spcAft>
+                          <a:spcPts val="0"/>
+                        </a:spcAft>
+                        <a:buClrTx/>
+                        <a:buSzTx/>
+                        <a:buFontTx/>
+                        <a:buNone/>
+                        <a:tabLst/>
+                        <a:defRPr/>
+                      </a:pPr>
+                      <a:r>
+                        <a:rPr lang="en-US" altLang="zh-TW" sz="4000" b="0" dirty="0" smtClean="0">
+                          <a:solidFill>
+                            <a:srgbClr val="FFEBCD"/>
+                          </a:solidFill>
+                          <a:latin typeface="Source Code Pro" panose="020B0509030403020204" pitchFamily="49" charset="0"/>
+                        </a:rPr>
+                        <a:t>Main</a:t>
+                      </a:r>
+                    </a:p>
+                    <a:p>
+                      <a:pPr marL="0" marR="0" lvl="0" indent="0" algn="l" defTabSz="2159996" rtl="0" eaLnBrk="1" fontAlgn="auto" latinLnBrk="0" hangingPunct="1">
+                        <a:lnSpc>
+                          <a:spcPct val="100000"/>
+                        </a:lnSpc>
+                        <a:spcBef>
+                          <a:spcPts val="0"/>
+                        </a:spcBef>
+                        <a:spcAft>
+                          <a:spcPts val="0"/>
+                        </a:spcAft>
+                        <a:buClrTx/>
+                        <a:buSzTx/>
+                        <a:buFontTx/>
+                        <a:buNone/>
+                        <a:tabLst/>
+                        <a:defRPr/>
+                      </a:pPr>
+                      <a:r>
+                        <a:rPr lang="en-US" altLang="zh-TW" sz="4000" b="0" dirty="0" smtClean="0">
+                          <a:solidFill>
+                            <a:srgbClr val="FFEBCD"/>
+                          </a:solidFill>
+                          <a:latin typeface="Source Code Pro" panose="020B0509030403020204" pitchFamily="49" charset="0"/>
+                        </a:rPr>
+                        <a:t>Block(128,256,9,16,8)</a:t>
+                      </a:r>
+                      <a:endParaRPr lang="zh-TW" altLang="en-US" sz="4000" b="0" dirty="0" smtClean="0">
+                        <a:solidFill>
+                          <a:srgbClr val="FFEBCD"/>
+                        </a:solidFill>
+                        <a:latin typeface="Source Code Pro" panose="020B0509030403020204" pitchFamily="49" charset="0"/>
+                      </a:endParaRPr>
+                    </a:p>
+                  </a:txBody>
+                  <a:tcPr>
+                    <a:lnL w="12700" cmpd="sng">
+                      <a:noFill/>
+                    </a:lnL>
+                    <a:lnR w="12700" cmpd="sng">
+                      <a:noFill/>
+                    </a:lnR>
+                    <a:lnT w="38100" cap="flat" cmpd="sng" algn="ctr">
+                      <a:solidFill>
+                        <a:srgbClr val="FF5B9D"/>
+                      </a:solidFill>
+                      <a:prstDash val="solid"/>
+                      <a:round/>
+                      <a:headEnd type="none" w="med" len="med"/>
+                      <a:tailEnd type="none" w="med" len="med"/>
+                    </a:lnT>
+                    <a:lnB w="38100" cap="flat" cmpd="sng" algn="ctr">
+                      <a:solidFill>
+                        <a:srgbClr val="FF5B9D"/>
+                      </a:solidFill>
+                      <a:prstDash val="solid"/>
+                      <a:round/>
+                      <a:headEnd type="none" w="med" len="med"/>
+                      <a:tailEnd type="none" w="med" len="med"/>
+                    </a:lnB>
+                    <a:lnTlToBr w="12700" cmpd="sng">
+                      <a:noFill/>
+                      <a:prstDash val="solid"/>
+                    </a:lnTlToBr>
+                    <a:lnBlToTr w="12700" cmpd="sng">
+                      <a:noFill/>
+                      <a:prstDash val="solid"/>
+                    </a:lnBlToTr>
+                    <a:solidFill>
+                      <a:srgbClr val="282828"/>
+                    </a:solidFill>
+                  </a:tcPr>
+                </a:tc>
+              </a:tr>
+            </a:tbl>
+          </a:graphicData>
+        </a:graphic>
+      </p:graphicFrame>
+      <p:graphicFrame>
+        <p:nvGraphicFramePr>
+          <p:cNvPr id="28" name="表格 27"/>
+          <p:cNvGraphicFramePr>
+            <a:graphicFrameLocks noGrp="1"/>
+          </p:cNvGraphicFramePr>
+          <p:nvPr>
+            <p:extLst>
+              <p:ext uri="{D42A27DB-BD31-4B8C-83A1-F6EECF244321}">
+                <p14:modId xmlns:p14="http://schemas.microsoft.com/office/powerpoint/2010/main" val="3466274743"/>
+              </p:ext>
+            </p:extLst>
+          </p:nvPr>
+        </p:nvGraphicFramePr>
+        <p:xfrm>
+          <a:off x="6697261" y="2736323"/>
+          <a:ext cx="3633580" cy="2103120"/>
+        </p:xfrm>
+        <a:graphic>
+          <a:graphicData uri="http://schemas.openxmlformats.org/drawingml/2006/table">
+            <a:tbl>
+              <a:tblPr firstRow="1" bandRow="1">
+                <a:tableStyleId>{5C22544A-7EE6-4342-B048-85BDC9FD1C3A}</a:tableStyleId>
+              </a:tblPr>
+              <a:tblGrid>
+                <a:gridCol w="3633580"/>
+              </a:tblGrid>
+              <a:tr h="609419">
+                <a:tc>
+                  <a:txBody>
+                    <a:bodyPr/>
+                    <a:lstStyle/>
+                    <a:p>
+                      <a:pPr marL="0" marR="0" lvl="0" indent="0" algn="l" defTabSz="2159996" rtl="0" eaLnBrk="1" fontAlgn="auto" latinLnBrk="0" hangingPunct="1">
+                        <a:lnSpc>
+                          <a:spcPct val="100000"/>
+                        </a:lnSpc>
+                        <a:spcBef>
+                          <a:spcPts val="0"/>
+                        </a:spcBef>
+                        <a:spcAft>
+                          <a:spcPts val="0"/>
+                        </a:spcAft>
+                        <a:buClrTx/>
+                        <a:buSzTx/>
+                        <a:buFontTx/>
+                        <a:buNone/>
+                        <a:tabLst/>
+                        <a:defRPr/>
+                      </a:pPr>
+                      <a:r>
+                        <a:rPr lang="en-US" altLang="zh-TW" sz="4000" b="0" dirty="0" smtClean="0">
+                          <a:solidFill>
+                            <a:srgbClr val="FFEBCD"/>
+                          </a:solidFill>
+                          <a:latin typeface="SauceCodePro Nerd Font" panose="020B0509030403020204" pitchFamily="49" charset="0"/>
+                        </a:rPr>
+                        <a:t>DSB(1,32</a:t>
+                      </a:r>
+                      <a:r>
+                        <a:rPr lang="en-US" altLang="zh-TW" sz="4000" b="0" dirty="0" smtClean="0">
+                          <a:solidFill>
+                            <a:srgbClr val="FFEBCD"/>
+                          </a:solidFill>
+                          <a:latin typeface="Source Code Pro" panose="020B0509030403020204" pitchFamily="49" charset="0"/>
+                        </a:rPr>
+                        <a:t>)</a:t>
+                      </a:r>
+                      <a:endParaRPr lang="zh-TW" altLang="en-US" sz="4000" b="0" dirty="0">
+                        <a:solidFill>
+                          <a:srgbClr val="FFEBCD"/>
+                        </a:solidFill>
+                        <a:latin typeface="Source Code Pro" panose="020B0509030403020204" pitchFamily="49" charset="0"/>
+                      </a:endParaRPr>
+                    </a:p>
+                  </a:txBody>
+                  <a:tcPr>
+                    <a:lnL w="12700" cmpd="sng">
+                      <a:noFill/>
+                    </a:lnL>
+                    <a:lnR w="12700" cmpd="sng">
+                      <a:noFill/>
+                    </a:lnR>
+                    <a:lnT w="38100" cap="flat" cmpd="sng" algn="ctr">
+                      <a:solidFill>
+                        <a:schemeClr val="accent4"/>
+                      </a:solidFill>
+                      <a:prstDash val="solid"/>
+                      <a:round/>
+                      <a:headEnd type="none" w="med" len="med"/>
+                      <a:tailEnd type="none" w="med" len="med"/>
+                    </a:lnT>
+                    <a:lnB w="38100" cap="flat" cmpd="sng" algn="ctr">
+                      <a:solidFill>
+                        <a:schemeClr val="accent4"/>
+                      </a:solidFill>
+                      <a:prstDash val="solid"/>
+                      <a:round/>
+                      <a:headEnd type="none" w="med" len="med"/>
+                      <a:tailEnd type="none" w="med" len="med"/>
+                    </a:lnB>
+                    <a:lnTlToBr w="12700" cmpd="sng">
+                      <a:noFill/>
+                      <a:prstDash val="solid"/>
+                    </a:lnTlToBr>
+                    <a:lnBlToTr w="12700" cmpd="sng">
+                      <a:noFill/>
+                      <a:prstDash val="solid"/>
+                    </a:lnBlToTr>
+                    <a:solidFill>
+                      <a:srgbClr val="282828"/>
+                    </a:solidFill>
+                  </a:tcPr>
+                </a:tc>
+              </a:tr>
+              <a:tr h="609419">
+                <a:tc>
+                  <a:txBody>
+                    <a:bodyPr/>
+                    <a:lstStyle/>
+                    <a:p>
+                      <a:pPr marL="0" marR="0" lvl="0" indent="0" algn="l" defTabSz="2159996" rtl="0" eaLnBrk="1" fontAlgn="auto" latinLnBrk="0" hangingPunct="1">
+                        <a:lnSpc>
+                          <a:spcPct val="100000"/>
+                        </a:lnSpc>
+                        <a:spcBef>
+                          <a:spcPts val="0"/>
+                        </a:spcBef>
+                        <a:spcAft>
+                          <a:spcPts val="0"/>
+                        </a:spcAft>
+                        <a:buClrTx/>
+                        <a:buSzTx/>
+                        <a:buFontTx/>
+                        <a:buNone/>
+                        <a:tabLst/>
+                        <a:defRPr/>
+                      </a:pPr>
+                      <a:r>
+                        <a:rPr lang="en-US" altLang="zh-TW" sz="4000" b="0" dirty="0" smtClean="0">
+                          <a:solidFill>
+                            <a:srgbClr val="FFEBCD"/>
+                          </a:solidFill>
+                          <a:latin typeface="Source Code Pro" panose="020B0509030403020204" pitchFamily="49" charset="0"/>
+                        </a:rPr>
+                        <a:t>DSB(32,64)</a:t>
+                      </a:r>
+                      <a:endParaRPr lang="zh-TW" altLang="en-US" sz="4000" b="0" dirty="0">
+                        <a:solidFill>
+                          <a:srgbClr val="FFEBCD"/>
+                        </a:solidFill>
+                        <a:latin typeface="Source Code Pro" panose="020B0509030403020204" pitchFamily="49" charset="0"/>
+                      </a:endParaRPr>
+                    </a:p>
+                  </a:txBody>
+                  <a:tcPr>
+                    <a:lnL w="12700" cmpd="sng">
+                      <a:noFill/>
+                    </a:lnL>
+                    <a:lnR w="12700" cmpd="sng">
+                      <a:noFill/>
+                    </a:lnR>
+                    <a:lnT w="38100" cap="flat" cmpd="sng" algn="ctr">
+                      <a:solidFill>
+                        <a:schemeClr val="accent4"/>
+                      </a:solidFill>
+                      <a:prstDash val="solid"/>
+                      <a:round/>
+                      <a:headEnd type="none" w="med" len="med"/>
+                      <a:tailEnd type="none" w="med" len="med"/>
+                    </a:lnT>
+                    <a:lnB w="38100" cap="flat" cmpd="sng" algn="ctr">
+                      <a:solidFill>
+                        <a:schemeClr val="accent4"/>
+                      </a:solidFill>
+                      <a:prstDash val="solid"/>
+                      <a:round/>
+                      <a:headEnd type="none" w="med" len="med"/>
+                      <a:tailEnd type="none" w="med" len="med"/>
+                    </a:lnB>
+                    <a:lnTlToBr w="12700" cmpd="sng">
+                      <a:noFill/>
+                      <a:prstDash val="solid"/>
+                    </a:lnTlToBr>
+                    <a:lnBlToTr w="12700" cmpd="sng">
+                      <a:noFill/>
+                      <a:prstDash val="solid"/>
+                    </a:lnBlToTr>
+                    <a:solidFill>
+                      <a:srgbClr val="282828"/>
+                    </a:solidFill>
+                  </a:tcPr>
+                </a:tc>
+              </a:tr>
+              <a:tr h="609419">
+                <a:tc>
+                  <a:txBody>
+                    <a:bodyPr/>
+                    <a:lstStyle/>
+                    <a:p>
+                      <a:pPr marL="0" marR="0" lvl="0" indent="0" algn="l" defTabSz="2159996" rtl="0" eaLnBrk="1" fontAlgn="auto" latinLnBrk="0" hangingPunct="1">
+                        <a:lnSpc>
+                          <a:spcPct val="100000"/>
+                        </a:lnSpc>
+                        <a:spcBef>
+                          <a:spcPts val="0"/>
+                        </a:spcBef>
+                        <a:spcAft>
+                          <a:spcPts val="0"/>
+                        </a:spcAft>
+                        <a:buClrTx/>
+                        <a:buSzTx/>
+                        <a:buFontTx/>
+                        <a:buNone/>
+                        <a:tabLst/>
+                        <a:defRPr/>
+                      </a:pPr>
+                      <a:r>
+                        <a:rPr lang="en-US" altLang="zh-TW" sz="4000" b="0" dirty="0" smtClean="0">
+                          <a:solidFill>
+                            <a:srgbClr val="FFEBCD"/>
+                          </a:solidFill>
+                          <a:latin typeface="Source Code Pro" panose="020B0509030403020204" pitchFamily="49" charset="0"/>
+                        </a:rPr>
+                        <a:t>DSB(64,128)</a:t>
+                      </a:r>
+                      <a:endParaRPr lang="zh-TW" altLang="en-US" sz="4000" b="0" dirty="0">
+                        <a:solidFill>
+                          <a:srgbClr val="FFEBCD"/>
+                        </a:solidFill>
+                        <a:latin typeface="Source Code Pro" panose="020B0509030403020204" pitchFamily="49" charset="0"/>
+                      </a:endParaRPr>
+                    </a:p>
+                  </a:txBody>
+                  <a:tcPr>
+                    <a:lnL w="12700" cmpd="sng">
+                      <a:noFill/>
+                    </a:lnL>
+                    <a:lnR w="12700" cmpd="sng">
+                      <a:noFill/>
+                    </a:lnR>
+                    <a:lnT w="38100" cap="flat" cmpd="sng" algn="ctr">
+                      <a:solidFill>
+                        <a:schemeClr val="accent4"/>
+                      </a:solidFill>
+                      <a:prstDash val="solid"/>
+                      <a:round/>
+                      <a:headEnd type="none" w="med" len="med"/>
+                      <a:tailEnd type="none" w="med" len="med"/>
+                    </a:lnT>
+                    <a:lnB w="38100" cap="flat" cmpd="sng" algn="ctr">
+                      <a:solidFill>
+                        <a:schemeClr val="accent4"/>
+                      </a:solidFill>
+                      <a:prstDash val="solid"/>
+                      <a:round/>
+                      <a:headEnd type="none" w="med" len="med"/>
+                      <a:tailEnd type="none" w="med" len="med"/>
+                    </a:lnB>
+                    <a:lnTlToBr w="12700" cmpd="sng">
+                      <a:noFill/>
+                      <a:prstDash val="solid"/>
+                    </a:lnTlToBr>
+                    <a:lnBlToTr w="12700" cmpd="sng">
+                      <a:noFill/>
+                      <a:prstDash val="solid"/>
+                    </a:lnBlToTr>
+                    <a:solidFill>
+                      <a:srgbClr val="282828"/>
+                    </a:solidFill>
+                  </a:tcPr>
+                </a:tc>
+              </a:tr>
+            </a:tbl>
+          </a:graphicData>
+        </a:graphic>
+      </p:graphicFrame>
+      <p:graphicFrame>
+        <p:nvGraphicFramePr>
+          <p:cNvPr id="30" name="表格 29"/>
+          <p:cNvGraphicFramePr>
+            <a:graphicFrameLocks noGrp="1"/>
+          </p:cNvGraphicFramePr>
+          <p:nvPr>
+            <p:extLst>
+              <p:ext uri="{D42A27DB-BD31-4B8C-83A1-F6EECF244321}">
+                <p14:modId xmlns:p14="http://schemas.microsoft.com/office/powerpoint/2010/main" val="83869885"/>
+              </p:ext>
+            </p:extLst>
+          </p:nvPr>
+        </p:nvGraphicFramePr>
+        <p:xfrm>
+          <a:off x="10321640" y="2736260"/>
+          <a:ext cx="6424249" cy="2103120"/>
+        </p:xfrm>
+        <a:graphic>
+          <a:graphicData uri="http://schemas.openxmlformats.org/drawingml/2006/table">
+            <a:tbl>
+              <a:tblPr firstRow="1" bandRow="1">
+                <a:tableStyleId>{5C22544A-7EE6-4342-B048-85BDC9FD1C3A}</a:tableStyleId>
+              </a:tblPr>
+              <a:tblGrid>
+                <a:gridCol w="6424249"/>
+              </a:tblGrid>
+              <a:tr h="1067347">
+                <a:tc>
+                  <a:txBody>
+                    <a:bodyPr/>
+                    <a:lstStyle/>
+                    <a:p>
+                      <a:pPr marL="0" marR="0" lvl="0" indent="0" algn="l" defTabSz="2159996" rtl="0" eaLnBrk="1" fontAlgn="auto" latinLnBrk="0" hangingPunct="1">
+                        <a:lnSpc>
+                          <a:spcPct val="100000"/>
+                        </a:lnSpc>
+                        <a:spcBef>
+                          <a:spcPts val="0"/>
+                        </a:spcBef>
+                        <a:spcAft>
+                          <a:spcPts val="0"/>
+                        </a:spcAft>
+                        <a:buClrTx/>
+                        <a:buSzTx/>
+                        <a:buFontTx/>
+                        <a:buNone/>
+                        <a:tabLst/>
+                        <a:defRPr/>
+                      </a:pPr>
+                      <a:r>
+                        <a:rPr lang="en-US" altLang="zh-TW" sz="4000" b="0" dirty="0" smtClean="0">
+                          <a:solidFill>
+                            <a:srgbClr val="FFEBCD"/>
+                          </a:solidFill>
+                          <a:latin typeface="SauceCodePro Nerd Font" panose="020B0509030403020204" pitchFamily="49" charset="0"/>
+                        </a:rPr>
+                        <a:t>bz,1,(l</a:t>
+                      </a:r>
+                      <a:r>
+                        <a:rPr lang="en-US" altLang="zh-TW" sz="4000" b="0" baseline="0" dirty="0" smtClean="0">
+                          <a:solidFill>
+                            <a:srgbClr val="FFEBCD"/>
+                          </a:solidFill>
+                          <a:latin typeface="SauceCodePro Nerd Font" panose="020B0509030403020204" pitchFamily="49" charset="0"/>
+                        </a:rPr>
+                        <a:t> </a:t>
+                      </a:r>
+                      <a:r>
+                        <a:rPr lang="en-US" altLang="zh-TW" sz="4000" b="0" dirty="0" smtClean="0">
+                          <a:solidFill>
+                            <a:srgbClr val="FFEBCD"/>
+                          </a:solidFill>
+                          <a:latin typeface="SauceCodePro Nerd Font" panose="020B0509030403020204" pitchFamily="49" charset="0"/>
+                        </a:rPr>
+                        <a:t>64)-&gt;bz,64,l</a:t>
+                      </a:r>
+                      <a:endParaRPr lang="zh-TW" altLang="en-US" sz="4000" b="0" dirty="0">
+                        <a:solidFill>
+                          <a:srgbClr val="FFEBCD"/>
+                        </a:solidFill>
+                        <a:latin typeface="Source Code Pro" panose="020B0509030403020204" pitchFamily="49" charset="0"/>
+                      </a:endParaRPr>
+                    </a:p>
+                  </a:txBody>
+                  <a:tcPr>
+                    <a:lnL w="12700" cmpd="sng">
+                      <a:noFill/>
+                    </a:lnL>
+                    <a:lnR w="12700" cmpd="sng">
+                      <a:noFill/>
+                    </a:lnR>
+                    <a:lnT w="38100" cap="flat" cmpd="sng" algn="ctr">
+                      <a:solidFill>
+                        <a:schemeClr val="accent4"/>
+                      </a:solidFill>
+                      <a:prstDash val="solid"/>
+                      <a:round/>
+                      <a:headEnd type="none" w="med" len="med"/>
+                      <a:tailEnd type="none" w="med" len="med"/>
+                    </a:lnT>
+                    <a:lnB w="38100" cap="flat" cmpd="sng" algn="ctr">
+                      <a:solidFill>
+                        <a:schemeClr val="accent4"/>
+                      </a:solidFill>
+                      <a:prstDash val="solid"/>
+                      <a:round/>
+                      <a:headEnd type="none" w="med" len="med"/>
+                      <a:tailEnd type="none" w="med" len="med"/>
+                    </a:lnB>
+                    <a:lnTlToBr w="12700" cmpd="sng">
+                      <a:noFill/>
+                      <a:prstDash val="solid"/>
+                    </a:lnTlToBr>
+                    <a:lnBlToTr w="12700" cmpd="sng">
+                      <a:noFill/>
+                      <a:prstDash val="solid"/>
+                    </a:lnBlToTr>
+                    <a:solidFill>
+                      <a:srgbClr val="282828"/>
+                    </a:solidFill>
+                  </a:tcPr>
+                </a:tc>
+              </a:tr>
+              <a:tr h="1035773">
+                <a:tc>
+                  <a:txBody>
+                    <a:bodyPr/>
+                    <a:lstStyle/>
+                    <a:p>
+                      <a:pPr marL="0" marR="0" lvl="0" indent="0" algn="l" defTabSz="2159996" rtl="0" eaLnBrk="1" fontAlgn="auto" latinLnBrk="0" hangingPunct="1">
+                        <a:lnSpc>
+                          <a:spcPct val="100000"/>
+                        </a:lnSpc>
+                        <a:spcBef>
+                          <a:spcPts val="0"/>
+                        </a:spcBef>
+                        <a:spcAft>
+                          <a:spcPts val="0"/>
+                        </a:spcAft>
+                        <a:buClrTx/>
+                        <a:buSzTx/>
+                        <a:buFontTx/>
+                        <a:buNone/>
+                        <a:tabLst/>
+                        <a:defRPr/>
+                      </a:pPr>
+                      <a:r>
+                        <a:rPr lang="en-US" altLang="zh-TW" sz="4000" b="0" dirty="0" smtClean="0">
+                          <a:solidFill>
+                            <a:srgbClr val="FFEBCD"/>
+                          </a:solidFill>
+                          <a:latin typeface="Source Code Pro" panose="020B0509030403020204" pitchFamily="49" charset="0"/>
+                        </a:rPr>
+                        <a:t>Conv1d(64,128,3)</a:t>
+                      </a:r>
+                      <a:endParaRPr lang="zh-TW" altLang="en-US" sz="4000" b="0" dirty="0">
+                        <a:solidFill>
+                          <a:srgbClr val="FFEBCD"/>
+                        </a:solidFill>
+                        <a:latin typeface="Source Code Pro" panose="020B0509030403020204" pitchFamily="49" charset="0"/>
+                      </a:endParaRPr>
+                    </a:p>
+                  </a:txBody>
+                  <a:tcPr>
+                    <a:lnL w="12700" cmpd="sng">
+                      <a:noFill/>
+                    </a:lnL>
+                    <a:lnR w="12700" cmpd="sng">
+                      <a:noFill/>
+                    </a:lnR>
+                    <a:lnT w="38100" cap="flat" cmpd="sng" algn="ctr">
+                      <a:solidFill>
+                        <a:schemeClr val="accent4"/>
+                      </a:solidFill>
+                      <a:prstDash val="solid"/>
+                      <a:round/>
+                      <a:headEnd type="none" w="med" len="med"/>
+                      <a:tailEnd type="none" w="med" len="med"/>
+                    </a:lnT>
+                    <a:lnB w="38100" cap="flat" cmpd="sng" algn="ctr">
+                      <a:solidFill>
+                        <a:schemeClr val="accent4"/>
+                      </a:solidFill>
+                      <a:prstDash val="solid"/>
+                      <a:round/>
+                      <a:headEnd type="none" w="med" len="med"/>
+                      <a:tailEnd type="none" w="med" len="med"/>
+                    </a:lnB>
+                    <a:lnTlToBr w="12700" cmpd="sng">
+                      <a:noFill/>
+                      <a:prstDash val="solid"/>
+                    </a:lnTlToBr>
+                    <a:lnBlToTr w="12700" cmpd="sng">
+                      <a:noFill/>
+                      <a:prstDash val="solid"/>
+                    </a:lnBlToTr>
+                    <a:solidFill>
+                      <a:srgbClr val="282828"/>
+                    </a:solidFill>
+                  </a:tcPr>
+                </a:tc>
+              </a:tr>
+            </a:tbl>
+          </a:graphicData>
+        </a:graphic>
+      </p:graphicFrame>
+      <p:graphicFrame>
+        <p:nvGraphicFramePr>
+          <p:cNvPr id="31" name="表格 30"/>
+          <p:cNvGraphicFramePr>
+            <a:graphicFrameLocks noGrp="1"/>
+          </p:cNvGraphicFramePr>
+          <p:nvPr>
+            <p:extLst>
+              <p:ext uri="{D42A27DB-BD31-4B8C-83A1-F6EECF244321}">
+                <p14:modId xmlns:p14="http://schemas.microsoft.com/office/powerpoint/2010/main" val="3680897200"/>
+              </p:ext>
+            </p:extLst>
+          </p:nvPr>
+        </p:nvGraphicFramePr>
+        <p:xfrm>
+          <a:off x="6688060" y="4839443"/>
+          <a:ext cx="10057829" cy="701040"/>
+        </p:xfrm>
+        <a:graphic>
+          <a:graphicData uri="http://schemas.openxmlformats.org/drawingml/2006/table">
+            <a:tbl>
+              <a:tblPr firstRow="1" bandRow="1">
+                <a:tableStyleId>{5C22544A-7EE6-4342-B048-85BDC9FD1C3A}</a:tableStyleId>
+              </a:tblPr>
+              <a:tblGrid>
+                <a:gridCol w="10057829"/>
+              </a:tblGrid>
+              <a:tr h="448137">
+                <a:tc>
+                  <a:txBody>
+                    <a:bodyPr/>
+                    <a:lstStyle/>
+                    <a:p>
+                      <a:pPr marL="0" marR="0" lvl="0" indent="0" algn="ctr" defTabSz="2159996" rtl="0" eaLnBrk="1" fontAlgn="auto" latinLnBrk="0" hangingPunct="1">
+                        <a:lnSpc>
+                          <a:spcPct val="100000"/>
+                        </a:lnSpc>
+                        <a:spcBef>
+                          <a:spcPts val="0"/>
+                        </a:spcBef>
+                        <a:spcAft>
+                          <a:spcPts val="0"/>
+                        </a:spcAft>
+                        <a:buClrTx/>
+                        <a:buSzTx/>
+                        <a:buFontTx/>
+                        <a:buNone/>
+                        <a:tabLst/>
+                        <a:defRPr/>
+                      </a:pPr>
+                      <a:r>
+                        <a:rPr lang="en-US" altLang="zh-TW" sz="4000" b="0" dirty="0" smtClean="0">
+                          <a:solidFill>
+                            <a:srgbClr val="FFEBCD"/>
+                          </a:solidFill>
+                          <a:latin typeface="Source Code Pro" panose="020B0509030403020204" pitchFamily="49" charset="0"/>
+                        </a:rPr>
+                        <a:t> Concatenate()</a:t>
+                      </a:r>
+                      <a:endParaRPr lang="zh-TW" altLang="en-US" sz="4000" b="0" dirty="0">
+                        <a:solidFill>
+                          <a:srgbClr val="FFEBCD"/>
+                        </a:solidFill>
+                        <a:latin typeface="Source Code Pro" panose="020B0509030403020204" pitchFamily="49" charset="0"/>
+                      </a:endParaRPr>
+                    </a:p>
+                  </a:txBody>
+                  <a:tcPr>
+                    <a:lnL w="12700" cmpd="sng">
+                      <a:noFill/>
+                    </a:lnL>
+                    <a:lnR w="12700" cmpd="sng">
+                      <a:noFill/>
+                    </a:lnR>
+                    <a:lnT w="38100" cap="flat" cmpd="sng" algn="ctr">
+                      <a:solidFill>
+                        <a:schemeClr val="accent4"/>
+                      </a:solidFill>
+                      <a:prstDash val="solid"/>
+                      <a:round/>
+                      <a:headEnd type="none" w="med" len="med"/>
+                      <a:tailEnd type="none" w="med" len="med"/>
+                    </a:lnT>
+                    <a:lnB w="38100" cap="flat" cmpd="sng" algn="ctr">
+                      <a:solidFill>
+                        <a:schemeClr val="accent4"/>
+                      </a:solidFill>
+                      <a:prstDash val="solid"/>
+                      <a:round/>
+                      <a:headEnd type="none" w="med" len="med"/>
+                      <a:tailEnd type="none" w="med" len="med"/>
+                    </a:lnB>
+                    <a:lnTlToBr w="12700" cmpd="sng">
+                      <a:noFill/>
+                      <a:prstDash val="solid"/>
+                    </a:lnTlToBr>
+                    <a:lnBlToTr w="12700" cmpd="sng">
+                      <a:noFill/>
+                      <a:prstDash val="solid"/>
+                    </a:lnBlToTr>
+                    <a:solidFill>
+                      <a:srgbClr val="282828"/>
+                    </a:solidFill>
+                  </a:tcPr>
+                </a:tc>
+              </a:tr>
+            </a:tbl>
+          </a:graphicData>
+        </a:graphic>
+      </p:graphicFrame>
+      <p:graphicFrame>
+        <p:nvGraphicFramePr>
+          <p:cNvPr id="32" name="表格 31"/>
+          <p:cNvGraphicFramePr>
+            <a:graphicFrameLocks noGrp="1"/>
+          </p:cNvGraphicFramePr>
+          <p:nvPr>
+            <p:extLst>
+              <p:ext uri="{D42A27DB-BD31-4B8C-83A1-F6EECF244321}">
+                <p14:modId xmlns:p14="http://schemas.microsoft.com/office/powerpoint/2010/main" val="2632092069"/>
+              </p:ext>
+            </p:extLst>
+          </p:nvPr>
+        </p:nvGraphicFramePr>
+        <p:xfrm>
+          <a:off x="6688060" y="5540483"/>
+          <a:ext cx="6625440" cy="5943600"/>
+        </p:xfrm>
+        <a:graphic>
+          <a:graphicData uri="http://schemas.openxmlformats.org/drawingml/2006/table">
+            <a:tbl>
+              <a:tblPr firstRow="1" bandRow="1">
+                <a:tableStyleId>{5C22544A-7EE6-4342-B048-85BDC9FD1C3A}</a:tableStyleId>
+              </a:tblPr>
+              <a:tblGrid>
+                <a:gridCol w="6625440"/>
+              </a:tblGrid>
+              <a:tr h="448137">
+                <a:tc>
+                  <a:txBody>
+                    <a:bodyPr/>
+                    <a:lstStyle/>
+                    <a:p>
+                      <a:pPr marL="0" marR="0" lvl="0" indent="0" algn="ctr" defTabSz="2159996" rtl="0" eaLnBrk="1" fontAlgn="auto" latinLnBrk="0" hangingPunct="1">
+                        <a:lnSpc>
+                          <a:spcPct val="100000"/>
+                        </a:lnSpc>
+                        <a:spcBef>
+                          <a:spcPts val="0"/>
+                        </a:spcBef>
+                        <a:spcAft>
+                          <a:spcPts val="0"/>
+                        </a:spcAft>
+                        <a:buClrTx/>
+                        <a:buSzTx/>
+                        <a:buFontTx/>
+                        <a:buNone/>
+                        <a:tabLst/>
+                        <a:defRPr/>
+                      </a:pPr>
+                      <a:r>
+                        <a:rPr lang="en-US" altLang="zh-TW" sz="4000" b="0" dirty="0" smtClean="0">
+                          <a:solidFill>
+                            <a:srgbClr val="FFEBCD"/>
+                          </a:solidFill>
+                          <a:latin typeface="Source Code Pro" panose="020B0509030403020204" pitchFamily="49" charset="0"/>
+                        </a:rPr>
+                        <a:t>Conv1d(256,128,1)</a:t>
+                      </a:r>
+                      <a:endParaRPr lang="zh-TW" altLang="en-US" sz="4000" b="0" dirty="0">
+                        <a:solidFill>
+                          <a:srgbClr val="FFEBCD"/>
+                        </a:solidFill>
+                        <a:latin typeface="Source Code Pro" panose="020B0509030403020204" pitchFamily="49" charset="0"/>
+                      </a:endParaRPr>
+                    </a:p>
+                  </a:txBody>
+                  <a:tcPr>
+                    <a:lnL w="12700" cmpd="sng">
+                      <a:noFill/>
+                    </a:lnL>
+                    <a:lnR w="12700" cmpd="sng">
+                      <a:noFill/>
+                    </a:lnR>
+                    <a:lnT w="38100" cap="flat" cmpd="sng" algn="ctr">
+                      <a:solidFill>
+                        <a:schemeClr val="accent4"/>
+                      </a:solidFill>
+                      <a:prstDash val="solid"/>
+                      <a:round/>
+                      <a:headEnd type="none" w="med" len="med"/>
+                      <a:tailEnd type="none" w="med" len="med"/>
+                    </a:lnT>
+                    <a:lnB w="38100" cap="flat" cmpd="sng" algn="ctr">
+                      <a:solidFill>
+                        <a:schemeClr val="accent4"/>
+                      </a:solidFill>
+                      <a:prstDash val="solid"/>
+                      <a:round/>
+                      <a:headEnd type="none" w="med" len="med"/>
+                      <a:tailEnd type="none" w="med" len="med"/>
+                    </a:lnB>
+                    <a:lnTlToBr w="12700" cmpd="sng">
+                      <a:noFill/>
+                      <a:prstDash val="solid"/>
+                    </a:lnTlToBr>
+                    <a:lnBlToTr w="12700" cmpd="sng">
+                      <a:noFill/>
+                      <a:prstDash val="solid"/>
+                    </a:lnBlToTr>
+                    <a:solidFill>
+                      <a:srgbClr val="282828"/>
+                    </a:solidFill>
+                  </a:tcPr>
+                </a:tc>
+              </a:tr>
+              <a:tr h="448137">
+                <a:tc>
+                  <a:txBody>
+                    <a:bodyPr/>
+                    <a:lstStyle/>
+                    <a:p>
+                      <a:pPr marL="0" marR="0" lvl="0" indent="0" algn="l" defTabSz="2159996" rtl="0" eaLnBrk="1" fontAlgn="auto" latinLnBrk="0" hangingPunct="1">
+                        <a:lnSpc>
+                          <a:spcPct val="100000"/>
+                        </a:lnSpc>
+                        <a:spcBef>
+                          <a:spcPts val="0"/>
+                        </a:spcBef>
+                        <a:spcAft>
+                          <a:spcPts val="0"/>
+                        </a:spcAft>
+                        <a:buClrTx/>
+                        <a:buSzTx/>
+                        <a:buFontTx/>
+                        <a:buNone/>
+                        <a:tabLst/>
+                        <a:defRPr/>
+                      </a:pPr>
+                      <a:r>
+                        <a:rPr lang="en-US" altLang="zh-TW" sz="4000" b="0" dirty="0" smtClean="0">
+                          <a:solidFill>
+                            <a:srgbClr val="FFEBCD"/>
+                          </a:solidFill>
+                          <a:latin typeface="Source Code Pro" panose="020B0509030403020204" pitchFamily="49" charset="0"/>
+                        </a:rPr>
+                        <a:t>Main</a:t>
+                      </a:r>
+                    </a:p>
+                    <a:p>
+                      <a:pPr marL="0" marR="0" lvl="0" indent="0" algn="l" defTabSz="2159996" rtl="0" eaLnBrk="1" fontAlgn="auto" latinLnBrk="0" hangingPunct="1">
+                        <a:lnSpc>
+                          <a:spcPct val="100000"/>
+                        </a:lnSpc>
+                        <a:spcBef>
+                          <a:spcPts val="0"/>
+                        </a:spcBef>
+                        <a:spcAft>
+                          <a:spcPts val="0"/>
+                        </a:spcAft>
+                        <a:buClrTx/>
+                        <a:buSzTx/>
+                        <a:buFontTx/>
+                        <a:buNone/>
+                        <a:tabLst/>
+                        <a:defRPr/>
+                      </a:pPr>
+                      <a:r>
+                        <a:rPr lang="en-US" altLang="zh-TW" sz="4000" b="0" dirty="0" smtClean="0">
+                          <a:solidFill>
+                            <a:srgbClr val="FFEBCD"/>
+                          </a:solidFill>
+                          <a:latin typeface="Source Code Pro" panose="020B0509030403020204" pitchFamily="49" charset="0"/>
+                        </a:rPr>
+                        <a:t>Block(128,256,9,16,8)</a:t>
+                      </a:r>
+                      <a:endParaRPr lang="zh-TW" altLang="en-US" sz="4000" b="0" dirty="0" smtClean="0">
+                        <a:solidFill>
+                          <a:srgbClr val="FFEBCD"/>
+                        </a:solidFill>
+                        <a:latin typeface="Source Code Pro" panose="020B0509030403020204" pitchFamily="49" charset="0"/>
+                      </a:endParaRPr>
+                    </a:p>
+                  </a:txBody>
+                  <a:tcPr>
+                    <a:lnL w="12700" cmpd="sng">
+                      <a:noFill/>
+                    </a:lnL>
+                    <a:lnR w="12700" cmpd="sng">
+                      <a:noFill/>
+                    </a:lnR>
+                    <a:lnT w="38100" cap="flat" cmpd="sng" algn="ctr">
+                      <a:solidFill>
+                        <a:schemeClr val="accent4"/>
+                      </a:solidFill>
+                      <a:prstDash val="solid"/>
+                      <a:round/>
+                      <a:headEnd type="none" w="med" len="med"/>
+                      <a:tailEnd type="none" w="med" len="med"/>
+                    </a:lnT>
+                    <a:lnB w="38100" cap="flat" cmpd="sng" algn="ctr">
+                      <a:solidFill>
+                        <a:schemeClr val="accent4"/>
+                      </a:solidFill>
+                      <a:prstDash val="solid"/>
+                      <a:round/>
+                      <a:headEnd type="none" w="med" len="med"/>
+                      <a:tailEnd type="none" w="med" len="med"/>
+                    </a:lnB>
+                    <a:lnTlToBr w="12700" cmpd="sng">
+                      <a:noFill/>
+                      <a:prstDash val="solid"/>
+                    </a:lnTlToBr>
+                    <a:lnBlToTr w="12700" cmpd="sng">
+                      <a:noFill/>
+                      <a:prstDash val="solid"/>
+                    </a:lnBlToTr>
+                    <a:solidFill>
+                      <a:srgbClr val="282828"/>
+                    </a:solidFill>
+                  </a:tcPr>
+                </a:tc>
+              </a:tr>
+              <a:tr h="448137">
+                <a:tc>
+                  <a:txBody>
+                    <a:bodyPr/>
+                    <a:lstStyle/>
+                    <a:p>
+                      <a:pPr marL="0" marR="0" lvl="0" indent="0" algn="l" defTabSz="2159996" rtl="0" eaLnBrk="1" fontAlgn="auto" latinLnBrk="0" hangingPunct="1">
+                        <a:lnSpc>
+                          <a:spcPct val="100000"/>
+                        </a:lnSpc>
+                        <a:spcBef>
+                          <a:spcPts val="0"/>
+                        </a:spcBef>
+                        <a:spcAft>
+                          <a:spcPts val="0"/>
+                        </a:spcAft>
+                        <a:buClrTx/>
+                        <a:buSzTx/>
+                        <a:buFontTx/>
+                        <a:buNone/>
+                        <a:tabLst/>
+                        <a:defRPr/>
+                      </a:pPr>
+                      <a:r>
+                        <a:rPr lang="en-US" altLang="zh-TW" sz="4000" b="0" dirty="0" smtClean="0">
+                          <a:solidFill>
+                            <a:srgbClr val="FFEBCD"/>
+                          </a:solidFill>
+                          <a:latin typeface="Source Code Pro" panose="020B0509030403020204" pitchFamily="49" charset="0"/>
+                        </a:rPr>
+                        <a:t>Main</a:t>
+                      </a:r>
+                    </a:p>
+                    <a:p>
+                      <a:pPr marL="0" marR="0" lvl="0" indent="0" algn="l" defTabSz="2159996" rtl="0" eaLnBrk="1" fontAlgn="auto" latinLnBrk="0" hangingPunct="1">
+                        <a:lnSpc>
+                          <a:spcPct val="100000"/>
+                        </a:lnSpc>
+                        <a:spcBef>
+                          <a:spcPts val="0"/>
+                        </a:spcBef>
+                        <a:spcAft>
+                          <a:spcPts val="0"/>
+                        </a:spcAft>
+                        <a:buClrTx/>
+                        <a:buSzTx/>
+                        <a:buFontTx/>
+                        <a:buNone/>
+                        <a:tabLst/>
+                        <a:defRPr/>
+                      </a:pPr>
+                      <a:r>
+                        <a:rPr lang="en-US" altLang="zh-TW" sz="4000" b="0" dirty="0" smtClean="0">
+                          <a:solidFill>
+                            <a:srgbClr val="FFEBCD"/>
+                          </a:solidFill>
+                          <a:latin typeface="Source Code Pro" panose="020B0509030403020204" pitchFamily="49" charset="0"/>
+                        </a:rPr>
+                        <a:t>Block(128,256,9,16,8)</a:t>
+                      </a:r>
+                      <a:endParaRPr lang="zh-TW" altLang="en-US" sz="4000" b="0" dirty="0" smtClean="0">
+                        <a:solidFill>
+                          <a:srgbClr val="FFEBCD"/>
+                        </a:solidFill>
+                        <a:latin typeface="Source Code Pro" panose="020B0509030403020204" pitchFamily="49" charset="0"/>
+                      </a:endParaRPr>
+                    </a:p>
+                  </a:txBody>
+                  <a:tcPr>
+                    <a:lnL w="12700" cmpd="sng">
+                      <a:noFill/>
+                    </a:lnL>
+                    <a:lnR w="12700" cmpd="sng">
+                      <a:noFill/>
+                    </a:lnR>
+                    <a:lnT w="38100" cap="flat" cmpd="sng" algn="ctr">
+                      <a:solidFill>
+                        <a:schemeClr val="accent4"/>
+                      </a:solidFill>
+                      <a:prstDash val="solid"/>
+                      <a:round/>
+                      <a:headEnd type="none" w="med" len="med"/>
+                      <a:tailEnd type="none" w="med" len="med"/>
+                    </a:lnT>
+                    <a:lnB w="38100" cap="flat" cmpd="sng" algn="ctr">
+                      <a:solidFill>
+                        <a:schemeClr val="accent4"/>
+                      </a:solidFill>
+                      <a:prstDash val="solid"/>
+                      <a:round/>
+                      <a:headEnd type="none" w="med" len="med"/>
+                      <a:tailEnd type="none" w="med" len="med"/>
+                    </a:lnB>
+                    <a:lnTlToBr w="12700" cmpd="sng">
+                      <a:noFill/>
+                      <a:prstDash val="solid"/>
+                    </a:lnTlToBr>
+                    <a:lnBlToTr w="12700" cmpd="sng">
+                      <a:noFill/>
+                      <a:prstDash val="solid"/>
+                    </a:lnBlToTr>
+                    <a:solidFill>
+                      <a:srgbClr val="282828"/>
+                    </a:solidFill>
+                  </a:tcPr>
+                </a:tc>
+              </a:tr>
+              <a:tr h="448137">
+                <a:tc>
+                  <a:txBody>
+                    <a:bodyPr/>
+                    <a:lstStyle/>
+                    <a:p>
+                      <a:pPr marL="0" marR="0" lvl="0" indent="0" algn="l" defTabSz="2159996" rtl="0" eaLnBrk="1" fontAlgn="auto" latinLnBrk="0" hangingPunct="1">
+                        <a:lnSpc>
+                          <a:spcPct val="100000"/>
+                        </a:lnSpc>
+                        <a:spcBef>
+                          <a:spcPts val="0"/>
+                        </a:spcBef>
+                        <a:spcAft>
+                          <a:spcPts val="0"/>
+                        </a:spcAft>
+                        <a:buClrTx/>
+                        <a:buSzTx/>
+                        <a:buFontTx/>
+                        <a:buNone/>
+                        <a:tabLst/>
+                        <a:defRPr/>
+                      </a:pPr>
+                      <a:r>
+                        <a:rPr lang="en-US" altLang="zh-TW" sz="4000" b="0" dirty="0" smtClean="0">
+                          <a:solidFill>
+                            <a:srgbClr val="FFEBCD"/>
+                          </a:solidFill>
+                          <a:latin typeface="Source Code Pro" panose="020B0509030403020204" pitchFamily="49" charset="0"/>
+                        </a:rPr>
+                        <a:t>Main</a:t>
+                      </a:r>
+                    </a:p>
+                    <a:p>
+                      <a:pPr marL="0" marR="0" lvl="0" indent="0" algn="l" defTabSz="2159996" rtl="0" eaLnBrk="1" fontAlgn="auto" latinLnBrk="0" hangingPunct="1">
+                        <a:lnSpc>
+                          <a:spcPct val="100000"/>
+                        </a:lnSpc>
+                        <a:spcBef>
+                          <a:spcPts val="0"/>
+                        </a:spcBef>
+                        <a:spcAft>
+                          <a:spcPts val="0"/>
+                        </a:spcAft>
+                        <a:buClrTx/>
+                        <a:buSzTx/>
+                        <a:buFontTx/>
+                        <a:buNone/>
+                        <a:tabLst/>
+                        <a:defRPr/>
+                      </a:pPr>
+                      <a:r>
+                        <a:rPr lang="en-US" altLang="zh-TW" sz="4000" b="0" dirty="0" smtClean="0">
+                          <a:solidFill>
+                            <a:srgbClr val="FFEBCD"/>
+                          </a:solidFill>
+                          <a:latin typeface="Source Code Pro" panose="020B0509030403020204" pitchFamily="49" charset="0"/>
+                        </a:rPr>
+                        <a:t>Block(128,256,9,16,8)</a:t>
+                      </a:r>
+                      <a:endParaRPr lang="zh-TW" altLang="en-US" sz="4000" b="0" dirty="0" smtClean="0">
+                        <a:solidFill>
+                          <a:srgbClr val="FFEBCD"/>
+                        </a:solidFill>
+                        <a:latin typeface="Source Code Pro" panose="020B0509030403020204" pitchFamily="49" charset="0"/>
+                      </a:endParaRPr>
+                    </a:p>
+                  </a:txBody>
+                  <a:tcPr>
+                    <a:lnL w="12700" cmpd="sng">
+                      <a:noFill/>
+                    </a:lnL>
+                    <a:lnR w="12700" cmpd="sng">
+                      <a:noFill/>
+                    </a:lnR>
+                    <a:lnT w="38100" cap="flat" cmpd="sng" algn="ctr">
+                      <a:solidFill>
+                        <a:schemeClr val="accent4"/>
+                      </a:solidFill>
+                      <a:prstDash val="solid"/>
+                      <a:round/>
+                      <a:headEnd type="none" w="med" len="med"/>
+                      <a:tailEnd type="none" w="med" len="med"/>
+                    </a:lnT>
+                    <a:lnB w="38100" cap="flat" cmpd="sng" algn="ctr">
+                      <a:solidFill>
+                        <a:schemeClr val="accent4"/>
+                      </a:solidFill>
+                      <a:prstDash val="solid"/>
+                      <a:round/>
+                      <a:headEnd type="none" w="med" len="med"/>
+                      <a:tailEnd type="none" w="med" len="med"/>
+                    </a:lnB>
+                    <a:lnTlToBr w="12700" cmpd="sng">
+                      <a:noFill/>
+                      <a:prstDash val="solid"/>
+                    </a:lnTlToBr>
+                    <a:lnBlToTr w="12700" cmpd="sng">
+                      <a:noFill/>
+                      <a:prstDash val="solid"/>
+                    </a:lnBlToTr>
+                    <a:solidFill>
+                      <a:srgbClr val="282828"/>
+                    </a:solidFill>
+                  </a:tcPr>
+                </a:tc>
+              </a:tr>
+              <a:tr h="448137">
+                <a:tc>
+                  <a:txBody>
+                    <a:bodyPr/>
+                    <a:lstStyle/>
+                    <a:p>
+                      <a:pPr marL="0" marR="0" lvl="0" indent="0" algn="l" defTabSz="2159996" rtl="0" eaLnBrk="1" fontAlgn="auto" latinLnBrk="0" hangingPunct="1">
+                        <a:lnSpc>
+                          <a:spcPct val="100000"/>
+                        </a:lnSpc>
+                        <a:spcBef>
+                          <a:spcPts val="0"/>
+                        </a:spcBef>
+                        <a:spcAft>
+                          <a:spcPts val="0"/>
+                        </a:spcAft>
+                        <a:buClrTx/>
+                        <a:buSzTx/>
+                        <a:buFontTx/>
+                        <a:buNone/>
+                        <a:tabLst/>
+                        <a:defRPr/>
+                      </a:pPr>
+                      <a:r>
+                        <a:rPr lang="en-US" altLang="zh-TW" sz="4000" b="0" dirty="0" smtClean="0">
+                          <a:solidFill>
+                            <a:srgbClr val="FFEBCD"/>
+                          </a:solidFill>
+                          <a:latin typeface="Source Code Pro" panose="020B0509030403020204" pitchFamily="49" charset="0"/>
+                        </a:rPr>
+                        <a:t>Main</a:t>
+                      </a:r>
+                    </a:p>
+                    <a:p>
+                      <a:pPr marL="0" marR="0" lvl="0" indent="0" algn="l" defTabSz="2159996" rtl="0" eaLnBrk="1" fontAlgn="auto" latinLnBrk="0" hangingPunct="1">
+                        <a:lnSpc>
+                          <a:spcPct val="100000"/>
+                        </a:lnSpc>
+                        <a:spcBef>
+                          <a:spcPts val="0"/>
+                        </a:spcBef>
+                        <a:spcAft>
+                          <a:spcPts val="0"/>
+                        </a:spcAft>
+                        <a:buClrTx/>
+                        <a:buSzTx/>
+                        <a:buFontTx/>
+                        <a:buNone/>
+                        <a:tabLst/>
+                        <a:defRPr/>
+                      </a:pPr>
+                      <a:r>
+                        <a:rPr lang="en-US" altLang="zh-TW" sz="4000" b="0" dirty="0" smtClean="0">
+                          <a:solidFill>
+                            <a:srgbClr val="FFEBCD"/>
+                          </a:solidFill>
+                          <a:latin typeface="Source Code Pro" panose="020B0509030403020204" pitchFamily="49" charset="0"/>
+                        </a:rPr>
+                        <a:t>Block(128,256,9,16,8)</a:t>
+                      </a:r>
+                      <a:endParaRPr lang="zh-TW" altLang="en-US" sz="4000" b="0" dirty="0" smtClean="0">
+                        <a:solidFill>
+                          <a:srgbClr val="FFEBCD"/>
+                        </a:solidFill>
+                        <a:latin typeface="Source Code Pro" panose="020B0509030403020204" pitchFamily="49" charset="0"/>
+                      </a:endParaRPr>
+                    </a:p>
+                  </a:txBody>
+                  <a:tcPr>
+                    <a:lnL w="12700" cmpd="sng">
+                      <a:noFill/>
+                    </a:lnL>
+                    <a:lnR w="12700" cmpd="sng">
+                      <a:noFill/>
+                    </a:lnR>
+                    <a:lnT w="38100" cap="flat" cmpd="sng" algn="ctr">
+                      <a:solidFill>
+                        <a:schemeClr val="accent4"/>
+                      </a:solidFill>
+                      <a:prstDash val="solid"/>
+                      <a:round/>
+                      <a:headEnd type="none" w="med" len="med"/>
+                      <a:tailEnd type="none" w="med" len="med"/>
+                    </a:lnT>
+                    <a:lnB w="38100" cap="flat" cmpd="sng" algn="ctr">
+                      <a:solidFill>
+                        <a:schemeClr val="accent4"/>
+                      </a:solidFill>
+                      <a:prstDash val="solid"/>
+                      <a:round/>
+                      <a:headEnd type="none" w="med" len="med"/>
+                      <a:tailEnd type="none" w="med" len="med"/>
+                    </a:lnB>
+                    <a:lnTlToBr w="12700" cmpd="sng">
+                      <a:noFill/>
+                      <a:prstDash val="solid"/>
+                    </a:lnTlToBr>
+                    <a:lnBlToTr w="12700" cmpd="sng">
+                      <a:noFill/>
+                      <a:prstDash val="solid"/>
+                    </a:lnBlToTr>
+                    <a:solidFill>
+                      <a:srgbClr val="282828"/>
+                    </a:solidFill>
+                  </a:tcPr>
+                </a:tc>
+              </a:tr>
+            </a:tbl>
+          </a:graphicData>
+        </a:graphic>
+      </p:graphicFrame>
+      <p:sp>
+        <p:nvSpPr>
+          <p:cNvPr id="33" name="圓角矩形 32"/>
+          <p:cNvSpPr/>
+          <p:nvPr/>
+        </p:nvSpPr>
+        <p:spPr>
+          <a:xfrm>
+            <a:off x="13674750" y="7787886"/>
+            <a:ext cx="3071139" cy="1448794"/>
+          </a:xfrm>
+          <a:prstGeom prst="roundRect">
+            <a:avLst>
+              <a:gd name="adj" fmla="val 12899"/>
+            </a:avLst>
+          </a:prstGeom>
+          <a:solidFill>
+            <a:schemeClr val="accent4"/>
+          </a:solidFill>
+          <a:ln w="31750">
+            <a:solidFill>
+              <a:srgbClr val="FFEBCD"/>
+            </a:solidFill>
+          </a:ln>
+        </p:spPr>
+        <p:style>
+          <a:lnRef idx="2">
+            <a:schemeClr val="accent1">
+              <a:shade val="50000"/>
+            </a:schemeClr>
+          </a:lnRef>
+          <a:fillRef idx="1">
+            <a:schemeClr val="accent1"/>
+          </a:fillRef>
+          <a:effectRef idx="0">
+            <a:schemeClr val="accent1"/>
+          </a:effectRef>
+          <a:fontRef idx="minor">
+            <a:schemeClr val="lt1"/>
+          </a:fontRef>
+        </p:style>
+        <p:txBody>
+          <a:bodyPr rtlCol="0" anchor="ctr"/>
+          <a:lstStyle/>
+          <a:p>
+            <a:pPr algn="ctr"/>
+            <a:r>
+              <a:rPr lang="en-US" altLang="zh-TW" sz="3600" dirty="0" smtClean="0">
+                <a:solidFill>
+                  <a:srgbClr val="282828"/>
+                </a:solidFill>
+                <a:latin typeface="SauceCodePro Nerd Font" panose="020B0509030403020204" pitchFamily="49" charset="0"/>
+              </a:rPr>
+              <a:t>Encoder</a:t>
+            </a:r>
+            <a:endParaRPr lang="zh-TW" altLang="en-US" sz="3600" dirty="0">
+              <a:solidFill>
+                <a:srgbClr val="282828"/>
+              </a:solidFill>
+              <a:latin typeface="SauceCodePro Nerd Font" panose="020B0509030403020204" pitchFamily="49" charset="0"/>
+            </a:endParaRPr>
+          </a:p>
+        </p:txBody>
+      </p:sp>
+      <p:sp>
+        <p:nvSpPr>
+          <p:cNvPr id="35" name="圓角矩形 34"/>
+          <p:cNvSpPr/>
+          <p:nvPr/>
+        </p:nvSpPr>
+        <p:spPr>
+          <a:xfrm>
+            <a:off x="6688060" y="12094812"/>
+            <a:ext cx="3071139" cy="1399821"/>
+          </a:xfrm>
+          <a:prstGeom prst="roundRect">
+            <a:avLst>
+              <a:gd name="adj" fmla="val 12899"/>
+            </a:avLst>
+          </a:prstGeom>
+          <a:solidFill>
+            <a:srgbClr val="FF5B9D"/>
+          </a:solidFill>
+          <a:ln w="31750">
+            <a:solidFill>
+              <a:srgbClr val="FFEBCD"/>
+            </a:solidFill>
+            <a:prstDash val="solid"/>
+          </a:ln>
+        </p:spPr>
+        <p:style>
+          <a:lnRef idx="2">
+            <a:schemeClr val="accent1">
+              <a:shade val="50000"/>
+            </a:schemeClr>
+          </a:lnRef>
+          <a:fillRef idx="1">
+            <a:schemeClr val="accent1"/>
+          </a:fillRef>
+          <a:effectRef idx="0">
+            <a:schemeClr val="accent1"/>
+          </a:effectRef>
+          <a:fontRef idx="minor">
+            <a:schemeClr val="lt1"/>
+          </a:fontRef>
+        </p:style>
+        <p:txBody>
+          <a:bodyPr rtlCol="0" anchor="ctr"/>
+          <a:lstStyle/>
+          <a:p>
+            <a:pPr algn="ctr"/>
+            <a:r>
+              <a:rPr lang="en-US" altLang="zh-TW" sz="3600" dirty="0" smtClean="0">
+                <a:solidFill>
+                  <a:schemeClr val="tx1"/>
+                </a:solidFill>
+                <a:latin typeface="SauceCodePro Nerd Font" panose="020B0509030403020204" pitchFamily="49" charset="0"/>
+              </a:rPr>
+              <a:t>Predict Net</a:t>
+            </a:r>
+            <a:endParaRPr lang="zh-TW" altLang="en-US" sz="3600" dirty="0">
+              <a:solidFill>
+                <a:schemeClr val="tx1"/>
+              </a:solidFill>
+              <a:latin typeface="SauceCodePro Nerd Font" panose="020B0509030403020204" pitchFamily="49" charset="0"/>
+            </a:endParaRPr>
+          </a:p>
+        </p:txBody>
+      </p:sp>
+      <p:sp>
+        <p:nvSpPr>
+          <p:cNvPr id="37" name="圓角矩形 36"/>
+          <p:cNvSpPr/>
+          <p:nvPr/>
+        </p:nvSpPr>
+        <p:spPr>
+          <a:xfrm>
+            <a:off x="13674749" y="14282086"/>
+            <a:ext cx="3071139" cy="1448794"/>
+          </a:xfrm>
+          <a:prstGeom prst="roundRect">
+            <a:avLst>
+              <a:gd name="adj" fmla="val 12899"/>
+            </a:avLst>
+          </a:prstGeom>
+          <a:solidFill>
+            <a:srgbClr val="D8BEEC"/>
+          </a:solidFill>
+          <a:ln w="31750">
+            <a:solidFill>
+              <a:srgbClr val="FFEBCD"/>
+            </a:solidFill>
+          </a:ln>
+        </p:spPr>
+        <p:style>
+          <a:lnRef idx="2">
+            <a:schemeClr val="accent1">
+              <a:shade val="50000"/>
+            </a:schemeClr>
+          </a:lnRef>
+          <a:fillRef idx="1">
+            <a:schemeClr val="accent1"/>
+          </a:fillRef>
+          <a:effectRef idx="0">
+            <a:schemeClr val="accent1"/>
+          </a:effectRef>
+          <a:fontRef idx="minor">
+            <a:schemeClr val="lt1"/>
+          </a:fontRef>
+        </p:style>
+        <p:txBody>
+          <a:bodyPr rtlCol="0" anchor="ctr"/>
+          <a:lstStyle/>
+          <a:p>
+            <a:pPr algn="ctr"/>
+            <a:r>
+              <a:rPr lang="en-US" altLang="zh-TW" sz="3600" dirty="0" smtClean="0">
+                <a:solidFill>
+                  <a:srgbClr val="282828"/>
+                </a:solidFill>
+                <a:latin typeface="SauceCodePro Nerd Font" panose="020B0509030403020204" pitchFamily="49" charset="0"/>
+              </a:rPr>
+              <a:t>Decoder</a:t>
+            </a:r>
+            <a:endParaRPr lang="zh-TW" altLang="en-US" sz="3600" dirty="0">
+              <a:solidFill>
+                <a:srgbClr val="282828"/>
+              </a:solidFill>
+              <a:latin typeface="SauceCodePro Nerd Font" panose="020B0509030403020204" pitchFamily="49" charset="0"/>
+            </a:endParaRPr>
+          </a:p>
+        </p:txBody>
+      </p:sp>
+    </p:spTree>
+    <p:extLst>
+      <p:ext uri="{BB962C8B-B14F-4D97-AF65-F5344CB8AC3E}">
+        <p14:creationId xmlns:p14="http://schemas.microsoft.com/office/powerpoint/2010/main" val="3173044110"/>
+      </p:ext>
+    </p:extLst>
+  </p:cSld>
+  <p:clrMapOvr>
+    <a:masterClrMapping/>
+  </p:clrMapOvr>
+  <p:timing>
+    <p:tnLst>
+      <p:par>
+        <p:cTn id="1" dur="indefinite" restart="never" nodeType="tmRoot"/>
+      </p:par>
+    </p:tnLst>
+  </p:timing>
+</p:sld>
+</file>
+
+<file path=ppt/slides/slide8.xml><?xml version="1.0" encoding="utf-8"?>
+<p:sld xmlns:a="http://schemas.openxmlformats.org/drawingml/2006/main" xmlns:r="http://schemas.openxmlformats.org/officeDocument/2006/relationships" xmlns:p="http://schemas.openxmlformats.org/presentationml/2006/main">
+  <p:cSld>
+    <p:bg>
+      <p:bgPr>
+        <a:solidFill>
+          <a:srgbClr val="282828"/>
+        </a:solidFill>
+        <a:effectLst/>
+      </p:bgPr>
+    </p:bg>
+    <p:spTree>
+      <p:nvGrpSpPr>
+        <p:cNvPr id="1" name=""/>
+        <p:cNvGrpSpPr/>
+        <p:nvPr/>
+      </p:nvGrpSpPr>
+      <p:grpSpPr>
+        <a:xfrm>
+          <a:off x="0" y="0"/>
+          <a:ext cx="0" cy="0"/>
+          <a:chOff x="0" y="0"/>
+          <a:chExt cx="0" cy="0"/>
+        </a:xfrm>
+      </p:grpSpPr>
+      <p:graphicFrame>
+        <p:nvGraphicFramePr>
+          <p:cNvPr id="27" name="表格 26"/>
+          <p:cNvGraphicFramePr>
+            <a:graphicFrameLocks noGrp="1"/>
+          </p:cNvGraphicFramePr>
+          <p:nvPr>
+            <p:extLst>
+              <p:ext uri="{D42A27DB-BD31-4B8C-83A1-F6EECF244321}">
+                <p14:modId xmlns:p14="http://schemas.microsoft.com/office/powerpoint/2010/main" val="2156001703"/>
+              </p:ext>
+            </p:extLst>
+          </p:nvPr>
+        </p:nvGraphicFramePr>
+        <p:xfrm>
+          <a:off x="8033775" y="9030286"/>
+          <a:ext cx="6643844" cy="1402080"/>
+        </p:xfrm>
+        <a:graphic>
+          <a:graphicData uri="http://schemas.openxmlformats.org/drawingml/2006/table">
+            <a:tbl>
+              <a:tblPr firstRow="1" bandRow="1">
+                <a:tableStyleId>{5C22544A-7EE6-4342-B048-85BDC9FD1C3A}</a:tableStyleId>
+              </a:tblPr>
+              <a:tblGrid>
+                <a:gridCol w="6643844"/>
+              </a:tblGrid>
+              <a:tr h="653162">
+                <a:tc>
+                  <a:txBody>
+                    <a:bodyPr/>
+                    <a:lstStyle/>
+                    <a:p>
+                      <a:pPr marL="0" marR="0" lvl="0" indent="0" algn="l" defTabSz="2159996" rtl="0" eaLnBrk="1" fontAlgn="auto" latinLnBrk="0" hangingPunct="1">
+                        <a:lnSpc>
+                          <a:spcPct val="100000"/>
+                        </a:lnSpc>
+                        <a:spcBef>
+                          <a:spcPts val="0"/>
+                        </a:spcBef>
+                        <a:spcAft>
+                          <a:spcPts val="0"/>
+                        </a:spcAft>
+                        <a:buClrTx/>
+                        <a:buSzTx/>
+                        <a:buFontTx/>
+                        <a:buNone/>
+                        <a:tabLst/>
+                        <a:defRPr/>
+                      </a:pPr>
+                      <a:r>
+                        <a:rPr lang="en-US" altLang="zh-TW" sz="4000" b="0" dirty="0" smtClean="0">
+                          <a:solidFill>
+                            <a:srgbClr val="FFEBCD"/>
+                          </a:solidFill>
+                          <a:latin typeface="Source Code Pro" panose="020B0509030403020204" pitchFamily="49" charset="0"/>
+                        </a:rPr>
+                        <a:t>Conlv1d(128,64,3)</a:t>
+                      </a:r>
+                      <a:endParaRPr lang="zh-TW" altLang="en-US" sz="4000" b="0" dirty="0" smtClean="0">
+                        <a:solidFill>
+                          <a:srgbClr val="FFEBCD"/>
+                        </a:solidFill>
+                        <a:latin typeface="Source Code Pro" panose="020B0509030403020204" pitchFamily="49" charset="0"/>
+                      </a:endParaRPr>
+                    </a:p>
+                  </a:txBody>
+                  <a:tcPr>
+                    <a:lnL w="12700" cmpd="sng">
+                      <a:noFill/>
+                    </a:lnL>
+                    <a:lnR w="12700" cmpd="sng">
+                      <a:noFill/>
+                    </a:lnR>
+                    <a:lnT w="38100" cap="flat" cmpd="sng" algn="ctr">
+                      <a:solidFill>
+                        <a:srgbClr val="D8BEEC"/>
+                      </a:solidFill>
+                      <a:prstDash val="solid"/>
+                      <a:round/>
+                      <a:headEnd type="none" w="med" len="med"/>
+                      <a:tailEnd type="none" w="med" len="med"/>
+                    </a:lnT>
+                    <a:lnB w="38100" cap="flat" cmpd="sng" algn="ctr">
+                      <a:solidFill>
+                        <a:srgbClr val="D8BEEC"/>
+                      </a:solidFill>
+                      <a:prstDash val="solid"/>
+                      <a:round/>
+                      <a:headEnd type="none" w="med" len="med"/>
+                      <a:tailEnd type="none" w="med" len="med"/>
+                    </a:lnB>
+                    <a:lnTlToBr w="12700" cmpd="sng">
+                      <a:noFill/>
+                      <a:prstDash val="solid"/>
+                    </a:lnTlToBr>
+                    <a:lnBlToTr w="12700" cmpd="sng">
+                      <a:noFill/>
+                      <a:prstDash val="solid"/>
+                    </a:lnBlToTr>
+                    <a:solidFill>
+                      <a:srgbClr val="282828"/>
+                    </a:solidFill>
+                  </a:tcPr>
+                </a:tc>
+              </a:tr>
+              <a:tr h="653162">
+                <a:tc>
+                  <a:txBody>
+                    <a:bodyPr/>
+                    <a:lstStyle/>
+                    <a:p>
+                      <a:pPr marL="0" marR="0" lvl="0" indent="0" algn="l" defTabSz="2159996" rtl="0" eaLnBrk="1" fontAlgn="auto" latinLnBrk="0" hangingPunct="1">
+                        <a:lnSpc>
+                          <a:spcPct val="100000"/>
+                        </a:lnSpc>
+                        <a:spcBef>
+                          <a:spcPts val="0"/>
+                        </a:spcBef>
+                        <a:spcAft>
+                          <a:spcPts val="0"/>
+                        </a:spcAft>
+                        <a:buClrTx/>
+                        <a:buSzTx/>
+                        <a:buFontTx/>
+                        <a:buNone/>
+                        <a:tabLst/>
+                        <a:defRPr/>
+                      </a:pPr>
+                      <a:r>
+                        <a:rPr lang="en-US" altLang="zh-TW" sz="4000" b="0" dirty="0" smtClean="0">
+                          <a:solidFill>
+                            <a:srgbClr val="FFEBCD"/>
+                          </a:solidFill>
+                          <a:latin typeface="SauceCodePro Nerd Font" panose="020B0509030403020204" pitchFamily="49" charset="0"/>
+                        </a:rPr>
+                        <a:t>bz,64,l-&gt;bz,1,(l</a:t>
+                      </a:r>
+                      <a:r>
+                        <a:rPr lang="en-US" altLang="zh-TW" sz="4000" b="0" baseline="0" dirty="0" smtClean="0">
+                          <a:solidFill>
+                            <a:srgbClr val="FFEBCD"/>
+                          </a:solidFill>
+                          <a:latin typeface="SauceCodePro Nerd Font" panose="020B0509030403020204" pitchFamily="49" charset="0"/>
+                        </a:rPr>
+                        <a:t> </a:t>
+                      </a:r>
+                      <a:r>
+                        <a:rPr lang="en-US" altLang="zh-TW" sz="4000" b="0" dirty="0" smtClean="0">
+                          <a:solidFill>
+                            <a:srgbClr val="FFEBCD"/>
+                          </a:solidFill>
+                          <a:latin typeface="SauceCodePro Nerd Font" panose="020B0509030403020204" pitchFamily="49" charset="0"/>
+                        </a:rPr>
+                        <a:t>64)</a:t>
+                      </a:r>
+                      <a:endParaRPr lang="zh-TW" altLang="en-US" sz="4000" b="0" dirty="0" smtClean="0">
+                        <a:solidFill>
+                          <a:srgbClr val="FFEBCD"/>
+                        </a:solidFill>
+                        <a:latin typeface="Source Code Pro" panose="020B0509030403020204" pitchFamily="49" charset="0"/>
+                      </a:endParaRPr>
+                    </a:p>
+                  </a:txBody>
+                  <a:tcPr>
+                    <a:lnL w="12700" cmpd="sng">
+                      <a:noFill/>
+                    </a:lnL>
+                    <a:lnR w="12700" cmpd="sng">
+                      <a:noFill/>
+                    </a:lnR>
+                    <a:lnT w="38100" cap="flat" cmpd="sng" algn="ctr">
+                      <a:solidFill>
+                        <a:srgbClr val="D8BEEC"/>
+                      </a:solidFill>
+                      <a:prstDash val="solid"/>
+                      <a:round/>
+                      <a:headEnd type="none" w="med" len="med"/>
+                      <a:tailEnd type="none" w="med" len="med"/>
+                    </a:lnT>
+                    <a:lnB w="38100" cap="flat" cmpd="sng" algn="ctr">
+                      <a:solidFill>
+                        <a:srgbClr val="D8BEEC"/>
+                      </a:solidFill>
+                      <a:prstDash val="solid"/>
+                      <a:round/>
+                      <a:headEnd type="none" w="med" len="med"/>
+                      <a:tailEnd type="none" w="med" len="med"/>
+                    </a:lnB>
+                    <a:lnTlToBr w="12700" cmpd="sng">
+                      <a:noFill/>
+                      <a:prstDash val="solid"/>
+                    </a:lnTlToBr>
+                    <a:lnBlToTr w="12700" cmpd="sng">
+                      <a:noFill/>
+                      <a:prstDash val="solid"/>
+                    </a:lnBlToTr>
+                    <a:solidFill>
+                      <a:srgbClr val="282828"/>
+                    </a:solidFill>
+                  </a:tcPr>
+                </a:tc>
+              </a:tr>
+            </a:tbl>
+          </a:graphicData>
+        </a:graphic>
+      </p:graphicFrame>
+      <p:graphicFrame>
+        <p:nvGraphicFramePr>
+          <p:cNvPr id="23" name="表格 22"/>
+          <p:cNvGraphicFramePr>
+            <a:graphicFrameLocks noGrp="1"/>
+          </p:cNvGraphicFramePr>
+          <p:nvPr>
+            <p:extLst>
+              <p:ext uri="{D42A27DB-BD31-4B8C-83A1-F6EECF244321}">
+                <p14:modId xmlns:p14="http://schemas.microsoft.com/office/powerpoint/2010/main" val="3939155976"/>
+              </p:ext>
+            </p:extLst>
+          </p:nvPr>
+        </p:nvGraphicFramePr>
+        <p:xfrm>
+          <a:off x="8052179" y="5448949"/>
+          <a:ext cx="6625440" cy="2621280"/>
+        </p:xfrm>
+        <a:graphic>
+          <a:graphicData uri="http://schemas.openxmlformats.org/drawingml/2006/table">
+            <a:tbl>
+              <a:tblPr firstRow="1" bandRow="1">
+                <a:tableStyleId>{5C22544A-7EE6-4342-B048-85BDC9FD1C3A}</a:tableStyleId>
+              </a:tblPr>
+              <a:tblGrid>
+                <a:gridCol w="6625440"/>
+              </a:tblGrid>
+              <a:tr h="0">
+                <a:tc>
+                  <a:txBody>
+                    <a:bodyPr/>
+                    <a:lstStyle/>
+                    <a:p>
+                      <a:pPr marL="0" marR="0" lvl="0" indent="0" algn="l" defTabSz="2159996" rtl="0" eaLnBrk="1" fontAlgn="auto" latinLnBrk="0" hangingPunct="1">
+                        <a:lnSpc>
+                          <a:spcPct val="100000"/>
+                        </a:lnSpc>
+                        <a:spcBef>
+                          <a:spcPts val="0"/>
+                        </a:spcBef>
+                        <a:spcAft>
+                          <a:spcPts val="0"/>
+                        </a:spcAft>
+                        <a:buClrTx/>
+                        <a:buSzTx/>
+                        <a:buFontTx/>
+                        <a:buNone/>
+                        <a:tabLst/>
+                        <a:defRPr/>
+                      </a:pPr>
+                      <a:r>
+                        <a:rPr lang="en-US" altLang="zh-TW" sz="4000" b="0" dirty="0" smtClean="0">
+                          <a:solidFill>
+                            <a:srgbClr val="FFEBCD"/>
+                          </a:solidFill>
+                          <a:latin typeface="SauceCodePro Nerd Font" panose="020B0509030403020204" pitchFamily="49" charset="0"/>
+                        </a:rPr>
+                        <a:t>Main</a:t>
+                      </a:r>
+                    </a:p>
+                    <a:p>
+                      <a:pPr marL="0" marR="0" lvl="0" indent="0" algn="l" defTabSz="2159996" rtl="0" eaLnBrk="1" fontAlgn="auto" latinLnBrk="0" hangingPunct="1">
+                        <a:lnSpc>
+                          <a:spcPct val="100000"/>
+                        </a:lnSpc>
+                        <a:spcBef>
+                          <a:spcPts val="0"/>
+                        </a:spcBef>
+                        <a:spcAft>
+                          <a:spcPts val="0"/>
+                        </a:spcAft>
+                        <a:buClrTx/>
+                        <a:buSzTx/>
+                        <a:buFontTx/>
+                        <a:buNone/>
+                        <a:tabLst/>
+                        <a:defRPr/>
+                      </a:pPr>
+                      <a:r>
+                        <a:rPr lang="en-US" altLang="zh-TW" sz="4000" b="0" dirty="0" smtClean="0">
+                          <a:solidFill>
+                            <a:srgbClr val="FFEBCD"/>
+                          </a:solidFill>
+                          <a:latin typeface="SauceCodePro Nerd Font" panose="020B0509030403020204" pitchFamily="49" charset="0"/>
+                        </a:rPr>
+                        <a:t>Block</a:t>
+                      </a:r>
+                      <a:r>
+                        <a:rPr lang="en-US" altLang="zh-TW" sz="4000" b="0" dirty="0" smtClean="0">
+                          <a:solidFill>
+                            <a:srgbClr val="FFEBCD"/>
+                          </a:solidFill>
+                          <a:latin typeface="Source Code Pro" panose="020B0509030403020204" pitchFamily="49" charset="0"/>
+                        </a:rPr>
+                        <a:t>(128,256,9,16,8)</a:t>
+                      </a:r>
+                      <a:endParaRPr lang="zh-TW" altLang="en-US" sz="4000" b="0" dirty="0">
+                        <a:solidFill>
+                          <a:srgbClr val="FFEBCD"/>
+                        </a:solidFill>
+                        <a:latin typeface="Source Code Pro" panose="020B0509030403020204" pitchFamily="49" charset="0"/>
+                      </a:endParaRPr>
+                    </a:p>
+                  </a:txBody>
+                  <a:tcPr>
+                    <a:lnL w="12700" cmpd="sng">
+                      <a:noFill/>
+                    </a:lnL>
+                    <a:lnR w="12700" cmpd="sng">
+                      <a:noFill/>
+                    </a:lnR>
+                    <a:lnT w="38100" cap="flat" cmpd="sng" algn="ctr">
+                      <a:solidFill>
+                        <a:srgbClr val="FF5B9D"/>
+                      </a:solidFill>
+                      <a:prstDash val="solid"/>
+                      <a:round/>
+                      <a:headEnd type="none" w="med" len="med"/>
+                      <a:tailEnd type="none" w="med" len="med"/>
+                    </a:lnT>
+                    <a:lnB w="38100" cap="flat" cmpd="sng" algn="ctr">
+                      <a:solidFill>
+                        <a:srgbClr val="FF5B9D"/>
+                      </a:solidFill>
+                      <a:prstDash val="solid"/>
+                      <a:round/>
+                      <a:headEnd type="none" w="med" len="med"/>
+                      <a:tailEnd type="none" w="med" len="med"/>
+                    </a:lnB>
+                    <a:lnTlToBr w="12700" cmpd="sng">
+                      <a:noFill/>
+                      <a:prstDash val="solid"/>
+                    </a:lnTlToBr>
+                    <a:lnBlToTr w="12700" cmpd="sng">
+                      <a:noFill/>
+                      <a:prstDash val="solid"/>
+                    </a:lnBlToTr>
+                    <a:solidFill>
+                      <a:srgbClr val="282828"/>
+                    </a:solidFill>
+                  </a:tcPr>
+                </a:tc>
+              </a:tr>
+              <a:tr h="0">
+                <a:tc>
+                  <a:txBody>
+                    <a:bodyPr/>
+                    <a:lstStyle/>
+                    <a:p>
+                      <a:pPr marL="0" marR="0" lvl="0" indent="0" algn="l" defTabSz="2159996" rtl="0" eaLnBrk="1" fontAlgn="auto" latinLnBrk="0" hangingPunct="1">
+                        <a:lnSpc>
+                          <a:spcPct val="100000"/>
+                        </a:lnSpc>
+                        <a:spcBef>
+                          <a:spcPts val="0"/>
+                        </a:spcBef>
+                        <a:spcAft>
+                          <a:spcPts val="0"/>
+                        </a:spcAft>
+                        <a:buClrTx/>
+                        <a:buSzTx/>
+                        <a:buFontTx/>
+                        <a:buNone/>
+                        <a:tabLst/>
+                        <a:defRPr/>
+                      </a:pPr>
+                      <a:r>
+                        <a:rPr lang="en-US" altLang="zh-TW" sz="4000" b="0" dirty="0" smtClean="0">
+                          <a:solidFill>
+                            <a:srgbClr val="FFEBCD"/>
+                          </a:solidFill>
+                          <a:latin typeface="Source Code Pro" panose="020B0509030403020204" pitchFamily="49" charset="0"/>
+                        </a:rPr>
+                        <a:t>Main</a:t>
+                      </a:r>
+                    </a:p>
+                    <a:p>
+                      <a:pPr marL="0" marR="0" lvl="0" indent="0" algn="l" defTabSz="2159996" rtl="0" eaLnBrk="1" fontAlgn="auto" latinLnBrk="0" hangingPunct="1">
+                        <a:lnSpc>
+                          <a:spcPct val="100000"/>
+                        </a:lnSpc>
+                        <a:spcBef>
+                          <a:spcPts val="0"/>
+                        </a:spcBef>
+                        <a:spcAft>
+                          <a:spcPts val="0"/>
+                        </a:spcAft>
+                        <a:buClrTx/>
+                        <a:buSzTx/>
+                        <a:buFontTx/>
+                        <a:buNone/>
+                        <a:tabLst/>
+                        <a:defRPr/>
+                      </a:pPr>
+                      <a:r>
+                        <a:rPr lang="en-US" altLang="zh-TW" sz="4000" b="0" dirty="0" smtClean="0">
+                          <a:solidFill>
+                            <a:srgbClr val="FFEBCD"/>
+                          </a:solidFill>
+                          <a:latin typeface="Source Code Pro" panose="020B0509030403020204" pitchFamily="49" charset="0"/>
+                        </a:rPr>
+                        <a:t>Block(128,256,9,16,8)</a:t>
+                      </a:r>
+                      <a:endParaRPr lang="zh-TW" altLang="en-US" sz="4000" b="0" dirty="0" smtClean="0">
+                        <a:solidFill>
+                          <a:srgbClr val="FFEBCD"/>
+                        </a:solidFill>
+                        <a:latin typeface="Source Code Pro" panose="020B0509030403020204" pitchFamily="49" charset="0"/>
+                      </a:endParaRPr>
+                    </a:p>
+                  </a:txBody>
+                  <a:tcPr>
+                    <a:lnL w="12700" cmpd="sng">
+                      <a:noFill/>
+                    </a:lnL>
+                    <a:lnR w="12700" cmpd="sng">
+                      <a:noFill/>
+                    </a:lnR>
+                    <a:lnT w="38100" cap="flat" cmpd="sng" algn="ctr">
+                      <a:solidFill>
+                        <a:srgbClr val="FF5B9D"/>
+                      </a:solidFill>
+                      <a:prstDash val="solid"/>
+                      <a:round/>
+                      <a:headEnd type="none" w="med" len="med"/>
+                      <a:tailEnd type="none" w="med" len="med"/>
+                    </a:lnT>
+                    <a:lnB w="38100" cap="flat" cmpd="sng" algn="ctr">
+                      <a:solidFill>
+                        <a:srgbClr val="FF5B9D"/>
+                      </a:solidFill>
+                      <a:prstDash val="solid"/>
+                      <a:round/>
+                      <a:headEnd type="none" w="med" len="med"/>
+                      <a:tailEnd type="none" w="med" len="med"/>
+                    </a:lnB>
+                    <a:lnTlToBr w="12700" cmpd="sng">
+                      <a:noFill/>
+                      <a:prstDash val="solid"/>
+                    </a:lnTlToBr>
+                    <a:lnBlToTr w="12700" cmpd="sng">
+                      <a:noFill/>
+                      <a:prstDash val="solid"/>
+                    </a:lnBlToTr>
+                    <a:solidFill>
+                      <a:srgbClr val="282828"/>
+                    </a:solidFill>
+                  </a:tcPr>
+                </a:tc>
+              </a:tr>
+            </a:tbl>
+          </a:graphicData>
+        </a:graphic>
+      </p:graphicFrame>
+      <p:graphicFrame>
+        <p:nvGraphicFramePr>
+          <p:cNvPr id="28" name="表格 27"/>
+          <p:cNvGraphicFramePr>
+            <a:graphicFrameLocks noGrp="1"/>
+          </p:cNvGraphicFramePr>
+          <p:nvPr>
+            <p:extLst>
+              <p:ext uri="{D42A27DB-BD31-4B8C-83A1-F6EECF244321}">
+                <p14:modId xmlns:p14="http://schemas.microsoft.com/office/powerpoint/2010/main" val="1804030975"/>
+              </p:ext>
+            </p:extLst>
+          </p:nvPr>
+        </p:nvGraphicFramePr>
+        <p:xfrm>
+          <a:off x="410761" y="1684732"/>
+          <a:ext cx="3633580" cy="2103120"/>
+        </p:xfrm>
+        <a:graphic>
+          <a:graphicData uri="http://schemas.openxmlformats.org/drawingml/2006/table">
+            <a:tbl>
+              <a:tblPr firstRow="1" bandRow="1">
+                <a:tableStyleId>{5C22544A-7EE6-4342-B048-85BDC9FD1C3A}</a:tableStyleId>
+              </a:tblPr>
+              <a:tblGrid>
+                <a:gridCol w="3633580"/>
+              </a:tblGrid>
+              <a:tr h="609419">
+                <a:tc>
+                  <a:txBody>
+                    <a:bodyPr/>
+                    <a:lstStyle/>
+                    <a:p>
+                      <a:pPr marL="0" marR="0" lvl="0" indent="0" algn="l" defTabSz="2159996" rtl="0" eaLnBrk="1" fontAlgn="auto" latinLnBrk="0" hangingPunct="1">
+                        <a:lnSpc>
+                          <a:spcPct val="100000"/>
+                        </a:lnSpc>
+                        <a:spcBef>
+                          <a:spcPts val="0"/>
+                        </a:spcBef>
+                        <a:spcAft>
+                          <a:spcPts val="0"/>
+                        </a:spcAft>
+                        <a:buClrTx/>
+                        <a:buSzTx/>
+                        <a:buFontTx/>
+                        <a:buNone/>
+                        <a:tabLst/>
+                        <a:defRPr/>
+                      </a:pPr>
+                      <a:r>
+                        <a:rPr lang="en-US" altLang="zh-TW" sz="4000" b="0" dirty="0" smtClean="0">
+                          <a:solidFill>
+                            <a:srgbClr val="FFEBCD"/>
+                          </a:solidFill>
+                          <a:latin typeface="SauceCodePro Nerd Font" panose="020B0509030403020204" pitchFamily="49" charset="0"/>
+                        </a:rPr>
+                        <a:t>DSB(1,32</a:t>
+                      </a:r>
+                      <a:r>
+                        <a:rPr lang="en-US" altLang="zh-TW" sz="4000" b="0" dirty="0" smtClean="0">
+                          <a:solidFill>
+                            <a:srgbClr val="FFEBCD"/>
+                          </a:solidFill>
+                          <a:latin typeface="Source Code Pro" panose="020B0509030403020204" pitchFamily="49" charset="0"/>
+                        </a:rPr>
+                        <a:t>)</a:t>
+                      </a:r>
+                      <a:endParaRPr lang="zh-TW" altLang="en-US" sz="4000" b="0" dirty="0">
+                        <a:solidFill>
+                          <a:srgbClr val="FFEBCD"/>
+                        </a:solidFill>
+                        <a:latin typeface="Source Code Pro" panose="020B0509030403020204" pitchFamily="49" charset="0"/>
+                      </a:endParaRPr>
+                    </a:p>
+                  </a:txBody>
+                  <a:tcPr>
+                    <a:lnL w="12700" cmpd="sng">
+                      <a:noFill/>
+                    </a:lnL>
+                    <a:lnR w="12700" cmpd="sng">
+                      <a:noFill/>
+                    </a:lnR>
+                    <a:lnT w="38100" cap="flat" cmpd="sng" algn="ctr">
+                      <a:solidFill>
+                        <a:schemeClr val="accent4"/>
+                      </a:solidFill>
+                      <a:prstDash val="solid"/>
+                      <a:round/>
+                      <a:headEnd type="none" w="med" len="med"/>
+                      <a:tailEnd type="none" w="med" len="med"/>
+                    </a:lnT>
+                    <a:lnB w="38100" cap="flat" cmpd="sng" algn="ctr">
+                      <a:solidFill>
+                        <a:schemeClr val="accent4"/>
+                      </a:solidFill>
+                      <a:prstDash val="solid"/>
+                      <a:round/>
+                      <a:headEnd type="none" w="med" len="med"/>
+                      <a:tailEnd type="none" w="med" len="med"/>
+                    </a:lnB>
+                    <a:lnTlToBr w="12700" cmpd="sng">
+                      <a:noFill/>
+                      <a:prstDash val="solid"/>
+                    </a:lnTlToBr>
+                    <a:lnBlToTr w="12700" cmpd="sng">
+                      <a:noFill/>
+                      <a:prstDash val="solid"/>
+                    </a:lnBlToTr>
+                    <a:solidFill>
+                      <a:srgbClr val="282828"/>
+                    </a:solidFill>
+                  </a:tcPr>
+                </a:tc>
+              </a:tr>
+              <a:tr h="609419">
+                <a:tc>
+                  <a:txBody>
+                    <a:bodyPr/>
+                    <a:lstStyle/>
+                    <a:p>
+                      <a:pPr marL="0" marR="0" lvl="0" indent="0" algn="l" defTabSz="2159996" rtl="0" eaLnBrk="1" fontAlgn="auto" latinLnBrk="0" hangingPunct="1">
+                        <a:lnSpc>
+                          <a:spcPct val="100000"/>
+                        </a:lnSpc>
+                        <a:spcBef>
+                          <a:spcPts val="0"/>
+                        </a:spcBef>
+                        <a:spcAft>
+                          <a:spcPts val="0"/>
+                        </a:spcAft>
+                        <a:buClrTx/>
+                        <a:buSzTx/>
+                        <a:buFontTx/>
+                        <a:buNone/>
+                        <a:tabLst/>
+                        <a:defRPr/>
+                      </a:pPr>
+                      <a:r>
+                        <a:rPr lang="en-US" altLang="zh-TW" sz="4000" b="0" dirty="0" smtClean="0">
+                          <a:solidFill>
+                            <a:srgbClr val="FFEBCD"/>
+                          </a:solidFill>
+                          <a:latin typeface="Source Code Pro" panose="020B0509030403020204" pitchFamily="49" charset="0"/>
+                        </a:rPr>
+                        <a:t>DSB(32,64)</a:t>
+                      </a:r>
+                      <a:endParaRPr lang="zh-TW" altLang="en-US" sz="4000" b="0" dirty="0">
+                        <a:solidFill>
+                          <a:srgbClr val="FFEBCD"/>
+                        </a:solidFill>
+                        <a:latin typeface="Source Code Pro" panose="020B0509030403020204" pitchFamily="49" charset="0"/>
+                      </a:endParaRPr>
+                    </a:p>
+                  </a:txBody>
+                  <a:tcPr>
+                    <a:lnL w="12700" cmpd="sng">
+                      <a:noFill/>
+                    </a:lnL>
+                    <a:lnR w="12700" cmpd="sng">
+                      <a:noFill/>
+                    </a:lnR>
+                    <a:lnT w="38100" cap="flat" cmpd="sng" algn="ctr">
+                      <a:solidFill>
+                        <a:schemeClr val="accent4"/>
+                      </a:solidFill>
+                      <a:prstDash val="solid"/>
+                      <a:round/>
+                      <a:headEnd type="none" w="med" len="med"/>
+                      <a:tailEnd type="none" w="med" len="med"/>
+                    </a:lnT>
+                    <a:lnB w="38100" cap="flat" cmpd="sng" algn="ctr">
+                      <a:solidFill>
+                        <a:schemeClr val="accent4"/>
+                      </a:solidFill>
+                      <a:prstDash val="solid"/>
+                      <a:round/>
+                      <a:headEnd type="none" w="med" len="med"/>
+                      <a:tailEnd type="none" w="med" len="med"/>
+                    </a:lnB>
+                    <a:lnTlToBr w="12700" cmpd="sng">
+                      <a:noFill/>
+                      <a:prstDash val="solid"/>
+                    </a:lnTlToBr>
+                    <a:lnBlToTr w="12700" cmpd="sng">
+                      <a:noFill/>
+                      <a:prstDash val="solid"/>
+                    </a:lnBlToTr>
+                    <a:solidFill>
+                      <a:srgbClr val="282828"/>
+                    </a:solidFill>
+                  </a:tcPr>
+                </a:tc>
+              </a:tr>
+              <a:tr h="609419">
+                <a:tc>
+                  <a:txBody>
+                    <a:bodyPr/>
+                    <a:lstStyle/>
+                    <a:p>
+                      <a:pPr marL="0" marR="0" lvl="0" indent="0" algn="l" defTabSz="2159996" rtl="0" eaLnBrk="1" fontAlgn="auto" latinLnBrk="0" hangingPunct="1">
+                        <a:lnSpc>
+                          <a:spcPct val="100000"/>
+                        </a:lnSpc>
+                        <a:spcBef>
+                          <a:spcPts val="0"/>
+                        </a:spcBef>
+                        <a:spcAft>
+                          <a:spcPts val="0"/>
+                        </a:spcAft>
+                        <a:buClrTx/>
+                        <a:buSzTx/>
+                        <a:buFontTx/>
+                        <a:buNone/>
+                        <a:tabLst/>
+                        <a:defRPr/>
+                      </a:pPr>
+                      <a:r>
+                        <a:rPr lang="en-US" altLang="zh-TW" sz="4000" b="0" dirty="0" smtClean="0">
+                          <a:solidFill>
+                            <a:srgbClr val="FFEBCD"/>
+                          </a:solidFill>
+                          <a:latin typeface="Source Code Pro" panose="020B0509030403020204" pitchFamily="49" charset="0"/>
+                        </a:rPr>
+                        <a:t>DSB(64,128)</a:t>
+                      </a:r>
+                      <a:endParaRPr lang="zh-TW" altLang="en-US" sz="4000" b="0" dirty="0">
+                        <a:solidFill>
+                          <a:srgbClr val="FFEBCD"/>
+                        </a:solidFill>
+                        <a:latin typeface="Source Code Pro" panose="020B0509030403020204" pitchFamily="49" charset="0"/>
+                      </a:endParaRPr>
+                    </a:p>
+                  </a:txBody>
+                  <a:tcPr>
+                    <a:lnL w="12700" cmpd="sng">
+                      <a:noFill/>
+                    </a:lnL>
+                    <a:lnR w="12700" cmpd="sng">
+                      <a:noFill/>
+                    </a:lnR>
+                    <a:lnT w="38100" cap="flat" cmpd="sng" algn="ctr">
+                      <a:solidFill>
+                        <a:schemeClr val="accent4"/>
+                      </a:solidFill>
+                      <a:prstDash val="solid"/>
+                      <a:round/>
+                      <a:headEnd type="none" w="med" len="med"/>
+                      <a:tailEnd type="none" w="med" len="med"/>
+                    </a:lnT>
+                    <a:lnB w="38100" cap="flat" cmpd="sng" algn="ctr">
+                      <a:solidFill>
+                        <a:schemeClr val="accent4"/>
+                      </a:solidFill>
+                      <a:prstDash val="solid"/>
+                      <a:round/>
+                      <a:headEnd type="none" w="med" len="med"/>
+                      <a:tailEnd type="none" w="med" len="med"/>
+                    </a:lnB>
+                    <a:lnTlToBr w="12700" cmpd="sng">
+                      <a:noFill/>
+                      <a:prstDash val="solid"/>
+                    </a:lnTlToBr>
+                    <a:lnBlToTr w="12700" cmpd="sng">
+                      <a:noFill/>
+                      <a:prstDash val="solid"/>
+                    </a:lnBlToTr>
+                    <a:solidFill>
+                      <a:srgbClr val="282828"/>
+                    </a:solidFill>
+                  </a:tcPr>
+                </a:tc>
+              </a:tr>
+            </a:tbl>
+          </a:graphicData>
+        </a:graphic>
+      </p:graphicFrame>
+      <p:graphicFrame>
+        <p:nvGraphicFramePr>
+          <p:cNvPr id="30" name="表格 29"/>
+          <p:cNvGraphicFramePr>
+            <a:graphicFrameLocks noGrp="1"/>
+          </p:cNvGraphicFramePr>
+          <p:nvPr>
+            <p:extLst>
+              <p:ext uri="{D42A27DB-BD31-4B8C-83A1-F6EECF244321}">
+                <p14:modId xmlns:p14="http://schemas.microsoft.com/office/powerpoint/2010/main" val="792672308"/>
+              </p:ext>
+            </p:extLst>
+          </p:nvPr>
+        </p:nvGraphicFramePr>
+        <p:xfrm>
+          <a:off x="4035140" y="1684669"/>
+          <a:ext cx="6424249" cy="2103120"/>
+        </p:xfrm>
+        <a:graphic>
+          <a:graphicData uri="http://schemas.openxmlformats.org/drawingml/2006/table">
+            <a:tbl>
+              <a:tblPr firstRow="1" bandRow="1">
+                <a:tableStyleId>{5C22544A-7EE6-4342-B048-85BDC9FD1C3A}</a:tableStyleId>
+              </a:tblPr>
+              <a:tblGrid>
+                <a:gridCol w="6424249"/>
+              </a:tblGrid>
+              <a:tr h="1067347">
+                <a:tc>
+                  <a:txBody>
+                    <a:bodyPr/>
+                    <a:lstStyle/>
+                    <a:p>
+                      <a:pPr marL="0" marR="0" lvl="0" indent="0" algn="l" defTabSz="2159996" rtl="0" eaLnBrk="1" fontAlgn="auto" latinLnBrk="0" hangingPunct="1">
+                        <a:lnSpc>
+                          <a:spcPct val="100000"/>
+                        </a:lnSpc>
+                        <a:spcBef>
+                          <a:spcPts val="0"/>
+                        </a:spcBef>
+                        <a:spcAft>
+                          <a:spcPts val="0"/>
+                        </a:spcAft>
+                        <a:buClrTx/>
+                        <a:buSzTx/>
+                        <a:buFontTx/>
+                        <a:buNone/>
+                        <a:tabLst/>
+                        <a:defRPr/>
+                      </a:pPr>
+                      <a:r>
+                        <a:rPr lang="en-US" altLang="zh-TW" sz="4000" b="0" dirty="0" smtClean="0">
+                          <a:solidFill>
+                            <a:srgbClr val="FFEBCD"/>
+                          </a:solidFill>
+                          <a:latin typeface="SauceCodePro Nerd Font" panose="020B0509030403020204" pitchFamily="49" charset="0"/>
+                        </a:rPr>
+                        <a:t>bz,1,(l</a:t>
+                      </a:r>
+                      <a:r>
+                        <a:rPr lang="en-US" altLang="zh-TW" sz="4000" b="0" baseline="0" dirty="0" smtClean="0">
+                          <a:solidFill>
+                            <a:srgbClr val="FFEBCD"/>
+                          </a:solidFill>
+                          <a:latin typeface="SauceCodePro Nerd Font" panose="020B0509030403020204" pitchFamily="49" charset="0"/>
+                        </a:rPr>
+                        <a:t> </a:t>
+                      </a:r>
+                      <a:r>
+                        <a:rPr lang="en-US" altLang="zh-TW" sz="4000" b="0" dirty="0" smtClean="0">
+                          <a:solidFill>
+                            <a:srgbClr val="FFEBCD"/>
+                          </a:solidFill>
+                          <a:latin typeface="SauceCodePro Nerd Font" panose="020B0509030403020204" pitchFamily="49" charset="0"/>
+                        </a:rPr>
+                        <a:t>64)-&gt;bz,64,l</a:t>
+                      </a:r>
+                      <a:endParaRPr lang="zh-TW" altLang="en-US" sz="4000" b="0" dirty="0">
+                        <a:solidFill>
+                          <a:srgbClr val="FFEBCD"/>
+                        </a:solidFill>
+                        <a:latin typeface="Source Code Pro" panose="020B0509030403020204" pitchFamily="49" charset="0"/>
+                      </a:endParaRPr>
+                    </a:p>
+                  </a:txBody>
+                  <a:tcPr>
+                    <a:lnL w="12700" cmpd="sng">
+                      <a:noFill/>
+                    </a:lnL>
+                    <a:lnR w="12700" cmpd="sng">
+                      <a:noFill/>
+                    </a:lnR>
+                    <a:lnT w="38100" cap="flat" cmpd="sng" algn="ctr">
+                      <a:solidFill>
+                        <a:schemeClr val="accent4"/>
+                      </a:solidFill>
+                      <a:prstDash val="solid"/>
+                      <a:round/>
+                      <a:headEnd type="none" w="med" len="med"/>
+                      <a:tailEnd type="none" w="med" len="med"/>
+                    </a:lnT>
+                    <a:lnB w="38100" cap="flat" cmpd="sng" algn="ctr">
+                      <a:solidFill>
+                        <a:schemeClr val="accent4"/>
+                      </a:solidFill>
+                      <a:prstDash val="solid"/>
+                      <a:round/>
+                      <a:headEnd type="none" w="med" len="med"/>
+                      <a:tailEnd type="none" w="med" len="med"/>
+                    </a:lnB>
+                    <a:lnTlToBr w="12700" cmpd="sng">
+                      <a:noFill/>
+                      <a:prstDash val="solid"/>
+                    </a:lnTlToBr>
+                    <a:lnBlToTr w="12700" cmpd="sng">
+                      <a:noFill/>
+                      <a:prstDash val="solid"/>
+                    </a:lnBlToTr>
+                    <a:solidFill>
+                      <a:srgbClr val="282828"/>
+                    </a:solidFill>
+                  </a:tcPr>
+                </a:tc>
+              </a:tr>
+              <a:tr h="1035773">
+                <a:tc>
+                  <a:txBody>
+                    <a:bodyPr/>
+                    <a:lstStyle/>
+                    <a:p>
+                      <a:pPr marL="0" marR="0" lvl="0" indent="0" algn="l" defTabSz="2159996" rtl="0" eaLnBrk="1" fontAlgn="auto" latinLnBrk="0" hangingPunct="1">
+                        <a:lnSpc>
+                          <a:spcPct val="100000"/>
+                        </a:lnSpc>
+                        <a:spcBef>
+                          <a:spcPts val="0"/>
+                        </a:spcBef>
+                        <a:spcAft>
+                          <a:spcPts val="0"/>
+                        </a:spcAft>
+                        <a:buClrTx/>
+                        <a:buSzTx/>
+                        <a:buFontTx/>
+                        <a:buNone/>
+                        <a:tabLst/>
+                        <a:defRPr/>
+                      </a:pPr>
+                      <a:r>
+                        <a:rPr lang="en-US" altLang="zh-TW" sz="4000" b="0" dirty="0" smtClean="0">
+                          <a:solidFill>
+                            <a:srgbClr val="FFEBCD"/>
+                          </a:solidFill>
+                          <a:latin typeface="Source Code Pro" panose="020B0509030403020204" pitchFamily="49" charset="0"/>
+                        </a:rPr>
+                        <a:t>Conv1d(64,128,3)</a:t>
+                      </a:r>
+                      <a:endParaRPr lang="zh-TW" altLang="en-US" sz="4000" b="0" dirty="0">
+                        <a:solidFill>
+                          <a:srgbClr val="FFEBCD"/>
+                        </a:solidFill>
+                        <a:latin typeface="Source Code Pro" panose="020B0509030403020204" pitchFamily="49" charset="0"/>
+                      </a:endParaRPr>
+                    </a:p>
+                  </a:txBody>
+                  <a:tcPr>
+                    <a:lnL w="12700" cmpd="sng">
+                      <a:noFill/>
+                    </a:lnL>
+                    <a:lnR w="12700" cmpd="sng">
+                      <a:noFill/>
+                    </a:lnR>
+                    <a:lnT w="38100" cap="flat" cmpd="sng" algn="ctr">
+                      <a:solidFill>
+                        <a:schemeClr val="accent4"/>
+                      </a:solidFill>
+                      <a:prstDash val="solid"/>
+                      <a:round/>
+                      <a:headEnd type="none" w="med" len="med"/>
+                      <a:tailEnd type="none" w="med" len="med"/>
+                    </a:lnT>
+                    <a:lnB w="38100" cap="flat" cmpd="sng" algn="ctr">
+                      <a:solidFill>
+                        <a:schemeClr val="accent4"/>
+                      </a:solidFill>
+                      <a:prstDash val="solid"/>
+                      <a:round/>
+                      <a:headEnd type="none" w="med" len="med"/>
+                      <a:tailEnd type="none" w="med" len="med"/>
+                    </a:lnB>
+                    <a:lnTlToBr w="12700" cmpd="sng">
+                      <a:noFill/>
+                      <a:prstDash val="solid"/>
+                    </a:lnTlToBr>
+                    <a:lnBlToTr w="12700" cmpd="sng">
+                      <a:noFill/>
+                      <a:prstDash val="solid"/>
+                    </a:lnBlToTr>
+                    <a:solidFill>
+                      <a:srgbClr val="282828"/>
+                    </a:solidFill>
+                  </a:tcPr>
+                </a:tc>
+              </a:tr>
+            </a:tbl>
+          </a:graphicData>
+        </a:graphic>
+      </p:graphicFrame>
+      <p:graphicFrame>
+        <p:nvGraphicFramePr>
+          <p:cNvPr id="31" name="表格 30"/>
+          <p:cNvGraphicFramePr>
+            <a:graphicFrameLocks noGrp="1"/>
+          </p:cNvGraphicFramePr>
+          <p:nvPr>
+            <p:extLst>
+              <p:ext uri="{D42A27DB-BD31-4B8C-83A1-F6EECF244321}">
+                <p14:modId xmlns:p14="http://schemas.microsoft.com/office/powerpoint/2010/main" val="2394169005"/>
+              </p:ext>
+            </p:extLst>
+          </p:nvPr>
+        </p:nvGraphicFramePr>
+        <p:xfrm>
+          <a:off x="401560" y="3787852"/>
+          <a:ext cx="10057829" cy="701040"/>
+        </p:xfrm>
+        <a:graphic>
+          <a:graphicData uri="http://schemas.openxmlformats.org/drawingml/2006/table">
+            <a:tbl>
+              <a:tblPr firstRow="1" bandRow="1">
+                <a:tableStyleId>{5C22544A-7EE6-4342-B048-85BDC9FD1C3A}</a:tableStyleId>
+              </a:tblPr>
+              <a:tblGrid>
+                <a:gridCol w="10057829"/>
+              </a:tblGrid>
+              <a:tr h="448137">
+                <a:tc>
+                  <a:txBody>
+                    <a:bodyPr/>
+                    <a:lstStyle/>
+                    <a:p>
+                      <a:pPr marL="0" marR="0" lvl="0" indent="0" algn="ctr" defTabSz="2159996" rtl="0" eaLnBrk="1" fontAlgn="auto" latinLnBrk="0" hangingPunct="1">
+                        <a:lnSpc>
+                          <a:spcPct val="100000"/>
+                        </a:lnSpc>
+                        <a:spcBef>
+                          <a:spcPts val="0"/>
+                        </a:spcBef>
+                        <a:spcAft>
+                          <a:spcPts val="0"/>
+                        </a:spcAft>
+                        <a:buClrTx/>
+                        <a:buSzTx/>
+                        <a:buFontTx/>
+                        <a:buNone/>
+                        <a:tabLst/>
+                        <a:defRPr/>
+                      </a:pPr>
+                      <a:r>
+                        <a:rPr lang="en-US" altLang="zh-TW" sz="4000" b="0" dirty="0" smtClean="0">
+                          <a:solidFill>
+                            <a:srgbClr val="FFEBCD"/>
+                          </a:solidFill>
+                          <a:latin typeface="Source Code Pro" panose="020B0509030403020204" pitchFamily="49" charset="0"/>
+                        </a:rPr>
+                        <a:t> Concatenate()</a:t>
+                      </a:r>
+                      <a:endParaRPr lang="zh-TW" altLang="en-US" sz="4000" b="0" dirty="0">
+                        <a:solidFill>
+                          <a:srgbClr val="FFEBCD"/>
+                        </a:solidFill>
+                        <a:latin typeface="Source Code Pro" panose="020B0509030403020204" pitchFamily="49" charset="0"/>
+                      </a:endParaRPr>
+                    </a:p>
+                  </a:txBody>
+                  <a:tcPr>
+                    <a:lnL w="12700" cmpd="sng">
+                      <a:noFill/>
+                    </a:lnL>
+                    <a:lnR w="12700" cmpd="sng">
+                      <a:noFill/>
+                    </a:lnR>
+                    <a:lnT w="38100" cap="flat" cmpd="sng" algn="ctr">
+                      <a:solidFill>
+                        <a:schemeClr val="accent4"/>
+                      </a:solidFill>
+                      <a:prstDash val="solid"/>
+                      <a:round/>
+                      <a:headEnd type="none" w="med" len="med"/>
+                      <a:tailEnd type="none" w="med" len="med"/>
+                    </a:lnT>
+                    <a:lnB w="38100" cap="flat" cmpd="sng" algn="ctr">
+                      <a:solidFill>
+                        <a:schemeClr val="accent4"/>
+                      </a:solidFill>
+                      <a:prstDash val="solid"/>
+                      <a:round/>
+                      <a:headEnd type="none" w="med" len="med"/>
+                      <a:tailEnd type="none" w="med" len="med"/>
+                    </a:lnB>
+                    <a:lnTlToBr w="12700" cmpd="sng">
+                      <a:noFill/>
+                      <a:prstDash val="solid"/>
+                    </a:lnTlToBr>
+                    <a:lnBlToTr w="12700" cmpd="sng">
+                      <a:noFill/>
+                      <a:prstDash val="solid"/>
+                    </a:lnBlToTr>
+                    <a:solidFill>
+                      <a:srgbClr val="282828"/>
+                    </a:solidFill>
+                  </a:tcPr>
+                </a:tc>
+              </a:tr>
+            </a:tbl>
+          </a:graphicData>
+        </a:graphic>
+      </p:graphicFrame>
+      <p:graphicFrame>
+        <p:nvGraphicFramePr>
+          <p:cNvPr id="32" name="表格 31"/>
+          <p:cNvGraphicFramePr>
+            <a:graphicFrameLocks noGrp="1"/>
+          </p:cNvGraphicFramePr>
+          <p:nvPr>
+            <p:extLst>
+              <p:ext uri="{D42A27DB-BD31-4B8C-83A1-F6EECF244321}">
+                <p14:modId xmlns:p14="http://schemas.microsoft.com/office/powerpoint/2010/main" val="3793262689"/>
+              </p:ext>
+            </p:extLst>
+          </p:nvPr>
+        </p:nvGraphicFramePr>
+        <p:xfrm>
+          <a:off x="401560" y="4488892"/>
+          <a:ext cx="6625440" cy="5943600"/>
+        </p:xfrm>
+        <a:graphic>
+          <a:graphicData uri="http://schemas.openxmlformats.org/drawingml/2006/table">
+            <a:tbl>
+              <a:tblPr firstRow="1" bandRow="1">
+                <a:tableStyleId>{5C22544A-7EE6-4342-B048-85BDC9FD1C3A}</a:tableStyleId>
+              </a:tblPr>
+              <a:tblGrid>
+                <a:gridCol w="6625440"/>
+              </a:tblGrid>
+              <a:tr h="448137">
+                <a:tc>
+                  <a:txBody>
+                    <a:bodyPr/>
+                    <a:lstStyle/>
+                    <a:p>
+                      <a:pPr marL="0" marR="0" lvl="0" indent="0" algn="ctr" defTabSz="2159996" rtl="0" eaLnBrk="1" fontAlgn="auto" latinLnBrk="0" hangingPunct="1">
+                        <a:lnSpc>
+                          <a:spcPct val="100000"/>
+                        </a:lnSpc>
+                        <a:spcBef>
+                          <a:spcPts val="0"/>
+                        </a:spcBef>
+                        <a:spcAft>
+                          <a:spcPts val="0"/>
+                        </a:spcAft>
+                        <a:buClrTx/>
+                        <a:buSzTx/>
+                        <a:buFontTx/>
+                        <a:buNone/>
+                        <a:tabLst/>
+                        <a:defRPr/>
+                      </a:pPr>
+                      <a:r>
+                        <a:rPr lang="en-US" altLang="zh-TW" sz="4000" b="0" dirty="0" smtClean="0">
+                          <a:solidFill>
+                            <a:srgbClr val="FFEBCD"/>
+                          </a:solidFill>
+                          <a:latin typeface="Source Code Pro" panose="020B0509030403020204" pitchFamily="49" charset="0"/>
+                        </a:rPr>
+                        <a:t>Conv1d(256,128,1)</a:t>
+                      </a:r>
+                      <a:endParaRPr lang="zh-TW" altLang="en-US" sz="4000" b="0" dirty="0">
+                        <a:solidFill>
+                          <a:srgbClr val="FFEBCD"/>
+                        </a:solidFill>
+                        <a:latin typeface="Source Code Pro" panose="020B0509030403020204" pitchFamily="49" charset="0"/>
+                      </a:endParaRPr>
+                    </a:p>
+                  </a:txBody>
+                  <a:tcPr>
+                    <a:lnL w="12700" cmpd="sng">
+                      <a:noFill/>
+                    </a:lnL>
+                    <a:lnR w="12700" cmpd="sng">
+                      <a:noFill/>
+                    </a:lnR>
+                    <a:lnT w="38100" cap="flat" cmpd="sng" algn="ctr">
+                      <a:solidFill>
+                        <a:schemeClr val="accent4"/>
+                      </a:solidFill>
+                      <a:prstDash val="solid"/>
+                      <a:round/>
+                      <a:headEnd type="none" w="med" len="med"/>
+                      <a:tailEnd type="none" w="med" len="med"/>
+                    </a:lnT>
+                    <a:lnB w="38100" cap="flat" cmpd="sng" algn="ctr">
+                      <a:solidFill>
+                        <a:schemeClr val="accent4"/>
+                      </a:solidFill>
+                      <a:prstDash val="solid"/>
+                      <a:round/>
+                      <a:headEnd type="none" w="med" len="med"/>
+                      <a:tailEnd type="none" w="med" len="med"/>
+                    </a:lnB>
+                    <a:lnTlToBr w="12700" cmpd="sng">
+                      <a:noFill/>
+                      <a:prstDash val="solid"/>
+                    </a:lnTlToBr>
+                    <a:lnBlToTr w="12700" cmpd="sng">
+                      <a:noFill/>
+                      <a:prstDash val="solid"/>
+                    </a:lnBlToTr>
+                    <a:solidFill>
+                      <a:srgbClr val="282828"/>
+                    </a:solidFill>
+                  </a:tcPr>
+                </a:tc>
+              </a:tr>
+              <a:tr h="448137">
+                <a:tc>
+                  <a:txBody>
+                    <a:bodyPr/>
+                    <a:lstStyle/>
+                    <a:p>
+                      <a:pPr marL="0" marR="0" lvl="0" indent="0" algn="l" defTabSz="2159996" rtl="0" eaLnBrk="1" fontAlgn="auto" latinLnBrk="0" hangingPunct="1">
+                        <a:lnSpc>
+                          <a:spcPct val="100000"/>
+                        </a:lnSpc>
+                        <a:spcBef>
+                          <a:spcPts val="0"/>
+                        </a:spcBef>
+                        <a:spcAft>
+                          <a:spcPts val="0"/>
+                        </a:spcAft>
+                        <a:buClrTx/>
+                        <a:buSzTx/>
+                        <a:buFontTx/>
+                        <a:buNone/>
+                        <a:tabLst/>
+                        <a:defRPr/>
+                      </a:pPr>
+                      <a:r>
+                        <a:rPr lang="en-US" altLang="zh-TW" sz="4000" b="0" dirty="0" smtClean="0">
+                          <a:solidFill>
+                            <a:srgbClr val="FFEBCD"/>
+                          </a:solidFill>
+                          <a:latin typeface="Source Code Pro" panose="020B0509030403020204" pitchFamily="49" charset="0"/>
+                        </a:rPr>
+                        <a:t>Main</a:t>
+                      </a:r>
+                    </a:p>
+                    <a:p>
+                      <a:pPr marL="0" marR="0" lvl="0" indent="0" algn="l" defTabSz="2159996" rtl="0" eaLnBrk="1" fontAlgn="auto" latinLnBrk="0" hangingPunct="1">
+                        <a:lnSpc>
+                          <a:spcPct val="100000"/>
+                        </a:lnSpc>
+                        <a:spcBef>
+                          <a:spcPts val="0"/>
+                        </a:spcBef>
+                        <a:spcAft>
+                          <a:spcPts val="0"/>
+                        </a:spcAft>
+                        <a:buClrTx/>
+                        <a:buSzTx/>
+                        <a:buFontTx/>
+                        <a:buNone/>
+                        <a:tabLst/>
+                        <a:defRPr/>
+                      </a:pPr>
+                      <a:r>
+                        <a:rPr lang="en-US" altLang="zh-TW" sz="4000" b="0" dirty="0" smtClean="0">
+                          <a:solidFill>
+                            <a:srgbClr val="FFEBCD"/>
+                          </a:solidFill>
+                          <a:latin typeface="Source Code Pro" panose="020B0509030403020204" pitchFamily="49" charset="0"/>
+                        </a:rPr>
+                        <a:t>Block(128,256,9,16,8)</a:t>
+                      </a:r>
+                      <a:endParaRPr lang="zh-TW" altLang="en-US" sz="4000" b="0" dirty="0" smtClean="0">
+                        <a:solidFill>
+                          <a:srgbClr val="FFEBCD"/>
+                        </a:solidFill>
+                        <a:latin typeface="Source Code Pro" panose="020B0509030403020204" pitchFamily="49" charset="0"/>
+                      </a:endParaRPr>
+                    </a:p>
+                  </a:txBody>
+                  <a:tcPr>
+                    <a:lnL w="12700" cmpd="sng">
+                      <a:noFill/>
+                    </a:lnL>
+                    <a:lnR w="12700" cmpd="sng">
+                      <a:noFill/>
+                    </a:lnR>
+                    <a:lnT w="38100" cap="flat" cmpd="sng" algn="ctr">
+                      <a:solidFill>
+                        <a:schemeClr val="accent4"/>
+                      </a:solidFill>
+                      <a:prstDash val="solid"/>
+                      <a:round/>
+                      <a:headEnd type="none" w="med" len="med"/>
+                      <a:tailEnd type="none" w="med" len="med"/>
+                    </a:lnT>
+                    <a:lnB w="38100" cap="flat" cmpd="sng" algn="ctr">
+                      <a:solidFill>
+                        <a:schemeClr val="accent4"/>
+                      </a:solidFill>
+                      <a:prstDash val="solid"/>
+                      <a:round/>
+                      <a:headEnd type="none" w="med" len="med"/>
+                      <a:tailEnd type="none" w="med" len="med"/>
+                    </a:lnB>
+                    <a:lnTlToBr w="12700" cmpd="sng">
+                      <a:noFill/>
+                      <a:prstDash val="solid"/>
+                    </a:lnTlToBr>
+                    <a:lnBlToTr w="12700" cmpd="sng">
+                      <a:noFill/>
+                      <a:prstDash val="solid"/>
+                    </a:lnBlToTr>
+                    <a:solidFill>
+                      <a:srgbClr val="282828"/>
+                    </a:solidFill>
+                  </a:tcPr>
+                </a:tc>
+              </a:tr>
+              <a:tr h="448137">
+                <a:tc>
+                  <a:txBody>
+                    <a:bodyPr/>
+                    <a:lstStyle/>
+                    <a:p>
+                      <a:pPr marL="0" marR="0" lvl="0" indent="0" algn="l" defTabSz="2159996" rtl="0" eaLnBrk="1" fontAlgn="auto" latinLnBrk="0" hangingPunct="1">
+                        <a:lnSpc>
+                          <a:spcPct val="100000"/>
+                        </a:lnSpc>
+                        <a:spcBef>
+                          <a:spcPts val="0"/>
+                        </a:spcBef>
+                        <a:spcAft>
+                          <a:spcPts val="0"/>
+                        </a:spcAft>
+                        <a:buClrTx/>
+                        <a:buSzTx/>
+                        <a:buFontTx/>
+                        <a:buNone/>
+                        <a:tabLst/>
+                        <a:defRPr/>
+                      </a:pPr>
+                      <a:r>
+                        <a:rPr lang="en-US" altLang="zh-TW" sz="4000" b="0" dirty="0" smtClean="0">
+                          <a:solidFill>
+                            <a:srgbClr val="FFEBCD"/>
+                          </a:solidFill>
+                          <a:latin typeface="Source Code Pro" panose="020B0509030403020204" pitchFamily="49" charset="0"/>
+                        </a:rPr>
+                        <a:t>Main</a:t>
+                      </a:r>
+                    </a:p>
+                    <a:p>
+                      <a:pPr marL="0" marR="0" lvl="0" indent="0" algn="l" defTabSz="2159996" rtl="0" eaLnBrk="1" fontAlgn="auto" latinLnBrk="0" hangingPunct="1">
+                        <a:lnSpc>
+                          <a:spcPct val="100000"/>
+                        </a:lnSpc>
+                        <a:spcBef>
+                          <a:spcPts val="0"/>
+                        </a:spcBef>
+                        <a:spcAft>
+                          <a:spcPts val="0"/>
+                        </a:spcAft>
+                        <a:buClrTx/>
+                        <a:buSzTx/>
+                        <a:buFontTx/>
+                        <a:buNone/>
+                        <a:tabLst/>
+                        <a:defRPr/>
+                      </a:pPr>
+                      <a:r>
+                        <a:rPr lang="en-US" altLang="zh-TW" sz="4000" b="0" dirty="0" smtClean="0">
+                          <a:solidFill>
+                            <a:srgbClr val="FFEBCD"/>
+                          </a:solidFill>
+                          <a:latin typeface="Source Code Pro" panose="020B0509030403020204" pitchFamily="49" charset="0"/>
+                        </a:rPr>
+                        <a:t>Block(128,256,9,16,8)</a:t>
+                      </a:r>
+                      <a:endParaRPr lang="zh-TW" altLang="en-US" sz="4000" b="0" dirty="0" smtClean="0">
+                        <a:solidFill>
+                          <a:srgbClr val="FFEBCD"/>
+                        </a:solidFill>
+                        <a:latin typeface="Source Code Pro" panose="020B0509030403020204" pitchFamily="49" charset="0"/>
+                      </a:endParaRPr>
+                    </a:p>
+                  </a:txBody>
+                  <a:tcPr>
+                    <a:lnL w="12700" cmpd="sng">
+                      <a:noFill/>
+                    </a:lnL>
+                    <a:lnR w="12700" cmpd="sng">
+                      <a:noFill/>
+                    </a:lnR>
+                    <a:lnT w="38100" cap="flat" cmpd="sng" algn="ctr">
+                      <a:solidFill>
+                        <a:schemeClr val="accent4"/>
+                      </a:solidFill>
+                      <a:prstDash val="solid"/>
+                      <a:round/>
+                      <a:headEnd type="none" w="med" len="med"/>
+                      <a:tailEnd type="none" w="med" len="med"/>
+                    </a:lnT>
+                    <a:lnB w="38100" cap="flat" cmpd="sng" algn="ctr">
+                      <a:solidFill>
+                        <a:schemeClr val="accent4"/>
+                      </a:solidFill>
+                      <a:prstDash val="solid"/>
+                      <a:round/>
+                      <a:headEnd type="none" w="med" len="med"/>
+                      <a:tailEnd type="none" w="med" len="med"/>
+                    </a:lnB>
+                    <a:lnTlToBr w="12700" cmpd="sng">
+                      <a:noFill/>
+                      <a:prstDash val="solid"/>
+                    </a:lnTlToBr>
+                    <a:lnBlToTr w="12700" cmpd="sng">
+                      <a:noFill/>
+                      <a:prstDash val="solid"/>
+                    </a:lnBlToTr>
+                    <a:solidFill>
+                      <a:srgbClr val="282828"/>
+                    </a:solidFill>
+                  </a:tcPr>
+                </a:tc>
+              </a:tr>
+              <a:tr h="448137">
+                <a:tc>
+                  <a:txBody>
+                    <a:bodyPr/>
+                    <a:lstStyle/>
+                    <a:p>
+                      <a:pPr marL="0" marR="0" lvl="0" indent="0" algn="l" defTabSz="2159996" rtl="0" eaLnBrk="1" fontAlgn="auto" latinLnBrk="0" hangingPunct="1">
+                        <a:lnSpc>
+                          <a:spcPct val="100000"/>
+                        </a:lnSpc>
+                        <a:spcBef>
+                          <a:spcPts val="0"/>
+                        </a:spcBef>
+                        <a:spcAft>
+                          <a:spcPts val="0"/>
+                        </a:spcAft>
+                        <a:buClrTx/>
+                        <a:buSzTx/>
+                        <a:buFontTx/>
+                        <a:buNone/>
+                        <a:tabLst/>
+                        <a:defRPr/>
+                      </a:pPr>
+                      <a:r>
+                        <a:rPr lang="en-US" altLang="zh-TW" sz="4000" b="0" dirty="0" smtClean="0">
+                          <a:solidFill>
+                            <a:srgbClr val="FFEBCD"/>
+                          </a:solidFill>
+                          <a:latin typeface="Source Code Pro" panose="020B0509030403020204" pitchFamily="49" charset="0"/>
+                        </a:rPr>
+                        <a:t>Main</a:t>
+                      </a:r>
+                    </a:p>
+                    <a:p>
+                      <a:pPr marL="0" marR="0" lvl="0" indent="0" algn="l" defTabSz="2159996" rtl="0" eaLnBrk="1" fontAlgn="auto" latinLnBrk="0" hangingPunct="1">
+                        <a:lnSpc>
+                          <a:spcPct val="100000"/>
+                        </a:lnSpc>
+                        <a:spcBef>
+                          <a:spcPts val="0"/>
+                        </a:spcBef>
+                        <a:spcAft>
+                          <a:spcPts val="0"/>
+                        </a:spcAft>
+                        <a:buClrTx/>
+                        <a:buSzTx/>
+                        <a:buFontTx/>
+                        <a:buNone/>
+                        <a:tabLst/>
+                        <a:defRPr/>
+                      </a:pPr>
+                      <a:r>
+                        <a:rPr lang="en-US" altLang="zh-TW" sz="4000" b="0" dirty="0" smtClean="0">
+                          <a:solidFill>
+                            <a:srgbClr val="FFEBCD"/>
+                          </a:solidFill>
+                          <a:latin typeface="Source Code Pro" panose="020B0509030403020204" pitchFamily="49" charset="0"/>
+                        </a:rPr>
+                        <a:t>Block(128,256,9,16,8)</a:t>
+                      </a:r>
+                      <a:endParaRPr lang="zh-TW" altLang="en-US" sz="4000" b="0" dirty="0" smtClean="0">
+                        <a:solidFill>
+                          <a:srgbClr val="FFEBCD"/>
+                        </a:solidFill>
+                        <a:latin typeface="Source Code Pro" panose="020B0509030403020204" pitchFamily="49" charset="0"/>
+                      </a:endParaRPr>
+                    </a:p>
+                  </a:txBody>
+                  <a:tcPr>
+                    <a:lnL w="12700" cmpd="sng">
+                      <a:noFill/>
+                    </a:lnL>
+                    <a:lnR w="12700" cmpd="sng">
+                      <a:noFill/>
+                    </a:lnR>
+                    <a:lnT w="38100" cap="flat" cmpd="sng" algn="ctr">
+                      <a:solidFill>
+                        <a:schemeClr val="accent4"/>
+                      </a:solidFill>
+                      <a:prstDash val="solid"/>
+                      <a:round/>
+                      <a:headEnd type="none" w="med" len="med"/>
+                      <a:tailEnd type="none" w="med" len="med"/>
+                    </a:lnT>
+                    <a:lnB w="38100" cap="flat" cmpd="sng" algn="ctr">
+                      <a:solidFill>
+                        <a:schemeClr val="accent4"/>
+                      </a:solidFill>
+                      <a:prstDash val="solid"/>
+                      <a:round/>
+                      <a:headEnd type="none" w="med" len="med"/>
+                      <a:tailEnd type="none" w="med" len="med"/>
+                    </a:lnB>
+                    <a:lnTlToBr w="12700" cmpd="sng">
+                      <a:noFill/>
+                      <a:prstDash val="solid"/>
+                    </a:lnTlToBr>
+                    <a:lnBlToTr w="12700" cmpd="sng">
+                      <a:noFill/>
+                      <a:prstDash val="solid"/>
+                    </a:lnBlToTr>
+                    <a:solidFill>
+                      <a:srgbClr val="282828"/>
+                    </a:solidFill>
+                  </a:tcPr>
+                </a:tc>
+              </a:tr>
+              <a:tr h="448137">
+                <a:tc>
+                  <a:txBody>
+                    <a:bodyPr/>
+                    <a:lstStyle/>
+                    <a:p>
+                      <a:pPr marL="0" marR="0" lvl="0" indent="0" algn="l" defTabSz="2159996" rtl="0" eaLnBrk="1" fontAlgn="auto" latinLnBrk="0" hangingPunct="1">
+                        <a:lnSpc>
+                          <a:spcPct val="100000"/>
+                        </a:lnSpc>
+                        <a:spcBef>
+                          <a:spcPts val="0"/>
+                        </a:spcBef>
+                        <a:spcAft>
+                          <a:spcPts val="0"/>
+                        </a:spcAft>
+                        <a:buClrTx/>
+                        <a:buSzTx/>
+                        <a:buFontTx/>
+                        <a:buNone/>
+                        <a:tabLst/>
+                        <a:defRPr/>
+                      </a:pPr>
+                      <a:r>
+                        <a:rPr lang="en-US" altLang="zh-TW" sz="4000" b="0" dirty="0" smtClean="0">
+                          <a:solidFill>
+                            <a:srgbClr val="FFEBCD"/>
+                          </a:solidFill>
+                          <a:latin typeface="Source Code Pro" panose="020B0509030403020204" pitchFamily="49" charset="0"/>
+                        </a:rPr>
+                        <a:t>Main</a:t>
+                      </a:r>
+                    </a:p>
+                    <a:p>
+                      <a:pPr marL="0" marR="0" lvl="0" indent="0" algn="l" defTabSz="2159996" rtl="0" eaLnBrk="1" fontAlgn="auto" latinLnBrk="0" hangingPunct="1">
+                        <a:lnSpc>
+                          <a:spcPct val="100000"/>
+                        </a:lnSpc>
+                        <a:spcBef>
+                          <a:spcPts val="0"/>
+                        </a:spcBef>
+                        <a:spcAft>
+                          <a:spcPts val="0"/>
+                        </a:spcAft>
+                        <a:buClrTx/>
+                        <a:buSzTx/>
+                        <a:buFontTx/>
+                        <a:buNone/>
+                        <a:tabLst/>
+                        <a:defRPr/>
+                      </a:pPr>
+                      <a:r>
+                        <a:rPr lang="en-US" altLang="zh-TW" sz="4000" b="0" dirty="0" smtClean="0">
+                          <a:solidFill>
+                            <a:srgbClr val="FFEBCD"/>
+                          </a:solidFill>
+                          <a:latin typeface="Source Code Pro" panose="020B0509030403020204" pitchFamily="49" charset="0"/>
+                        </a:rPr>
+                        <a:t>Block(128,256,9,16,8)</a:t>
+                      </a:r>
+                      <a:endParaRPr lang="zh-TW" altLang="en-US" sz="4000" b="0" dirty="0" smtClean="0">
+                        <a:solidFill>
+                          <a:srgbClr val="FFEBCD"/>
+                        </a:solidFill>
+                        <a:latin typeface="Source Code Pro" panose="020B0509030403020204" pitchFamily="49" charset="0"/>
+                      </a:endParaRPr>
+                    </a:p>
+                  </a:txBody>
+                  <a:tcPr>
+                    <a:lnL w="12700" cmpd="sng">
+                      <a:noFill/>
+                    </a:lnL>
+                    <a:lnR w="12700" cmpd="sng">
+                      <a:noFill/>
+                    </a:lnR>
+                    <a:lnT w="38100" cap="flat" cmpd="sng" algn="ctr">
+                      <a:solidFill>
+                        <a:schemeClr val="accent4"/>
+                      </a:solidFill>
+                      <a:prstDash val="solid"/>
+                      <a:round/>
+                      <a:headEnd type="none" w="med" len="med"/>
+                      <a:tailEnd type="none" w="med" len="med"/>
+                    </a:lnT>
+                    <a:lnB w="38100" cap="flat" cmpd="sng" algn="ctr">
+                      <a:solidFill>
+                        <a:schemeClr val="accent4"/>
+                      </a:solidFill>
+                      <a:prstDash val="solid"/>
+                      <a:round/>
+                      <a:headEnd type="none" w="med" len="med"/>
+                      <a:tailEnd type="none" w="med" len="med"/>
+                    </a:lnB>
+                    <a:lnTlToBr w="12700" cmpd="sng">
+                      <a:noFill/>
+                      <a:prstDash val="solid"/>
+                    </a:lnTlToBr>
+                    <a:lnBlToTr w="12700" cmpd="sng">
+                      <a:noFill/>
+                      <a:prstDash val="solid"/>
+                    </a:lnBlToTr>
+                    <a:solidFill>
+                      <a:srgbClr val="282828"/>
+                    </a:solidFill>
+                  </a:tcPr>
+                </a:tc>
+              </a:tr>
+            </a:tbl>
+          </a:graphicData>
+        </a:graphic>
+      </p:graphicFrame>
+    </p:spTree>
+    <p:extLst>
+      <p:ext uri="{BB962C8B-B14F-4D97-AF65-F5344CB8AC3E}">
+        <p14:creationId xmlns:p14="http://schemas.microsoft.com/office/powerpoint/2010/main" val="1020962542"/>
       </p:ext>
     </p:extLst>
   </p:cSld>

--- a/final-project/report/img/img.pptx
+++ b/final-project/report/img/img.pptx
@@ -9061,8 +9061,8 @@
           <a:chExt cx="0" cy="0"/>
         </a:xfrm>
       </p:grpSpPr>
-      <mc:AlternateContent xmlns:mc="http://schemas.openxmlformats.org/markup-compatibility/2006">
-        <mc:Choice xmlns:a14="http://schemas.microsoft.com/office/drawing/2010/main" Requires="a14">
+      <mc:AlternateContent xmlns:mc="http://schemas.openxmlformats.org/markup-compatibility/2006" xmlns:a14="http://schemas.microsoft.com/office/drawing/2010/main">
+        <mc:Choice Requires="a14">
           <p:sp>
             <p:nvSpPr>
               <p:cNvPr id="6" name="文字方塊 5"/>
@@ -9248,17 +9248,7 @@
                           <a:latin typeface="Cambria Math" panose="02040503050406030204" pitchFamily="18" charset="0"/>
                           <a:ea typeface="Cambria Math" panose="02040503050406030204" pitchFamily="18" charset="0"/>
                         </a:rPr>
-                        <m:t>+</m:t>
-                      </m:r>
-                      <m:r>
-                        <a:rPr lang="en-US" altLang="zh-TW" sz="5400" i="1">
-                          <a:solidFill>
-                            <a:srgbClr val="FFEBCD"/>
-                          </a:solidFill>
-                          <a:latin typeface="Cambria Math" panose="02040503050406030204" pitchFamily="18" charset="0"/>
-                          <a:ea typeface="Cambria Math" panose="02040503050406030204" pitchFamily="18" charset="0"/>
-                        </a:rPr>
-                        <m:t>(</m:t>
+                        <m:t>+(</m:t>
                       </m:r>
                       <m:r>
                         <a:rPr lang="en-US" altLang="zh-TW" sz="5400" b="0" i="1" smtClean="0">
@@ -9340,7 +9330,7 @@
             </p:txBody>
           </p:sp>
         </mc:Choice>
-        <mc:Fallback>
+        <mc:Fallback xmlns="">
           <p:sp>
             <p:nvSpPr>
               <p:cNvPr id="6" name="文字方塊 5"/>
@@ -9881,8 +9871,8 @@
           </p:sp>
         </mc:Fallback>
       </mc:AlternateContent>
-      <mc:AlternateContent xmlns:mc="http://schemas.openxmlformats.org/markup-compatibility/2006" xmlns:a14="http://schemas.microsoft.com/office/drawing/2010/main">
-        <mc:Choice Requires="a14">
+      <mc:AlternateContent xmlns:mc="http://schemas.openxmlformats.org/markup-compatibility/2006">
+        <mc:Choice xmlns:a14="http://schemas.microsoft.com/office/drawing/2010/main" Requires="a14">
           <p:sp>
             <p:nvSpPr>
               <p:cNvPr id="6" name="文字方塊 5"/>
@@ -9892,7 +9882,7 @@
             <p:spPr>
               <a:xfrm>
                 <a:off x="3368233" y="9191959"/>
-                <a:ext cx="9190299" cy="5029005"/>
+                <a:ext cx="9190299" cy="5150513"/>
               </a:xfrm>
               <a:prstGeom prst="rect">
                 <a:avLst/>
@@ -10446,14 +10436,14 @@
                             </m:e>
                             <m:sub>
                               <m:r>
-                                <a:rPr lang="en-US" altLang="zh-TW" sz="5400" i="1">
+                                <a:rPr lang="en-US" altLang="zh-TW" sz="5400" b="0" i="1" smtClean="0">
                                   <a:solidFill>
                                     <a:srgbClr val="FFEBCD"/>
                                   </a:solidFill>
                                   <a:latin typeface="Cambria Math" panose="02040503050406030204" pitchFamily="18" charset="0"/>
                                   <a:ea typeface="Cambria Math" panose="02040503050406030204" pitchFamily="18" charset="0"/>
                                 </a:rPr>
-                                <m:t>1</m:t>
+                                <m:t>2</m:t>
                               </m:r>
                             </m:sub>
                           </m:sSub>
@@ -10493,14 +10483,14 @@
                             </m:e>
                             <m:sub>
                               <m:r>
-                                <a:rPr lang="en-US" altLang="zh-TW" sz="5400" i="1">
+                                <a:rPr lang="en-US" altLang="zh-TW" sz="5400" b="0" i="1" smtClean="0">
                                   <a:solidFill>
                                     <a:srgbClr val="FFEBCD"/>
                                   </a:solidFill>
                                   <a:latin typeface="Cambria Math" panose="02040503050406030204" pitchFamily="18" charset="0"/>
                                   <a:ea typeface="Cambria Math" panose="02040503050406030204" pitchFamily="18" charset="0"/>
                                 </a:rPr>
-                                <m:t>2</m:t>
+                                <m:t>1</m:t>
                               </m:r>
                             </m:sub>
                             <m:sup>
@@ -10563,7 +10553,7 @@
             </p:txBody>
           </p:sp>
         </mc:Choice>
-        <mc:Fallback xmlns="">
+        <mc:Fallback>
           <p:sp>
             <p:nvSpPr>
               <p:cNvPr id="6" name="文字方塊 5"/>
@@ -10575,7 +10565,7 @@
             <p:spPr>
               <a:xfrm>
                 <a:off x="3368233" y="9191959"/>
-                <a:ext cx="9190299" cy="5029005"/>
+                <a:ext cx="9190299" cy="5150513"/>
               </a:xfrm>
               <a:prstGeom prst="rect">
                 <a:avLst/>

--- a/final-project/report/img/img.pptx
+++ b/final-project/report/img/img.pptx
@@ -206,7 +206,7 @@
           <a:p>
             <a:fld id="{5DF3E262-87A9-4FD0-801D-11C30F528353}" type="datetimeFigureOut">
               <a:rPr lang="zh-TW" altLang="en-US" smtClean="0"/>
-              <a:t>2021/6/29</a:t>
+              <a:t>2021/6/30</a:t>
             </a:fld>
             <a:endParaRPr lang="zh-TW" altLang="en-US"/>
           </a:p>
@@ -1277,7 +1277,7 @@
           <a:p>
             <a:fld id="{3E906AA8-AB23-40FA-BFDB-6A33FBF1CFF0}" type="datetimeFigureOut">
               <a:rPr lang="zh-TW" altLang="en-US" smtClean="0"/>
-              <a:t>2021/6/29</a:t>
+              <a:t>2021/6/30</a:t>
             </a:fld>
             <a:endParaRPr lang="zh-TW" altLang="en-US"/>
           </a:p>
@@ -1447,7 +1447,7 @@
           <a:p>
             <a:fld id="{3E906AA8-AB23-40FA-BFDB-6A33FBF1CFF0}" type="datetimeFigureOut">
               <a:rPr lang="zh-TW" altLang="en-US" smtClean="0"/>
-              <a:t>2021/6/29</a:t>
+              <a:t>2021/6/30</a:t>
             </a:fld>
             <a:endParaRPr lang="zh-TW" altLang="en-US"/>
           </a:p>
@@ -1627,7 +1627,7 @@
           <a:p>
             <a:fld id="{3E906AA8-AB23-40FA-BFDB-6A33FBF1CFF0}" type="datetimeFigureOut">
               <a:rPr lang="zh-TW" altLang="en-US" smtClean="0"/>
-              <a:t>2021/6/29</a:t>
+              <a:t>2021/6/30</a:t>
             </a:fld>
             <a:endParaRPr lang="zh-TW" altLang="en-US"/>
           </a:p>
@@ -1797,7 +1797,7 @@
           <a:p>
             <a:fld id="{3E906AA8-AB23-40FA-BFDB-6A33FBF1CFF0}" type="datetimeFigureOut">
               <a:rPr lang="zh-TW" altLang="en-US" smtClean="0"/>
-              <a:t>2021/6/29</a:t>
+              <a:t>2021/6/30</a:t>
             </a:fld>
             <a:endParaRPr lang="zh-TW" altLang="en-US"/>
           </a:p>
@@ -2041,7 +2041,7 @@
           <a:p>
             <a:fld id="{3E906AA8-AB23-40FA-BFDB-6A33FBF1CFF0}" type="datetimeFigureOut">
               <a:rPr lang="zh-TW" altLang="en-US" smtClean="0"/>
-              <a:t>2021/6/29</a:t>
+              <a:t>2021/6/30</a:t>
             </a:fld>
             <a:endParaRPr lang="zh-TW" altLang="en-US"/>
           </a:p>
@@ -2273,7 +2273,7 @@
           <a:p>
             <a:fld id="{3E906AA8-AB23-40FA-BFDB-6A33FBF1CFF0}" type="datetimeFigureOut">
               <a:rPr lang="zh-TW" altLang="en-US" smtClean="0"/>
-              <a:t>2021/6/29</a:t>
+              <a:t>2021/6/30</a:t>
             </a:fld>
             <a:endParaRPr lang="zh-TW" altLang="en-US"/>
           </a:p>
@@ -2640,7 +2640,7 @@
           <a:p>
             <a:fld id="{3E906AA8-AB23-40FA-BFDB-6A33FBF1CFF0}" type="datetimeFigureOut">
               <a:rPr lang="zh-TW" altLang="en-US" smtClean="0"/>
-              <a:t>2021/6/29</a:t>
+              <a:t>2021/6/30</a:t>
             </a:fld>
             <a:endParaRPr lang="zh-TW" altLang="en-US"/>
           </a:p>
@@ -2758,7 +2758,7 @@
           <a:p>
             <a:fld id="{3E906AA8-AB23-40FA-BFDB-6A33FBF1CFF0}" type="datetimeFigureOut">
               <a:rPr lang="zh-TW" altLang="en-US" smtClean="0"/>
-              <a:t>2021/6/29</a:t>
+              <a:t>2021/6/30</a:t>
             </a:fld>
             <a:endParaRPr lang="zh-TW" altLang="en-US"/>
           </a:p>
@@ -2853,7 +2853,7 @@
           <a:p>
             <a:fld id="{3E906AA8-AB23-40FA-BFDB-6A33FBF1CFF0}" type="datetimeFigureOut">
               <a:rPr lang="zh-TW" altLang="en-US" smtClean="0"/>
-              <a:t>2021/6/29</a:t>
+              <a:t>2021/6/30</a:t>
             </a:fld>
             <a:endParaRPr lang="zh-TW" altLang="en-US"/>
           </a:p>
@@ -3130,7 +3130,7 @@
           <a:p>
             <a:fld id="{3E906AA8-AB23-40FA-BFDB-6A33FBF1CFF0}" type="datetimeFigureOut">
               <a:rPr lang="zh-TW" altLang="en-US" smtClean="0"/>
-              <a:t>2021/6/29</a:t>
+              <a:t>2021/6/30</a:t>
             </a:fld>
             <a:endParaRPr lang="zh-TW" altLang="en-US"/>
           </a:p>
@@ -3387,7 +3387,7 @@
           <a:p>
             <a:fld id="{3E906AA8-AB23-40FA-BFDB-6A33FBF1CFF0}" type="datetimeFigureOut">
               <a:rPr lang="zh-TW" altLang="en-US" smtClean="0"/>
-              <a:t>2021/6/29</a:t>
+              <a:t>2021/6/30</a:t>
             </a:fld>
             <a:endParaRPr lang="zh-TW" altLang="en-US"/>
           </a:p>
@@ -3600,7 +3600,7 @@
           <a:p>
             <a:fld id="{3E906AA8-AB23-40FA-BFDB-6A33FBF1CFF0}" type="datetimeFigureOut">
               <a:rPr lang="zh-TW" altLang="en-US" smtClean="0"/>
-              <a:t>2021/6/29</a:t>
+              <a:t>2021/6/30</a:t>
             </a:fld>
             <a:endParaRPr lang="zh-TW" altLang="en-US"/>
           </a:p>
@@ -18346,15 +18346,13 @@
               </a:avLst>
             </a:prstGeom>
             <a:solidFill>
-              <a:srgbClr val="FF5B9D">
-                <a:alpha val="23000"/>
-              </a:srgbClr>
+              <a:srgbClr val="FF5B9D"/>
             </a:solidFill>
             <a:ln w="31750">
               <a:solidFill>
                 <a:schemeClr val="tx1"/>
               </a:solidFill>
-              <a:prstDash val="dash"/>
+              <a:prstDash val="solid"/>
             </a:ln>
           </p:spPr>
           <p:style>
@@ -18379,12 +18377,9 @@
             <a:p>
               <a:pPr algn="ctr"/>
               <a:r>
-                <a:rPr lang="en-US" altLang="zh-TW" sz="3600" dirty="0" smtClean="0">
+                <a:rPr lang="en-US" altLang="zh-TW" sz="3600" dirty="0">
                   <a:solidFill>
-                    <a:schemeClr val="tx1">
-                      <a:lumMod val="50000"/>
-                      <a:lumOff val="50000"/>
-                    </a:schemeClr>
+                    <a:srgbClr val="282828"/>
                   </a:solidFill>
                   <a:latin typeface="SauceCodePro Nerd Font" panose="020B0509030403020204" pitchFamily="49" charset="0"/>
                 </a:rPr>
@@ -18392,10 +18387,7 @@
               </a:r>
               <a:endParaRPr lang="zh-TW" altLang="en-US" sz="3600" dirty="0">
                 <a:solidFill>
-                  <a:schemeClr val="tx1">
-                    <a:lumMod val="50000"/>
-                    <a:lumOff val="50000"/>
-                  </a:schemeClr>
+                  <a:srgbClr val="282828"/>
                 </a:solidFill>
                 <a:latin typeface="SauceCodePro Nerd Font" panose="020B0509030403020204" pitchFamily="49" charset="0"/>
               </a:endParaRPr>
